--- a/lectures/01_intro.pptx
+++ b/lectures/01_intro.pptx
@@ -5,7 +5,7 @@
     <p:sldMasterId id="2147483648" r:id="rId1"/>
   </p:sldMasterIdLst>
   <p:notesMasterIdLst>
-    <p:notesMasterId r:id="rId41"/>
+    <p:notesMasterId r:id="rId42"/>
   </p:notesMasterIdLst>
   <p:sldIdLst>
     <p:sldId id="257" r:id="rId2"/>
@@ -24,29 +24,30 @@
     <p:sldId id="319" r:id="rId15"/>
     <p:sldId id="309" r:id="rId16"/>
     <p:sldId id="275" r:id="rId17"/>
-    <p:sldId id="267" r:id="rId18"/>
-    <p:sldId id="285" r:id="rId19"/>
-    <p:sldId id="292" r:id="rId20"/>
-    <p:sldId id="278" r:id="rId21"/>
-    <p:sldId id="295" r:id="rId22"/>
-    <p:sldId id="290" r:id="rId23"/>
-    <p:sldId id="300" r:id="rId24"/>
-    <p:sldId id="279" r:id="rId25"/>
-    <p:sldId id="280" r:id="rId26"/>
-    <p:sldId id="281" r:id="rId27"/>
-    <p:sldId id="294" r:id="rId28"/>
-    <p:sldId id="313" r:id="rId29"/>
-    <p:sldId id="335" r:id="rId30"/>
-    <p:sldId id="336" r:id="rId31"/>
-    <p:sldId id="337" r:id="rId32"/>
-    <p:sldId id="350" r:id="rId33"/>
-    <p:sldId id="338" r:id="rId34"/>
-    <p:sldId id="339" r:id="rId35"/>
-    <p:sldId id="351" r:id="rId36"/>
-    <p:sldId id="283" r:id="rId37"/>
-    <p:sldId id="284" r:id="rId38"/>
-    <p:sldId id="308" r:id="rId39"/>
-    <p:sldId id="282" r:id="rId40"/>
+    <p:sldId id="352" r:id="rId18"/>
+    <p:sldId id="267" r:id="rId19"/>
+    <p:sldId id="285" r:id="rId20"/>
+    <p:sldId id="292" r:id="rId21"/>
+    <p:sldId id="278" r:id="rId22"/>
+    <p:sldId id="295" r:id="rId23"/>
+    <p:sldId id="290" r:id="rId24"/>
+    <p:sldId id="300" r:id="rId25"/>
+    <p:sldId id="279" r:id="rId26"/>
+    <p:sldId id="280" r:id="rId27"/>
+    <p:sldId id="281" r:id="rId28"/>
+    <p:sldId id="294" r:id="rId29"/>
+    <p:sldId id="313" r:id="rId30"/>
+    <p:sldId id="335" r:id="rId31"/>
+    <p:sldId id="336" r:id="rId32"/>
+    <p:sldId id="337" r:id="rId33"/>
+    <p:sldId id="350" r:id="rId34"/>
+    <p:sldId id="338" r:id="rId35"/>
+    <p:sldId id="339" r:id="rId36"/>
+    <p:sldId id="351" r:id="rId37"/>
+    <p:sldId id="283" r:id="rId38"/>
+    <p:sldId id="284" r:id="rId39"/>
+    <p:sldId id="308" r:id="rId40"/>
+    <p:sldId id="282" r:id="rId41"/>
   </p:sldIdLst>
   <p:sldSz cx="9144000" cy="6858000" type="screen4x3"/>
   <p:notesSz cx="6858000" cy="9144000"/>
@@ -246,7 +247,7 @@
           <a:p>
             <a:fld id="{8563B117-C548-C24D-B5EC-9EEE3D79DFC1}" type="datetimeFigureOut">
               <a:rPr lang="en-US" smtClean="0"/>
-              <a:t>1/7/26</a:t>
+              <a:t>1/8/26</a:t>
             </a:fld>
             <a:endParaRPr lang="en-US"/>
           </a:p>
@@ -746,7 +747,7 @@
           <a:p>
             <a:fld id="{E57CD0FA-6A7B-8444-A447-3B5AA0B24289}" type="slidenum">
               <a:rPr lang="en-US" smtClean="0"/>
-              <a:t>26</a:t>
+              <a:t>27</a:t>
             </a:fld>
             <a:endParaRPr lang="en-US"/>
           </a:p>
@@ -830,7 +831,7 @@
           <a:p>
             <a:fld id="{E57CD0FA-6A7B-8444-A447-3B5AA0B24289}" type="slidenum">
               <a:rPr lang="en-US" smtClean="0"/>
-              <a:t>27</a:t>
+              <a:t>28</a:t>
             </a:fld>
             <a:endParaRPr lang="en-US"/>
           </a:p>
@@ -914,7 +915,7 @@
           <a:p>
             <a:fld id="{E57CD0FA-6A7B-8444-A447-3B5AA0B24289}" type="slidenum">
               <a:rPr lang="en-US" smtClean="0"/>
-              <a:t>29</a:t>
+              <a:t>30</a:t>
             </a:fld>
             <a:endParaRPr lang="en-US"/>
           </a:p>
@@ -998,7 +999,7 @@
           <a:p>
             <a:fld id="{E57CD0FA-6A7B-8444-A447-3B5AA0B24289}" type="slidenum">
               <a:rPr lang="en-US" smtClean="0"/>
-              <a:t>30</a:t>
+              <a:t>31</a:t>
             </a:fld>
             <a:endParaRPr lang="en-US"/>
           </a:p>
@@ -1082,7 +1083,7 @@
           <a:p>
             <a:fld id="{E57CD0FA-6A7B-8444-A447-3B5AA0B24289}" type="slidenum">
               <a:rPr lang="en-US" smtClean="0"/>
-              <a:t>31</a:t>
+              <a:t>32</a:t>
             </a:fld>
             <a:endParaRPr lang="en-US"/>
           </a:p>
@@ -1166,7 +1167,7 @@
           <a:p>
             <a:fld id="{E57CD0FA-6A7B-8444-A447-3B5AA0B24289}" type="slidenum">
               <a:rPr lang="en-US" smtClean="0"/>
-              <a:t>34</a:t>
+              <a:t>35</a:t>
             </a:fld>
             <a:endParaRPr lang="en-US"/>
           </a:p>
@@ -1250,7 +1251,7 @@
           <a:p>
             <a:fld id="{E57CD0FA-6A7B-8444-A447-3B5AA0B24289}" type="slidenum">
               <a:rPr lang="en-US" smtClean="0"/>
-              <a:t>39</a:t>
+              <a:t>40</a:t>
             </a:fld>
             <a:endParaRPr lang="en-US"/>
           </a:p>
@@ -1448,7 +1449,7 @@
           <a:p>
             <a:fld id="{60539F5D-AA60-3342-98DF-B6AF9FAAD332}" type="datetimeFigureOut">
               <a:rPr lang="en-US" smtClean="0"/>
-              <a:t>1/7/26</a:t>
+              <a:t>1/8/26</a:t>
             </a:fld>
             <a:endParaRPr lang="en-US"/>
           </a:p>
@@ -1616,7 +1617,7 @@
           <a:p>
             <a:fld id="{60539F5D-AA60-3342-98DF-B6AF9FAAD332}" type="datetimeFigureOut">
               <a:rPr lang="en-US" smtClean="0"/>
-              <a:t>1/7/26</a:t>
+              <a:t>1/8/26</a:t>
             </a:fld>
             <a:endParaRPr lang="en-US"/>
           </a:p>
@@ -1794,7 +1795,7 @@
           <a:p>
             <a:fld id="{60539F5D-AA60-3342-98DF-B6AF9FAAD332}" type="datetimeFigureOut">
               <a:rPr lang="en-US" smtClean="0"/>
-              <a:t>1/7/26</a:t>
+              <a:t>1/8/26</a:t>
             </a:fld>
             <a:endParaRPr lang="en-US"/>
           </a:p>
@@ -1962,7 +1963,7 @@
           <a:p>
             <a:fld id="{60539F5D-AA60-3342-98DF-B6AF9FAAD332}" type="datetimeFigureOut">
               <a:rPr lang="en-US" smtClean="0"/>
-              <a:t>1/7/26</a:t>
+              <a:t>1/8/26</a:t>
             </a:fld>
             <a:endParaRPr lang="en-US"/>
           </a:p>
@@ -2207,7 +2208,7 @@
           <a:p>
             <a:fld id="{60539F5D-AA60-3342-98DF-B6AF9FAAD332}" type="datetimeFigureOut">
               <a:rPr lang="en-US" smtClean="0"/>
-              <a:t>1/7/26</a:t>
+              <a:t>1/8/26</a:t>
             </a:fld>
             <a:endParaRPr lang="en-US"/>
           </a:p>
@@ -2492,7 +2493,7 @@
           <a:p>
             <a:fld id="{60539F5D-AA60-3342-98DF-B6AF9FAAD332}" type="datetimeFigureOut">
               <a:rPr lang="en-US" smtClean="0"/>
-              <a:t>1/7/26</a:t>
+              <a:t>1/8/26</a:t>
             </a:fld>
             <a:endParaRPr lang="en-US"/>
           </a:p>
@@ -2911,7 +2912,7 @@
           <a:p>
             <a:fld id="{60539F5D-AA60-3342-98DF-B6AF9FAAD332}" type="datetimeFigureOut">
               <a:rPr lang="en-US" smtClean="0"/>
-              <a:t>1/7/26</a:t>
+              <a:t>1/8/26</a:t>
             </a:fld>
             <a:endParaRPr lang="en-US"/>
           </a:p>
@@ -3028,7 +3029,7 @@
           <a:p>
             <a:fld id="{60539F5D-AA60-3342-98DF-B6AF9FAAD332}" type="datetimeFigureOut">
               <a:rPr lang="en-US" smtClean="0"/>
-              <a:t>1/7/26</a:t>
+              <a:t>1/8/26</a:t>
             </a:fld>
             <a:endParaRPr lang="en-US"/>
           </a:p>
@@ -3123,7 +3124,7 @@
           <a:p>
             <a:fld id="{60539F5D-AA60-3342-98DF-B6AF9FAAD332}" type="datetimeFigureOut">
               <a:rPr lang="en-US" smtClean="0"/>
-              <a:t>1/7/26</a:t>
+              <a:t>1/8/26</a:t>
             </a:fld>
             <a:endParaRPr lang="en-US"/>
           </a:p>
@@ -3398,7 +3399,7 @@
           <a:p>
             <a:fld id="{60539F5D-AA60-3342-98DF-B6AF9FAAD332}" type="datetimeFigureOut">
               <a:rPr lang="en-US" smtClean="0"/>
-              <a:t>1/7/26</a:t>
+              <a:t>1/8/26</a:t>
             </a:fld>
             <a:endParaRPr lang="en-US"/>
           </a:p>
@@ -3650,7 +3651,7 @@
           <a:p>
             <a:fld id="{60539F5D-AA60-3342-98DF-B6AF9FAAD332}" type="datetimeFigureOut">
               <a:rPr lang="en-US" smtClean="0"/>
-              <a:t>1/7/26</a:t>
+              <a:t>1/8/26</a:t>
             </a:fld>
             <a:endParaRPr lang="en-US"/>
           </a:p>
@@ -3861,7 +3862,7 @@
           <a:p>
             <a:fld id="{60539F5D-AA60-3342-98DF-B6AF9FAAD332}" type="datetimeFigureOut">
               <a:rPr lang="en-US" smtClean="0"/>
-              <a:t>1/7/26</a:t>
+              <a:t>1/8/26</a:t>
             </a:fld>
             <a:endParaRPr lang="en-US"/>
           </a:p>
@@ -4481,7 +4482,7 @@
         <p:spPr>
           <a:xfrm>
             <a:off x="264903" y="1225513"/>
-            <a:ext cx="8663865" cy="2680542"/>
+            <a:ext cx="8663865" cy="3065263"/>
           </a:xfrm>
           <a:prstGeom prst="rect">
             <a:avLst/>
@@ -4498,6 +4499,9 @@
               <a:lnSpc>
                 <a:spcPct val="110000"/>
               </a:lnSpc>
+              <a:spcAft>
+                <a:spcPts val="600"/>
+              </a:spcAft>
               <a:buFont typeface="+mj-lt"/>
               <a:buAutoNum type="arabicPeriod"/>
             </a:pPr>
@@ -4506,7 +4510,7 @@
                 <a:latin typeface="Calibri Light" panose="020F0302020204030204" pitchFamily="34" charset="0"/>
                 <a:cs typeface="Calibri Light" panose="020F0302020204030204" pitchFamily="34" charset="0"/>
               </a:rPr>
-              <a:t>Windows Subsystem for Linux 2 (WSL2) (</a:t>
+              <a:t>VMWare is the best solution: </a:t>
             </a:r>
             <a:r>
               <a:rPr lang="en-US" sz="2200" dirty="0">
@@ -4514,21 +4518,21 @@
                 <a:cs typeface="Calibri Light" panose="020F0302020204030204" pitchFamily="34" charset="0"/>
                 <a:hlinkClick r:id="rId2"/>
               </a:rPr>
-              <a:t>link</a:t>
-            </a:r>
-            <a:r>
-              <a:rPr lang="en-US" sz="2200" dirty="0">
-                <a:latin typeface="Calibri Light" panose="020F0302020204030204" pitchFamily="34" charset="0"/>
-                <a:cs typeface="Calibri Light" panose="020F0302020204030204" pitchFamily="34" charset="0"/>
-              </a:rPr>
-              <a:t>)</a:t>
-            </a:r>
+              <a:t>follow these instructions </a:t>
+            </a:r>
+            <a:endParaRPr lang="en-US" sz="2200" dirty="0">
+              <a:latin typeface="Calibri Light" panose="020F0302020204030204" pitchFamily="34" charset="0"/>
+              <a:cs typeface="Calibri Light" panose="020F0302020204030204" pitchFamily="34" charset="0"/>
+            </a:endParaRPr>
           </a:p>
           <a:p>
             <a:pPr marL="346075" lvl="1" indent="-339725">
               <a:lnSpc>
                 <a:spcPct val="110000"/>
               </a:lnSpc>
+              <a:spcAft>
+                <a:spcPts val="600"/>
+              </a:spcAft>
               <a:buFont typeface="+mj-lt"/>
               <a:buAutoNum type="arabicPeriod"/>
             </a:pPr>
@@ -4537,7 +4541,7 @@
                 <a:latin typeface="Calibri Light" panose="020F0302020204030204" pitchFamily="34" charset="0"/>
                 <a:cs typeface="Calibri Light" panose="020F0302020204030204" pitchFamily="34" charset="0"/>
               </a:rPr>
-              <a:t>Use </a:t>
+              <a:t>Windows Subsystem for Linux 2 (WSL2) (</a:t>
             </a:r>
             <a:r>
               <a:rPr lang="en-US" sz="2200" dirty="0">
@@ -4545,14 +4549,14 @@
                 <a:cs typeface="Calibri Light" panose="020F0302020204030204" pitchFamily="34" charset="0"/>
                 <a:hlinkClick r:id="rId3"/>
               </a:rPr>
-              <a:t>PuTTY</a:t>
+              <a:t>link</a:t>
             </a:r>
             <a:r>
               <a:rPr lang="en-US" sz="2200" dirty="0">
                 <a:latin typeface="Calibri Light" panose="020F0302020204030204" pitchFamily="34" charset="0"/>
                 <a:cs typeface="Calibri Light" panose="020F0302020204030204" pitchFamily="34" charset="0"/>
               </a:rPr>
-              <a:t>, an SSH client that will allow you to just log into and use a remote computer</a:t>
+              <a:t>)</a:t>
             </a:r>
           </a:p>
           <a:p>
@@ -4560,6 +4564,43 @@
               <a:lnSpc>
                 <a:spcPct val="110000"/>
               </a:lnSpc>
+              <a:spcAft>
+                <a:spcPts val="600"/>
+              </a:spcAft>
+              <a:buFont typeface="+mj-lt"/>
+              <a:buAutoNum type="arabicPeriod"/>
+            </a:pPr>
+            <a:r>
+              <a:rPr lang="en-US" sz="2200" dirty="0">
+                <a:latin typeface="Calibri Light" panose="020F0302020204030204" pitchFamily="34" charset="0"/>
+                <a:cs typeface="Calibri Light" panose="020F0302020204030204" pitchFamily="34" charset="0"/>
+              </a:rPr>
+              <a:t>Use </a:t>
+            </a:r>
+            <a:r>
+              <a:rPr lang="en-US" sz="2200" dirty="0">
+                <a:latin typeface="Calibri Light" panose="020F0302020204030204" pitchFamily="34" charset="0"/>
+                <a:cs typeface="Calibri Light" panose="020F0302020204030204" pitchFamily="34" charset="0"/>
+                <a:hlinkClick r:id="rId4"/>
+              </a:rPr>
+              <a:t>PuTTY</a:t>
+            </a:r>
+            <a:r>
+              <a:rPr lang="en-US" sz="2200" dirty="0">
+                <a:latin typeface="Calibri Light" panose="020F0302020204030204" pitchFamily="34" charset="0"/>
+                <a:cs typeface="Calibri Light" panose="020F0302020204030204" pitchFamily="34" charset="0"/>
+              </a:rPr>
+              <a:t>, an SSH client that will allow you to just log into and use a remote computer</a:t>
+            </a:r>
+          </a:p>
+          <a:p>
+            <a:pPr marL="346075" lvl="1" indent="-339725">
+              <a:lnSpc>
+                <a:spcPct val="110000"/>
+              </a:lnSpc>
+              <a:spcAft>
+                <a:spcPts val="600"/>
+              </a:spcAft>
               <a:buFont typeface="+mj-lt"/>
               <a:buAutoNum type="arabicPeriod"/>
             </a:pPr>
@@ -4576,6 +4617,9 @@
               <a:lnSpc>
                 <a:spcPct val="110000"/>
               </a:lnSpc>
+              <a:spcAft>
+                <a:spcPts val="600"/>
+              </a:spcAft>
               <a:buFont typeface="Arial"/>
               <a:buChar char="•"/>
             </a:pPr>
@@ -4583,7 +4627,7 @@
               <a:rPr lang="en-US" sz="2200" dirty="0">
                 <a:latin typeface="Calibri Light" panose="020F0302020204030204" pitchFamily="34" charset="0"/>
                 <a:cs typeface="Calibri Light" panose="020F0302020204030204" pitchFamily="34" charset="0"/>
-                <a:hlinkClick r:id="rId4"/>
+                <a:hlinkClick r:id="rId5"/>
               </a:rPr>
               <a:t>http://unetbootin.sourceforge.net/</a:t>
             </a:r>
@@ -4597,6 +4641,9 @@
               <a:lnSpc>
                 <a:spcPct val="110000"/>
               </a:lnSpc>
+              <a:spcAft>
+                <a:spcPts val="600"/>
+              </a:spcAft>
               <a:buFont typeface="Arial"/>
               <a:buChar char="•"/>
             </a:pPr>
@@ -4607,32 +4654,6 @@
               </a:rPr>
               <a:t>Need to start and restart your computer to switch the OS</a:t>
             </a:r>
-          </a:p>
-          <a:p>
-            <a:pPr marL="7938" lvl="1">
-              <a:lnSpc>
-                <a:spcPct val="110000"/>
-              </a:lnSpc>
-            </a:pPr>
-            <a:r>
-              <a:rPr lang="en-US" sz="2200" dirty="0">
-                <a:latin typeface="Calibri Light" panose="020F0302020204030204" pitchFamily="34" charset="0"/>
-                <a:cs typeface="Calibri Light" panose="020F0302020204030204" pitchFamily="34" charset="0"/>
-              </a:rPr>
-              <a:t>4. VMWare is the best solution: </a:t>
-            </a:r>
-            <a:r>
-              <a:rPr lang="en-US" sz="2200" dirty="0">
-                <a:latin typeface="Calibri Light" panose="020F0302020204030204" pitchFamily="34" charset="0"/>
-                <a:cs typeface="Calibri Light" panose="020F0302020204030204" pitchFamily="34" charset="0"/>
-                <a:hlinkClick r:id="rId5"/>
-              </a:rPr>
-              <a:t>follow these instructions</a:t>
-            </a:r>
-            <a:endParaRPr lang="en-US" sz="2200" dirty="0">
-              <a:latin typeface="Calibri Light" panose="020F0302020204030204" pitchFamily="34" charset="0"/>
-              <a:cs typeface="Calibri Light" panose="020F0302020204030204" pitchFamily="34" charset="0"/>
-            </a:endParaRPr>
           </a:p>
         </p:txBody>
       </p:sp>
@@ -5875,7 +5896,13 @@
   <p:cSld>
     <p:spTree>
       <p:nvGrpSpPr>
-        <p:cNvPr id="1" name=""/>
+        <p:cNvPr id="1" name="">
+          <a:extLst>
+            <a:ext uri="{FF2B5EF4-FFF2-40B4-BE49-F238E27FC236}">
+              <a16:creationId xmlns:a16="http://schemas.microsoft.com/office/drawing/2014/main" id="{A74FF2A7-FB29-9CE2-7016-2FCE562E891E}"/>
+            </a:ext>
+          </a:extLst>
+        </p:cNvPr>
         <p:cNvGrpSpPr/>
         <p:nvPr/>
       </p:nvGrpSpPr>
@@ -5889,43 +5916,20 @@
       </p:grpSpPr>
       <p:sp>
         <p:nvSpPr>
-          <p:cNvPr id="2" name="Title 1"/>
-          <p:cNvSpPr>
-            <a:spLocks noGrp="1"/>
-          </p:cNvSpPr>
-          <p:nvPr>
-            <p:ph type="ctrTitle"/>
-          </p:nvPr>
-        </p:nvSpPr>
-        <p:spPr>
-          <a:xfrm>
-            <a:off x="364627" y="289419"/>
-            <a:ext cx="8436747" cy="862385"/>
-          </a:xfrm>
-        </p:spPr>
-        <p:txBody>
-          <a:bodyPr>
-            <a:normAutofit/>
-          </a:bodyPr>
-          <a:lstStyle/>
-          <a:p>
-            <a:r>
-              <a:rPr lang="en-US" sz="3600" dirty="0"/>
-              <a:t>Your PATH</a:t>
-            </a:r>
-          </a:p>
-        </p:txBody>
-      </p:sp>
-      <p:sp>
-        <p:nvSpPr>
-          <p:cNvPr id="4" name="TextBox 3"/>
+          <p:cNvPr id="2" name="TextBox 1">
+            <a:extLst>
+              <a:ext uri="{FF2B5EF4-FFF2-40B4-BE49-F238E27FC236}">
+                <a16:creationId xmlns:a16="http://schemas.microsoft.com/office/drawing/2014/main" id="{B52C809B-F86D-EE71-1A77-851ADE91FDA7}"/>
+              </a:ext>
+            </a:extLst>
+          </p:cNvPr>
           <p:cNvSpPr txBox="1"/>
           <p:nvPr/>
         </p:nvSpPr>
         <p:spPr>
           <a:xfrm>
-            <a:off x="264903" y="1155522"/>
-            <a:ext cx="8663865" cy="4970591"/>
+            <a:off x="1277815" y="1902041"/>
+            <a:ext cx="5632939" cy="769441"/>
           </a:xfrm>
           <a:prstGeom prst="rect">
             <a:avLst/>
@@ -5938,280 +5942,34 @@
           </a:bodyPr>
           <a:lstStyle/>
           <a:p>
-            <a:pPr marL="512763" lvl="1" indent="-287338">
-              <a:lnSpc>
-                <a:spcPct val="110000"/>
-              </a:lnSpc>
-              <a:buFont typeface="Arial"/>
-              <a:buChar char="•"/>
-            </a:pPr>
-            <a:r>
-              <a:rPr lang="en-US" sz="2400" dirty="0"/>
-              <a:t>A </a:t>
-            </a:r>
-            <a:r>
-              <a:rPr lang="en-US" sz="2400" b="1" dirty="0"/>
-              <a:t>path</a:t>
-            </a:r>
-            <a:r>
-              <a:rPr lang="en-US" sz="2400" dirty="0"/>
-              <a:t> is a written description of a location in the </a:t>
-            </a:r>
-            <a:r>
-              <a:rPr lang="en-US" sz="2400" dirty="0" err="1"/>
-              <a:t>filesystem</a:t>
-            </a:r>
-            <a:endParaRPr lang="en-US" sz="2400" dirty="0"/>
-          </a:p>
-          <a:p>
-            <a:pPr marL="512763" lvl="1" indent="-287338">
-              <a:lnSpc>
-                <a:spcPct val="110000"/>
-              </a:lnSpc>
-              <a:buFont typeface="Arial"/>
-              <a:buChar char="•"/>
-            </a:pPr>
-            <a:r>
-              <a:rPr lang="en-US" sz="2400" dirty="0"/>
-              <a:t>Both directories and files have paths</a:t>
-            </a:r>
-          </a:p>
-          <a:p>
-            <a:pPr marL="512763" lvl="1" indent="-287338">
-              <a:lnSpc>
-                <a:spcPct val="110000"/>
-              </a:lnSpc>
-              <a:buFont typeface="Arial"/>
-              <a:buChar char="•"/>
-            </a:pPr>
-            <a:r>
-              <a:rPr lang="en-US" sz="2400" dirty="0"/>
-              <a:t>Consists of directory names separated by forward slashes (/)</a:t>
-            </a:r>
-          </a:p>
-          <a:p>
-            <a:pPr marL="512763" lvl="1" indent="-287338">
-              <a:lnSpc>
-                <a:spcPct val="110000"/>
-              </a:lnSpc>
-              <a:buFont typeface="Arial"/>
-              <a:buChar char="•"/>
-            </a:pPr>
-            <a:r>
-              <a:rPr lang="en-US" sz="2400" b="1" dirty="0"/>
-              <a:t>Absolute path</a:t>
-            </a:r>
-            <a:r>
-              <a:rPr lang="en-US" sz="2400" dirty="0"/>
-              <a:t> – complete and unambiguous location starting from root; always starts with a forward slash (/)</a:t>
-            </a:r>
-          </a:p>
-          <a:p>
-            <a:pPr marL="225425" lvl="1" algn="ctr">
-              <a:lnSpc>
-                <a:spcPct val="110000"/>
-              </a:lnSpc>
-            </a:pPr>
-            <a:endParaRPr lang="en-US" sz="1000" b="1" dirty="0">
-              <a:solidFill>
-                <a:srgbClr val="008000"/>
-              </a:solidFill>
-              <a:cs typeface="Courier"/>
-            </a:endParaRPr>
-          </a:p>
-          <a:p>
-            <a:pPr marL="225425" lvl="1" algn="ctr">
-              <a:lnSpc>
-                <a:spcPct val="110000"/>
-              </a:lnSpc>
-            </a:pPr>
-            <a:r>
-              <a:rPr lang="en-US" sz="2100" b="1" dirty="0">
-                <a:solidFill>
-                  <a:srgbClr val="FF0000"/>
-                </a:solidFill>
-                <a:latin typeface="Courier"/>
-                <a:cs typeface="Courier"/>
-              </a:rPr>
-              <a:t>/Users/</a:t>
-            </a:r>
-            <a:r>
-              <a:rPr lang="en-US" sz="2100" b="1" dirty="0" err="1">
-                <a:solidFill>
-                  <a:srgbClr val="FF0000"/>
-                </a:solidFill>
-                <a:latin typeface="Courier"/>
-                <a:cs typeface="Courier"/>
-              </a:rPr>
-              <a:t>aja</a:t>
-            </a:r>
-            <a:r>
-              <a:rPr lang="en-US" sz="2100" b="1" dirty="0">
-                <a:solidFill>
-                  <a:srgbClr val="FF0000"/>
-                </a:solidFill>
-                <a:latin typeface="Courier"/>
-                <a:cs typeface="Courier"/>
-              </a:rPr>
-              <a:t>/Desktop/</a:t>
-            </a:r>
-            <a:r>
-              <a:rPr lang="en-US" sz="2100" b="1" dirty="0" err="1">
-                <a:solidFill>
-                  <a:srgbClr val="FF0000"/>
-                </a:solidFill>
-                <a:latin typeface="Courier"/>
-                <a:cs typeface="Courier"/>
-              </a:rPr>
-              <a:t>watermelon_files</a:t>
-            </a:r>
-            <a:r>
-              <a:rPr lang="en-US" sz="2100" b="1" dirty="0">
-                <a:solidFill>
-                  <a:srgbClr val="FF0000"/>
-                </a:solidFill>
-                <a:latin typeface="Courier"/>
-                <a:cs typeface="Courier"/>
-              </a:rPr>
-              <a:t>/</a:t>
-            </a:r>
-            <a:r>
-              <a:rPr lang="en-US" sz="2100" b="1" dirty="0" err="1">
-                <a:solidFill>
-                  <a:srgbClr val="FF0000"/>
-                </a:solidFill>
-                <a:latin typeface="Courier"/>
-                <a:cs typeface="Courier"/>
-              </a:rPr>
-              <a:t>watermelon.fsa</a:t>
-            </a:r>
-            <a:endParaRPr lang="en-US" sz="2100" b="1" dirty="0">
-              <a:solidFill>
-                <a:srgbClr val="FF0000"/>
-              </a:solidFill>
-              <a:latin typeface="Courier"/>
-              <a:cs typeface="Courier"/>
-            </a:endParaRPr>
-          </a:p>
-          <a:p>
-            <a:pPr marL="225425" lvl="1" algn="ctr">
-              <a:lnSpc>
-                <a:spcPct val="110000"/>
-              </a:lnSpc>
-            </a:pPr>
-            <a:endParaRPr lang="en-US" sz="1000" b="1" dirty="0">
-              <a:solidFill>
-                <a:srgbClr val="008000"/>
-              </a:solidFill>
-              <a:cs typeface="Courier"/>
-            </a:endParaRPr>
-          </a:p>
-          <a:p>
-            <a:pPr marL="512763" lvl="1" indent="-287338">
-              <a:lnSpc>
-                <a:spcPct val="110000"/>
-              </a:lnSpc>
-              <a:buFont typeface="Arial"/>
-              <a:buChar char="•"/>
-            </a:pPr>
-            <a:r>
-              <a:rPr lang="en-US" sz="2400" b="1" dirty="0"/>
-              <a:t>Relative path</a:t>
-            </a:r>
-            <a:r>
-              <a:rPr lang="en-US" sz="2400" dirty="0"/>
-              <a:t> – describes where a file or folder is in relation to another folder, usually the working directory</a:t>
-            </a:r>
-          </a:p>
-          <a:p>
-            <a:pPr marL="512763" lvl="1" indent="-287338">
-              <a:lnSpc>
-                <a:spcPct val="110000"/>
-              </a:lnSpc>
-              <a:buFont typeface="Arial"/>
-              <a:buChar char="•"/>
-            </a:pPr>
-            <a:r>
-              <a:rPr lang="en-US" sz="2400" b="1" dirty="0"/>
-              <a:t>Working directory</a:t>
-            </a:r>
-            <a:r>
-              <a:rPr lang="en-US" sz="2400" dirty="0"/>
-              <a:t> – where you're at right now; if you're in the Desktop, the relative path to </a:t>
-            </a:r>
-            <a:r>
-              <a:rPr lang="en-US" sz="2100" dirty="0" err="1">
-                <a:latin typeface="Courier"/>
-                <a:cs typeface="Courier"/>
-              </a:rPr>
-              <a:t>watermelon.fsa</a:t>
-            </a:r>
-            <a:r>
-              <a:rPr lang="en-US" sz="2400" dirty="0"/>
-              <a:t> is:</a:t>
-            </a:r>
-          </a:p>
-          <a:p>
-            <a:pPr marL="225425" lvl="1" algn="ctr">
-              <a:lnSpc>
-                <a:spcPct val="110000"/>
-              </a:lnSpc>
-            </a:pPr>
-            <a:endParaRPr lang="en-US" sz="1050" b="1" dirty="0">
-              <a:solidFill>
-                <a:srgbClr val="008000"/>
-              </a:solidFill>
-              <a:cs typeface="Courier"/>
-            </a:endParaRPr>
-          </a:p>
-          <a:p>
-            <a:pPr marL="225425" lvl="1" algn="ctr">
-              <a:lnSpc>
-                <a:spcPct val="110000"/>
-              </a:lnSpc>
-            </a:pPr>
-            <a:r>
-              <a:rPr lang="en-US" sz="2100" b="1" dirty="0" err="1">
-                <a:solidFill>
-                  <a:srgbClr val="FF0000"/>
-                </a:solidFill>
-                <a:latin typeface="Courier"/>
-                <a:cs typeface="Courier"/>
-              </a:rPr>
-              <a:t>watermelon_files</a:t>
-            </a:r>
-            <a:r>
-              <a:rPr lang="en-US" sz="2100" b="1" dirty="0">
-                <a:solidFill>
-                  <a:srgbClr val="FF0000"/>
-                </a:solidFill>
-                <a:latin typeface="Courier"/>
-                <a:cs typeface="Courier"/>
-              </a:rPr>
-              <a:t>/</a:t>
-            </a:r>
-            <a:r>
-              <a:rPr lang="en-US" sz="2100" b="1" dirty="0" err="1">
-                <a:solidFill>
-                  <a:srgbClr val="FF0000"/>
-                </a:solidFill>
-                <a:latin typeface="Courier"/>
-                <a:cs typeface="Courier"/>
-              </a:rPr>
-              <a:t>watermelon.fsa</a:t>
-            </a:r>
-            <a:endParaRPr lang="en-US" sz="2100" dirty="0">
-              <a:solidFill>
-                <a:srgbClr val="FF0000"/>
-              </a:solidFill>
-            </a:endParaRPr>
+            <a:r>
+              <a:rPr lang="en-US" sz="2200" b="1" dirty="0">
+                <a:latin typeface="Courier" pitchFamily="2" charset="0"/>
+              </a:rPr>
+              <a:t>Reading</a:t>
+            </a:r>
+          </a:p>
+          <a:p>
+            <a:r>
+              <a:rPr lang="en-US" sz="2200" dirty="0">
+                <a:latin typeface="Courier" pitchFamily="2" charset="0"/>
+                <a:hlinkClick r:id="rId2"/>
+              </a:rPr>
+              <a:t>File not found</a:t>
+            </a:r>
+            <a:r>
+              <a:rPr lang="en-US" sz="2200" dirty="0">
+                <a:latin typeface="Courier" pitchFamily="2" charset="0"/>
+              </a:rPr>
+              <a:t> by Monica Chin</a:t>
+            </a:r>
           </a:p>
         </p:txBody>
       </p:sp>
     </p:spTree>
     <p:extLst>
       <p:ext uri="{BB962C8B-B14F-4D97-AF65-F5344CB8AC3E}">
-        <p14:creationId xmlns:p14="http://schemas.microsoft.com/office/powerpoint/2010/main" val="494649188"/>
+        <p14:creationId xmlns:p14="http://schemas.microsoft.com/office/powerpoint/2010/main" val="3860693008"/>
       </p:ext>
     </p:extLst>
   </p:cSld>
@@ -6250,7 +6008,7 @@
         </p:nvSpPr>
         <p:spPr>
           <a:xfrm>
-            <a:off x="371056" y="1437708"/>
+            <a:off x="364627" y="289419"/>
             <a:ext cx="8436747" cy="862385"/>
           </a:xfrm>
         </p:spPr>
@@ -6261,22 +6019,22 @@
           <a:lstStyle/>
           <a:p>
             <a:r>
-              <a:rPr lang="en-US" sz="3600" b="1" dirty="0"/>
-              <a:t>*MAC SHORTCUT*</a:t>
+              <a:rPr lang="en-US" sz="3600" dirty="0"/>
+              <a:t>Your PATH</a:t>
             </a:r>
           </a:p>
         </p:txBody>
       </p:sp>
       <p:sp>
         <p:nvSpPr>
-          <p:cNvPr id="3" name="TextBox 2"/>
+          <p:cNvPr id="4" name="TextBox 3"/>
           <p:cNvSpPr txBox="1"/>
           <p:nvPr/>
         </p:nvSpPr>
         <p:spPr>
           <a:xfrm>
-            <a:off x="804123" y="2896924"/>
-            <a:ext cx="7570612" cy="830997"/>
+            <a:off x="264903" y="1155522"/>
+            <a:ext cx="8663865" cy="4970591"/>
           </a:xfrm>
           <a:prstGeom prst="rect">
             <a:avLst/>
@@ -6289,83 +6047,280 @@
           </a:bodyPr>
           <a:lstStyle/>
           <a:p>
-            <a:pPr algn="ctr"/>
+            <a:pPr marL="512763" lvl="1" indent="-287338">
+              <a:lnSpc>
+                <a:spcPct val="110000"/>
+              </a:lnSpc>
+              <a:buFont typeface="Arial"/>
+              <a:buChar char="•"/>
+            </a:pPr>
             <a:r>
               <a:rPr lang="en-US" sz="2400" dirty="0"/>
-              <a:t>You can enter a long path to a file by dragging and dropping that file from Finder into the Terminal window.</a:t>
-            </a:r>
-          </a:p>
-        </p:txBody>
-      </p:sp>
-      <p:sp>
-        <p:nvSpPr>
-          <p:cNvPr id="4" name="TextBox 3"/>
-          <p:cNvSpPr txBox="1"/>
-          <p:nvPr/>
-        </p:nvSpPr>
-        <p:spPr>
-          <a:xfrm>
-            <a:off x="646733" y="4640109"/>
-            <a:ext cx="7885392" cy="738664"/>
-          </a:xfrm>
-          <a:prstGeom prst="rect">
-            <a:avLst/>
-          </a:prstGeom>
-          <a:noFill/>
-        </p:spPr>
-        <p:txBody>
-          <a:bodyPr wrap="none" rtlCol="0">
-            <a:spAutoFit/>
-          </a:bodyPr>
-          <a:lstStyle/>
-          <a:p>
-            <a:pPr marL="0" lvl="1"/>
-            <a:r>
-              <a:rPr lang="en-US" sz="2400" b="1" dirty="0">
+              <a:t>A </a:t>
+            </a:r>
+            <a:r>
+              <a:rPr lang="en-US" sz="2400" b="1" dirty="0"/>
+              <a:t>path</a:t>
+            </a:r>
+            <a:r>
+              <a:rPr lang="en-US" sz="2400" dirty="0"/>
+              <a:t> is a written description of a location in the </a:t>
+            </a:r>
+            <a:r>
+              <a:rPr lang="en-US" sz="2400" dirty="0" err="1"/>
+              <a:t>filesystem</a:t>
+            </a:r>
+            <a:endParaRPr lang="en-US" sz="2400" dirty="0"/>
+          </a:p>
+          <a:p>
+            <a:pPr marL="512763" lvl="1" indent="-287338">
+              <a:lnSpc>
+                <a:spcPct val="110000"/>
+              </a:lnSpc>
+              <a:buFont typeface="Arial"/>
+              <a:buChar char="•"/>
+            </a:pPr>
+            <a:r>
+              <a:rPr lang="en-US" sz="2400" dirty="0"/>
+              <a:t>Both directories and files have paths</a:t>
+            </a:r>
+          </a:p>
+          <a:p>
+            <a:pPr marL="512763" lvl="1" indent="-287338">
+              <a:lnSpc>
+                <a:spcPct val="110000"/>
+              </a:lnSpc>
+              <a:buFont typeface="Arial"/>
+              <a:buChar char="•"/>
+            </a:pPr>
+            <a:r>
+              <a:rPr lang="en-US" sz="2400" dirty="0"/>
+              <a:t>Consists of directory names separated by forward slashes (/)</a:t>
+            </a:r>
+          </a:p>
+          <a:p>
+            <a:pPr marL="512763" lvl="1" indent="-287338">
+              <a:lnSpc>
+                <a:spcPct val="110000"/>
+              </a:lnSpc>
+              <a:buFont typeface="Arial"/>
+              <a:buChar char="•"/>
+            </a:pPr>
+            <a:r>
+              <a:rPr lang="en-US" sz="2400" b="1" dirty="0"/>
+              <a:t>Absolute path</a:t>
+            </a:r>
+            <a:r>
+              <a:rPr lang="en-US" sz="2400" dirty="0"/>
+              <a:t> – complete and unambiguous location starting from root; always starts with a forward slash (/)</a:t>
+            </a:r>
+          </a:p>
+          <a:p>
+            <a:pPr marL="225425" lvl="1" algn="ctr">
+              <a:lnSpc>
+                <a:spcPct val="110000"/>
+              </a:lnSpc>
+            </a:pPr>
+            <a:endParaRPr lang="en-US" sz="1000" b="1" dirty="0">
+              <a:solidFill>
+                <a:srgbClr val="008000"/>
+              </a:solidFill>
+              <a:cs typeface="Courier"/>
+            </a:endParaRPr>
+          </a:p>
+          <a:p>
+            <a:pPr marL="225425" lvl="1" algn="ctr">
+              <a:lnSpc>
+                <a:spcPct val="110000"/>
+              </a:lnSpc>
+            </a:pPr>
+            <a:r>
+              <a:rPr lang="en-US" sz="2100" b="1" dirty="0">
                 <a:solidFill>
                   <a:srgbClr val="FF0000"/>
                 </a:solidFill>
-              </a:rPr>
-              <a:t>Drag </a:t>
-            </a:r>
-            <a:r>
-              <a:rPr lang="en-US" sz="2400" b="1" dirty="0">
-                <a:solidFill>
-                  <a:srgbClr val="0000FF"/>
-                </a:solidFill>
-                <a:latin typeface="Courier"/>
-                <a:cs typeface="Courier"/>
-              </a:rPr>
-              <a:t>~/Desktop/Don't do </a:t>
-            </a:r>
-            <a:r>
-              <a:rPr lang="en-US" sz="2400" b="1" dirty="0" err="1">
-                <a:solidFill>
-                  <a:srgbClr val="0000FF"/>
-                </a:solidFill>
-                <a:latin typeface="Courier"/>
-                <a:cs typeface="Courier"/>
-              </a:rPr>
-              <a:t>this.txt</a:t>
-            </a:r>
-            <a:r>
-              <a:rPr lang="en-US" sz="2400" b="1" dirty="0">
+                <a:latin typeface="Courier"/>
+                <a:cs typeface="Courier"/>
+              </a:rPr>
+              <a:t>/Users/</a:t>
+            </a:r>
+            <a:r>
+              <a:rPr lang="en-US" sz="2100" b="1" dirty="0" err="1">
                 <a:solidFill>
                   <a:srgbClr val="FF0000"/>
                 </a:solidFill>
-              </a:rPr>
-              <a:t> to the Terminal</a:t>
-            </a:r>
-          </a:p>
-          <a:p>
-            <a:endParaRPr lang="en-US" dirty="0"/>
+                <a:latin typeface="Courier"/>
+                <a:cs typeface="Courier"/>
+              </a:rPr>
+              <a:t>aja</a:t>
+            </a:r>
+            <a:r>
+              <a:rPr lang="en-US" sz="2100" b="1" dirty="0">
+                <a:solidFill>
+                  <a:srgbClr val="FF0000"/>
+                </a:solidFill>
+                <a:latin typeface="Courier"/>
+                <a:cs typeface="Courier"/>
+              </a:rPr>
+              <a:t>/Desktop/</a:t>
+            </a:r>
+            <a:r>
+              <a:rPr lang="en-US" sz="2100" b="1" dirty="0" err="1">
+                <a:solidFill>
+                  <a:srgbClr val="FF0000"/>
+                </a:solidFill>
+                <a:latin typeface="Courier"/>
+                <a:cs typeface="Courier"/>
+              </a:rPr>
+              <a:t>watermelon_files</a:t>
+            </a:r>
+            <a:r>
+              <a:rPr lang="en-US" sz="2100" b="1" dirty="0">
+                <a:solidFill>
+                  <a:srgbClr val="FF0000"/>
+                </a:solidFill>
+                <a:latin typeface="Courier"/>
+                <a:cs typeface="Courier"/>
+              </a:rPr>
+              <a:t>/</a:t>
+            </a:r>
+            <a:r>
+              <a:rPr lang="en-US" sz="2100" b="1" dirty="0" err="1">
+                <a:solidFill>
+                  <a:srgbClr val="FF0000"/>
+                </a:solidFill>
+                <a:latin typeface="Courier"/>
+                <a:cs typeface="Courier"/>
+              </a:rPr>
+              <a:t>watermelon.fsa</a:t>
+            </a:r>
+            <a:endParaRPr lang="en-US" sz="2100" b="1" dirty="0">
+              <a:solidFill>
+                <a:srgbClr val="FF0000"/>
+              </a:solidFill>
+              <a:latin typeface="Courier"/>
+              <a:cs typeface="Courier"/>
+            </a:endParaRPr>
+          </a:p>
+          <a:p>
+            <a:pPr marL="225425" lvl="1" algn="ctr">
+              <a:lnSpc>
+                <a:spcPct val="110000"/>
+              </a:lnSpc>
+            </a:pPr>
+            <a:endParaRPr lang="en-US" sz="1000" b="1" dirty="0">
+              <a:solidFill>
+                <a:srgbClr val="008000"/>
+              </a:solidFill>
+              <a:cs typeface="Courier"/>
+            </a:endParaRPr>
+          </a:p>
+          <a:p>
+            <a:pPr marL="512763" lvl="1" indent="-287338">
+              <a:lnSpc>
+                <a:spcPct val="110000"/>
+              </a:lnSpc>
+              <a:buFont typeface="Arial"/>
+              <a:buChar char="•"/>
+            </a:pPr>
+            <a:r>
+              <a:rPr lang="en-US" sz="2400" b="1" dirty="0"/>
+              <a:t>Relative path</a:t>
+            </a:r>
+            <a:r>
+              <a:rPr lang="en-US" sz="2400" dirty="0"/>
+              <a:t> – describes where a file or folder is in relation to another folder, usually the working directory</a:t>
+            </a:r>
+          </a:p>
+          <a:p>
+            <a:pPr marL="512763" lvl="1" indent="-287338">
+              <a:lnSpc>
+                <a:spcPct val="110000"/>
+              </a:lnSpc>
+              <a:buFont typeface="Arial"/>
+              <a:buChar char="•"/>
+            </a:pPr>
+            <a:r>
+              <a:rPr lang="en-US" sz="2400" b="1" dirty="0"/>
+              <a:t>Working directory</a:t>
+            </a:r>
+            <a:r>
+              <a:rPr lang="en-US" sz="2400" dirty="0"/>
+              <a:t> – where you're at right now; if you're in the Desktop, the relative path to </a:t>
+            </a:r>
+            <a:r>
+              <a:rPr lang="en-US" sz="2100" dirty="0" err="1">
+                <a:latin typeface="Courier"/>
+                <a:cs typeface="Courier"/>
+              </a:rPr>
+              <a:t>watermelon.fsa</a:t>
+            </a:r>
+            <a:r>
+              <a:rPr lang="en-US" sz="2400" dirty="0"/>
+              <a:t> is:</a:t>
+            </a:r>
+          </a:p>
+          <a:p>
+            <a:pPr marL="225425" lvl="1" algn="ctr">
+              <a:lnSpc>
+                <a:spcPct val="110000"/>
+              </a:lnSpc>
+            </a:pPr>
+            <a:endParaRPr lang="en-US" sz="1050" b="1" dirty="0">
+              <a:solidFill>
+                <a:srgbClr val="008000"/>
+              </a:solidFill>
+              <a:cs typeface="Courier"/>
+            </a:endParaRPr>
+          </a:p>
+          <a:p>
+            <a:pPr marL="225425" lvl="1" algn="ctr">
+              <a:lnSpc>
+                <a:spcPct val="110000"/>
+              </a:lnSpc>
+            </a:pPr>
+            <a:r>
+              <a:rPr lang="en-US" sz="2100" b="1" dirty="0" err="1">
+                <a:solidFill>
+                  <a:srgbClr val="FF0000"/>
+                </a:solidFill>
+                <a:latin typeface="Courier"/>
+                <a:cs typeface="Courier"/>
+              </a:rPr>
+              <a:t>watermelon_files</a:t>
+            </a:r>
+            <a:r>
+              <a:rPr lang="en-US" sz="2100" b="1" dirty="0">
+                <a:solidFill>
+                  <a:srgbClr val="FF0000"/>
+                </a:solidFill>
+                <a:latin typeface="Courier"/>
+                <a:cs typeface="Courier"/>
+              </a:rPr>
+              <a:t>/</a:t>
+            </a:r>
+            <a:r>
+              <a:rPr lang="en-US" sz="2100" b="1" dirty="0" err="1">
+                <a:solidFill>
+                  <a:srgbClr val="FF0000"/>
+                </a:solidFill>
+                <a:latin typeface="Courier"/>
+                <a:cs typeface="Courier"/>
+              </a:rPr>
+              <a:t>watermelon.fsa</a:t>
+            </a:r>
+            <a:endParaRPr lang="en-US" sz="2100" dirty="0">
+              <a:solidFill>
+                <a:srgbClr val="FF0000"/>
+              </a:solidFill>
+            </a:endParaRPr>
           </a:p>
         </p:txBody>
       </p:sp>
     </p:spTree>
     <p:extLst>
       <p:ext uri="{BB962C8B-B14F-4D97-AF65-F5344CB8AC3E}">
-        <p14:creationId xmlns:p14="http://schemas.microsoft.com/office/powerpoint/2010/main" val="2153719196"/>
+        <p14:creationId xmlns:p14="http://schemas.microsoft.com/office/powerpoint/2010/main" val="494649188"/>
       </p:ext>
     </p:extLst>
   </p:cSld>
@@ -6404,7 +6359,7 @@
         </p:nvSpPr>
         <p:spPr>
           <a:xfrm>
-            <a:off x="364627" y="356258"/>
+            <a:off x="371056" y="1437708"/>
             <a:ext cx="8436747" cy="862385"/>
           </a:xfrm>
         </p:spPr>
@@ -6416,7 +6371,7 @@
           <a:p>
             <a:r>
               <a:rPr lang="en-US" sz="3600" b="1" dirty="0"/>
-              <a:t>*NEW RULE*</a:t>
+              <a:t>*MAC SHORTCUT*</a:t>
             </a:r>
           </a:p>
         </p:txBody>
@@ -6429,8 +6384,8 @@
         </p:nvSpPr>
         <p:spPr>
           <a:xfrm>
-            <a:off x="1264380" y="2279789"/>
-            <a:ext cx="6615241" cy="2015936"/>
+            <a:off x="804123" y="2896924"/>
+            <a:ext cx="7570612" cy="830997"/>
           </a:xfrm>
           <a:prstGeom prst="rect">
             <a:avLst/>
@@ -6443,118 +6398,83 @@
           </a:bodyPr>
           <a:lstStyle/>
           <a:p>
-            <a:pPr>
-              <a:spcAft>
-                <a:spcPts val="600"/>
-              </a:spcAft>
-            </a:pPr>
+            <a:pPr algn="ctr"/>
             <a:r>
               <a:rPr lang="en-US" sz="2400" dirty="0"/>
-              <a:t>You will no longer include spaces in your file names.</a:t>
-            </a:r>
-          </a:p>
-          <a:p>
-            <a:pPr marL="968375" indent="-339725">
-              <a:buFont typeface="Arial"/>
-              <a:buChar char="•"/>
-            </a:pPr>
-            <a:r>
-              <a:rPr lang="en-US" sz="2400" dirty="0"/>
-              <a:t>use underscores or dashes – </a:t>
-            </a:r>
-            <a:r>
-              <a:rPr lang="en-US" sz="2400" dirty="0" err="1">
+              <a:t>You can enter a long path to a file by dragging and dropping that file from Finder into the Terminal window.</a:t>
+            </a:r>
+          </a:p>
+        </p:txBody>
+      </p:sp>
+      <p:sp>
+        <p:nvSpPr>
+          <p:cNvPr id="4" name="TextBox 3"/>
+          <p:cNvSpPr txBox="1"/>
+          <p:nvPr/>
+        </p:nvSpPr>
+        <p:spPr>
+          <a:xfrm>
+            <a:off x="646733" y="4640109"/>
+            <a:ext cx="7885392" cy="738664"/>
+          </a:xfrm>
+          <a:prstGeom prst="rect">
+            <a:avLst/>
+          </a:prstGeom>
+          <a:noFill/>
+        </p:spPr>
+        <p:txBody>
+          <a:bodyPr wrap="none" rtlCol="0">
+            <a:spAutoFit/>
+          </a:bodyPr>
+          <a:lstStyle/>
+          <a:p>
+            <a:pPr marL="0" lvl="1"/>
+            <a:r>
+              <a:rPr lang="en-US" sz="2400" b="1" dirty="0">
                 <a:solidFill>
                   <a:srgbClr val="FF0000"/>
                 </a:solidFill>
               </a:rPr>
-              <a:t>my_file.txt</a:t>
-            </a:r>
-            <a:endParaRPr lang="en-US" sz="2400" dirty="0">
-              <a:solidFill>
-                <a:srgbClr val="FF0000"/>
-              </a:solidFill>
-            </a:endParaRPr>
-          </a:p>
-          <a:p>
-            <a:pPr marL="968375" indent="-339725">
-              <a:buFont typeface="Arial"/>
-              <a:buChar char="•"/>
-            </a:pPr>
-            <a:r>
-              <a:rPr lang="en-US" sz="2400" dirty="0">
+              <a:t>Drag </a:t>
+            </a:r>
+            <a:r>
+              <a:rPr lang="en-US" sz="2400" b="1" dirty="0">
+                <a:solidFill>
+                  <a:srgbClr val="0000FF"/>
+                </a:solidFill>
+                <a:latin typeface="Courier"/>
+                <a:cs typeface="Courier"/>
+              </a:rPr>
+              <a:t>~/Desktop/Don't do </a:t>
+            </a:r>
+            <a:r>
+              <a:rPr lang="en-US" sz="2400" b="1" dirty="0" err="1">
+                <a:solidFill>
+                  <a:srgbClr val="0000FF"/>
+                </a:solidFill>
+                <a:latin typeface="Courier"/>
+                <a:cs typeface="Courier"/>
+              </a:rPr>
+              <a:t>this.txt</a:t>
+            </a:r>
+            <a:r>
+              <a:rPr lang="en-US" sz="2400" b="1" dirty="0">
                 <a:solidFill>
                   <a:srgbClr val="FF0000"/>
                 </a:solidFill>
               </a:rPr>
-              <a:t>my-</a:t>
-            </a:r>
-            <a:r>
-              <a:rPr lang="en-US" sz="2400" dirty="0" err="1">
-                <a:solidFill>
-                  <a:srgbClr val="FF0000"/>
-                </a:solidFill>
-              </a:rPr>
-              <a:t>file.txt</a:t>
-            </a:r>
-            <a:endParaRPr lang="en-US" sz="2400" dirty="0">
-              <a:solidFill>
-                <a:srgbClr val="FF0000"/>
-              </a:solidFill>
-            </a:endParaRPr>
-          </a:p>
-          <a:p>
-            <a:pPr marL="968375" indent="-339725">
-              <a:buFont typeface="Arial"/>
-              <a:buChar char="•"/>
-            </a:pPr>
-            <a:r>
-              <a:rPr lang="en-US" sz="2400" dirty="0"/>
-              <a:t>or, mixed upper/lowercase – </a:t>
-            </a:r>
-            <a:r>
-              <a:rPr lang="en-US" sz="2400" dirty="0" err="1">
-                <a:solidFill>
-                  <a:srgbClr val="FF0000"/>
-                </a:solidFill>
-              </a:rPr>
-              <a:t>myFile.txt</a:t>
-            </a:r>
-            <a:endParaRPr lang="en-US" sz="2400" dirty="0">
-              <a:solidFill>
-                <a:srgbClr val="FF0000"/>
-              </a:solidFill>
-            </a:endParaRPr>
-          </a:p>
-          <a:p>
-            <a:pPr marL="968375" indent="-339725">
-              <a:buFont typeface="Arial"/>
-              <a:buChar char="•"/>
-            </a:pPr>
-            <a:r>
-              <a:rPr lang="en-US" sz="2400" dirty="0"/>
-              <a:t>or, dots – </a:t>
-            </a:r>
-            <a:r>
-              <a:rPr lang="en-US" sz="2400" dirty="0" err="1">
-                <a:solidFill>
-                  <a:srgbClr val="FF0000"/>
-                </a:solidFill>
-              </a:rPr>
-              <a:t>my.file.txt</a:t>
-            </a:r>
-            <a:endParaRPr lang="en-US" sz="2400" dirty="0">
-              <a:solidFill>
-                <a:srgbClr val="FF0000"/>
-              </a:solidFill>
-            </a:endParaRPr>
+              <a:t> to the Terminal</a:t>
+            </a:r>
+          </a:p>
+          <a:p>
+            <a:endParaRPr lang="en-US" dirty="0"/>
           </a:p>
         </p:txBody>
       </p:sp>
     </p:spTree>
     <p:extLst>
       <p:ext uri="{BB962C8B-B14F-4D97-AF65-F5344CB8AC3E}">
-        <p14:creationId xmlns:p14="http://schemas.microsoft.com/office/powerpoint/2010/main" val="1443467416"/>
+        <p14:creationId xmlns:p14="http://schemas.microsoft.com/office/powerpoint/2010/main" val="2153719196"/>
       </p:ext>
     </p:extLst>
   </p:cSld>
@@ -7008,7 +6928,7 @@
         </p:nvSpPr>
         <p:spPr>
           <a:xfrm>
-            <a:off x="364627" y="176523"/>
+            <a:off x="364627" y="356258"/>
             <a:ext cx="8436747" cy="862385"/>
           </a:xfrm>
         </p:spPr>
@@ -7019,22 +6939,22 @@
           <a:lstStyle/>
           <a:p>
             <a:r>
-              <a:rPr lang="en-US" sz="3600" dirty="0"/>
-              <a:t>Common Unix commands</a:t>
+              <a:rPr lang="en-US" sz="3600" b="1" dirty="0"/>
+              <a:t>*NEW RULE*</a:t>
             </a:r>
           </a:p>
         </p:txBody>
       </p:sp>
       <p:sp>
         <p:nvSpPr>
-          <p:cNvPr id="4" name="TextBox 3"/>
+          <p:cNvPr id="3" name="TextBox 2"/>
           <p:cNvSpPr txBox="1"/>
           <p:nvPr/>
         </p:nvSpPr>
         <p:spPr>
           <a:xfrm>
-            <a:off x="264903" y="1042626"/>
-            <a:ext cx="8663865" cy="5560496"/>
+            <a:off x="1264380" y="2279789"/>
+            <a:ext cx="6615241" cy="2015936"/>
           </a:xfrm>
           <a:prstGeom prst="rect">
             <a:avLst/>
@@ -7047,658 +6967,118 @@
           </a:bodyPr>
           <a:lstStyle/>
           <a:p>
-            <a:pPr marL="225425" lvl="1">
+            <a:pPr>
               <a:spcAft>
-                <a:spcPts val="400"/>
+                <a:spcPts val="600"/>
               </a:spcAft>
             </a:pPr>
             <a:r>
-              <a:rPr lang="en-US" sz="2400" dirty="0">
-                <a:latin typeface="Courier"/>
-                <a:cs typeface="Courier"/>
-              </a:rPr>
-              <a:t>$ </a:t>
+              <a:rPr lang="en-US" sz="2400" dirty="0"/>
+              <a:t>You will no longer include spaces in your file names.</a:t>
+            </a:r>
+          </a:p>
+          <a:p>
+            <a:pPr marL="968375" indent="-339725">
+              <a:buFont typeface="Arial"/>
+              <a:buChar char="•"/>
+            </a:pPr>
+            <a:r>
+              <a:rPr lang="en-US" sz="2400" dirty="0"/>
+              <a:t>use underscores or dashes – </a:t>
             </a:r>
             <a:r>
               <a:rPr lang="en-US" sz="2400" dirty="0" err="1">
                 <a:solidFill>
-                  <a:srgbClr val="0000FF"/>
-                </a:solidFill>
-                <a:latin typeface="Courier"/>
-                <a:cs typeface="Courier"/>
-              </a:rPr>
-              <a:t>pwd</a:t>
-            </a:r>
-            <a:r>
-              <a:rPr lang="en-US" sz="2400" dirty="0">
-                <a:solidFill>
-                  <a:srgbClr val="0000FF"/>
-                </a:solidFill>
-                <a:latin typeface="Courier"/>
-                <a:cs typeface="Courier"/>
-              </a:rPr>
-              <a:t> </a:t>
-            </a:r>
-            <a:r>
-              <a:rPr lang="en-US" sz="2400" dirty="0">
-                <a:latin typeface="Calibri"/>
-                <a:cs typeface="Calibri"/>
-              </a:rPr>
-              <a:t>–   </a:t>
-            </a:r>
-            <a:r>
-              <a:rPr lang="en-US" sz="2400" u="sng" dirty="0">
-                <a:cs typeface="Calibri"/>
-              </a:rPr>
-              <a:t>p</a:t>
-            </a:r>
-            <a:r>
-              <a:rPr lang="en-US" sz="2400" dirty="0">
-                <a:cs typeface="Calibri"/>
-              </a:rPr>
-              <a:t>rints path of </a:t>
-            </a:r>
-            <a:r>
-              <a:rPr lang="en-US" sz="2400" u="sng" dirty="0">
-                <a:latin typeface="Calibri"/>
-                <a:cs typeface="Calibri"/>
-              </a:rPr>
-              <a:t>w</a:t>
-            </a:r>
-            <a:r>
-              <a:rPr lang="en-US" sz="2400" dirty="0">
-                <a:latin typeface="Calibri"/>
-                <a:cs typeface="Calibri"/>
-              </a:rPr>
-              <a:t>orking </a:t>
-            </a:r>
-            <a:r>
-              <a:rPr lang="en-US" sz="2400" u="sng" dirty="0">
-                <a:latin typeface="Calibri"/>
-                <a:cs typeface="Calibri"/>
-              </a:rPr>
-              <a:t>d</a:t>
-            </a:r>
-            <a:r>
-              <a:rPr lang="en-US" sz="2400" dirty="0">
-                <a:latin typeface="Calibri"/>
-                <a:cs typeface="Calibri"/>
-              </a:rPr>
-              <a:t>irectory </a:t>
-            </a:r>
-            <a:r>
-              <a:rPr lang="en-US" sz="2400" dirty="0">
-                <a:cs typeface="Calibri"/>
-              </a:rPr>
-              <a:t>[absolute or relative?]</a:t>
-            </a:r>
-            <a:endParaRPr lang="en-US" sz="2400" dirty="0">
-              <a:latin typeface="Calibri"/>
-              <a:cs typeface="Calibri"/>
-            </a:endParaRPr>
-          </a:p>
-          <a:p>
-            <a:pPr marL="225425" lvl="1">
-              <a:spcAft>
-                <a:spcPts val="400"/>
-              </a:spcAft>
-            </a:pPr>
-            <a:endParaRPr lang="en-US" sz="1200" dirty="0">
-              <a:latin typeface="Courier"/>
-              <a:cs typeface="Courier"/>
-            </a:endParaRPr>
-          </a:p>
-          <a:p>
-            <a:pPr marL="225425" lvl="1">
-              <a:spcAft>
-                <a:spcPts val="400"/>
-              </a:spcAft>
-            </a:pPr>
-            <a:r>
-              <a:rPr lang="en-US" sz="2400" dirty="0">
-                <a:latin typeface="Courier"/>
-                <a:cs typeface="Courier"/>
-              </a:rPr>
-              <a:t>$ </a:t>
-            </a:r>
-            <a:r>
-              <a:rPr lang="en-US" sz="2400" dirty="0">
-                <a:solidFill>
-                  <a:srgbClr val="0000FF"/>
-                </a:solidFill>
-                <a:latin typeface="Courier"/>
-                <a:cs typeface="Courier"/>
-              </a:rPr>
-              <a:t>cd </a:t>
-            </a:r>
-            <a:r>
-              <a:rPr lang="en-US" sz="2400" dirty="0">
-                <a:cs typeface="Calibri"/>
-              </a:rPr>
-              <a:t>–   </a:t>
-            </a:r>
-            <a:r>
-              <a:rPr lang="en-US" sz="2400" u="sng" dirty="0">
-                <a:cs typeface="Calibri"/>
-              </a:rPr>
-              <a:t>c</a:t>
-            </a:r>
-            <a:r>
-              <a:rPr lang="en-US" sz="2400" dirty="0">
-                <a:cs typeface="Calibri"/>
-              </a:rPr>
-              <a:t>hange </a:t>
-            </a:r>
-            <a:r>
-              <a:rPr lang="en-US" sz="2400" u="sng" dirty="0">
-                <a:cs typeface="Calibri"/>
-              </a:rPr>
-              <a:t>d</a:t>
-            </a:r>
-            <a:r>
-              <a:rPr lang="en-US" sz="2400" dirty="0">
-                <a:cs typeface="Calibri"/>
-              </a:rPr>
-              <a:t>irectory</a:t>
-            </a:r>
-          </a:p>
-          <a:p>
-            <a:pPr marL="225425" lvl="1">
-              <a:spcAft>
-                <a:spcPts val="400"/>
-              </a:spcAft>
-            </a:pPr>
-            <a:r>
-              <a:rPr lang="en-US" sz="2400" dirty="0">
-                <a:solidFill>
-                  <a:srgbClr val="3366FF"/>
-                </a:solidFill>
-                <a:latin typeface="Courier"/>
-                <a:cs typeface="Calibri"/>
-              </a:rPr>
-              <a:t>		</a:t>
-            </a:r>
-            <a:r>
-              <a:rPr lang="en-US" sz="2400" dirty="0">
-                <a:latin typeface="Courier"/>
-                <a:cs typeface="Courier"/>
-              </a:rPr>
-              <a:t>$ </a:t>
-            </a:r>
-            <a:r>
-              <a:rPr lang="en-US" sz="2400" dirty="0">
-                <a:solidFill>
-                  <a:srgbClr val="0000FF"/>
-                </a:solidFill>
-                <a:latin typeface="Courier"/>
-                <a:cs typeface="Courier"/>
-              </a:rPr>
-              <a:t>cd .. </a:t>
-            </a:r>
-            <a:r>
-              <a:rPr lang="en-US" sz="2400" dirty="0">
-                <a:cs typeface="Courier"/>
-              </a:rPr>
-              <a:t>[move up one directory]</a:t>
-            </a:r>
-          </a:p>
-          <a:p>
-            <a:pPr marL="225425" lvl="1">
-              <a:spcAft>
-                <a:spcPts val="400"/>
-              </a:spcAft>
-            </a:pPr>
-            <a:r>
-              <a:rPr lang="en-US" sz="2400" dirty="0">
-                <a:solidFill>
-                  <a:srgbClr val="3366FF"/>
-                </a:solidFill>
-                <a:latin typeface="Courier"/>
-                <a:cs typeface="Calibri"/>
-              </a:rPr>
-              <a:t>		</a:t>
-            </a:r>
-            <a:r>
-              <a:rPr lang="en-US" sz="2400" dirty="0">
-                <a:latin typeface="Courier"/>
-                <a:cs typeface="Courier"/>
-              </a:rPr>
-              <a:t>$ </a:t>
-            </a:r>
-            <a:r>
-              <a:rPr lang="en-US" sz="2400" dirty="0">
-                <a:solidFill>
-                  <a:srgbClr val="0000FF"/>
-                </a:solidFill>
-                <a:latin typeface="Courier"/>
-                <a:cs typeface="Courier"/>
-              </a:rPr>
-              <a:t>cd ../../</a:t>
-            </a:r>
-            <a:r>
-              <a:rPr lang="en-US" sz="2400" dirty="0">
-                <a:solidFill>
-                  <a:srgbClr val="3366FF"/>
-                </a:solidFill>
-                <a:latin typeface="Courier"/>
-                <a:cs typeface="Courier"/>
-              </a:rPr>
-              <a:t> </a:t>
-            </a:r>
-            <a:r>
-              <a:rPr lang="en-US" sz="2400" dirty="0">
-                <a:cs typeface="Courier"/>
-              </a:rPr>
-              <a:t>[move up two directories]</a:t>
-            </a:r>
-          </a:p>
-          <a:p>
-            <a:pPr marL="225425" lvl="1">
-              <a:spcAft>
-                <a:spcPts val="400"/>
-              </a:spcAft>
-            </a:pPr>
-            <a:r>
-              <a:rPr lang="en-US" sz="2400" dirty="0">
-                <a:solidFill>
-                  <a:srgbClr val="3366FF"/>
-                </a:solidFill>
-                <a:latin typeface="Courier"/>
-                <a:cs typeface="Calibri"/>
-              </a:rPr>
-              <a:t>		</a:t>
-            </a:r>
-            <a:r>
-              <a:rPr lang="en-US" sz="2400" dirty="0">
-                <a:latin typeface="Courier"/>
-                <a:cs typeface="Courier"/>
-              </a:rPr>
-              <a:t>$ </a:t>
-            </a:r>
-            <a:r>
-              <a:rPr lang="en-US" sz="2400" dirty="0">
-                <a:solidFill>
-                  <a:srgbClr val="0000FF"/>
-                </a:solidFill>
-                <a:latin typeface="Courier"/>
-                <a:cs typeface="Courier"/>
-              </a:rPr>
-              <a:t>cd    </a:t>
-            </a:r>
-            <a:r>
-              <a:rPr lang="en-US" sz="2400" dirty="0">
-                <a:cs typeface="Courier"/>
-              </a:rPr>
-              <a:t>[go home]</a:t>
-            </a:r>
-          </a:p>
-          <a:p>
-            <a:pPr marL="225425" lvl="1">
-              <a:spcAft>
-                <a:spcPts val="400"/>
-              </a:spcAft>
-            </a:pPr>
-            <a:r>
-              <a:rPr lang="en-US" sz="2400" dirty="0">
-                <a:solidFill>
-                  <a:srgbClr val="3366FF"/>
-                </a:solidFill>
-                <a:latin typeface="Courier"/>
-                <a:cs typeface="Courier"/>
-              </a:rPr>
-              <a:t>		</a:t>
-            </a:r>
-            <a:r>
-              <a:rPr lang="en-US" sz="2400" dirty="0">
-                <a:latin typeface="Courier"/>
-                <a:cs typeface="Courier"/>
-              </a:rPr>
-              <a:t>$ </a:t>
-            </a:r>
-            <a:r>
-              <a:rPr lang="en-US" sz="2400" dirty="0">
-                <a:solidFill>
-                  <a:srgbClr val="0000FF"/>
-                </a:solidFill>
-                <a:latin typeface="Courier"/>
-                <a:cs typeface="Courier"/>
-              </a:rPr>
-              <a:t>cd ~  </a:t>
-            </a:r>
-            <a:r>
-              <a:rPr lang="en-US" sz="2400" dirty="0">
-                <a:cs typeface="Courier"/>
-              </a:rPr>
-              <a:t>[go home]</a:t>
-            </a:r>
-          </a:p>
-          <a:p>
-            <a:pPr marL="225425" lvl="1">
-              <a:spcAft>
-                <a:spcPts val="400"/>
-              </a:spcAft>
-            </a:pPr>
-            <a:r>
-              <a:rPr lang="en-US" sz="2400" dirty="0">
-                <a:solidFill>
-                  <a:srgbClr val="3366FF"/>
-                </a:solidFill>
-                <a:latin typeface="Courier"/>
-                <a:cs typeface="Courier"/>
-              </a:rPr>
-              <a:t>		</a:t>
-            </a:r>
-            <a:r>
-              <a:rPr lang="en-US" sz="2400" dirty="0">
-                <a:latin typeface="Courier"/>
-                <a:cs typeface="Courier"/>
-              </a:rPr>
-              <a:t>$ </a:t>
-            </a:r>
-            <a:r>
-              <a:rPr lang="en-US" sz="2400" dirty="0">
-                <a:solidFill>
-                  <a:srgbClr val="0000FF"/>
-                </a:solidFill>
-                <a:latin typeface="Courier"/>
-                <a:cs typeface="Courier"/>
-              </a:rPr>
-              <a:t>cd ~/Desktop/</a:t>
-            </a:r>
-            <a:r>
-              <a:rPr lang="en-US" sz="2400" dirty="0" err="1">
-                <a:solidFill>
-                  <a:srgbClr val="0000FF"/>
-                </a:solidFill>
-                <a:latin typeface="Courier"/>
-                <a:cs typeface="Courier"/>
-              </a:rPr>
-              <a:t>watermelon_files</a:t>
+                  <a:srgbClr val="FF0000"/>
+                </a:solidFill>
+              </a:rPr>
+              <a:t>my_file.txt</a:t>
             </a:r>
             <a:endParaRPr lang="en-US" sz="2400" dirty="0">
               <a:solidFill>
-                <a:srgbClr val="0000FF"/>
+                <a:srgbClr val="FF0000"/>
               </a:solidFill>
-              <a:latin typeface="Courier"/>
-              <a:cs typeface="Courier"/>
             </a:endParaRPr>
           </a:p>
           <a:p>
-            <a:pPr marL="225425" lvl="1">
-              <a:spcAft>
-                <a:spcPts val="400"/>
-              </a:spcAft>
+            <a:pPr marL="968375" indent="-339725">
+              <a:buFont typeface="Arial"/>
+              <a:buChar char="•"/>
             </a:pPr>
             <a:r>
               <a:rPr lang="en-US" sz="2400" dirty="0">
                 <a:solidFill>
-                  <a:srgbClr val="3366FF"/>
-                </a:solidFill>
-                <a:latin typeface="Courier"/>
-                <a:cs typeface="Courier"/>
-              </a:rPr>
-              <a:t>		</a:t>
-            </a:r>
-            <a:r>
-              <a:rPr lang="en-US" sz="2400" dirty="0">
-                <a:latin typeface="Courier"/>
-                <a:cs typeface="Courier"/>
-              </a:rPr>
-              <a:t>$ </a:t>
-            </a:r>
-            <a:r>
-              <a:rPr lang="en-US" sz="2400" dirty="0">
-                <a:solidFill>
-                  <a:srgbClr val="0000FF"/>
-                </a:solidFill>
-                <a:latin typeface="Courier"/>
-                <a:cs typeface="Courier"/>
-              </a:rPr>
-              <a:t>cd /Users/</a:t>
+                  <a:srgbClr val="FF0000"/>
+                </a:solidFill>
+              </a:rPr>
+              <a:t>my-</a:t>
             </a:r>
             <a:r>
               <a:rPr lang="en-US" sz="2400" dirty="0" err="1">
                 <a:solidFill>
-                  <a:srgbClr val="0000FF"/>
-                </a:solidFill>
-                <a:latin typeface="Courier"/>
-                <a:cs typeface="Courier"/>
-              </a:rPr>
-              <a:t>aja</a:t>
-            </a:r>
-            <a:r>
-              <a:rPr lang="en-US" sz="2400" dirty="0">
-                <a:solidFill>
-                  <a:srgbClr val="0000FF"/>
-                </a:solidFill>
-                <a:latin typeface="Courier"/>
-                <a:cs typeface="Courier"/>
-              </a:rPr>
-              <a:t>/Desktop/</a:t>
-            </a:r>
-            <a:r>
-              <a:rPr lang="en-US" sz="2400" dirty="0" err="1">
-                <a:solidFill>
-                  <a:srgbClr val="0000FF"/>
-                </a:solidFill>
-                <a:latin typeface="Courier"/>
-                <a:cs typeface="Courier"/>
-              </a:rPr>
-              <a:t>watermelon_files</a:t>
+                  <a:srgbClr val="FF0000"/>
+                </a:solidFill>
+              </a:rPr>
+              <a:t>file.txt</a:t>
             </a:r>
             <a:endParaRPr lang="en-US" sz="2400" dirty="0">
               <a:solidFill>
-                <a:srgbClr val="0000FF"/>
+                <a:srgbClr val="FF0000"/>
               </a:solidFill>
-              <a:latin typeface="Courier"/>
-              <a:cs typeface="Courier"/>
             </a:endParaRPr>
           </a:p>
           <a:p>
-            <a:pPr marL="225425" lvl="1">
-              <a:spcAft>
-                <a:spcPts val="400"/>
-              </a:spcAft>
-            </a:pPr>
-            <a:endParaRPr lang="en-US" sz="1200" dirty="0">
-              <a:latin typeface="Courier"/>
-              <a:cs typeface="Courier"/>
+            <a:pPr marL="968375" indent="-339725">
+              <a:buFont typeface="Arial"/>
+              <a:buChar char="•"/>
+            </a:pPr>
+            <a:r>
+              <a:rPr lang="en-US" sz="2400" dirty="0"/>
+              <a:t>or, mixed upper/lowercase – </a:t>
+            </a:r>
+            <a:r>
+              <a:rPr lang="en-US" sz="2400" dirty="0" err="1">
+                <a:solidFill>
+                  <a:srgbClr val="FF0000"/>
+                </a:solidFill>
+              </a:rPr>
+              <a:t>myFile.txt</a:t>
+            </a:r>
+            <a:endParaRPr lang="en-US" sz="2400" dirty="0">
+              <a:solidFill>
+                <a:srgbClr val="FF0000"/>
+              </a:solidFill>
             </a:endParaRPr>
           </a:p>
           <a:p>
-            <a:pPr marL="225425" lvl="1">
-              <a:spcAft>
-                <a:spcPts val="400"/>
-              </a:spcAft>
-            </a:pPr>
-            <a:r>
-              <a:rPr lang="en-US" sz="2400" dirty="0">
-                <a:latin typeface="Courier"/>
-                <a:cs typeface="Courier"/>
-              </a:rPr>
-              <a:t>$ </a:t>
-            </a:r>
-            <a:r>
-              <a:rPr lang="en-US" sz="2400" dirty="0">
-                <a:solidFill>
-                  <a:srgbClr val="0000FF"/>
-                </a:solidFill>
-                <a:latin typeface="Courier"/>
-                <a:cs typeface="Courier"/>
-              </a:rPr>
-              <a:t>echo </a:t>
-            </a:r>
-            <a:r>
-              <a:rPr lang="en-US" sz="2400" u="sng" dirty="0">
-                <a:solidFill>
-                  <a:srgbClr val="0000FF"/>
-                </a:solidFill>
-                <a:latin typeface="Courier"/>
-                <a:cs typeface="Courier"/>
-              </a:rPr>
-              <a:t>argument</a:t>
-            </a:r>
-            <a:r>
-              <a:rPr lang="en-US" sz="2400" dirty="0">
-                <a:solidFill>
-                  <a:srgbClr val="0000FF"/>
-                </a:solidFill>
-                <a:latin typeface="Courier"/>
-                <a:cs typeface="Courier"/>
-              </a:rPr>
-              <a:t> </a:t>
-            </a:r>
-            <a:r>
-              <a:rPr lang="en-US" dirty="0">
-                <a:solidFill>
-                  <a:srgbClr val="0000FF"/>
-                </a:solidFill>
-                <a:latin typeface="Courier"/>
-                <a:cs typeface="Courier"/>
-              </a:rPr>
-              <a:t>. . .</a:t>
-            </a:r>
-            <a:r>
-              <a:rPr lang="en-US" sz="2400" dirty="0">
-                <a:solidFill>
-                  <a:srgbClr val="0000FF"/>
-                </a:solidFill>
-                <a:latin typeface="Courier"/>
-                <a:cs typeface="Courier"/>
-              </a:rPr>
-              <a:t> </a:t>
-            </a:r>
-            <a:r>
-              <a:rPr lang="en-US" sz="2400" dirty="0">
-                <a:cs typeface="Calibri"/>
-              </a:rPr>
-              <a:t>–   write arguments to STDOUT</a:t>
-            </a:r>
-          </a:p>
-          <a:p>
-            <a:pPr marL="225425" lvl="1">
-              <a:spcAft>
-                <a:spcPts val="400"/>
-              </a:spcAft>
-            </a:pPr>
-            <a:r>
-              <a:rPr lang="en-US" sz="2400" dirty="0">
-                <a:solidFill>
-                  <a:srgbClr val="3366FF"/>
-                </a:solidFill>
-                <a:latin typeface="Courier"/>
-                <a:cs typeface="Calibri"/>
-              </a:rPr>
-              <a:t>		</a:t>
-            </a:r>
-            <a:r>
-              <a:rPr lang="en-US" sz="2400" dirty="0">
-                <a:latin typeface="Courier"/>
-                <a:cs typeface="Courier"/>
-              </a:rPr>
-              <a:t>$ </a:t>
-            </a:r>
-            <a:r>
-              <a:rPr lang="en-US" sz="2400" dirty="0">
-                <a:solidFill>
-                  <a:srgbClr val="0000FF"/>
-                </a:solidFill>
-                <a:latin typeface="Courier"/>
-                <a:cs typeface="Calibri"/>
-              </a:rPr>
-              <a:t>echo $HOME </a:t>
-            </a:r>
-            <a:r>
-              <a:rPr lang="en-US" sz="2400" dirty="0">
-                <a:cs typeface="Courier"/>
-              </a:rPr>
-              <a:t>[where's my home directory?]</a:t>
-            </a:r>
-          </a:p>
-          <a:p>
-            <a:pPr marL="225425" lvl="1">
-              <a:spcAft>
-                <a:spcPts val="400"/>
-              </a:spcAft>
-            </a:pPr>
-            <a:r>
-              <a:rPr lang="en-US" sz="2400" dirty="0">
-                <a:solidFill>
-                  <a:srgbClr val="3366FF"/>
-                </a:solidFill>
-                <a:latin typeface="Courier"/>
-                <a:cs typeface="Calibri"/>
-              </a:rPr>
-              <a:t>		</a:t>
-            </a:r>
-            <a:r>
-              <a:rPr lang="en-US" sz="2400" dirty="0">
-                <a:latin typeface="Courier"/>
-                <a:cs typeface="Courier"/>
-              </a:rPr>
-              <a:t>$ </a:t>
-            </a:r>
-            <a:r>
-              <a:rPr lang="en-US" sz="2400" dirty="0">
-                <a:solidFill>
-                  <a:srgbClr val="0000FF"/>
-                </a:solidFill>
-                <a:latin typeface="Courier"/>
-                <a:cs typeface="Calibri"/>
-              </a:rPr>
-              <a:t>echo </a:t>
-            </a:r>
-            <a:r>
-              <a:rPr lang="en-US" sz="2400" dirty="0">
-                <a:solidFill>
-                  <a:srgbClr val="0000FF"/>
-                </a:solidFill>
-                <a:latin typeface="Courier"/>
-                <a:cs typeface="Courier"/>
-              </a:rPr>
-              <a:t>crazy</a:t>
-            </a:r>
-          </a:p>
-          <a:p>
-            <a:pPr marL="225425" lvl="1">
-              <a:spcAft>
-                <a:spcPts val="400"/>
-              </a:spcAft>
-            </a:pPr>
-            <a:r>
-              <a:rPr lang="en-US" sz="2400" dirty="0">
-                <a:solidFill>
-                  <a:srgbClr val="3366FF"/>
-                </a:solidFill>
-                <a:latin typeface="Courier"/>
-                <a:cs typeface="Courier"/>
-              </a:rPr>
-              <a:t>		</a:t>
-            </a:r>
-            <a:r>
-              <a:rPr lang="en-US" sz="2400" dirty="0">
-                <a:latin typeface="Courier"/>
-                <a:cs typeface="Courier"/>
-              </a:rPr>
-              <a:t>$ </a:t>
-            </a:r>
-            <a:r>
-              <a:rPr lang="en-US" sz="2400" dirty="0">
-                <a:solidFill>
-                  <a:srgbClr val="0000FF"/>
-                </a:solidFill>
-                <a:latin typeface="Courier"/>
-                <a:cs typeface="Courier"/>
-              </a:rPr>
-              <a:t>echo crazy horse</a:t>
-            </a:r>
+            <a:pPr marL="968375" indent="-339725">
+              <a:buFont typeface="Arial"/>
+              <a:buChar char="•"/>
+            </a:pPr>
+            <a:r>
+              <a:rPr lang="en-US" sz="2400" dirty="0"/>
+              <a:t>or, dots – </a:t>
+            </a:r>
+            <a:r>
+              <a:rPr lang="en-US" sz="2400" dirty="0" err="1">
+                <a:solidFill>
+                  <a:srgbClr val="FF0000"/>
+                </a:solidFill>
+              </a:rPr>
+              <a:t>my.file.txt</a:t>
+            </a:r>
+            <a:endParaRPr lang="en-US" sz="2400" dirty="0">
+              <a:solidFill>
+                <a:srgbClr val="FF0000"/>
+              </a:solidFill>
+            </a:endParaRPr>
           </a:p>
         </p:txBody>
       </p:sp>
     </p:spTree>
     <p:extLst>
       <p:ext uri="{BB962C8B-B14F-4D97-AF65-F5344CB8AC3E}">
-        <p14:creationId xmlns:p14="http://schemas.microsoft.com/office/powerpoint/2010/main" val="1944105896"/>
+        <p14:creationId xmlns:p14="http://schemas.microsoft.com/office/powerpoint/2010/main" val="1443467416"/>
       </p:ext>
     </p:extLst>
   </p:cSld>
@@ -7762,8 +7142,8 @@
         </p:nvSpPr>
         <p:spPr>
           <a:xfrm>
-            <a:off x="229623" y="1240194"/>
-            <a:ext cx="8723875" cy="4267835"/>
+            <a:off x="264903" y="1042626"/>
+            <a:ext cx="8663865" cy="5560496"/>
           </a:xfrm>
           <a:prstGeom prst="rect">
             <a:avLst/>
@@ -7782,64 +7162,89 @@
               </a:spcAft>
             </a:pPr>
             <a:r>
-              <a:rPr lang="en-US" sz="2800" dirty="0">
+              <a:rPr lang="en-US" sz="2400" dirty="0">
                 <a:latin typeface="Courier"/>
                 <a:cs typeface="Courier"/>
               </a:rPr>
               <a:t>$ </a:t>
             </a:r>
             <a:r>
-              <a:rPr lang="en-US" sz="2800" dirty="0">
-                <a:solidFill>
-                  <a:srgbClr val="0000FF"/>
-                </a:solidFill>
-                <a:latin typeface="Courier"/>
-                <a:cs typeface="Courier"/>
-              </a:rPr>
-              <a:t>clear </a:t>
-            </a:r>
-            <a:r>
-              <a:rPr lang="en-US" sz="2800" dirty="0">
+              <a:rPr lang="en-US" sz="2400" dirty="0" err="1">
+                <a:solidFill>
+                  <a:srgbClr val="0000FF"/>
+                </a:solidFill>
+                <a:latin typeface="Courier"/>
+                <a:cs typeface="Courier"/>
+              </a:rPr>
+              <a:t>pwd</a:t>
+            </a:r>
+            <a:r>
+              <a:rPr lang="en-US" sz="2400" dirty="0">
+                <a:solidFill>
+                  <a:srgbClr val="0000FF"/>
+                </a:solidFill>
+                <a:latin typeface="Courier"/>
+                <a:cs typeface="Courier"/>
+              </a:rPr>
+              <a:t> </a:t>
+            </a:r>
+            <a:r>
+              <a:rPr lang="en-US" sz="2400" dirty="0">
+                <a:latin typeface="Calibri"/>
                 <a:cs typeface="Calibri"/>
               </a:rPr>
               <a:t>–   </a:t>
             </a:r>
             <a:r>
-              <a:rPr lang="en-US" sz="2800" u="sng" dirty="0">
+              <a:rPr lang="en-US" sz="2400" u="sng" dirty="0">
                 <a:cs typeface="Calibri"/>
               </a:rPr>
-              <a:t>cl</a:t>
-            </a:r>
-            <a:r>
-              <a:rPr lang="en-US" sz="2800" dirty="0">
+              <a:t>p</a:t>
+            </a:r>
+            <a:r>
+              <a:rPr lang="en-US" sz="2400" dirty="0">
                 <a:cs typeface="Calibri"/>
               </a:rPr>
-              <a:t>ear the Terminal screen</a:t>
-            </a:r>
-          </a:p>
-          <a:p>
-            <a:pPr marL="225425" lvl="1" indent="346075">
-              <a:spcAft>
-                <a:spcPts val="400"/>
-              </a:spcAft>
-            </a:pPr>
+              <a:t>rints path of </a:t>
+            </a:r>
+            <a:r>
+              <a:rPr lang="en-US" sz="2400" u="sng" dirty="0">
+                <a:latin typeface="Calibri"/>
+                <a:cs typeface="Calibri"/>
+              </a:rPr>
+              <a:t>w</a:t>
+            </a:r>
             <a:r>
               <a:rPr lang="en-US" sz="2400" dirty="0">
-                <a:latin typeface="Courier"/>
-                <a:cs typeface="Courier"/>
-              </a:rPr>
-              <a:t>$ </a:t>
+                <a:latin typeface="Calibri"/>
+                <a:cs typeface="Calibri"/>
+              </a:rPr>
+              <a:t>orking </a:t>
+            </a:r>
+            <a:r>
+              <a:rPr lang="en-US" sz="2400" u="sng" dirty="0">
+                <a:latin typeface="Calibri"/>
+                <a:cs typeface="Calibri"/>
+              </a:rPr>
+              <a:t>d</a:t>
             </a:r>
             <a:r>
               <a:rPr lang="en-US" sz="2400" dirty="0">
-                <a:solidFill>
-                  <a:srgbClr val="0000FF"/>
-                </a:solidFill>
-                <a:latin typeface="Courier"/>
-                <a:cs typeface="Courier"/>
-              </a:rPr>
-              <a:t>clear</a:t>
-            </a:r>
+                <a:latin typeface="Calibri"/>
+                <a:cs typeface="Calibri"/>
+              </a:rPr>
+              <a:t>irectory </a:t>
+            </a:r>
+            <a:r>
+              <a:rPr lang="en-US" sz="2400" dirty="0">
+                <a:cs typeface="Calibri"/>
+              </a:rPr>
+              <a:t>[absolute or relative?]</a:t>
+            </a:r>
+            <a:endParaRPr lang="en-US" sz="2400" dirty="0">
+              <a:latin typeface="Calibri"/>
+              <a:cs typeface="Calibri"/>
+            </a:endParaRPr>
           </a:p>
           <a:p>
             <a:pPr marL="225425" lvl="1">
@@ -7847,7 +7252,7 @@
                 <a:spcPts val="400"/>
               </a:spcAft>
             </a:pPr>
-            <a:endParaRPr lang="en-US" sz="2400" dirty="0">
+            <a:endParaRPr lang="en-US" sz="1200" dirty="0">
               <a:latin typeface="Courier"/>
               <a:cs typeface="Courier"/>
             </a:endParaRPr>
@@ -7858,10 +7263,53 @@
                 <a:spcPts val="400"/>
               </a:spcAft>
             </a:pPr>
-            <a:endParaRPr lang="en-US" sz="2400" dirty="0">
-              <a:latin typeface="Courier"/>
-              <a:cs typeface="Courier"/>
-            </a:endParaRPr>
+            <a:r>
+              <a:rPr lang="en-US" sz="2400" dirty="0">
+                <a:latin typeface="Courier"/>
+                <a:cs typeface="Courier"/>
+              </a:rPr>
+              <a:t>$ </a:t>
+            </a:r>
+            <a:r>
+              <a:rPr lang="en-US" sz="2400" dirty="0">
+                <a:solidFill>
+                  <a:srgbClr val="0000FF"/>
+                </a:solidFill>
+                <a:latin typeface="Courier"/>
+                <a:cs typeface="Courier"/>
+              </a:rPr>
+              <a:t>cd </a:t>
+            </a:r>
+            <a:r>
+              <a:rPr lang="en-US" sz="2400" dirty="0">
+                <a:cs typeface="Calibri"/>
+              </a:rPr>
+              <a:t>–   </a:t>
+            </a:r>
+            <a:r>
+              <a:rPr lang="en-US" sz="2400" u="sng" dirty="0">
+                <a:cs typeface="Calibri"/>
+              </a:rPr>
+              <a:t>c</a:t>
+            </a:r>
+            <a:r>
+              <a:rPr lang="en-US" sz="2400" dirty="0">
+                <a:cs typeface="Calibri"/>
+              </a:rPr>
+              <a:t>hange </a:t>
+            </a:r>
+            <a:r>
+              <a:rPr lang="en-US" sz="2400" u="sng" dirty="0">
+                <a:cs typeface="Calibri"/>
+              </a:rPr>
+              <a:t>d</a:t>
+            </a:r>
+            <a:r>
+              <a:rPr lang="en-US" sz="2400" dirty="0">
+                <a:cs typeface="Calibri"/>
+              </a:rPr>
+              <a:t>irectory</a:t>
+            </a:r>
           </a:p>
           <a:p>
             <a:pPr marL="225425" lvl="1">
@@ -7870,108 +7318,496 @@
               </a:spcAft>
             </a:pPr>
             <a:r>
-              <a:rPr lang="en-US" sz="2800" dirty="0">
+              <a:rPr lang="en-US" sz="2400" dirty="0">
+                <a:solidFill>
+                  <a:srgbClr val="3366FF"/>
+                </a:solidFill>
+                <a:latin typeface="Courier"/>
+                <a:cs typeface="Calibri"/>
+              </a:rPr>
+              <a:t>		</a:t>
+            </a:r>
+            <a:r>
+              <a:rPr lang="en-US" sz="2400" dirty="0">
                 <a:latin typeface="Courier"/>
                 <a:cs typeface="Courier"/>
               </a:rPr>
               <a:t>$ </a:t>
             </a:r>
             <a:r>
-              <a:rPr lang="en-US" sz="2800" dirty="0">
-                <a:solidFill>
-                  <a:srgbClr val="0000FF"/>
-                </a:solidFill>
-                <a:latin typeface="Courier"/>
-                <a:cs typeface="Courier"/>
-              </a:rPr>
-              <a:t>exit </a:t>
-            </a:r>
-            <a:r>
-              <a:rPr lang="en-US" sz="2800" dirty="0">
+              <a:rPr lang="en-US" sz="2400" dirty="0">
+                <a:solidFill>
+                  <a:srgbClr val="0000FF"/>
+                </a:solidFill>
+                <a:latin typeface="Courier"/>
+                <a:cs typeface="Courier"/>
+              </a:rPr>
+              <a:t>cd .. </a:t>
+            </a:r>
+            <a:r>
+              <a:rPr lang="en-US" sz="2400" dirty="0">
+                <a:cs typeface="Courier"/>
+              </a:rPr>
+              <a:t>[move up one directory]</a:t>
+            </a:r>
+          </a:p>
+          <a:p>
+            <a:pPr marL="225425" lvl="1">
+              <a:spcAft>
+                <a:spcPts val="400"/>
+              </a:spcAft>
+            </a:pPr>
+            <a:r>
+              <a:rPr lang="en-US" sz="2400" dirty="0">
+                <a:solidFill>
+                  <a:srgbClr val="3366FF"/>
+                </a:solidFill>
+                <a:latin typeface="Courier"/>
                 <a:cs typeface="Calibri"/>
               </a:rPr>
-              <a:t>–   exit the session</a:t>
-            </a:r>
-            <a:endParaRPr lang="en-US" sz="2800" dirty="0">
+              <a:t>		</a:t>
+            </a:r>
+            <a:r>
+              <a:rPr lang="en-US" sz="2400" dirty="0">
+                <a:latin typeface="Courier"/>
+                <a:cs typeface="Courier"/>
+              </a:rPr>
+              <a:t>$ </a:t>
+            </a:r>
+            <a:r>
+              <a:rPr lang="en-US" sz="2400" dirty="0">
+                <a:solidFill>
+                  <a:srgbClr val="0000FF"/>
+                </a:solidFill>
+                <a:latin typeface="Courier"/>
+                <a:cs typeface="Courier"/>
+              </a:rPr>
+              <a:t>cd ../../</a:t>
+            </a:r>
+            <a:r>
+              <a:rPr lang="en-US" sz="2400" dirty="0">
+                <a:solidFill>
+                  <a:srgbClr val="3366FF"/>
+                </a:solidFill>
+                <a:latin typeface="Courier"/>
+                <a:cs typeface="Courier"/>
+              </a:rPr>
+              <a:t> </a:t>
+            </a:r>
+            <a:r>
+              <a:rPr lang="en-US" sz="2400" dirty="0">
+                <a:cs typeface="Courier"/>
+              </a:rPr>
+              <a:t>[move up two directories]</a:t>
+            </a:r>
+          </a:p>
+          <a:p>
+            <a:pPr marL="225425" lvl="1">
+              <a:spcAft>
+                <a:spcPts val="400"/>
+              </a:spcAft>
+            </a:pPr>
+            <a:r>
+              <a:rPr lang="en-US" sz="2400" dirty="0">
+                <a:solidFill>
+                  <a:srgbClr val="3366FF"/>
+                </a:solidFill>
+                <a:latin typeface="Courier"/>
+                <a:cs typeface="Calibri"/>
+              </a:rPr>
+              <a:t>		</a:t>
+            </a:r>
+            <a:r>
+              <a:rPr lang="en-US" sz="2400" dirty="0">
+                <a:latin typeface="Courier"/>
+                <a:cs typeface="Courier"/>
+              </a:rPr>
+              <a:t>$ </a:t>
+            </a:r>
+            <a:r>
+              <a:rPr lang="en-US" sz="2400" dirty="0">
+                <a:solidFill>
+                  <a:srgbClr val="0000FF"/>
+                </a:solidFill>
+                <a:latin typeface="Courier"/>
+                <a:cs typeface="Courier"/>
+              </a:rPr>
+              <a:t>cd    </a:t>
+            </a:r>
+            <a:r>
+              <a:rPr lang="en-US" sz="2400" dirty="0">
+                <a:cs typeface="Courier"/>
+              </a:rPr>
+              <a:t>[go home]</a:t>
+            </a:r>
+          </a:p>
+          <a:p>
+            <a:pPr marL="225425" lvl="1">
+              <a:spcAft>
+                <a:spcPts val="400"/>
+              </a:spcAft>
+            </a:pPr>
+            <a:r>
+              <a:rPr lang="en-US" sz="2400" dirty="0">
+                <a:solidFill>
+                  <a:srgbClr val="3366FF"/>
+                </a:solidFill>
+                <a:latin typeface="Courier"/>
+                <a:cs typeface="Courier"/>
+              </a:rPr>
+              <a:t>		</a:t>
+            </a:r>
+            <a:r>
+              <a:rPr lang="en-US" sz="2400" dirty="0">
+                <a:latin typeface="Courier"/>
+                <a:cs typeface="Courier"/>
+              </a:rPr>
+              <a:t>$ </a:t>
+            </a:r>
+            <a:r>
+              <a:rPr lang="en-US" sz="2400" dirty="0">
+                <a:solidFill>
+                  <a:srgbClr val="0000FF"/>
+                </a:solidFill>
+                <a:latin typeface="Courier"/>
+                <a:cs typeface="Courier"/>
+              </a:rPr>
+              <a:t>cd ~  </a:t>
+            </a:r>
+            <a:r>
+              <a:rPr lang="en-US" sz="2400" dirty="0">
+                <a:cs typeface="Courier"/>
+              </a:rPr>
+              <a:t>[go home]</a:t>
+            </a:r>
+          </a:p>
+          <a:p>
+            <a:pPr marL="225425" lvl="1">
+              <a:spcAft>
+                <a:spcPts val="400"/>
+              </a:spcAft>
+            </a:pPr>
+            <a:r>
+              <a:rPr lang="en-US" sz="2400" dirty="0">
+                <a:solidFill>
+                  <a:srgbClr val="3366FF"/>
+                </a:solidFill>
+                <a:latin typeface="Courier"/>
+                <a:cs typeface="Courier"/>
+              </a:rPr>
+              <a:t>		</a:t>
+            </a:r>
+            <a:r>
+              <a:rPr lang="en-US" sz="2400" dirty="0">
+                <a:latin typeface="Courier"/>
+                <a:cs typeface="Courier"/>
+              </a:rPr>
+              <a:t>$ </a:t>
+            </a:r>
+            <a:r>
+              <a:rPr lang="en-US" sz="2400" dirty="0">
+                <a:solidFill>
+                  <a:srgbClr val="0000FF"/>
+                </a:solidFill>
+                <a:latin typeface="Courier"/>
+                <a:cs typeface="Courier"/>
+              </a:rPr>
+              <a:t>cd ~/Desktop/</a:t>
+            </a:r>
+            <a:r>
+              <a:rPr lang="en-US" sz="2400" dirty="0" err="1">
+                <a:solidFill>
+                  <a:srgbClr val="0000FF"/>
+                </a:solidFill>
+                <a:latin typeface="Courier"/>
+                <a:cs typeface="Courier"/>
+              </a:rPr>
+              <a:t>watermelon_files</a:t>
+            </a:r>
+            <a:endParaRPr lang="en-US" sz="2400" dirty="0">
               <a:solidFill>
-                <a:srgbClr val="3366FF"/>
+                <a:srgbClr val="0000FF"/>
               </a:solidFill>
               <a:latin typeface="Courier"/>
               <a:cs typeface="Courier"/>
             </a:endParaRPr>
           </a:p>
           <a:p>
-            <a:pPr marL="1193800" lvl="1" indent="-276225">
+            <a:pPr marL="225425" lvl="1">
               <a:spcAft>
                 <a:spcPts val="400"/>
               </a:spcAft>
-              <a:buFont typeface="Arial"/>
-              <a:buChar char="•"/>
             </a:pPr>
             <a:r>
               <a:rPr lang="en-US" sz="2400" dirty="0">
-                <a:cs typeface="Courier"/>
-              </a:rPr>
-              <a:t>always exit your session before closing the Terminal window and quitting Terminal</a:t>
-            </a:r>
-          </a:p>
-          <a:p>
-            <a:pPr marL="1193800" lvl="1" indent="-276225">
+                <a:solidFill>
+                  <a:srgbClr val="3366FF"/>
+                </a:solidFill>
+                <a:latin typeface="Courier"/>
+                <a:cs typeface="Courier"/>
+              </a:rPr>
+              <a:t>		</a:t>
+            </a:r>
+            <a:r>
+              <a:rPr lang="en-US" sz="2400" dirty="0">
+                <a:latin typeface="Courier"/>
+                <a:cs typeface="Courier"/>
+              </a:rPr>
+              <a:t>$ </a:t>
+            </a:r>
+            <a:r>
+              <a:rPr lang="en-US" sz="2400" dirty="0">
+                <a:solidFill>
+                  <a:srgbClr val="0000FF"/>
+                </a:solidFill>
+                <a:latin typeface="Courier"/>
+                <a:cs typeface="Courier"/>
+              </a:rPr>
+              <a:t>cd /Users/</a:t>
+            </a:r>
+            <a:r>
+              <a:rPr lang="en-US" sz="2400" dirty="0" err="1">
+                <a:solidFill>
+                  <a:srgbClr val="0000FF"/>
+                </a:solidFill>
+                <a:latin typeface="Courier"/>
+                <a:cs typeface="Courier"/>
+              </a:rPr>
+              <a:t>aja</a:t>
+            </a:r>
+            <a:r>
+              <a:rPr lang="en-US" sz="2400" dirty="0">
+                <a:solidFill>
+                  <a:srgbClr val="0000FF"/>
+                </a:solidFill>
+                <a:latin typeface="Courier"/>
+                <a:cs typeface="Courier"/>
+              </a:rPr>
+              <a:t>/Desktop/</a:t>
+            </a:r>
+            <a:r>
+              <a:rPr lang="en-US" sz="2400" dirty="0" err="1">
+                <a:solidFill>
+                  <a:srgbClr val="0000FF"/>
+                </a:solidFill>
+                <a:latin typeface="Courier"/>
+                <a:cs typeface="Courier"/>
+              </a:rPr>
+              <a:t>watermelon_files</a:t>
+            </a:r>
+            <a:endParaRPr lang="en-US" sz="2400" dirty="0">
+              <a:solidFill>
+                <a:srgbClr val="0000FF"/>
+              </a:solidFill>
+              <a:latin typeface="Courier"/>
+              <a:cs typeface="Courier"/>
+            </a:endParaRPr>
+          </a:p>
+          <a:p>
+            <a:pPr marL="225425" lvl="1">
               <a:spcAft>
                 <a:spcPts val="400"/>
               </a:spcAft>
-              <a:buFont typeface="Arial"/>
-              <a:buChar char="•"/>
-            </a:pPr>
-            <a:r>
-              <a:rPr lang="en-US" sz="2400" dirty="0">
-                <a:cs typeface="Courier"/>
-              </a:rPr>
-              <a:t>not doing so is </a:t>
-            </a:r>
-            <a:r>
-              <a:rPr lang="en-US" sz="2400" dirty="0" err="1">
-                <a:cs typeface="Courier"/>
-              </a:rPr>
-              <a:t>analagous</a:t>
-            </a:r>
-            <a:r>
-              <a:rPr lang="en-US" sz="2400" dirty="0">
-                <a:cs typeface="Courier"/>
-              </a:rPr>
-              <a:t> to </a:t>
-            </a:r>
-            <a:r>
-              <a:rPr lang="en-US" sz="2400" dirty="0" err="1">
-                <a:cs typeface="Courier"/>
-              </a:rPr>
-              <a:t>uplugging</a:t>
-            </a:r>
-            <a:r>
-              <a:rPr lang="en-US" sz="2400" dirty="0">
-                <a:cs typeface="Courier"/>
-              </a:rPr>
-              <a:t> your computer – unceremonious end to all your programs and processes</a:t>
-            </a:r>
-          </a:p>
-          <a:p>
-            <a:pPr marL="1193800" lvl="1" indent="-276225">
+            </a:pPr>
+            <a:endParaRPr lang="en-US" sz="1200" dirty="0">
+              <a:latin typeface="Courier"/>
+              <a:cs typeface="Courier"/>
+            </a:endParaRPr>
+          </a:p>
+          <a:p>
+            <a:pPr marL="225425" lvl="1">
               <a:spcAft>
                 <a:spcPts val="400"/>
               </a:spcAft>
-              <a:buFont typeface="Arial"/>
-              <a:buChar char="•"/>
-            </a:pPr>
-            <a:endParaRPr lang="en-US" sz="2400" dirty="0">
-              <a:cs typeface="Courier"/>
-            </a:endParaRPr>
+            </a:pPr>
+            <a:r>
+              <a:rPr lang="en-US" sz="2400" dirty="0">
+                <a:latin typeface="Courier"/>
+                <a:cs typeface="Courier"/>
+              </a:rPr>
+              <a:t>$ </a:t>
+            </a:r>
+            <a:r>
+              <a:rPr lang="en-US" sz="2400" dirty="0">
+                <a:solidFill>
+                  <a:srgbClr val="0000FF"/>
+                </a:solidFill>
+                <a:latin typeface="Courier"/>
+                <a:cs typeface="Courier"/>
+              </a:rPr>
+              <a:t>echo </a:t>
+            </a:r>
+            <a:r>
+              <a:rPr lang="en-US" sz="2400" u="sng" dirty="0">
+                <a:solidFill>
+                  <a:srgbClr val="0000FF"/>
+                </a:solidFill>
+                <a:latin typeface="Courier"/>
+                <a:cs typeface="Courier"/>
+              </a:rPr>
+              <a:t>argument</a:t>
+            </a:r>
+            <a:r>
+              <a:rPr lang="en-US" sz="2400" dirty="0">
+                <a:solidFill>
+                  <a:srgbClr val="0000FF"/>
+                </a:solidFill>
+                <a:latin typeface="Courier"/>
+                <a:cs typeface="Courier"/>
+              </a:rPr>
+              <a:t> </a:t>
+            </a:r>
+            <a:r>
+              <a:rPr lang="en-US" dirty="0">
+                <a:solidFill>
+                  <a:srgbClr val="0000FF"/>
+                </a:solidFill>
+                <a:latin typeface="Courier"/>
+                <a:cs typeface="Courier"/>
+              </a:rPr>
+              <a:t>. . .</a:t>
+            </a:r>
+            <a:r>
+              <a:rPr lang="en-US" sz="2400" dirty="0">
+                <a:solidFill>
+                  <a:srgbClr val="0000FF"/>
+                </a:solidFill>
+                <a:latin typeface="Courier"/>
+                <a:cs typeface="Courier"/>
+              </a:rPr>
+              <a:t> </a:t>
+            </a:r>
+            <a:r>
+              <a:rPr lang="en-US" sz="2400" dirty="0">
+                <a:cs typeface="Calibri"/>
+              </a:rPr>
+              <a:t>–   write arguments to STDOUT</a:t>
+            </a:r>
+          </a:p>
+          <a:p>
+            <a:pPr marL="225425" lvl="1">
+              <a:spcAft>
+                <a:spcPts val="400"/>
+              </a:spcAft>
+            </a:pPr>
+            <a:r>
+              <a:rPr lang="en-US" sz="2400" dirty="0">
+                <a:solidFill>
+                  <a:srgbClr val="3366FF"/>
+                </a:solidFill>
+                <a:latin typeface="Courier"/>
+                <a:cs typeface="Calibri"/>
+              </a:rPr>
+              <a:t>		</a:t>
+            </a:r>
+            <a:r>
+              <a:rPr lang="en-US" sz="2400" dirty="0">
+                <a:latin typeface="Courier"/>
+                <a:cs typeface="Courier"/>
+              </a:rPr>
+              <a:t>$ </a:t>
+            </a:r>
+            <a:r>
+              <a:rPr lang="en-US" sz="2400" dirty="0">
+                <a:solidFill>
+                  <a:srgbClr val="0000FF"/>
+                </a:solidFill>
+                <a:latin typeface="Courier"/>
+                <a:cs typeface="Calibri"/>
+              </a:rPr>
+              <a:t>echo $HOME </a:t>
+            </a:r>
+            <a:r>
+              <a:rPr lang="en-US" sz="2400" dirty="0">
+                <a:cs typeface="Courier"/>
+              </a:rPr>
+              <a:t>[where's my home directory?]</a:t>
+            </a:r>
+          </a:p>
+          <a:p>
+            <a:pPr marL="225425" lvl="1">
+              <a:spcAft>
+                <a:spcPts val="400"/>
+              </a:spcAft>
+            </a:pPr>
+            <a:r>
+              <a:rPr lang="en-US" sz="2400" dirty="0">
+                <a:solidFill>
+                  <a:srgbClr val="3366FF"/>
+                </a:solidFill>
+                <a:latin typeface="Courier"/>
+                <a:cs typeface="Calibri"/>
+              </a:rPr>
+              <a:t>		</a:t>
+            </a:r>
+            <a:r>
+              <a:rPr lang="en-US" sz="2400" dirty="0">
+                <a:latin typeface="Courier"/>
+                <a:cs typeface="Courier"/>
+              </a:rPr>
+              <a:t>$ </a:t>
+            </a:r>
+            <a:r>
+              <a:rPr lang="en-US" sz="2400" dirty="0">
+                <a:solidFill>
+                  <a:srgbClr val="0000FF"/>
+                </a:solidFill>
+                <a:latin typeface="Courier"/>
+                <a:cs typeface="Calibri"/>
+              </a:rPr>
+              <a:t>echo </a:t>
+            </a:r>
+            <a:r>
+              <a:rPr lang="en-US" sz="2400" dirty="0">
+                <a:solidFill>
+                  <a:srgbClr val="0000FF"/>
+                </a:solidFill>
+                <a:latin typeface="Courier"/>
+                <a:cs typeface="Courier"/>
+              </a:rPr>
+              <a:t>crazy</a:t>
+            </a:r>
+          </a:p>
+          <a:p>
+            <a:pPr marL="225425" lvl="1">
+              <a:spcAft>
+                <a:spcPts val="400"/>
+              </a:spcAft>
+            </a:pPr>
+            <a:r>
+              <a:rPr lang="en-US" sz="2400" dirty="0">
+                <a:solidFill>
+                  <a:srgbClr val="3366FF"/>
+                </a:solidFill>
+                <a:latin typeface="Courier"/>
+                <a:cs typeface="Courier"/>
+              </a:rPr>
+              <a:t>		</a:t>
+            </a:r>
+            <a:r>
+              <a:rPr lang="en-US" sz="2400" dirty="0">
+                <a:latin typeface="Courier"/>
+                <a:cs typeface="Courier"/>
+              </a:rPr>
+              <a:t>$ </a:t>
+            </a:r>
+            <a:r>
+              <a:rPr lang="en-US" sz="2400" dirty="0">
+                <a:solidFill>
+                  <a:srgbClr val="0000FF"/>
+                </a:solidFill>
+                <a:latin typeface="Courier"/>
+                <a:cs typeface="Courier"/>
+              </a:rPr>
+              <a:t>echo crazy horse</a:t>
+            </a:r>
           </a:p>
         </p:txBody>
       </p:sp>
     </p:spTree>
     <p:extLst>
       <p:ext uri="{BB962C8B-B14F-4D97-AF65-F5344CB8AC3E}">
-        <p14:creationId xmlns:p14="http://schemas.microsoft.com/office/powerpoint/2010/main" val="3055901973"/>
+        <p14:creationId xmlns:p14="http://schemas.microsoft.com/office/powerpoint/2010/main" val="1944105896"/>
       </p:ext>
     </p:extLst>
   </p:cSld>
@@ -8010,7 +7846,7 @@
         </p:nvSpPr>
         <p:spPr>
           <a:xfrm>
-            <a:off x="364627" y="1827533"/>
+            <a:off x="364627" y="176523"/>
             <a:ext cx="8436747" cy="862385"/>
           </a:xfrm>
         </p:spPr>
@@ -8021,22 +7857,22 @@
           <a:lstStyle/>
           <a:p>
             <a:r>
-              <a:rPr lang="en-US" sz="3600" b="1" dirty="0"/>
-              <a:t>*AWESOME SHORTCUTS*</a:t>
+              <a:rPr lang="en-US" sz="3600" dirty="0"/>
+              <a:t>Common Unix commands</a:t>
             </a:r>
           </a:p>
         </p:txBody>
       </p:sp>
       <p:sp>
         <p:nvSpPr>
-          <p:cNvPr id="3" name="TextBox 2"/>
+          <p:cNvPr id="4" name="TextBox 3"/>
           <p:cNvSpPr txBox="1"/>
           <p:nvPr/>
         </p:nvSpPr>
         <p:spPr>
           <a:xfrm>
-            <a:off x="662893" y="3060607"/>
-            <a:ext cx="7840214" cy="1938992"/>
+            <a:off x="229623" y="1240194"/>
+            <a:ext cx="8723875" cy="4267835"/>
           </a:xfrm>
           <a:prstGeom prst="rect">
             <a:avLst/>
@@ -8049,134 +7885,202 @@
           </a:bodyPr>
           <a:lstStyle/>
           <a:p>
-            <a:pPr marL="457200" indent="-457200">
-              <a:buFont typeface="+mj-lt"/>
-              <a:buAutoNum type="arabicPeriod"/>
+            <a:pPr marL="225425" lvl="1">
+              <a:spcAft>
+                <a:spcPts val="400"/>
+              </a:spcAft>
+            </a:pPr>
+            <a:r>
+              <a:rPr lang="en-US" sz="2800" dirty="0">
+                <a:latin typeface="Courier"/>
+                <a:cs typeface="Courier"/>
+              </a:rPr>
+              <a:t>$ </a:t>
+            </a:r>
+            <a:r>
+              <a:rPr lang="en-US" sz="2800" dirty="0">
+                <a:solidFill>
+                  <a:srgbClr val="0000FF"/>
+                </a:solidFill>
+                <a:latin typeface="Courier"/>
+                <a:cs typeface="Courier"/>
+              </a:rPr>
+              <a:t>clear </a:t>
+            </a:r>
+            <a:r>
+              <a:rPr lang="en-US" sz="2800" dirty="0">
+                <a:cs typeface="Calibri"/>
+              </a:rPr>
+              <a:t>–   </a:t>
+            </a:r>
+            <a:r>
+              <a:rPr lang="en-US" sz="2800" u="sng" dirty="0">
+                <a:cs typeface="Calibri"/>
+              </a:rPr>
+              <a:t>cl</a:t>
+            </a:r>
+            <a:r>
+              <a:rPr lang="en-US" sz="2800" dirty="0">
+                <a:cs typeface="Calibri"/>
+              </a:rPr>
+              <a:t>ear the Terminal screen</a:t>
+            </a:r>
+          </a:p>
+          <a:p>
+            <a:pPr marL="225425" lvl="1" indent="346075">
+              <a:spcAft>
+                <a:spcPts val="400"/>
+              </a:spcAft>
             </a:pPr>
             <a:r>
               <a:rPr lang="en-US" sz="2400" dirty="0">
+                <a:latin typeface="Courier"/>
+                <a:cs typeface="Courier"/>
+              </a:rPr>
+              <a:t>$ </a:t>
+            </a:r>
+            <a:r>
+              <a:rPr lang="en-US" sz="2400" dirty="0">
+                <a:solidFill>
+                  <a:srgbClr val="0000FF"/>
+                </a:solidFill>
+                <a:latin typeface="Courier"/>
+                <a:cs typeface="Courier"/>
+              </a:rPr>
+              <a:t>clear</a:t>
+            </a:r>
+          </a:p>
+          <a:p>
+            <a:pPr marL="225425" lvl="1">
+              <a:spcAft>
+                <a:spcPts val="400"/>
+              </a:spcAft>
+            </a:pPr>
+            <a:endParaRPr lang="en-US" sz="2400" dirty="0">
+              <a:latin typeface="Courier"/>
+              <a:cs typeface="Courier"/>
+            </a:endParaRPr>
+          </a:p>
+          <a:p>
+            <a:pPr marL="225425" lvl="1">
+              <a:spcAft>
+                <a:spcPts val="400"/>
+              </a:spcAft>
+            </a:pPr>
+            <a:endParaRPr lang="en-US" sz="2400" dirty="0">
+              <a:latin typeface="Courier"/>
+              <a:cs typeface="Courier"/>
+            </a:endParaRPr>
+          </a:p>
+          <a:p>
+            <a:pPr marL="225425" lvl="1">
+              <a:spcAft>
+                <a:spcPts val="400"/>
+              </a:spcAft>
+            </a:pPr>
+            <a:r>
+              <a:rPr lang="en-US" sz="2800" dirty="0">
+                <a:latin typeface="Courier"/>
+                <a:cs typeface="Courier"/>
+              </a:rPr>
+              <a:t>$ </a:t>
+            </a:r>
+            <a:r>
+              <a:rPr lang="en-US" sz="2800" dirty="0">
+                <a:solidFill>
+                  <a:srgbClr val="0000FF"/>
+                </a:solidFill>
+                <a:latin typeface="Courier"/>
+                <a:cs typeface="Courier"/>
+              </a:rPr>
+              <a:t>exit </a:t>
+            </a:r>
+            <a:r>
+              <a:rPr lang="en-US" sz="2800" dirty="0">
                 <a:cs typeface="Calibri"/>
               </a:rPr>
-              <a:t>Auto</a:t>
-            </a:r>
+              <a:t>–   exit the session</a:t>
+            </a:r>
+            <a:endParaRPr lang="en-US" sz="2800" dirty="0">
+              <a:solidFill>
+                <a:srgbClr val="3366FF"/>
+              </a:solidFill>
+              <a:latin typeface="Courier"/>
+              <a:cs typeface="Courier"/>
+            </a:endParaRPr>
+          </a:p>
+          <a:p>
+            <a:pPr marL="1193800" lvl="1" indent="-276225">
+              <a:spcAft>
+                <a:spcPts val="400"/>
+              </a:spcAft>
+              <a:buFont typeface="Arial"/>
+              <a:buChar char="•"/>
+            </a:pPr>
             <a:r>
               <a:rPr lang="en-US" sz="2400" dirty="0">
-                <a:latin typeface="Calibri"/>
-                <a:cs typeface="Calibri"/>
-              </a:rPr>
-              <a:t>-complete with </a:t>
-            </a:r>
-            <a:r>
-              <a:rPr lang="en-US" sz="2400" u="sng" dirty="0">
-                <a:latin typeface="Calibri"/>
-                <a:cs typeface="Calibri"/>
-              </a:rPr>
-              <a:t>tab</a:t>
-            </a:r>
-          </a:p>
-          <a:p>
-            <a:pPr marL="457200" indent="-457200">
-              <a:buFont typeface="+mj-lt"/>
-              <a:buAutoNum type="arabicPeriod"/>
+                <a:cs typeface="Courier"/>
+              </a:rPr>
+              <a:t>always exit your session before closing the Terminal window and quitting Terminal</a:t>
+            </a:r>
+          </a:p>
+          <a:p>
+            <a:pPr marL="1193800" lvl="1" indent="-276225">
+              <a:spcAft>
+                <a:spcPts val="400"/>
+              </a:spcAft>
+              <a:buFont typeface="Arial"/>
+              <a:buChar char="•"/>
             </a:pPr>
             <a:r>
               <a:rPr lang="en-US" sz="2400" dirty="0">
-                <a:latin typeface="Calibri"/>
-                <a:cs typeface="Calibri"/>
-              </a:rPr>
-              <a:t>Re-run a previous command with </a:t>
-            </a:r>
-            <a:r>
-              <a:rPr lang="en-US" sz="2400" u="sng" dirty="0">
-                <a:latin typeface="Calibri"/>
-                <a:cs typeface="Calibri"/>
-              </a:rPr>
-              <a:t>Up [and down] arrow</a:t>
-            </a:r>
-          </a:p>
-          <a:p>
-            <a:pPr marL="457200" indent="-457200">
-              <a:buFont typeface="+mj-lt"/>
-              <a:buAutoNum type="arabicPeriod"/>
-            </a:pPr>
+                <a:cs typeface="Courier"/>
+              </a:rPr>
+              <a:t>not doing so is </a:t>
+            </a:r>
+            <a:r>
+              <a:rPr lang="en-US" sz="2400" dirty="0" err="1">
+                <a:cs typeface="Courier"/>
+              </a:rPr>
+              <a:t>analagous</a:t>
+            </a:r>
             <a:r>
               <a:rPr lang="en-US" sz="2400" dirty="0">
-                <a:latin typeface="Calibri"/>
-                <a:cs typeface="Calibri"/>
-              </a:rPr>
-              <a:t>Find an old command with </a:t>
+                <a:cs typeface="Courier"/>
+              </a:rPr>
+              <a:t> to </a:t>
             </a:r>
             <a:r>
               <a:rPr lang="en-US" sz="2400" dirty="0" err="1">
-                <a:solidFill>
-                  <a:srgbClr val="0432FF"/>
-                </a:solidFill>
-                <a:latin typeface="Courier" charset="0"/>
-                <a:ea typeface="Courier" charset="0"/>
-                <a:cs typeface="Courier" charset="0"/>
-              </a:rPr>
-              <a:t>Ctrl+r</a:t>
-            </a:r>
+                <a:cs typeface="Courier"/>
+              </a:rPr>
+              <a:t>uplugging</a:t>
+            </a:r>
+            <a:r>
+              <a:rPr lang="en-US" sz="2400" dirty="0">
+                <a:cs typeface="Courier"/>
+              </a:rPr>
+              <a:t> your computer – unceremonious end to all your programs and processes</a:t>
+            </a:r>
+          </a:p>
+          <a:p>
+            <a:pPr marL="1193800" lvl="1" indent="-276225">
+              <a:spcAft>
+                <a:spcPts val="400"/>
+              </a:spcAft>
+              <a:buFont typeface="Arial"/>
+              <a:buChar char="•"/>
+            </a:pPr>
             <a:endParaRPr lang="en-US" sz="2400" dirty="0">
-              <a:solidFill>
-                <a:srgbClr val="0432FF"/>
-              </a:solidFill>
-              <a:latin typeface="Courier" charset="0"/>
-              <a:ea typeface="Courier" charset="0"/>
-              <a:cs typeface="Courier" charset="0"/>
+              <a:cs typeface="Courier"/>
             </a:endParaRPr>
-          </a:p>
-          <a:p>
-            <a:pPr marL="457200" indent="-457200">
-              <a:buFont typeface="+mj-lt"/>
-              <a:buAutoNum type="arabicPeriod"/>
-            </a:pPr>
-            <a:r>
-              <a:rPr lang="en-US" sz="2400" dirty="0">
-                <a:cs typeface="Calibri"/>
-              </a:rPr>
-              <a:t>Find an old command with  </a:t>
-            </a:r>
-            <a:r>
-              <a:rPr lang="en-US" sz="2400" dirty="0">
-                <a:solidFill>
-                  <a:srgbClr val="0000FF"/>
-                </a:solidFill>
-                <a:latin typeface="Courier"/>
-                <a:cs typeface="Courier"/>
-              </a:rPr>
-              <a:t>history</a:t>
-            </a:r>
-          </a:p>
-          <a:p>
-            <a:pPr marL="457200" indent="-457200">
-              <a:buFont typeface="+mj-lt"/>
-              <a:buAutoNum type="arabicPeriod"/>
-            </a:pPr>
-            <a:r>
-              <a:rPr lang="en-US" sz="2400" dirty="0">
-                <a:latin typeface="Calibri"/>
-                <a:cs typeface="Calibri"/>
-              </a:rPr>
-              <a:t>Mac OS: open working directory in Finder with  </a:t>
-            </a:r>
-            <a:r>
-              <a:rPr lang="en-US" sz="2400" dirty="0">
-                <a:solidFill>
-                  <a:srgbClr val="0000FF"/>
-                </a:solidFill>
-                <a:latin typeface="Courier"/>
-                <a:cs typeface="Courier"/>
-              </a:rPr>
-              <a:t>open .</a:t>
-            </a:r>
           </a:p>
         </p:txBody>
       </p:sp>
     </p:spTree>
     <p:extLst>
       <p:ext uri="{BB962C8B-B14F-4D97-AF65-F5344CB8AC3E}">
-        <p14:creationId xmlns:p14="http://schemas.microsoft.com/office/powerpoint/2010/main" val="2076066060"/>
+        <p14:creationId xmlns:p14="http://schemas.microsoft.com/office/powerpoint/2010/main" val="3055901973"/>
       </p:ext>
     </p:extLst>
   </p:cSld>
@@ -8227,7 +8131,7 @@
           <a:p>
             <a:r>
               <a:rPr lang="en-US" sz="3600" b="1" dirty="0"/>
-              <a:t>*MORE SHORTCUTS*</a:t>
+              <a:t>*AWESOME SHORTCUTS*</a:t>
             </a:r>
           </a:p>
         </p:txBody>
@@ -8240,8 +8144,8 @@
         </p:nvSpPr>
         <p:spPr>
           <a:xfrm>
-            <a:off x="601964" y="3060607"/>
-            <a:ext cx="7940072" cy="1569660"/>
+            <a:off x="662893" y="3060607"/>
+            <a:ext cx="7840214" cy="1938992"/>
           </a:xfrm>
           <a:prstGeom prst="rect">
             <a:avLst/>
@@ -8259,30 +8163,24 @@
               <a:buAutoNum type="arabicPeriod"/>
             </a:pPr>
             <a:r>
-              <a:rPr lang="en-US" sz="2400" dirty="0" err="1">
-                <a:solidFill>
-                  <a:srgbClr val="0000FF"/>
-                </a:solidFill>
-                <a:latin typeface="Courier"/>
-                <a:cs typeface="Courier"/>
-              </a:rPr>
-              <a:t>Ctrl+a</a:t>
-            </a:r>
-            <a:r>
-              <a:rPr lang="en-US" sz="2400" dirty="0">
-                <a:solidFill>
-                  <a:srgbClr val="0000FF"/>
-                </a:solidFill>
-                <a:latin typeface="Courier"/>
-                <a:cs typeface="Courier"/>
-              </a:rPr>
-              <a:t> </a:t>
-            </a:r>
-            <a:r>
               <a:rPr lang="en-US" sz="2400" dirty="0">
                 <a:cs typeface="Calibri"/>
               </a:rPr>
-              <a:t>–  go to beginning of command</a:t>
+              <a:t>Auto</a:t>
+            </a:r>
+            <a:r>
+              <a:rPr lang="en-US" sz="2400" dirty="0">
+                <a:latin typeface="Calibri"/>
+                <a:cs typeface="Calibri"/>
+              </a:rPr>
+              <a:t>-complete with </a:t>
+            </a:r>
+            <a:r>
+              <a:rPr lang="en-US" sz="2400" u="sng" dirty="0">
+                <a:latin typeface="Calibri"/>
+                <a:cs typeface="Calibri"/>
+              </a:rPr>
+              <a:t>tab</a:t>
             </a:r>
           </a:p>
           <a:p>
@@ -8291,30 +8189,18 @@
               <a:buAutoNum type="arabicPeriod"/>
             </a:pPr>
             <a:r>
-              <a:rPr lang="en-US" sz="2400" dirty="0" err="1">
-                <a:solidFill>
-                  <a:srgbClr val="0000FF"/>
-                </a:solidFill>
-                <a:latin typeface="Courier"/>
-                <a:cs typeface="Courier"/>
-              </a:rPr>
-              <a:t>Ctrl+e</a:t>
-            </a:r>
-            <a:r>
               <a:rPr lang="en-US" sz="2400" dirty="0">
-                <a:solidFill>
-                  <a:srgbClr val="0000FF"/>
-                </a:solidFill>
-                <a:latin typeface="Courier"/>
-                <a:cs typeface="Courier"/>
-              </a:rPr>
-              <a:t> </a:t>
-            </a:r>
-            <a:r>
-              <a:rPr lang="en-US" sz="2400" dirty="0">
+                <a:latin typeface="Calibri"/>
                 <a:cs typeface="Calibri"/>
               </a:rPr>
-              <a:t>–  go to end of command</a:t>
+              <a:t>Re-run a previous command with </a:t>
+            </a:r>
+            <a:r>
+              <a:rPr lang="en-US" sz="2400" u="sng" dirty="0">
+                <a:latin typeface="Calibri"/>
+                <a:cs typeface="Calibri"/>
+              </a:rPr>
+              <a:t>Up [and down] arrow</a:t>
             </a:r>
           </a:p>
           <a:p>
@@ -8323,31 +8209,31 @@
               <a:buAutoNum type="arabicPeriod"/>
             </a:pPr>
             <a:r>
+              <a:rPr lang="en-US" sz="2400" dirty="0">
+                <a:latin typeface="Calibri"/>
+                <a:cs typeface="Calibri"/>
+              </a:rPr>
+              <a:t>Find an old command with </a:t>
+            </a:r>
+            <a:r>
               <a:rPr lang="en-US" sz="2400" dirty="0" err="1">
                 <a:solidFill>
-                  <a:srgbClr val="0000FF"/>
-                </a:solidFill>
-                <a:latin typeface="Courier"/>
-                <a:cs typeface="Courier"/>
-              </a:rPr>
-              <a:t>Ctrl+u</a:t>
-            </a:r>
-            <a:r>
-              <a:rPr lang="en-US" sz="2400" dirty="0">
-                <a:solidFill>
-                  <a:srgbClr val="0000FF"/>
-                </a:solidFill>
-                <a:latin typeface="Courier"/>
-                <a:cs typeface="Courier"/>
-              </a:rPr>
-              <a:t> </a:t>
-            </a:r>
-            <a:r>
-              <a:rPr lang="en-US" sz="2400" dirty="0">
-                <a:cs typeface="Calibri"/>
-              </a:rPr>
-              <a:t>–  erase command from cursor to start</a:t>
-            </a:r>
+                  <a:srgbClr val="0432FF"/>
+                </a:solidFill>
+                <a:latin typeface="Courier" charset="0"/>
+                <a:ea typeface="Courier" charset="0"/>
+                <a:cs typeface="Courier" charset="0"/>
+              </a:rPr>
+              <a:t>Ctrl+r</a:t>
+            </a:r>
+            <a:endParaRPr lang="en-US" sz="2400" dirty="0">
+              <a:solidFill>
+                <a:srgbClr val="0432FF"/>
+              </a:solidFill>
+              <a:latin typeface="Courier" charset="0"/>
+              <a:ea typeface="Courier" charset="0"/>
+              <a:cs typeface="Courier" charset="0"/>
+            </a:endParaRPr>
           </a:p>
           <a:p>
             <a:pPr marL="457200" indent="-457200">
@@ -8355,47 +8241,43 @@
               <a:buAutoNum type="arabicPeriod"/>
             </a:pPr>
             <a:r>
-              <a:rPr lang="en-US" sz="2400" dirty="0" err="1">
-                <a:solidFill>
-                  <a:srgbClr val="0000FF"/>
-                </a:solidFill>
-                <a:latin typeface="Courier"/>
-                <a:cs typeface="Courier"/>
-              </a:rPr>
-              <a:t>Ctrl+l</a:t>
-            </a:r>
-            <a:r>
-              <a:rPr lang="en-US" sz="2400" dirty="0">
-                <a:solidFill>
-                  <a:srgbClr val="0000FF"/>
-                </a:solidFill>
-                <a:latin typeface="Courier"/>
-                <a:cs typeface="Courier"/>
-              </a:rPr>
-              <a:t> </a:t>
-            </a:r>
-            <a:r>
               <a:rPr lang="en-US" sz="2400" dirty="0">
                 <a:cs typeface="Calibri"/>
               </a:rPr>
-              <a:t>–  clear the screen (executes </a:t>
+              <a:t>Find an old command with  </a:t>
             </a:r>
             <a:r>
               <a:rPr lang="en-US" sz="2400" dirty="0">
                 <a:solidFill>
-                  <a:srgbClr val="0432FF"/>
-                </a:solidFill>
-                <a:latin typeface="Courier" charset="0"/>
-                <a:ea typeface="Courier" charset="0"/>
-                <a:cs typeface="Courier" charset="0"/>
-              </a:rPr>
-              <a:t>clear</a:t>
-            </a:r>
+                  <a:srgbClr val="0000FF"/>
+                </a:solidFill>
+                <a:latin typeface="Courier"/>
+                <a:cs typeface="Courier"/>
+              </a:rPr>
+              <a:t>history</a:t>
+            </a:r>
+          </a:p>
+          <a:p>
+            <a:pPr marL="457200" indent="-457200">
+              <a:buFont typeface="+mj-lt"/>
+              <a:buAutoNum type="arabicPeriod"/>
+            </a:pPr>
             <a:r>
               <a:rPr lang="en-US" sz="2400" dirty="0">
+                <a:latin typeface="Calibri"/>
                 <a:cs typeface="Calibri"/>
               </a:rPr>
-              <a:t> command)</a:t>
+              <a:t>Mac OS: open working directory in Finder with  </a:t>
+            </a:r>
+            <a:r>
+              <a:rPr lang="en-US" sz="2400" dirty="0">
+                <a:solidFill>
+                  <a:srgbClr val="0000FF"/>
+                </a:solidFill>
+                <a:latin typeface="Courier"/>
+                <a:cs typeface="Courier"/>
+              </a:rPr>
+              <a:t>open .</a:t>
             </a:r>
           </a:p>
         </p:txBody>
@@ -8403,7 +8285,7 @@
     </p:spTree>
     <p:extLst>
       <p:ext uri="{BB962C8B-B14F-4D97-AF65-F5344CB8AC3E}">
-        <p14:creationId xmlns:p14="http://schemas.microsoft.com/office/powerpoint/2010/main" val="3761394893"/>
+        <p14:creationId xmlns:p14="http://schemas.microsoft.com/office/powerpoint/2010/main" val="2076066060"/>
       </p:ext>
     </p:extLst>
   </p:cSld>
@@ -8442,7 +8324,7 @@
         </p:nvSpPr>
         <p:spPr>
           <a:xfrm>
-            <a:off x="364627" y="176523"/>
+            <a:off x="364627" y="1827533"/>
             <a:ext cx="8436747" cy="862385"/>
           </a:xfrm>
         </p:spPr>
@@ -8453,22 +8335,22 @@
           <a:lstStyle/>
           <a:p>
             <a:r>
-              <a:rPr lang="en-US" sz="3600" dirty="0"/>
-              <a:t>Common Unix commands</a:t>
+              <a:rPr lang="en-US" sz="3600" b="1" dirty="0"/>
+              <a:t>*MORE SHORTCUTS*</a:t>
             </a:r>
           </a:p>
         </p:txBody>
       </p:sp>
       <p:sp>
         <p:nvSpPr>
-          <p:cNvPr id="4" name="TextBox 3"/>
+          <p:cNvPr id="3" name="TextBox 2"/>
           <p:cNvSpPr txBox="1"/>
           <p:nvPr/>
         </p:nvSpPr>
         <p:spPr>
           <a:xfrm>
-            <a:off x="264903" y="1243826"/>
-            <a:ext cx="8723875" cy="4421723"/>
+            <a:off x="601964" y="3060607"/>
+            <a:ext cx="7940072" cy="1569660"/>
           </a:xfrm>
           <a:prstGeom prst="rect">
             <a:avLst/>
@@ -8481,40 +8363,22 @@
           </a:bodyPr>
           <a:lstStyle/>
           <a:p>
-            <a:pPr marL="225425" lvl="1">
-              <a:spcAft>
-                <a:spcPts val="400"/>
-              </a:spcAft>
-            </a:pPr>
+            <a:pPr marL="457200" indent="-457200">
+              <a:buFont typeface="+mj-lt"/>
+              <a:buAutoNum type="arabicPeriod"/>
+            </a:pPr>
+            <a:r>
+              <a:rPr lang="en-US" sz="2400" dirty="0" err="1">
+                <a:solidFill>
+                  <a:srgbClr val="0000FF"/>
+                </a:solidFill>
+                <a:latin typeface="Courier"/>
+                <a:cs typeface="Courier"/>
+              </a:rPr>
+              <a:t>Ctrl+a</a:t>
+            </a:r>
             <a:r>
               <a:rPr lang="en-US" sz="2400" dirty="0">
-                <a:latin typeface="Courier"/>
-                <a:cs typeface="Courier"/>
-              </a:rPr>
-              <a:t>$ </a:t>
-            </a:r>
-            <a:r>
-              <a:rPr lang="en-US" sz="2400" dirty="0">
-                <a:solidFill>
-                  <a:srgbClr val="0000FF"/>
-                </a:solidFill>
-                <a:latin typeface="Courier"/>
-                <a:cs typeface="Courier"/>
-              </a:rPr>
-              <a:t>which </a:t>
-            </a:r>
-            <a:r>
-              <a:rPr lang="en-US" sz="2400" u="sng" dirty="0">
-                <a:solidFill>
-                  <a:srgbClr val="0000FF"/>
-                </a:solidFill>
-                <a:latin typeface="Courier"/>
-                <a:cs typeface="Courier"/>
-              </a:rPr>
-              <a:t>argument</a:t>
-            </a:r>
-            <a:r>
-              <a:rPr lang="en-US" sz="2400" dirty="0">
                 <a:solidFill>
                   <a:srgbClr val="0000FF"/>
                 </a:solidFill>
@@ -8522,143 +8386,19 @@
                 <a:cs typeface="Courier"/>
               </a:rPr>
               <a:t> </a:t>
-            </a:r>
-            <a:r>
-              <a:rPr lang="en-US" sz="2400" dirty="0">
-                <a:latin typeface="Calibri"/>
-                <a:cs typeface="Calibri"/>
-              </a:rPr>
-              <a:t>–   </a:t>
             </a:r>
             <a:r>
               <a:rPr lang="en-US" sz="2400" dirty="0">
                 <a:cs typeface="Calibri"/>
               </a:rPr>
-              <a:t>locate a command</a:t>
-            </a:r>
-            <a:endParaRPr lang="en-US" sz="2400" dirty="0">
-              <a:latin typeface="Calibri"/>
-              <a:cs typeface="Calibri"/>
-            </a:endParaRPr>
-          </a:p>
-          <a:p>
-            <a:pPr marL="225425" lvl="1">
-              <a:spcAft>
-                <a:spcPts val="400"/>
-              </a:spcAft>
-            </a:pPr>
-            <a:r>
-              <a:rPr lang="en-US" sz="2200" dirty="0">
-                <a:latin typeface="Courier"/>
-                <a:cs typeface="Courier"/>
-              </a:rPr>
-              <a:t>  $ </a:t>
-            </a:r>
-            <a:r>
-              <a:rPr lang="en-US" sz="2200" dirty="0">
-                <a:solidFill>
-                  <a:srgbClr val="0000FF"/>
-                </a:solidFill>
-                <a:latin typeface="Courier"/>
-                <a:cs typeface="Courier"/>
-              </a:rPr>
-              <a:t>which </a:t>
-            </a:r>
-            <a:r>
-              <a:rPr lang="en-US" sz="2200" dirty="0" err="1">
-                <a:solidFill>
-                  <a:srgbClr val="0000FF"/>
-                </a:solidFill>
-                <a:latin typeface="Courier"/>
-                <a:cs typeface="Courier"/>
-              </a:rPr>
-              <a:t>pwd</a:t>
-            </a:r>
-            <a:endParaRPr lang="en-US" sz="2200" dirty="0">
-              <a:solidFill>
-                <a:srgbClr val="0000FF"/>
-              </a:solidFill>
-              <a:cs typeface="Courier"/>
-            </a:endParaRPr>
-          </a:p>
-          <a:p>
-            <a:pPr marL="225425" lvl="1">
-              <a:spcAft>
-                <a:spcPts val="400"/>
-              </a:spcAft>
-            </a:pPr>
-            <a:r>
-              <a:rPr lang="en-US" sz="2200" dirty="0">
-                <a:latin typeface="Courier"/>
-                <a:cs typeface="Courier"/>
-              </a:rPr>
-              <a:t>  $ </a:t>
-            </a:r>
-            <a:r>
-              <a:rPr lang="en-US" sz="2200" dirty="0">
-                <a:solidFill>
-                  <a:srgbClr val="0000FF"/>
-                </a:solidFill>
-                <a:latin typeface="Courier"/>
-                <a:cs typeface="Courier"/>
-              </a:rPr>
-              <a:t>which cd</a:t>
-            </a:r>
-          </a:p>
-          <a:p>
-            <a:pPr marL="225425" lvl="1">
-              <a:spcAft>
-                <a:spcPts val="400"/>
-              </a:spcAft>
-            </a:pPr>
-            <a:r>
-              <a:rPr lang="en-US" sz="2200" dirty="0">
-                <a:latin typeface="Courier"/>
-                <a:cs typeface="Courier"/>
-              </a:rPr>
-              <a:t>  $ </a:t>
-            </a:r>
-            <a:r>
-              <a:rPr lang="en-US" sz="2200" dirty="0">
-                <a:solidFill>
-                  <a:srgbClr val="0000FF"/>
-                </a:solidFill>
-                <a:latin typeface="Courier"/>
-                <a:cs typeface="Courier"/>
-              </a:rPr>
-              <a:t>which python3</a:t>
-            </a:r>
-            <a:endParaRPr lang="en-US" sz="2200" dirty="0">
-              <a:solidFill>
-                <a:srgbClr val="0000FF"/>
-              </a:solidFill>
-              <a:cs typeface="Courier"/>
-            </a:endParaRPr>
-          </a:p>
-          <a:p>
-            <a:pPr marL="225425" lvl="1">
-              <a:spcAft>
-                <a:spcPts val="400"/>
-              </a:spcAft>
-            </a:pPr>
-            <a:endParaRPr lang="en-US" sz="2400" dirty="0">
-              <a:latin typeface="Courier"/>
-              <a:cs typeface="Courier"/>
-            </a:endParaRPr>
-          </a:p>
-          <a:p>
-            <a:pPr marL="225425" lvl="1">
-              <a:spcAft>
-                <a:spcPts val="400"/>
-              </a:spcAft>
-            </a:pPr>
-            <a:r>
-              <a:rPr lang="en-US" sz="2400" dirty="0">
-                <a:latin typeface="Courier"/>
-                <a:cs typeface="Courier"/>
-              </a:rPr>
-              <a:t>$ </a:t>
-            </a:r>
+              <a:t>–  go to beginning of command</a:t>
+            </a:r>
+          </a:p>
+          <a:p>
+            <a:pPr marL="457200" indent="-457200">
+              <a:buFont typeface="+mj-lt"/>
+              <a:buAutoNum type="arabicPeriod"/>
+            </a:pPr>
             <a:r>
               <a:rPr lang="en-US" sz="2400" dirty="0" err="1">
                 <a:solidFill>
@@ -8667,7 +8407,7 @@
                 <a:latin typeface="Courier"/>
                 <a:cs typeface="Courier"/>
               </a:rPr>
-              <a:t>ls</a:t>
+              <a:t>Ctrl+e</a:t>
             </a:r>
             <a:r>
               <a:rPr lang="en-US" sz="2400" dirty="0">
@@ -8683,371 +8423,96 @@
               <a:rPr lang="en-US" sz="2400" dirty="0">
                 <a:cs typeface="Calibri"/>
               </a:rPr>
-              <a:t>–  </a:t>
-            </a:r>
-            <a:r>
-              <a:rPr lang="en-US" sz="2400" u="sng" dirty="0">
-                <a:cs typeface="Calibri"/>
-              </a:rPr>
-              <a:t>l</a:t>
+              <a:t>–  go to end of command</a:t>
+            </a:r>
+          </a:p>
+          <a:p>
+            <a:pPr marL="457200" indent="-457200">
+              <a:buFont typeface="+mj-lt"/>
+              <a:buAutoNum type="arabicPeriod"/>
+            </a:pPr>
+            <a:r>
+              <a:rPr lang="en-US" sz="2400" dirty="0" err="1">
+                <a:solidFill>
+                  <a:srgbClr val="0000FF"/>
+                </a:solidFill>
+                <a:latin typeface="Courier"/>
+                <a:cs typeface="Courier"/>
+              </a:rPr>
+              <a:t>Ctrl+u</a:t>
+            </a:r>
+            <a:r>
+              <a:rPr lang="en-US" sz="2400" dirty="0">
+                <a:solidFill>
+                  <a:srgbClr val="0000FF"/>
+                </a:solidFill>
+                <a:latin typeface="Courier"/>
+                <a:cs typeface="Courier"/>
+              </a:rPr>
+              <a:t> </a:t>
             </a:r>
             <a:r>
               <a:rPr lang="en-US" sz="2400" dirty="0">
                 <a:cs typeface="Calibri"/>
               </a:rPr>
-              <a:t>i</a:t>
-            </a:r>
-            <a:r>
-              <a:rPr lang="en-US" sz="2400" u="sng" dirty="0">
-                <a:cs typeface="Calibri"/>
-              </a:rPr>
-              <a:t>s</a:t>
+              <a:t>–  erase command from cursor to start</a:t>
+            </a:r>
+          </a:p>
+          <a:p>
+            <a:pPr marL="457200" indent="-457200">
+              <a:buFont typeface="+mj-lt"/>
+              <a:buAutoNum type="arabicPeriod"/>
+            </a:pPr>
+            <a:r>
+              <a:rPr lang="en-US" sz="2400" dirty="0" err="1">
+                <a:solidFill>
+                  <a:srgbClr val="0000FF"/>
+                </a:solidFill>
+                <a:latin typeface="Courier"/>
+                <a:cs typeface="Courier"/>
+              </a:rPr>
+              <a:t>Ctrl+l</a:t>
+            </a:r>
+            <a:r>
+              <a:rPr lang="en-US" sz="2400" dirty="0">
+                <a:solidFill>
+                  <a:srgbClr val="0000FF"/>
+                </a:solidFill>
+                <a:latin typeface="Courier"/>
+                <a:cs typeface="Courier"/>
+              </a:rPr>
+              <a:t> </a:t>
             </a:r>
             <a:r>
               <a:rPr lang="en-US" sz="2400" dirty="0">
                 <a:cs typeface="Calibri"/>
               </a:rPr>
-              <a:t>t directory contents</a:t>
-            </a:r>
-          </a:p>
-          <a:p>
-            <a:pPr marL="225425" lvl="1">
-              <a:spcAft>
-                <a:spcPts val="400"/>
-              </a:spcAft>
-            </a:pPr>
+              <a:t>–  clear the screen (executes </a:t>
+            </a:r>
             <a:r>
               <a:rPr lang="en-US" sz="2400" dirty="0">
-                <a:latin typeface="Courier"/>
+                <a:solidFill>
+                  <a:srgbClr val="0432FF"/>
+                </a:solidFill>
+                <a:latin typeface="Courier" charset="0"/>
+                <a:ea typeface="Courier" charset="0"/>
+                <a:cs typeface="Courier" charset="0"/>
+              </a:rPr>
+              <a:t>clear</a:t>
+            </a:r>
+            <a:r>
+              <a:rPr lang="en-US" sz="2400" dirty="0">
                 <a:cs typeface="Calibri"/>
               </a:rPr>
-              <a:t>  </a:t>
-            </a:r>
-            <a:r>
-              <a:rPr lang="en-US" sz="2200" dirty="0">
-                <a:latin typeface="Courier"/>
-                <a:cs typeface="Courier"/>
-              </a:rPr>
-              <a:t>$ </a:t>
-            </a:r>
-            <a:r>
-              <a:rPr lang="en-US" sz="2200" dirty="0" err="1">
-                <a:solidFill>
-                  <a:srgbClr val="0000FF"/>
-                </a:solidFill>
-                <a:latin typeface="Courier"/>
-                <a:cs typeface="Courier"/>
-              </a:rPr>
-              <a:t>ls</a:t>
-            </a:r>
-            <a:r>
-              <a:rPr lang="en-US" sz="2200" dirty="0">
-                <a:solidFill>
-                  <a:srgbClr val="0000FF"/>
-                </a:solidFill>
-                <a:latin typeface="Courier"/>
-                <a:cs typeface="Courier"/>
-              </a:rPr>
-              <a:t> </a:t>
-            </a:r>
-            <a:r>
-              <a:rPr lang="en-US" sz="2200" dirty="0">
-                <a:cs typeface="Courier"/>
-              </a:rPr>
-              <a:t>[list contents of working directory]</a:t>
-            </a:r>
-          </a:p>
-          <a:p>
-            <a:pPr marL="225425" lvl="1">
-              <a:spcAft>
-                <a:spcPts val="400"/>
-              </a:spcAft>
-            </a:pPr>
-            <a:r>
-              <a:rPr lang="en-US" sz="2200" dirty="0">
-                <a:solidFill>
-                  <a:srgbClr val="3366FF"/>
-                </a:solidFill>
-                <a:latin typeface="Courier"/>
-                <a:cs typeface="Courier"/>
-              </a:rPr>
-              <a:t>  </a:t>
-            </a:r>
-            <a:r>
-              <a:rPr lang="en-US" sz="2200" dirty="0">
-                <a:latin typeface="Courier"/>
-                <a:cs typeface="Courier"/>
-              </a:rPr>
-              <a:t>$ </a:t>
-            </a:r>
-            <a:r>
-              <a:rPr lang="en-US" sz="2200" dirty="0" err="1">
-                <a:solidFill>
-                  <a:srgbClr val="0000FF"/>
-                </a:solidFill>
-                <a:latin typeface="Courier"/>
-                <a:cs typeface="Courier"/>
-              </a:rPr>
-              <a:t>ls</a:t>
-            </a:r>
-            <a:r>
-              <a:rPr lang="en-US" sz="2200" dirty="0">
-                <a:solidFill>
-                  <a:srgbClr val="0000FF"/>
-                </a:solidFill>
-                <a:latin typeface="Courier"/>
-                <a:cs typeface="Courier"/>
-              </a:rPr>
-              <a:t> ~/Desktop </a:t>
-            </a:r>
-            <a:r>
-              <a:rPr lang="en-US" sz="2200" dirty="0">
-                <a:cs typeface="Courier"/>
-              </a:rPr>
-              <a:t>[list Desktop contents]</a:t>
-            </a:r>
-          </a:p>
-          <a:p>
-            <a:pPr marL="225425" lvl="1">
-              <a:spcAft>
-                <a:spcPts val="400"/>
-              </a:spcAft>
-            </a:pPr>
-            <a:r>
-              <a:rPr lang="en-US" sz="2200" dirty="0">
-                <a:solidFill>
-                  <a:srgbClr val="3366FF"/>
-                </a:solidFill>
-                <a:latin typeface="Courier"/>
-                <a:cs typeface="Courier"/>
-              </a:rPr>
-              <a:t>  </a:t>
-            </a:r>
-            <a:r>
-              <a:rPr lang="en-US" sz="2200" dirty="0">
-                <a:latin typeface="Courier"/>
-                <a:cs typeface="Courier"/>
-              </a:rPr>
-              <a:t>$ </a:t>
-            </a:r>
-            <a:r>
-              <a:rPr lang="en-US" sz="2200" dirty="0" err="1">
-                <a:solidFill>
-                  <a:srgbClr val="0000FF"/>
-                </a:solidFill>
-                <a:latin typeface="Courier"/>
-                <a:cs typeface="Courier"/>
-              </a:rPr>
-              <a:t>ls</a:t>
-            </a:r>
-            <a:r>
-              <a:rPr lang="en-US" sz="2200" dirty="0">
-                <a:solidFill>
-                  <a:srgbClr val="0000FF"/>
-                </a:solidFill>
-                <a:latin typeface="Courier"/>
-                <a:cs typeface="Courier"/>
-              </a:rPr>
-              <a:t> ~/Desktop/</a:t>
-            </a:r>
-            <a:r>
-              <a:rPr lang="en-US" sz="2200" dirty="0" err="1">
-                <a:solidFill>
-                  <a:srgbClr val="0000FF"/>
-                </a:solidFill>
-                <a:latin typeface="Courier"/>
-                <a:cs typeface="Courier"/>
-              </a:rPr>
-              <a:t>watermelon_files</a:t>
-            </a:r>
-            <a:r>
-              <a:rPr lang="en-US" sz="2200" dirty="0">
-                <a:solidFill>
-                  <a:srgbClr val="0000FF"/>
-                </a:solidFill>
-                <a:latin typeface="Courier"/>
-                <a:cs typeface="Courier"/>
-              </a:rPr>
-              <a:t>/</a:t>
-            </a:r>
-          </a:p>
-          <a:p>
-            <a:pPr marL="225425" lvl="1">
-              <a:spcAft>
-                <a:spcPts val="400"/>
-              </a:spcAft>
-            </a:pPr>
-            <a:r>
-              <a:rPr lang="en-US" sz="2200" dirty="0">
-                <a:solidFill>
-                  <a:srgbClr val="3366FF"/>
-                </a:solidFill>
-                <a:latin typeface="Courier"/>
-                <a:cs typeface="Courier"/>
-              </a:rPr>
-              <a:t>  </a:t>
-            </a:r>
-            <a:r>
-              <a:rPr lang="en-US" sz="2200" dirty="0">
-                <a:latin typeface="Courier"/>
-                <a:cs typeface="Courier"/>
-              </a:rPr>
-              <a:t>$ </a:t>
-            </a:r>
-            <a:r>
-              <a:rPr lang="en-US" sz="2200" dirty="0" err="1">
-                <a:solidFill>
-                  <a:srgbClr val="0000FF"/>
-                </a:solidFill>
-                <a:latin typeface="Courier"/>
-                <a:cs typeface="Courier"/>
-              </a:rPr>
-              <a:t>ls</a:t>
-            </a:r>
-            <a:r>
-              <a:rPr lang="en-US" sz="2200" dirty="0">
-                <a:solidFill>
-                  <a:srgbClr val="0000FF"/>
-                </a:solidFill>
-                <a:latin typeface="Courier"/>
-                <a:cs typeface="Courier"/>
-              </a:rPr>
-              <a:t> /Users/</a:t>
-            </a:r>
-            <a:r>
-              <a:rPr lang="en-US" sz="2200" dirty="0" err="1">
-                <a:solidFill>
-                  <a:srgbClr val="0000FF"/>
-                </a:solidFill>
-                <a:latin typeface="Courier"/>
-                <a:cs typeface="Courier"/>
-              </a:rPr>
-              <a:t>aja</a:t>
-            </a:r>
-            <a:r>
-              <a:rPr lang="en-US" sz="2200" dirty="0">
-                <a:solidFill>
-                  <a:srgbClr val="0000FF"/>
-                </a:solidFill>
-                <a:latin typeface="Courier"/>
-                <a:cs typeface="Courier"/>
-              </a:rPr>
-              <a:t>/Desktop/</a:t>
-            </a:r>
-            <a:r>
-              <a:rPr lang="en-US" sz="2200" dirty="0" err="1">
-                <a:solidFill>
-                  <a:srgbClr val="0000FF"/>
-                </a:solidFill>
-                <a:latin typeface="Courier"/>
-                <a:cs typeface="Courier"/>
-              </a:rPr>
-              <a:t>watermelon_files</a:t>
-            </a:r>
-            <a:r>
-              <a:rPr lang="en-US" sz="2200" dirty="0">
-                <a:solidFill>
-                  <a:srgbClr val="0000FF"/>
-                </a:solidFill>
-                <a:latin typeface="Courier"/>
-                <a:cs typeface="Courier"/>
-              </a:rPr>
-              <a:t>/</a:t>
-            </a:r>
-          </a:p>
-          <a:p>
-            <a:pPr marL="225425" lvl="1">
-              <a:spcAft>
-                <a:spcPts val="400"/>
-              </a:spcAft>
-            </a:pPr>
-            <a:r>
-              <a:rPr lang="en-US" sz="2200" dirty="0">
-                <a:solidFill>
-                  <a:srgbClr val="3366FF"/>
-                </a:solidFill>
-                <a:latin typeface="Courier"/>
-                <a:cs typeface="Courier"/>
-              </a:rPr>
-              <a:t>  </a:t>
-            </a:r>
-            <a:r>
-              <a:rPr lang="en-US" sz="2200" dirty="0">
-                <a:latin typeface="Courier"/>
-                <a:cs typeface="Courier"/>
-              </a:rPr>
-              <a:t>$</a:t>
-            </a:r>
-            <a:r>
-              <a:rPr lang="en-US" sz="2200" dirty="0">
-                <a:cs typeface="Courier"/>
-              </a:rPr>
-              <a:t>	</a:t>
-            </a:r>
-            <a:r>
-              <a:rPr lang="en-US" sz="2200" dirty="0" err="1">
-                <a:solidFill>
-                  <a:srgbClr val="0000FF"/>
-                </a:solidFill>
-                <a:latin typeface="Courier"/>
-                <a:cs typeface="Courier"/>
-              </a:rPr>
-              <a:t>ls</a:t>
-            </a:r>
-            <a:r>
-              <a:rPr lang="en-US" sz="2200" dirty="0">
-                <a:solidFill>
-                  <a:srgbClr val="0000FF"/>
-                </a:solidFill>
-                <a:latin typeface="Courier"/>
-                <a:cs typeface="Courier"/>
-              </a:rPr>
-              <a:t> ~/Desktop/</a:t>
-            </a:r>
-            <a:r>
-              <a:rPr lang="en-US" sz="2200" dirty="0" err="1">
-                <a:solidFill>
-                  <a:srgbClr val="0000FF"/>
-                </a:solidFill>
-                <a:latin typeface="Courier"/>
-                <a:cs typeface="Courier"/>
-              </a:rPr>
-              <a:t>watermelon_files</a:t>
-            </a:r>
-            <a:r>
-              <a:rPr lang="en-US" sz="2200" dirty="0">
-                <a:solidFill>
-                  <a:srgbClr val="0000FF"/>
-                </a:solidFill>
-                <a:latin typeface="Courier"/>
-                <a:cs typeface="Courier"/>
-              </a:rPr>
-              <a:t>/</a:t>
-            </a:r>
-            <a:r>
-              <a:rPr lang="en-US" sz="2200" dirty="0" err="1">
-                <a:solidFill>
-                  <a:srgbClr val="0000FF"/>
-                </a:solidFill>
-                <a:latin typeface="Courier"/>
-                <a:cs typeface="Courier"/>
-              </a:rPr>
-              <a:t>watermelon.fsa</a:t>
-            </a:r>
-            <a:endParaRPr lang="en-US" sz="2200" dirty="0">
-              <a:solidFill>
-                <a:srgbClr val="0000FF"/>
-              </a:solidFill>
-              <a:latin typeface="Courier"/>
-              <a:cs typeface="Courier"/>
-            </a:endParaRPr>
+              <a:t> command)</a:t>
+            </a:r>
           </a:p>
         </p:txBody>
       </p:sp>
     </p:spTree>
     <p:extLst>
       <p:ext uri="{BB962C8B-B14F-4D97-AF65-F5344CB8AC3E}">
-        <p14:creationId xmlns:p14="http://schemas.microsoft.com/office/powerpoint/2010/main" val="169477189"/>
+        <p14:creationId xmlns:p14="http://schemas.microsoft.com/office/powerpoint/2010/main" val="3761394893"/>
       </p:ext>
     </p:extLst>
   </p:cSld>
@@ -9097,6 +8562,650 @@
           <a:lstStyle/>
           <a:p>
             <a:r>
+              <a:rPr lang="en-US" sz="3600" dirty="0"/>
+              <a:t>Common Unix commands</a:t>
+            </a:r>
+          </a:p>
+        </p:txBody>
+      </p:sp>
+      <p:sp>
+        <p:nvSpPr>
+          <p:cNvPr id="4" name="TextBox 3"/>
+          <p:cNvSpPr txBox="1"/>
+          <p:nvPr/>
+        </p:nvSpPr>
+        <p:spPr>
+          <a:xfrm>
+            <a:off x="264903" y="1243826"/>
+            <a:ext cx="8723875" cy="4421723"/>
+          </a:xfrm>
+          <a:prstGeom prst="rect">
+            <a:avLst/>
+          </a:prstGeom>
+          <a:noFill/>
+        </p:spPr>
+        <p:txBody>
+          <a:bodyPr wrap="square" rtlCol="0">
+            <a:spAutoFit/>
+          </a:bodyPr>
+          <a:lstStyle/>
+          <a:p>
+            <a:pPr marL="225425" lvl="1">
+              <a:spcAft>
+                <a:spcPts val="400"/>
+              </a:spcAft>
+            </a:pPr>
+            <a:r>
+              <a:rPr lang="en-US" sz="2400" dirty="0">
+                <a:latin typeface="Courier"/>
+                <a:cs typeface="Courier"/>
+              </a:rPr>
+              <a:t>$ </a:t>
+            </a:r>
+            <a:r>
+              <a:rPr lang="en-US" sz="2400" dirty="0">
+                <a:solidFill>
+                  <a:srgbClr val="0000FF"/>
+                </a:solidFill>
+                <a:latin typeface="Courier"/>
+                <a:cs typeface="Courier"/>
+              </a:rPr>
+              <a:t>which </a:t>
+            </a:r>
+            <a:r>
+              <a:rPr lang="en-US" sz="2400" u="sng" dirty="0">
+                <a:solidFill>
+                  <a:srgbClr val="0000FF"/>
+                </a:solidFill>
+                <a:latin typeface="Courier"/>
+                <a:cs typeface="Courier"/>
+              </a:rPr>
+              <a:t>argument</a:t>
+            </a:r>
+            <a:r>
+              <a:rPr lang="en-US" sz="2400" dirty="0">
+                <a:solidFill>
+                  <a:srgbClr val="0000FF"/>
+                </a:solidFill>
+                <a:latin typeface="Courier"/>
+                <a:cs typeface="Courier"/>
+              </a:rPr>
+              <a:t> </a:t>
+            </a:r>
+            <a:r>
+              <a:rPr lang="en-US" sz="2400" dirty="0">
+                <a:latin typeface="Calibri"/>
+                <a:cs typeface="Calibri"/>
+              </a:rPr>
+              <a:t>–   </a:t>
+            </a:r>
+            <a:r>
+              <a:rPr lang="en-US" sz="2400" dirty="0">
+                <a:cs typeface="Calibri"/>
+              </a:rPr>
+              <a:t>locate a command</a:t>
+            </a:r>
+            <a:endParaRPr lang="en-US" sz="2400" dirty="0">
+              <a:latin typeface="Calibri"/>
+              <a:cs typeface="Calibri"/>
+            </a:endParaRPr>
+          </a:p>
+          <a:p>
+            <a:pPr marL="225425" lvl="1">
+              <a:spcAft>
+                <a:spcPts val="400"/>
+              </a:spcAft>
+            </a:pPr>
+            <a:r>
+              <a:rPr lang="en-US" sz="2200" dirty="0">
+                <a:latin typeface="Courier"/>
+                <a:cs typeface="Courier"/>
+              </a:rPr>
+              <a:t>  $ </a:t>
+            </a:r>
+            <a:r>
+              <a:rPr lang="en-US" sz="2200" dirty="0">
+                <a:solidFill>
+                  <a:srgbClr val="0000FF"/>
+                </a:solidFill>
+                <a:latin typeface="Courier"/>
+                <a:cs typeface="Courier"/>
+              </a:rPr>
+              <a:t>which </a:t>
+            </a:r>
+            <a:r>
+              <a:rPr lang="en-US" sz="2200" dirty="0" err="1">
+                <a:solidFill>
+                  <a:srgbClr val="0000FF"/>
+                </a:solidFill>
+                <a:latin typeface="Courier"/>
+                <a:cs typeface="Courier"/>
+              </a:rPr>
+              <a:t>pwd</a:t>
+            </a:r>
+            <a:endParaRPr lang="en-US" sz="2200" dirty="0">
+              <a:solidFill>
+                <a:srgbClr val="0000FF"/>
+              </a:solidFill>
+              <a:cs typeface="Courier"/>
+            </a:endParaRPr>
+          </a:p>
+          <a:p>
+            <a:pPr marL="225425" lvl="1">
+              <a:spcAft>
+                <a:spcPts val="400"/>
+              </a:spcAft>
+            </a:pPr>
+            <a:r>
+              <a:rPr lang="en-US" sz="2200" dirty="0">
+                <a:latin typeface="Courier"/>
+                <a:cs typeface="Courier"/>
+              </a:rPr>
+              <a:t>  $ </a:t>
+            </a:r>
+            <a:r>
+              <a:rPr lang="en-US" sz="2200" dirty="0">
+                <a:solidFill>
+                  <a:srgbClr val="0000FF"/>
+                </a:solidFill>
+                <a:latin typeface="Courier"/>
+                <a:cs typeface="Courier"/>
+              </a:rPr>
+              <a:t>which cd</a:t>
+            </a:r>
+          </a:p>
+          <a:p>
+            <a:pPr marL="225425" lvl="1">
+              <a:spcAft>
+                <a:spcPts val="400"/>
+              </a:spcAft>
+            </a:pPr>
+            <a:r>
+              <a:rPr lang="en-US" sz="2200" dirty="0">
+                <a:latin typeface="Courier"/>
+                <a:cs typeface="Courier"/>
+              </a:rPr>
+              <a:t>  $ </a:t>
+            </a:r>
+            <a:r>
+              <a:rPr lang="en-US" sz="2200" dirty="0">
+                <a:solidFill>
+                  <a:srgbClr val="0000FF"/>
+                </a:solidFill>
+                <a:latin typeface="Courier"/>
+                <a:cs typeface="Courier"/>
+              </a:rPr>
+              <a:t>which python3</a:t>
+            </a:r>
+            <a:endParaRPr lang="en-US" sz="2200" dirty="0">
+              <a:solidFill>
+                <a:srgbClr val="0000FF"/>
+              </a:solidFill>
+              <a:cs typeface="Courier"/>
+            </a:endParaRPr>
+          </a:p>
+          <a:p>
+            <a:pPr marL="225425" lvl="1">
+              <a:spcAft>
+                <a:spcPts val="400"/>
+              </a:spcAft>
+            </a:pPr>
+            <a:endParaRPr lang="en-US" sz="2400" dirty="0">
+              <a:latin typeface="Courier"/>
+              <a:cs typeface="Courier"/>
+            </a:endParaRPr>
+          </a:p>
+          <a:p>
+            <a:pPr marL="225425" lvl="1">
+              <a:spcAft>
+                <a:spcPts val="400"/>
+              </a:spcAft>
+            </a:pPr>
+            <a:r>
+              <a:rPr lang="en-US" sz="2400" dirty="0">
+                <a:latin typeface="Courier"/>
+                <a:cs typeface="Courier"/>
+              </a:rPr>
+              <a:t>$ </a:t>
+            </a:r>
+            <a:r>
+              <a:rPr lang="en-US" sz="2400" dirty="0" err="1">
+                <a:solidFill>
+                  <a:srgbClr val="0000FF"/>
+                </a:solidFill>
+                <a:latin typeface="Courier"/>
+                <a:cs typeface="Courier"/>
+              </a:rPr>
+              <a:t>ls</a:t>
+            </a:r>
+            <a:r>
+              <a:rPr lang="en-US" sz="2400" dirty="0">
+                <a:solidFill>
+                  <a:srgbClr val="0000FF"/>
+                </a:solidFill>
+                <a:latin typeface="Courier"/>
+                <a:cs typeface="Courier"/>
+              </a:rPr>
+              <a:t> </a:t>
+            </a:r>
+            <a:r>
+              <a:rPr lang="en-US" sz="2400" dirty="0">
+                <a:cs typeface="Calibri"/>
+              </a:rPr>
+              <a:t>–  </a:t>
+            </a:r>
+            <a:r>
+              <a:rPr lang="en-US" sz="2400" u="sng" dirty="0">
+                <a:cs typeface="Calibri"/>
+              </a:rPr>
+              <a:t>l</a:t>
+            </a:r>
+            <a:r>
+              <a:rPr lang="en-US" sz="2400" dirty="0">
+                <a:cs typeface="Calibri"/>
+              </a:rPr>
+              <a:t>i</a:t>
+            </a:r>
+            <a:r>
+              <a:rPr lang="en-US" sz="2400" u="sng" dirty="0">
+                <a:cs typeface="Calibri"/>
+              </a:rPr>
+              <a:t>s</a:t>
+            </a:r>
+            <a:r>
+              <a:rPr lang="en-US" sz="2400" dirty="0">
+                <a:cs typeface="Calibri"/>
+              </a:rPr>
+              <a:t>t directory contents</a:t>
+            </a:r>
+          </a:p>
+          <a:p>
+            <a:pPr marL="225425" lvl="1">
+              <a:spcAft>
+                <a:spcPts val="400"/>
+              </a:spcAft>
+            </a:pPr>
+            <a:r>
+              <a:rPr lang="en-US" sz="2400" dirty="0">
+                <a:latin typeface="Courier"/>
+                <a:cs typeface="Calibri"/>
+              </a:rPr>
+              <a:t>  </a:t>
+            </a:r>
+            <a:r>
+              <a:rPr lang="en-US" sz="2200" dirty="0">
+                <a:latin typeface="Courier"/>
+                <a:cs typeface="Courier"/>
+              </a:rPr>
+              <a:t>$ </a:t>
+            </a:r>
+            <a:r>
+              <a:rPr lang="en-US" sz="2200" dirty="0" err="1">
+                <a:solidFill>
+                  <a:srgbClr val="0000FF"/>
+                </a:solidFill>
+                <a:latin typeface="Courier"/>
+                <a:cs typeface="Courier"/>
+              </a:rPr>
+              <a:t>ls</a:t>
+            </a:r>
+            <a:r>
+              <a:rPr lang="en-US" sz="2200" dirty="0">
+                <a:solidFill>
+                  <a:srgbClr val="0000FF"/>
+                </a:solidFill>
+                <a:latin typeface="Courier"/>
+                <a:cs typeface="Courier"/>
+              </a:rPr>
+              <a:t> </a:t>
+            </a:r>
+            <a:r>
+              <a:rPr lang="en-US" sz="2200" dirty="0">
+                <a:cs typeface="Courier"/>
+              </a:rPr>
+              <a:t>[list contents of working directory]</a:t>
+            </a:r>
+          </a:p>
+          <a:p>
+            <a:pPr marL="225425" lvl="1">
+              <a:spcAft>
+                <a:spcPts val="400"/>
+              </a:spcAft>
+            </a:pPr>
+            <a:r>
+              <a:rPr lang="en-US" sz="2200" dirty="0">
+                <a:solidFill>
+                  <a:srgbClr val="3366FF"/>
+                </a:solidFill>
+                <a:latin typeface="Courier"/>
+                <a:cs typeface="Courier"/>
+              </a:rPr>
+              <a:t>  </a:t>
+            </a:r>
+            <a:r>
+              <a:rPr lang="en-US" sz="2200" dirty="0">
+                <a:latin typeface="Courier"/>
+                <a:cs typeface="Courier"/>
+              </a:rPr>
+              <a:t>$ </a:t>
+            </a:r>
+            <a:r>
+              <a:rPr lang="en-US" sz="2200" dirty="0" err="1">
+                <a:solidFill>
+                  <a:srgbClr val="0000FF"/>
+                </a:solidFill>
+                <a:latin typeface="Courier"/>
+                <a:cs typeface="Courier"/>
+              </a:rPr>
+              <a:t>ls</a:t>
+            </a:r>
+            <a:r>
+              <a:rPr lang="en-US" sz="2200" dirty="0">
+                <a:solidFill>
+                  <a:srgbClr val="0000FF"/>
+                </a:solidFill>
+                <a:latin typeface="Courier"/>
+                <a:cs typeface="Courier"/>
+              </a:rPr>
+              <a:t> ~/Desktop </a:t>
+            </a:r>
+            <a:r>
+              <a:rPr lang="en-US" sz="2200" dirty="0">
+                <a:cs typeface="Courier"/>
+              </a:rPr>
+              <a:t>[list Desktop contents]</a:t>
+            </a:r>
+          </a:p>
+          <a:p>
+            <a:pPr marL="225425" lvl="1">
+              <a:spcAft>
+                <a:spcPts val="400"/>
+              </a:spcAft>
+            </a:pPr>
+            <a:r>
+              <a:rPr lang="en-US" sz="2200" dirty="0">
+                <a:solidFill>
+                  <a:srgbClr val="3366FF"/>
+                </a:solidFill>
+                <a:latin typeface="Courier"/>
+                <a:cs typeface="Courier"/>
+              </a:rPr>
+              <a:t>  </a:t>
+            </a:r>
+            <a:r>
+              <a:rPr lang="en-US" sz="2200" dirty="0">
+                <a:latin typeface="Courier"/>
+                <a:cs typeface="Courier"/>
+              </a:rPr>
+              <a:t>$ </a:t>
+            </a:r>
+            <a:r>
+              <a:rPr lang="en-US" sz="2200" dirty="0" err="1">
+                <a:solidFill>
+                  <a:srgbClr val="0000FF"/>
+                </a:solidFill>
+                <a:latin typeface="Courier"/>
+                <a:cs typeface="Courier"/>
+              </a:rPr>
+              <a:t>ls</a:t>
+            </a:r>
+            <a:r>
+              <a:rPr lang="en-US" sz="2200" dirty="0">
+                <a:solidFill>
+                  <a:srgbClr val="0000FF"/>
+                </a:solidFill>
+                <a:latin typeface="Courier"/>
+                <a:cs typeface="Courier"/>
+              </a:rPr>
+              <a:t> ~/Desktop/</a:t>
+            </a:r>
+            <a:r>
+              <a:rPr lang="en-US" sz="2200" dirty="0" err="1">
+                <a:solidFill>
+                  <a:srgbClr val="0000FF"/>
+                </a:solidFill>
+                <a:latin typeface="Courier"/>
+                <a:cs typeface="Courier"/>
+              </a:rPr>
+              <a:t>watermelon_files</a:t>
+            </a:r>
+            <a:r>
+              <a:rPr lang="en-US" sz="2200" dirty="0">
+                <a:solidFill>
+                  <a:srgbClr val="0000FF"/>
+                </a:solidFill>
+                <a:latin typeface="Courier"/>
+                <a:cs typeface="Courier"/>
+              </a:rPr>
+              <a:t>/</a:t>
+            </a:r>
+          </a:p>
+          <a:p>
+            <a:pPr marL="225425" lvl="1">
+              <a:spcAft>
+                <a:spcPts val="400"/>
+              </a:spcAft>
+            </a:pPr>
+            <a:r>
+              <a:rPr lang="en-US" sz="2200" dirty="0">
+                <a:solidFill>
+                  <a:srgbClr val="3366FF"/>
+                </a:solidFill>
+                <a:latin typeface="Courier"/>
+                <a:cs typeface="Courier"/>
+              </a:rPr>
+              <a:t>  </a:t>
+            </a:r>
+            <a:r>
+              <a:rPr lang="en-US" sz="2200" dirty="0">
+                <a:latin typeface="Courier"/>
+                <a:cs typeface="Courier"/>
+              </a:rPr>
+              <a:t>$ </a:t>
+            </a:r>
+            <a:r>
+              <a:rPr lang="en-US" sz="2200" dirty="0" err="1">
+                <a:solidFill>
+                  <a:srgbClr val="0000FF"/>
+                </a:solidFill>
+                <a:latin typeface="Courier"/>
+                <a:cs typeface="Courier"/>
+              </a:rPr>
+              <a:t>ls</a:t>
+            </a:r>
+            <a:r>
+              <a:rPr lang="en-US" sz="2200" dirty="0">
+                <a:solidFill>
+                  <a:srgbClr val="0000FF"/>
+                </a:solidFill>
+                <a:latin typeface="Courier"/>
+                <a:cs typeface="Courier"/>
+              </a:rPr>
+              <a:t> /Users/</a:t>
+            </a:r>
+            <a:r>
+              <a:rPr lang="en-US" sz="2200" dirty="0" err="1">
+                <a:solidFill>
+                  <a:srgbClr val="0000FF"/>
+                </a:solidFill>
+                <a:latin typeface="Courier"/>
+                <a:cs typeface="Courier"/>
+              </a:rPr>
+              <a:t>aja</a:t>
+            </a:r>
+            <a:r>
+              <a:rPr lang="en-US" sz="2200" dirty="0">
+                <a:solidFill>
+                  <a:srgbClr val="0000FF"/>
+                </a:solidFill>
+                <a:latin typeface="Courier"/>
+                <a:cs typeface="Courier"/>
+              </a:rPr>
+              <a:t>/Desktop/</a:t>
+            </a:r>
+            <a:r>
+              <a:rPr lang="en-US" sz="2200" dirty="0" err="1">
+                <a:solidFill>
+                  <a:srgbClr val="0000FF"/>
+                </a:solidFill>
+                <a:latin typeface="Courier"/>
+                <a:cs typeface="Courier"/>
+              </a:rPr>
+              <a:t>watermelon_files</a:t>
+            </a:r>
+            <a:r>
+              <a:rPr lang="en-US" sz="2200" dirty="0">
+                <a:solidFill>
+                  <a:srgbClr val="0000FF"/>
+                </a:solidFill>
+                <a:latin typeface="Courier"/>
+                <a:cs typeface="Courier"/>
+              </a:rPr>
+              <a:t>/</a:t>
+            </a:r>
+          </a:p>
+          <a:p>
+            <a:pPr marL="225425" lvl="1">
+              <a:spcAft>
+                <a:spcPts val="400"/>
+              </a:spcAft>
+            </a:pPr>
+            <a:r>
+              <a:rPr lang="en-US" sz="2200" dirty="0">
+                <a:solidFill>
+                  <a:srgbClr val="3366FF"/>
+                </a:solidFill>
+                <a:latin typeface="Courier"/>
+                <a:cs typeface="Courier"/>
+              </a:rPr>
+              <a:t>  </a:t>
+            </a:r>
+            <a:r>
+              <a:rPr lang="en-US" sz="2200" dirty="0">
+                <a:latin typeface="Courier"/>
+                <a:cs typeface="Courier"/>
+              </a:rPr>
+              <a:t>$</a:t>
+            </a:r>
+            <a:r>
+              <a:rPr lang="en-US" sz="2200" dirty="0">
+                <a:cs typeface="Courier"/>
+              </a:rPr>
+              <a:t>	</a:t>
+            </a:r>
+            <a:r>
+              <a:rPr lang="en-US" sz="2200" dirty="0" err="1">
+                <a:solidFill>
+                  <a:srgbClr val="0000FF"/>
+                </a:solidFill>
+                <a:latin typeface="Courier"/>
+                <a:cs typeface="Courier"/>
+              </a:rPr>
+              <a:t>ls</a:t>
+            </a:r>
+            <a:r>
+              <a:rPr lang="en-US" sz="2200" dirty="0">
+                <a:solidFill>
+                  <a:srgbClr val="0000FF"/>
+                </a:solidFill>
+                <a:latin typeface="Courier"/>
+                <a:cs typeface="Courier"/>
+              </a:rPr>
+              <a:t> ~/Desktop/</a:t>
+            </a:r>
+            <a:r>
+              <a:rPr lang="en-US" sz="2200" dirty="0" err="1">
+                <a:solidFill>
+                  <a:srgbClr val="0000FF"/>
+                </a:solidFill>
+                <a:latin typeface="Courier"/>
+                <a:cs typeface="Courier"/>
+              </a:rPr>
+              <a:t>watermelon_files</a:t>
+            </a:r>
+            <a:r>
+              <a:rPr lang="en-US" sz="2200" dirty="0">
+                <a:solidFill>
+                  <a:srgbClr val="0000FF"/>
+                </a:solidFill>
+                <a:latin typeface="Courier"/>
+                <a:cs typeface="Courier"/>
+              </a:rPr>
+              <a:t>/</a:t>
+            </a:r>
+            <a:r>
+              <a:rPr lang="en-US" sz="2200" dirty="0" err="1">
+                <a:solidFill>
+                  <a:srgbClr val="0000FF"/>
+                </a:solidFill>
+                <a:latin typeface="Courier"/>
+                <a:cs typeface="Courier"/>
+              </a:rPr>
+              <a:t>watermelon.fsa</a:t>
+            </a:r>
+            <a:endParaRPr lang="en-US" sz="2200" dirty="0">
+              <a:solidFill>
+                <a:srgbClr val="0000FF"/>
+              </a:solidFill>
+              <a:latin typeface="Courier"/>
+              <a:cs typeface="Courier"/>
+            </a:endParaRPr>
+          </a:p>
+        </p:txBody>
+      </p:sp>
+    </p:spTree>
+    <p:extLst>
+      <p:ext uri="{BB962C8B-B14F-4D97-AF65-F5344CB8AC3E}">
+        <p14:creationId xmlns:p14="http://schemas.microsoft.com/office/powerpoint/2010/main" val="169477189"/>
+      </p:ext>
+    </p:extLst>
+  </p:cSld>
+  <p:clrMapOvr>
+    <a:masterClrMapping/>
+  </p:clrMapOvr>
+</p:sld>
+</file>
+
+<file path=ppt/slides/slide26.xml><?xml version="1.0" encoding="utf-8"?>
+<p:sld xmlns:a="http://schemas.openxmlformats.org/drawingml/2006/main" xmlns:r="http://schemas.openxmlformats.org/officeDocument/2006/relationships" xmlns:p="http://schemas.openxmlformats.org/presentationml/2006/main">
+  <p:cSld>
+    <p:spTree>
+      <p:nvGrpSpPr>
+        <p:cNvPr id="1" name=""/>
+        <p:cNvGrpSpPr/>
+        <p:nvPr/>
+      </p:nvGrpSpPr>
+      <p:grpSpPr>
+        <a:xfrm>
+          <a:off x="0" y="0"/>
+          <a:ext cx="0" cy="0"/>
+          <a:chOff x="0" y="0"/>
+          <a:chExt cx="0" cy="0"/>
+        </a:xfrm>
+      </p:grpSpPr>
+      <p:sp>
+        <p:nvSpPr>
+          <p:cNvPr id="2" name="Title 1"/>
+          <p:cNvSpPr>
+            <a:spLocks noGrp="1"/>
+          </p:cNvSpPr>
+          <p:nvPr>
+            <p:ph type="ctrTitle"/>
+          </p:nvPr>
+        </p:nvSpPr>
+        <p:spPr>
+          <a:xfrm>
+            <a:off x="364627" y="176523"/>
+            <a:ext cx="8436747" cy="862385"/>
+          </a:xfrm>
+        </p:spPr>
+        <p:txBody>
+          <a:bodyPr>
+            <a:normAutofit/>
+          </a:bodyPr>
+          <a:lstStyle/>
+          <a:p>
+            <a:r>
               <a:rPr lang="en-US" sz="3600" dirty="0" err="1">
                 <a:latin typeface="Courier"/>
                 <a:cs typeface="Courier"/>
@@ -9592,7 +9701,7 @@
 </p:sld>
 </file>
 
-<file path=ppt/slides/slide26.xml><?xml version="1.0" encoding="utf-8"?>
+<file path=ppt/slides/slide27.xml><?xml version="1.0" encoding="utf-8"?>
 <p:sld xmlns:a="http://schemas.openxmlformats.org/drawingml/2006/main" xmlns:r="http://schemas.openxmlformats.org/officeDocument/2006/relationships" xmlns:p="http://schemas.openxmlformats.org/presentationml/2006/main">
   <p:cSld>
     <p:spTree>
@@ -11820,7 +11929,7 @@
 </p:sld>
 </file>
 
-<file path=ppt/slides/slide27.xml><?xml version="1.0" encoding="utf-8"?>
+<file path=ppt/slides/slide28.xml><?xml version="1.0" encoding="utf-8"?>
 <p:sld xmlns:a="http://schemas.openxmlformats.org/drawingml/2006/main" xmlns:r="http://schemas.openxmlformats.org/officeDocument/2006/relationships" xmlns:p="http://schemas.openxmlformats.org/presentationml/2006/main">
   <p:cSld>
     <p:spTree>
@@ -12178,7 +12287,7 @@
 </p:sld>
 </file>
 
-<file path=ppt/slides/slide28.xml><?xml version="1.0" encoding="utf-8"?>
+<file path=ppt/slides/slide29.xml><?xml version="1.0" encoding="utf-8"?>
 <p:sld xmlns:a="http://schemas.openxmlformats.org/drawingml/2006/main" xmlns:r="http://schemas.openxmlformats.org/officeDocument/2006/relationships" xmlns:p="http://schemas.openxmlformats.org/presentationml/2006/main">
   <p:cSld>
     <p:spTree>
@@ -12421,7 +12530,231 @@
 </p:sld>
 </file>
 
-<file path=ppt/slides/slide29.xml><?xml version="1.0" encoding="utf-8"?>
+<file path=ppt/slides/slide3.xml><?xml version="1.0" encoding="utf-8"?>
+<p:sld xmlns:a="http://schemas.openxmlformats.org/drawingml/2006/main" xmlns:r="http://schemas.openxmlformats.org/officeDocument/2006/relationships" xmlns:p="http://schemas.openxmlformats.org/presentationml/2006/main">
+  <p:cSld>
+    <p:spTree>
+      <p:nvGrpSpPr>
+        <p:cNvPr id="1" name=""/>
+        <p:cNvGrpSpPr/>
+        <p:nvPr/>
+      </p:nvGrpSpPr>
+      <p:grpSpPr>
+        <a:xfrm>
+          <a:off x="0" y="0"/>
+          <a:ext cx="0" cy="0"/>
+          <a:chOff x="0" y="0"/>
+          <a:chExt cx="0" cy="0"/>
+        </a:xfrm>
+      </p:grpSpPr>
+      <p:sp>
+        <p:nvSpPr>
+          <p:cNvPr id="2" name="Title 1"/>
+          <p:cNvSpPr>
+            <a:spLocks noGrp="1"/>
+          </p:cNvSpPr>
+          <p:nvPr>
+            <p:ph type="ctrTitle"/>
+          </p:nvPr>
+        </p:nvSpPr>
+        <p:spPr>
+          <a:xfrm>
+            <a:off x="527054" y="229386"/>
+            <a:ext cx="8436747" cy="862385"/>
+          </a:xfrm>
+        </p:spPr>
+        <p:txBody>
+          <a:bodyPr>
+            <a:normAutofit/>
+          </a:bodyPr>
+          <a:lstStyle/>
+          <a:p>
+            <a:pPr algn="l"/>
+            <a:r>
+              <a:rPr lang="en-US" sz="4000" dirty="0">
+                <a:latin typeface="Calibri Light" panose="020F0302020204030204" pitchFamily="34" charset="0"/>
+                <a:cs typeface="Calibri Light" panose="020F0302020204030204" pitchFamily="34" charset="0"/>
+              </a:rPr>
+              <a:t>To-do list</a:t>
+            </a:r>
+          </a:p>
+        </p:txBody>
+      </p:sp>
+      <p:sp>
+        <p:nvSpPr>
+          <p:cNvPr id="6" name="TextBox 5"/>
+          <p:cNvSpPr txBox="1"/>
+          <p:nvPr/>
+        </p:nvSpPr>
+        <p:spPr>
+          <a:xfrm>
+            <a:off x="527054" y="1373402"/>
+            <a:ext cx="8312963" cy="3031599"/>
+          </a:xfrm>
+          <a:prstGeom prst="rect">
+            <a:avLst/>
+          </a:prstGeom>
+          <a:noFill/>
+        </p:spPr>
+        <p:txBody>
+          <a:bodyPr wrap="square" rtlCol="0">
+            <a:spAutoFit/>
+          </a:bodyPr>
+          <a:lstStyle/>
+          <a:p>
+            <a:pPr marL="346075" indent="-346075">
+              <a:spcAft>
+                <a:spcPts val="1200"/>
+              </a:spcAft>
+              <a:buFont typeface="Arial"/>
+              <a:buAutoNum type="arabicPeriod"/>
+            </a:pPr>
+            <a:r>
+              <a:rPr lang="en-US" sz="2600" dirty="0">
+                <a:latin typeface="Calibri Light" panose="020F0302020204030204" pitchFamily="34" charset="0"/>
+                <a:cs typeface="Calibri Light" panose="020F0302020204030204" pitchFamily="34" charset="0"/>
+              </a:rPr>
+              <a:t>Enroll in the </a:t>
+            </a:r>
+            <a:r>
+              <a:rPr lang="en-US" sz="2600" dirty="0">
+                <a:latin typeface="Calibri Light" panose="020F0302020204030204" pitchFamily="34" charset="0"/>
+                <a:cs typeface="Calibri Light" panose="020F0302020204030204" pitchFamily="34" charset="0"/>
+                <a:hlinkClick r:id="rId2"/>
+              </a:rPr>
+              <a:t>DataCamp class</a:t>
+            </a:r>
+            <a:endParaRPr lang="en-US" sz="2600" dirty="0">
+              <a:latin typeface="Calibri Light" panose="020F0302020204030204" pitchFamily="34" charset="0"/>
+              <a:cs typeface="Calibri Light" panose="020F0302020204030204" pitchFamily="34" charset="0"/>
+            </a:endParaRPr>
+          </a:p>
+          <a:p>
+            <a:pPr marL="346075" indent="-346075">
+              <a:spcAft>
+                <a:spcPts val="1200"/>
+              </a:spcAft>
+              <a:buFont typeface="Arial"/>
+              <a:buAutoNum type="arabicPeriod"/>
+            </a:pPr>
+            <a:r>
+              <a:rPr lang="en-US" sz="2600" dirty="0">
+                <a:latin typeface="Calibri Light" panose="020F0302020204030204" pitchFamily="34" charset="0"/>
+                <a:cs typeface="Calibri Light" panose="020F0302020204030204" pitchFamily="34" charset="0"/>
+              </a:rPr>
+              <a:t>Register for an AHPCC user account (</a:t>
+            </a:r>
+            <a:r>
+              <a:rPr lang="en-US" sz="2600" dirty="0">
+                <a:latin typeface="Calibri Light" panose="020F0302020204030204" pitchFamily="34" charset="0"/>
+                <a:cs typeface="Calibri Light" panose="020F0302020204030204" pitchFamily="34" charset="0"/>
+                <a:hlinkClick r:id="rId3"/>
+              </a:rPr>
+              <a:t>link</a:t>
+            </a:r>
+            <a:r>
+              <a:rPr lang="en-US" sz="2600" dirty="0">
+                <a:latin typeface="Calibri Light" panose="020F0302020204030204" pitchFamily="34" charset="0"/>
+                <a:cs typeface="Calibri Light" panose="020F0302020204030204" pitchFamily="34" charset="0"/>
+              </a:rPr>
+              <a:t>)</a:t>
+            </a:r>
+          </a:p>
+          <a:p>
+            <a:pPr marL="1322388" lvl="2" indent="-407988">
+              <a:spcAft>
+                <a:spcPts val="1200"/>
+              </a:spcAft>
+              <a:buFont typeface="Wingdings" pitchFamily="2" charset="2"/>
+              <a:buChar char="Ø"/>
+            </a:pPr>
+            <a:r>
+              <a:rPr lang="en-US" sz="2600" b="1" dirty="0">
+                <a:latin typeface="Calibri Light" panose="020F0302020204030204" pitchFamily="34" charset="0"/>
+                <a:cs typeface="Calibri Light" panose="020F0302020204030204" pitchFamily="34" charset="0"/>
+              </a:rPr>
+              <a:t>your advisor is your sponsor, not me</a:t>
+            </a:r>
+          </a:p>
+          <a:p>
+            <a:pPr marL="349250" indent="-349250">
+              <a:spcAft>
+                <a:spcPts val="600"/>
+              </a:spcAft>
+              <a:buFont typeface="+mj-lt"/>
+              <a:buAutoNum type="arabicPeriod"/>
+            </a:pPr>
+            <a:r>
+              <a:rPr lang="en-US" sz="2600" dirty="0">
+                <a:latin typeface="Calibri Light" panose="020F0302020204030204" pitchFamily="34" charset="0"/>
+                <a:cs typeface="Calibri Light" panose="020F0302020204030204" pitchFamily="34" charset="0"/>
+              </a:rPr>
+              <a:t>Find and bookmark the class </a:t>
+            </a:r>
+            <a:r>
+              <a:rPr lang="en-US" sz="2600" dirty="0">
+                <a:latin typeface="Calibri Light" panose="020F0302020204030204" pitchFamily="34" charset="0"/>
+                <a:cs typeface="Calibri Light" panose="020F0302020204030204" pitchFamily="34" charset="0"/>
+                <a:hlinkClick r:id="rId4"/>
+              </a:rPr>
+              <a:t>GitHub page</a:t>
+            </a:r>
+            <a:endParaRPr lang="en-US" sz="2600" dirty="0">
+              <a:latin typeface="Calibri Light" panose="020F0302020204030204" pitchFamily="34" charset="0"/>
+              <a:cs typeface="Calibri Light" panose="020F0302020204030204" pitchFamily="34" charset="0"/>
+            </a:endParaRPr>
+          </a:p>
+          <a:p>
+            <a:pPr marL="349250" indent="-349250">
+              <a:buFont typeface="+mj-lt"/>
+              <a:buAutoNum type="arabicPeriod"/>
+            </a:pPr>
+            <a:r>
+              <a:rPr lang="en-US" sz="2600" dirty="0">
+                <a:latin typeface="Calibri Light" panose="020F0302020204030204" pitchFamily="34" charset="0"/>
+                <a:cs typeface="Calibri Light" panose="020F0302020204030204" pitchFamily="34" charset="0"/>
+              </a:rPr>
+              <a:t>Download </a:t>
+            </a:r>
+            <a:r>
+              <a:rPr lang="en-US" sz="2600" dirty="0">
+                <a:solidFill>
+                  <a:srgbClr val="0432FF"/>
+                </a:solidFill>
+                <a:latin typeface="Courier" charset="0"/>
+                <a:ea typeface="Courier" charset="0"/>
+                <a:cs typeface="Courier" charset="0"/>
+              </a:rPr>
+              <a:t>biol51573.tgz</a:t>
+            </a:r>
+          </a:p>
+          <a:p>
+            <a:pPr>
+              <a:spcAft>
+                <a:spcPts val="1200"/>
+              </a:spcAft>
+            </a:pPr>
+            <a:endParaRPr lang="en-US" sz="2600" b="1" dirty="0">
+              <a:latin typeface="Calibri Light" panose="020F0302020204030204" pitchFamily="34" charset="0"/>
+              <a:cs typeface="Calibri Light" panose="020F0302020204030204" pitchFamily="34" charset="0"/>
+            </a:endParaRPr>
+          </a:p>
+        </p:txBody>
+      </p:sp>
+    </p:spTree>
+    <p:extLst>
+      <p:ext uri="{BB962C8B-B14F-4D97-AF65-F5344CB8AC3E}">
+        <p14:creationId xmlns:p14="http://schemas.microsoft.com/office/powerpoint/2010/main" val="3832690515"/>
+      </p:ext>
+    </p:extLst>
+  </p:cSld>
+  <p:clrMapOvr>
+    <a:masterClrMapping/>
+  </p:clrMapOvr>
+</p:sld>
+</file>
+
+<file path=ppt/slides/slide30.xml><?xml version="1.0" encoding="utf-8"?>
 <p:sld xmlns:a="http://schemas.openxmlformats.org/drawingml/2006/main" xmlns:r="http://schemas.openxmlformats.org/officeDocument/2006/relationships" xmlns:p="http://schemas.openxmlformats.org/presentationml/2006/main">
   <p:cSld>
     <p:spTree>
@@ -12843,239 +13176,7 @@
 </p:sld>
 </file>
 
-<file path=ppt/slides/slide3.xml><?xml version="1.0" encoding="utf-8"?>
-<p:sld xmlns:a="http://schemas.openxmlformats.org/drawingml/2006/main" xmlns:r="http://schemas.openxmlformats.org/officeDocument/2006/relationships" xmlns:p="http://schemas.openxmlformats.org/presentationml/2006/main">
-  <p:cSld>
-    <p:spTree>
-      <p:nvGrpSpPr>
-        <p:cNvPr id="1" name=""/>
-        <p:cNvGrpSpPr/>
-        <p:nvPr/>
-      </p:nvGrpSpPr>
-      <p:grpSpPr>
-        <a:xfrm>
-          <a:off x="0" y="0"/>
-          <a:ext cx="0" cy="0"/>
-          <a:chOff x="0" y="0"/>
-          <a:chExt cx="0" cy="0"/>
-        </a:xfrm>
-      </p:grpSpPr>
-      <p:sp>
-        <p:nvSpPr>
-          <p:cNvPr id="2" name="Title 1"/>
-          <p:cNvSpPr>
-            <a:spLocks noGrp="1"/>
-          </p:cNvSpPr>
-          <p:nvPr>
-            <p:ph type="ctrTitle"/>
-          </p:nvPr>
-        </p:nvSpPr>
-        <p:spPr>
-          <a:xfrm>
-            <a:off x="527054" y="229386"/>
-            <a:ext cx="8436747" cy="862385"/>
-          </a:xfrm>
-        </p:spPr>
-        <p:txBody>
-          <a:bodyPr>
-            <a:normAutofit/>
-          </a:bodyPr>
-          <a:lstStyle/>
-          <a:p>
-            <a:pPr algn="l"/>
-            <a:r>
-              <a:rPr lang="en-US" sz="4000" dirty="0">
-                <a:latin typeface="Calibri Light" panose="020F0302020204030204" pitchFamily="34" charset="0"/>
-                <a:cs typeface="Calibri Light" panose="020F0302020204030204" pitchFamily="34" charset="0"/>
-              </a:rPr>
-              <a:t>To-do list</a:t>
-            </a:r>
-          </a:p>
-        </p:txBody>
-      </p:sp>
-      <p:sp>
-        <p:nvSpPr>
-          <p:cNvPr id="6" name="TextBox 5"/>
-          <p:cNvSpPr txBox="1"/>
-          <p:nvPr/>
-        </p:nvSpPr>
-        <p:spPr>
-          <a:xfrm>
-            <a:off x="527054" y="1373402"/>
-            <a:ext cx="8312963" cy="3031599"/>
-          </a:xfrm>
-          <a:prstGeom prst="rect">
-            <a:avLst/>
-          </a:prstGeom>
-          <a:noFill/>
-        </p:spPr>
-        <p:txBody>
-          <a:bodyPr wrap="square" rtlCol="0">
-            <a:spAutoFit/>
-          </a:bodyPr>
-          <a:lstStyle/>
-          <a:p>
-            <a:pPr marL="346075" indent="-346075">
-              <a:spcAft>
-                <a:spcPts val="1200"/>
-              </a:spcAft>
-              <a:buFont typeface="Arial"/>
-              <a:buAutoNum type="arabicPeriod"/>
-            </a:pPr>
-            <a:r>
-              <a:rPr lang="en-US" sz="2600" dirty="0">
-                <a:latin typeface="Calibri Light" panose="020F0302020204030204" pitchFamily="34" charset="0"/>
-                <a:cs typeface="Calibri Light" panose="020F0302020204030204" pitchFamily="34" charset="0"/>
-              </a:rPr>
-              <a:t>Enroll in the </a:t>
-            </a:r>
-            <a:r>
-              <a:rPr lang="en-US" sz="2600" dirty="0" err="1">
-                <a:latin typeface="Calibri Light" panose="020F0302020204030204" pitchFamily="34" charset="0"/>
-                <a:cs typeface="Calibri Light" panose="020F0302020204030204" pitchFamily="34" charset="0"/>
-                <a:hlinkClick r:id="rId2"/>
-              </a:rPr>
-              <a:t>DataCamp</a:t>
-            </a:r>
-            <a:r>
-              <a:rPr lang="en-US" sz="2600" dirty="0">
-                <a:latin typeface="Calibri Light" panose="020F0302020204030204" pitchFamily="34" charset="0"/>
-                <a:cs typeface="Calibri Light" panose="020F0302020204030204" pitchFamily="34" charset="0"/>
-                <a:hlinkClick r:id="rId2"/>
-              </a:rPr>
-              <a:t> class</a:t>
-            </a:r>
-            <a:endParaRPr lang="en-US" sz="2600" dirty="0">
-              <a:latin typeface="Calibri Light" panose="020F0302020204030204" pitchFamily="34" charset="0"/>
-              <a:cs typeface="Calibri Light" panose="020F0302020204030204" pitchFamily="34" charset="0"/>
-            </a:endParaRPr>
-          </a:p>
-          <a:p>
-            <a:pPr marL="346075" indent="-346075">
-              <a:spcAft>
-                <a:spcPts val="1200"/>
-              </a:spcAft>
-              <a:buFont typeface="Arial"/>
-              <a:buAutoNum type="arabicPeriod"/>
-            </a:pPr>
-            <a:r>
-              <a:rPr lang="en-US" sz="2600" dirty="0">
-                <a:latin typeface="Calibri Light" panose="020F0302020204030204" pitchFamily="34" charset="0"/>
-                <a:cs typeface="Calibri Light" panose="020F0302020204030204" pitchFamily="34" charset="0"/>
-              </a:rPr>
-              <a:t>Register for an AHPCC user account (</a:t>
-            </a:r>
-            <a:r>
-              <a:rPr lang="en-US" sz="2600" dirty="0">
-                <a:latin typeface="Calibri Light" panose="020F0302020204030204" pitchFamily="34" charset="0"/>
-                <a:cs typeface="Calibri Light" panose="020F0302020204030204" pitchFamily="34" charset="0"/>
-                <a:hlinkClick r:id="rId3"/>
-              </a:rPr>
-              <a:t>link</a:t>
-            </a:r>
-            <a:r>
-              <a:rPr lang="en-US" sz="2600" dirty="0">
-                <a:latin typeface="Calibri Light" panose="020F0302020204030204" pitchFamily="34" charset="0"/>
-                <a:cs typeface="Calibri Light" panose="020F0302020204030204" pitchFamily="34" charset="0"/>
-              </a:rPr>
-              <a:t>)</a:t>
-            </a:r>
-          </a:p>
-          <a:p>
-            <a:pPr marL="1322388" lvl="2" indent="-407988">
-              <a:spcAft>
-                <a:spcPts val="1200"/>
-              </a:spcAft>
-              <a:buFont typeface="Wingdings" pitchFamily="2" charset="2"/>
-              <a:buChar char="Ø"/>
-            </a:pPr>
-            <a:r>
-              <a:rPr lang="en-US" sz="2600" b="1" dirty="0">
-                <a:latin typeface="Calibri Light" panose="020F0302020204030204" pitchFamily="34" charset="0"/>
-                <a:cs typeface="Calibri Light" panose="020F0302020204030204" pitchFamily="34" charset="0"/>
-              </a:rPr>
-              <a:t>your advisor is your sponsor, not me</a:t>
-            </a:r>
-          </a:p>
-          <a:p>
-            <a:pPr marL="349250" indent="-349250">
-              <a:spcAft>
-                <a:spcPts val="600"/>
-              </a:spcAft>
-              <a:buFont typeface="+mj-lt"/>
-              <a:buAutoNum type="arabicPeriod"/>
-            </a:pPr>
-            <a:r>
-              <a:rPr lang="en-US" sz="2600" dirty="0">
-                <a:latin typeface="Calibri Light" panose="020F0302020204030204" pitchFamily="34" charset="0"/>
-                <a:cs typeface="Calibri Light" panose="020F0302020204030204" pitchFamily="34" charset="0"/>
-              </a:rPr>
-              <a:t>Find and bookmark the class </a:t>
-            </a:r>
-            <a:r>
-              <a:rPr lang="en-US" sz="2600" dirty="0">
-                <a:latin typeface="Calibri Light" panose="020F0302020204030204" pitchFamily="34" charset="0"/>
-                <a:cs typeface="Calibri Light" panose="020F0302020204030204" pitchFamily="34" charset="0"/>
-                <a:hlinkClick r:id="rId4"/>
-              </a:rPr>
-              <a:t>GitHub page</a:t>
-            </a:r>
-            <a:endParaRPr lang="en-US" sz="2600" dirty="0">
-              <a:latin typeface="Calibri Light" panose="020F0302020204030204" pitchFamily="34" charset="0"/>
-              <a:cs typeface="Calibri Light" panose="020F0302020204030204" pitchFamily="34" charset="0"/>
-            </a:endParaRPr>
-          </a:p>
-          <a:p>
-            <a:pPr marL="349250" indent="-349250">
-              <a:buFont typeface="+mj-lt"/>
-              <a:buAutoNum type="arabicPeriod"/>
-            </a:pPr>
-            <a:r>
-              <a:rPr lang="en-US" sz="2600" dirty="0">
-                <a:latin typeface="Calibri Light" panose="020F0302020204030204" pitchFamily="34" charset="0"/>
-                <a:cs typeface="Calibri Light" panose="020F0302020204030204" pitchFamily="34" charset="0"/>
-              </a:rPr>
-              <a:t>Download </a:t>
-            </a:r>
-            <a:r>
-              <a:rPr lang="en-US" sz="2600" dirty="0">
-                <a:solidFill>
-                  <a:srgbClr val="0432FF"/>
-                </a:solidFill>
-                <a:latin typeface="Courier" charset="0"/>
-                <a:ea typeface="Courier" charset="0"/>
-                <a:cs typeface="Courier" charset="0"/>
-              </a:rPr>
-              <a:t>biol51573.tgz</a:t>
-            </a:r>
-          </a:p>
-          <a:p>
-            <a:pPr>
-              <a:spcAft>
-                <a:spcPts val="1200"/>
-              </a:spcAft>
-            </a:pPr>
-            <a:endParaRPr lang="en-US" sz="2600" b="1" dirty="0">
-              <a:latin typeface="Calibri Light" panose="020F0302020204030204" pitchFamily="34" charset="0"/>
-              <a:cs typeface="Calibri Light" panose="020F0302020204030204" pitchFamily="34" charset="0"/>
-            </a:endParaRPr>
-          </a:p>
-        </p:txBody>
-      </p:sp>
-    </p:spTree>
-    <p:extLst>
-      <p:ext uri="{BB962C8B-B14F-4D97-AF65-F5344CB8AC3E}">
-        <p14:creationId xmlns:p14="http://schemas.microsoft.com/office/powerpoint/2010/main" val="3832690515"/>
-      </p:ext>
-    </p:extLst>
-  </p:cSld>
-  <p:clrMapOvr>
-    <a:masterClrMapping/>
-  </p:clrMapOvr>
-</p:sld>
-</file>
-
-<file path=ppt/slides/slide30.xml><?xml version="1.0" encoding="utf-8"?>
+<file path=ppt/slides/slide31.xml><?xml version="1.0" encoding="utf-8"?>
 <p:sld xmlns:a="http://schemas.openxmlformats.org/drawingml/2006/main" xmlns:r="http://schemas.openxmlformats.org/officeDocument/2006/relationships" xmlns:p="http://schemas.openxmlformats.org/presentationml/2006/main">
   <p:cSld>
     <p:spTree>
@@ -13322,7 +13423,7 @@
 </p:sld>
 </file>
 
-<file path=ppt/slides/slide31.xml><?xml version="1.0" encoding="utf-8"?>
+<file path=ppt/slides/slide32.xml><?xml version="1.0" encoding="utf-8"?>
 <p:sld xmlns:a="http://schemas.openxmlformats.org/drawingml/2006/main" xmlns:r="http://schemas.openxmlformats.org/officeDocument/2006/relationships" xmlns:p="http://schemas.openxmlformats.org/presentationml/2006/main">
   <p:cSld>
     <p:spTree>
@@ -13970,7 +14071,7 @@
 </p:sld>
 </file>
 
-<file path=ppt/slides/slide32.xml><?xml version="1.0" encoding="utf-8"?>
+<file path=ppt/slides/slide33.xml><?xml version="1.0" encoding="utf-8"?>
 <p:sld xmlns:a="http://schemas.openxmlformats.org/drawingml/2006/main" xmlns:r="http://schemas.openxmlformats.org/officeDocument/2006/relationships" xmlns:p="http://schemas.openxmlformats.org/presentationml/2006/main">
   <p:cSld>
     <p:spTree>
@@ -14167,7 +14268,7 @@
 </p:sld>
 </file>
 
-<file path=ppt/slides/slide33.xml><?xml version="1.0" encoding="utf-8"?>
+<file path=ppt/slides/slide34.xml><?xml version="1.0" encoding="utf-8"?>
 <p:sld xmlns:a="http://schemas.openxmlformats.org/drawingml/2006/main" xmlns:r="http://schemas.openxmlformats.org/officeDocument/2006/relationships" xmlns:p="http://schemas.openxmlformats.org/presentationml/2006/main">
   <p:cSld>
     <p:spTree>
@@ -14352,7 +14453,7 @@
 </p:sld>
 </file>
 
-<file path=ppt/slides/slide34.xml><?xml version="1.0" encoding="utf-8"?>
+<file path=ppt/slides/slide35.xml><?xml version="1.0" encoding="utf-8"?>
 <p:sld xmlns:a="http://schemas.openxmlformats.org/drawingml/2006/main" xmlns:r="http://schemas.openxmlformats.org/officeDocument/2006/relationships" xmlns:p="http://schemas.openxmlformats.org/presentationml/2006/main">
   <p:cSld>
     <p:spTree>
@@ -15019,7 +15120,7 @@
 </p:sld>
 </file>
 
-<file path=ppt/slides/slide35.xml><?xml version="1.0" encoding="utf-8"?>
+<file path=ppt/slides/slide36.xml><?xml version="1.0" encoding="utf-8"?>
 <p:sld xmlns:a="http://schemas.openxmlformats.org/drawingml/2006/main" xmlns:r="http://schemas.openxmlformats.org/officeDocument/2006/relationships" xmlns:p="http://schemas.openxmlformats.org/presentationml/2006/main">
   <p:cSld>
     <p:spTree>
@@ -15229,326 +15330,6 @@
     <p:extLst>
       <p:ext uri="{BB962C8B-B14F-4D97-AF65-F5344CB8AC3E}">
         <p14:creationId xmlns:p14="http://schemas.microsoft.com/office/powerpoint/2010/main" val="456364013"/>
-      </p:ext>
-    </p:extLst>
-  </p:cSld>
-  <p:clrMapOvr>
-    <a:masterClrMapping/>
-  </p:clrMapOvr>
-</p:sld>
-</file>
-
-<file path=ppt/slides/slide36.xml><?xml version="1.0" encoding="utf-8"?>
-<p:sld xmlns:a="http://schemas.openxmlformats.org/drawingml/2006/main" xmlns:r="http://schemas.openxmlformats.org/officeDocument/2006/relationships" xmlns:p="http://schemas.openxmlformats.org/presentationml/2006/main">
-  <p:cSld>
-    <p:spTree>
-      <p:nvGrpSpPr>
-        <p:cNvPr id="1" name=""/>
-        <p:cNvGrpSpPr/>
-        <p:nvPr/>
-      </p:nvGrpSpPr>
-      <p:grpSpPr>
-        <a:xfrm>
-          <a:off x="0" y="0"/>
-          <a:ext cx="0" cy="0"/>
-          <a:chOff x="0" y="0"/>
-          <a:chExt cx="0" cy="0"/>
-        </a:xfrm>
-      </p:grpSpPr>
-      <p:sp>
-        <p:nvSpPr>
-          <p:cNvPr id="2" name="Title 1"/>
-          <p:cNvSpPr>
-            <a:spLocks noGrp="1"/>
-          </p:cNvSpPr>
-          <p:nvPr>
-            <p:ph type="ctrTitle"/>
-          </p:nvPr>
-        </p:nvSpPr>
-        <p:spPr>
-          <a:xfrm>
-            <a:off x="364627" y="176523"/>
-            <a:ext cx="8436747" cy="862385"/>
-          </a:xfrm>
-        </p:spPr>
-        <p:txBody>
-          <a:bodyPr>
-            <a:normAutofit/>
-          </a:bodyPr>
-          <a:lstStyle/>
-          <a:p>
-            <a:r>
-              <a:rPr lang="en-US" sz="3600" dirty="0"/>
-              <a:t>Common Unix commands: Viewing files</a:t>
-            </a:r>
-          </a:p>
-        </p:txBody>
-      </p:sp>
-      <p:sp>
-        <p:nvSpPr>
-          <p:cNvPr id="4" name="TextBox 3"/>
-          <p:cNvSpPr txBox="1"/>
-          <p:nvPr/>
-        </p:nvSpPr>
-        <p:spPr>
-          <a:xfrm>
-            <a:off x="229623" y="1524529"/>
-            <a:ext cx="8723875" cy="1661993"/>
-          </a:xfrm>
-          <a:prstGeom prst="rect">
-            <a:avLst/>
-          </a:prstGeom>
-          <a:noFill/>
-        </p:spPr>
-        <p:txBody>
-          <a:bodyPr wrap="square" rtlCol="0">
-            <a:spAutoFit/>
-          </a:bodyPr>
-          <a:lstStyle/>
-          <a:p>
-            <a:pPr marL="225425" lvl="1">
-              <a:spcAft>
-                <a:spcPts val="400"/>
-              </a:spcAft>
-            </a:pPr>
-            <a:r>
-              <a:rPr lang="en-US" sz="2400" dirty="0">
-                <a:latin typeface="Courier"/>
-                <a:cs typeface="Courier"/>
-              </a:rPr>
-              <a:t>$ </a:t>
-            </a:r>
-            <a:r>
-              <a:rPr lang="en-US" sz="2400" dirty="0">
-                <a:solidFill>
-                  <a:srgbClr val="0000FF"/>
-                </a:solidFill>
-                <a:latin typeface="Courier"/>
-                <a:cs typeface="Courier"/>
-              </a:rPr>
-              <a:t>less </a:t>
-            </a:r>
-            <a:r>
-              <a:rPr lang="en-US" sz="2400" u="sng" dirty="0">
-                <a:solidFill>
-                  <a:srgbClr val="0000FF"/>
-                </a:solidFill>
-                <a:latin typeface="Courier"/>
-                <a:cs typeface="Courier"/>
-              </a:rPr>
-              <a:t>filename</a:t>
-            </a:r>
-            <a:r>
-              <a:rPr lang="en-US" sz="2400" dirty="0">
-                <a:solidFill>
-                  <a:srgbClr val="3366FF"/>
-                </a:solidFill>
-                <a:latin typeface="Courier"/>
-                <a:cs typeface="Courier"/>
-              </a:rPr>
-              <a:t> </a:t>
-            </a:r>
-            <a:r>
-              <a:rPr lang="en-US" sz="2400" dirty="0">
-                <a:cs typeface="Calibri"/>
-              </a:rPr>
-              <a:t>–  view a file</a:t>
-            </a:r>
-          </a:p>
-          <a:p>
-            <a:pPr marL="225425" lvl="1">
-              <a:spcAft>
-                <a:spcPts val="400"/>
-              </a:spcAft>
-            </a:pPr>
-            <a:r>
-              <a:rPr lang="en-US" sz="2400" dirty="0">
-                <a:latin typeface="Courier"/>
-                <a:cs typeface="Calibri"/>
-              </a:rPr>
-              <a:t>  </a:t>
-            </a:r>
-            <a:r>
-              <a:rPr lang="en-US" sz="2200" dirty="0">
-                <a:latin typeface="Courier"/>
-                <a:cs typeface="Courier"/>
-              </a:rPr>
-              <a:t>$ </a:t>
-            </a:r>
-            <a:r>
-              <a:rPr lang="en-US" sz="2200" dirty="0">
-                <a:solidFill>
-                  <a:srgbClr val="0000FF"/>
-                </a:solidFill>
-                <a:latin typeface="Courier"/>
-                <a:cs typeface="Courier"/>
-              </a:rPr>
-              <a:t>less </a:t>
-            </a:r>
-            <a:r>
-              <a:rPr lang="en-US" sz="2200" dirty="0" err="1">
-                <a:solidFill>
-                  <a:srgbClr val="0000FF"/>
-                </a:solidFill>
-                <a:latin typeface="Courier"/>
-                <a:cs typeface="Courier"/>
-              </a:rPr>
-              <a:t>watermelon.fsa</a:t>
-            </a:r>
-            <a:endParaRPr lang="en-US" sz="2200" dirty="0">
-              <a:solidFill>
-                <a:srgbClr val="0000FF"/>
-              </a:solidFill>
-              <a:cs typeface="Courier"/>
-            </a:endParaRPr>
-          </a:p>
-          <a:p>
-            <a:pPr marL="1200150" lvl="1" indent="-282575">
-              <a:spcAft>
-                <a:spcPts val="400"/>
-              </a:spcAft>
-              <a:buFont typeface="Arial"/>
-              <a:buChar char="•"/>
-            </a:pPr>
-            <a:r>
-              <a:rPr lang="en-US" sz="2200" dirty="0">
-                <a:cs typeface="Courier"/>
-              </a:rPr>
-              <a:t>enhanced functionality compared to </a:t>
-            </a:r>
-            <a:r>
-              <a:rPr lang="en-US" sz="2200" dirty="0">
-                <a:latin typeface="Courier"/>
-                <a:cs typeface="Courier"/>
-              </a:rPr>
-              <a:t>more</a:t>
-            </a:r>
-            <a:r>
-              <a:rPr lang="en-US" sz="2200" dirty="0">
-                <a:cs typeface="Courier"/>
-              </a:rPr>
-              <a:t>  (less is more!)</a:t>
-            </a:r>
-          </a:p>
-          <a:p>
-            <a:pPr marL="1200150" lvl="1" indent="-282575">
-              <a:spcAft>
-                <a:spcPts val="400"/>
-              </a:spcAft>
-              <a:buFont typeface="Arial"/>
-              <a:buChar char="•"/>
-            </a:pPr>
-            <a:r>
-              <a:rPr lang="en-US" sz="2200" dirty="0">
-                <a:solidFill>
-                  <a:srgbClr val="FF0000"/>
-                </a:solidFill>
-                <a:latin typeface="Courier"/>
-                <a:cs typeface="Courier"/>
-              </a:rPr>
-              <a:t>space bar</a:t>
-            </a:r>
-            <a:r>
-              <a:rPr lang="en-US" sz="2200" dirty="0">
-                <a:cs typeface="Courier"/>
-              </a:rPr>
-              <a:t>,  </a:t>
-            </a:r>
-            <a:r>
-              <a:rPr lang="en-US" sz="2200" dirty="0">
-                <a:solidFill>
-                  <a:srgbClr val="FF0000"/>
-                </a:solidFill>
-                <a:latin typeface="Wingdings"/>
-                <a:ea typeface="Wingdings"/>
-                <a:cs typeface="Wingdings"/>
-                <a:sym typeface="Wingdings"/>
-              </a:rPr>
-              <a:t></a:t>
-            </a:r>
-            <a:r>
-              <a:rPr lang="en-US" sz="2200" dirty="0">
-                <a:ea typeface="Wingdings"/>
-                <a:cs typeface="Courier"/>
-                <a:sym typeface="Wingdings"/>
-              </a:rPr>
-              <a:t>,  </a:t>
-            </a:r>
-            <a:r>
-              <a:rPr lang="en-US" sz="2200" dirty="0">
-                <a:solidFill>
-                  <a:srgbClr val="FF0000"/>
-                </a:solidFill>
-                <a:latin typeface="Wingdings"/>
-                <a:ea typeface="Wingdings"/>
-                <a:cs typeface="Wingdings"/>
-                <a:sym typeface="Wingdings"/>
-              </a:rPr>
-              <a:t></a:t>
-            </a:r>
-            <a:r>
-              <a:rPr lang="en-US" sz="2200" dirty="0">
-                <a:ea typeface="Wingdings"/>
-                <a:cs typeface="Courier"/>
-                <a:sym typeface="Wingdings"/>
-              </a:rPr>
-              <a:t>,  </a:t>
-            </a:r>
-            <a:r>
-              <a:rPr lang="en-US" sz="2200" dirty="0">
-                <a:solidFill>
-                  <a:srgbClr val="FF0000"/>
-                </a:solidFill>
-                <a:latin typeface="Wingdings"/>
-                <a:ea typeface="Wingdings"/>
-                <a:cs typeface="Wingdings"/>
-                <a:sym typeface="Wingdings"/>
-              </a:rPr>
-              <a:t></a:t>
-            </a:r>
-            <a:r>
-              <a:rPr lang="en-US" sz="2200" dirty="0">
-                <a:ea typeface="Wingdings"/>
-                <a:cs typeface="Courier"/>
-                <a:sym typeface="Wingdings"/>
-              </a:rPr>
-              <a:t>, </a:t>
-            </a:r>
-            <a:r>
-              <a:rPr lang="en-US" sz="2200" dirty="0">
-                <a:solidFill>
-                  <a:srgbClr val="FF0000"/>
-                </a:solidFill>
-                <a:latin typeface="Wingdings"/>
-                <a:ea typeface="Wingdings"/>
-                <a:cs typeface="Wingdings"/>
-                <a:sym typeface="Wingdings"/>
-              </a:rPr>
-              <a:t></a:t>
-            </a:r>
-            <a:r>
-              <a:rPr lang="en-US" sz="2200" dirty="0">
-                <a:ea typeface="Wingdings"/>
-                <a:cs typeface="Wingdings"/>
-                <a:sym typeface="Wingdings"/>
-              </a:rPr>
-              <a:t> </a:t>
-            </a:r>
-            <a:r>
-              <a:rPr lang="en-US" sz="2200" dirty="0">
-                <a:ea typeface="Wingdings"/>
-                <a:cs typeface="Courier"/>
-                <a:sym typeface="Wingdings"/>
-              </a:rPr>
-              <a:t>to navigate</a:t>
-            </a:r>
-          </a:p>
-        </p:txBody>
-      </p:sp>
-    </p:spTree>
-    <p:extLst>
-      <p:ext uri="{BB962C8B-B14F-4D97-AF65-F5344CB8AC3E}">
-        <p14:creationId xmlns:p14="http://schemas.microsoft.com/office/powerpoint/2010/main" val="2217441898"/>
       </p:ext>
     </p:extLst>
   </p:cSld>
@@ -15599,14 +15380,7 @@
           <a:p>
             <a:r>
               <a:rPr lang="en-US" sz="3600" dirty="0"/>
-              <a:t>More on </a:t>
-            </a:r>
-            <a:r>
-              <a:rPr lang="en-US" sz="3600" dirty="0">
-                <a:latin typeface="Courier"/>
-                <a:cs typeface="Courier"/>
-              </a:rPr>
-              <a:t>less</a:t>
+              <a:t>Common Unix commands: Viewing files</a:t>
             </a:r>
           </a:p>
         </p:txBody>
@@ -15619,8 +15393,8 @@
         </p:nvSpPr>
         <p:spPr>
           <a:xfrm>
-            <a:off x="229623" y="1148451"/>
-            <a:ext cx="8723875" cy="4985980"/>
+            <a:off x="229623" y="1524529"/>
+            <a:ext cx="8723875" cy="1661993"/>
           </a:xfrm>
           <a:prstGeom prst="rect">
             <a:avLst/>
@@ -15639,6 +15413,63 @@
               </a:spcAft>
             </a:pPr>
             <a:r>
+              <a:rPr lang="en-US" sz="2400" dirty="0">
+                <a:latin typeface="Courier"/>
+                <a:cs typeface="Courier"/>
+              </a:rPr>
+              <a:t>$ </a:t>
+            </a:r>
+            <a:r>
+              <a:rPr lang="en-US" sz="2400" dirty="0">
+                <a:solidFill>
+                  <a:srgbClr val="0000FF"/>
+                </a:solidFill>
+                <a:latin typeface="Courier"/>
+                <a:cs typeface="Courier"/>
+              </a:rPr>
+              <a:t>less </a:t>
+            </a:r>
+            <a:r>
+              <a:rPr lang="en-US" sz="2400" u="sng" dirty="0">
+                <a:solidFill>
+                  <a:srgbClr val="0000FF"/>
+                </a:solidFill>
+                <a:latin typeface="Courier"/>
+                <a:cs typeface="Courier"/>
+              </a:rPr>
+              <a:t>filename</a:t>
+            </a:r>
+            <a:r>
+              <a:rPr lang="en-US" sz="2400" dirty="0">
+                <a:solidFill>
+                  <a:srgbClr val="3366FF"/>
+                </a:solidFill>
+                <a:latin typeface="Courier"/>
+                <a:cs typeface="Courier"/>
+              </a:rPr>
+              <a:t> </a:t>
+            </a:r>
+            <a:r>
+              <a:rPr lang="en-US" sz="2400" dirty="0">
+                <a:cs typeface="Calibri"/>
+              </a:rPr>
+              <a:t>–  view a file</a:t>
+            </a:r>
+          </a:p>
+          <a:p>
+            <a:pPr marL="225425" lvl="1">
+              <a:spcAft>
+                <a:spcPts val="400"/>
+              </a:spcAft>
+            </a:pPr>
+            <a:r>
+              <a:rPr lang="en-US" sz="2400" dirty="0">
+                <a:latin typeface="Courier"/>
+                <a:cs typeface="Calibri"/>
+              </a:rPr>
+              <a:t>  </a:t>
+            </a:r>
+            <a:r>
               <a:rPr lang="en-US" sz="2200" dirty="0">
                 <a:latin typeface="Courier"/>
                 <a:cs typeface="Courier"/>
@@ -15682,161 +15513,23 @@
             </a:pPr>
             <a:r>
               <a:rPr lang="en-US" sz="2200" dirty="0">
-                <a:solidFill>
-                  <a:srgbClr val="FF0000"/>
-                </a:solidFill>
-                <a:latin typeface="Courier"/>
-                <a:ea typeface="Wingdings"/>
-                <a:cs typeface="Courier"/>
-                <a:sym typeface="Wingdings"/>
-              </a:rPr>
-              <a:t>/search-term </a:t>
+                <a:cs typeface="Courier"/>
+              </a:rPr>
+              <a:t>enhanced functionality compared to </a:t>
             </a:r>
             <a:r>
               <a:rPr lang="en-US" sz="2200" dirty="0">
-                <a:cs typeface="Courier"/>
-              </a:rPr>
-              <a:t>to search</a:t>
-            </a:r>
-          </a:p>
-          <a:p>
-            <a:pPr marL="2114550" lvl="3" indent="-282575">
-              <a:spcAft>
-                <a:spcPts val="400"/>
-              </a:spcAft>
-              <a:buFont typeface="Arial"/>
-              <a:buChar char="•"/>
-            </a:pPr>
+                <a:latin typeface="Courier"/>
+                <a:cs typeface="Courier"/>
+              </a:rPr>
+              <a:t>more</a:t>
+            </a:r>
             <a:r>
               <a:rPr lang="en-US" sz="2200" dirty="0">
-                <a:solidFill>
-                  <a:srgbClr val="FF0000"/>
-                </a:solidFill>
-                <a:latin typeface="Courier"/>
-                <a:ea typeface="Wingdings"/>
-                <a:cs typeface="Courier"/>
-                <a:sym typeface="Wingdings"/>
-              </a:rPr>
-              <a:t>n</a:t>
-            </a:r>
-            <a:r>
-              <a:rPr lang="en-US" sz="2200" dirty="0">
-                <a:solidFill>
-                  <a:srgbClr val="FF0000"/>
-                </a:solidFill>
-                <a:cs typeface="Courier"/>
-              </a:rPr>
-              <a:t> </a:t>
-            </a:r>
-            <a:r>
-              <a:rPr lang="en-US" sz="2200" dirty="0">
-                <a:cs typeface="Courier"/>
-              </a:rPr>
-              <a:t> for next occurrence</a:t>
-            </a:r>
-            <a:endParaRPr lang="en-US" sz="2200" dirty="0">
-              <a:latin typeface="Courier"/>
-              <a:ea typeface="Wingdings"/>
-              <a:cs typeface="Courier"/>
-              <a:sym typeface="Wingdings"/>
-            </a:endParaRPr>
-          </a:p>
-          <a:p>
-            <a:pPr marL="2114550" lvl="3" indent="-282575">
-              <a:spcAft>
-                <a:spcPts val="400"/>
-              </a:spcAft>
-              <a:buFont typeface="Arial"/>
-              <a:buChar char="•"/>
-            </a:pPr>
-            <a:r>
-              <a:rPr lang="en-US" sz="2200" dirty="0">
-                <a:solidFill>
-                  <a:srgbClr val="FF0000"/>
-                </a:solidFill>
-                <a:latin typeface="Courier"/>
-                <a:ea typeface="Wingdings"/>
-                <a:cs typeface="Courier"/>
-                <a:sym typeface="Wingdings"/>
-              </a:rPr>
-              <a:t>N</a:t>
-            </a:r>
-            <a:r>
-              <a:rPr lang="en-US" sz="2200" dirty="0">
-                <a:solidFill>
-                  <a:srgbClr val="FF0000"/>
-                </a:solidFill>
-                <a:cs typeface="Courier"/>
-              </a:rPr>
-              <a:t>  </a:t>
-            </a:r>
-            <a:r>
-              <a:rPr lang="en-US" sz="2200" dirty="0">
-                <a:cs typeface="Courier"/>
-              </a:rPr>
-              <a:t>for previous occurrence</a:t>
-            </a:r>
-          </a:p>
-          <a:p>
-            <a:pPr marL="2114550" lvl="3" indent="-282575">
-              <a:spcAft>
-                <a:spcPts val="400"/>
-              </a:spcAft>
-              <a:buFont typeface="Arial"/>
-              <a:buChar char="•"/>
-            </a:pPr>
-            <a:r>
-              <a:rPr lang="en-US" sz="2200" dirty="0">
-                <a:solidFill>
-                  <a:srgbClr val="FF0000"/>
-                </a:solidFill>
-                <a:latin typeface="Wingdings"/>
-                <a:ea typeface="Wingdings"/>
-                <a:cs typeface="Wingdings"/>
-                <a:sym typeface="Wingdings"/>
-              </a:rPr>
-              <a:t></a:t>
-            </a:r>
-            <a:r>
-              <a:rPr lang="en-US" sz="2200" dirty="0">
-                <a:solidFill>
-                  <a:srgbClr val="FF0000"/>
-                </a:solidFill>
-                <a:ea typeface="Wingdings"/>
-                <a:cs typeface="Courier"/>
-                <a:sym typeface="Wingdings"/>
-              </a:rPr>
-              <a:t>  </a:t>
-            </a:r>
-            <a:r>
-              <a:rPr lang="en-US" sz="2200" dirty="0">
-                <a:ea typeface="Wingdings"/>
-                <a:cs typeface="Courier"/>
-                <a:sym typeface="Wingdings"/>
-              </a:rPr>
-              <a:t>and  </a:t>
-            </a:r>
-            <a:r>
-              <a:rPr lang="en-US" sz="2200" dirty="0">
-                <a:solidFill>
-                  <a:srgbClr val="FF0000"/>
-                </a:solidFill>
-                <a:latin typeface="Wingdings"/>
-                <a:ea typeface="Wingdings"/>
-                <a:cs typeface="Wingdings"/>
-                <a:sym typeface="Wingdings"/>
-              </a:rPr>
-              <a:t></a:t>
-            </a:r>
-            <a:endParaRPr lang="en-US" sz="2200" dirty="0">
-              <a:solidFill>
-                <a:srgbClr val="FF0000"/>
-              </a:solidFill>
-              <a:latin typeface="Courier"/>
-              <a:ea typeface="Wingdings"/>
-              <a:cs typeface="Courier"/>
-              <a:sym typeface="Wingdings"/>
-            </a:endParaRPr>
+                <a:cs typeface="Courier"/>
+              </a:rPr>
+              <a:t>  (less is more!)</a:t>
+            </a:r>
           </a:p>
           <a:p>
             <a:pPr marL="1200150" lvl="1" indent="-282575">
@@ -15851,89 +15544,28 @@
                 <a:solidFill>
                   <a:srgbClr val="FF0000"/>
                 </a:solidFill>
-                <a:cs typeface="Courier"/>
-              </a:rPr>
-              <a:t>g  </a:t>
+                <a:latin typeface="Courier"/>
+                <a:cs typeface="Courier"/>
+              </a:rPr>
+              <a:t>space bar</a:t>
             </a:r>
             <a:r>
               <a:rPr lang="en-US" sz="2200" dirty="0">
                 <a:cs typeface="Courier"/>
               </a:rPr>
-              <a:t>to top of file</a:t>
-            </a:r>
-            <a:endParaRPr lang="en-US" sz="2200" dirty="0">
-              <a:latin typeface="Courier"/>
-              <a:ea typeface="Wingdings"/>
-              <a:cs typeface="Courier"/>
-              <a:sym typeface="Wingdings"/>
-            </a:endParaRPr>
-          </a:p>
-          <a:p>
-            <a:pPr marL="1200150" lvl="1" indent="-282575">
-              <a:spcAft>
-                <a:spcPts val="400"/>
-              </a:spcAft>
-              <a:buFont typeface="Arial"/>
-              <a:buChar char="•"/>
-            </a:pPr>
+              <a:t>,  </a:t>
+            </a:r>
             <a:r>
               <a:rPr lang="en-US" sz="2200" dirty="0">
                 <a:solidFill>
                   <a:srgbClr val="FF0000"/>
                 </a:solidFill>
-                <a:latin typeface="Courier"/>
+                <a:latin typeface="Wingdings"/>
                 <a:ea typeface="Wingdings"/>
-                <a:cs typeface="Courier"/>
+                <a:cs typeface="Wingdings"/>
                 <a:sym typeface="Wingdings"/>
               </a:rPr>
-              <a:t>G</a:t>
-            </a:r>
-            <a:r>
-              <a:rPr lang="en-US" sz="2200" dirty="0">
-                <a:solidFill>
-                  <a:srgbClr val="FF0000"/>
-                </a:solidFill>
-                <a:cs typeface="Courier"/>
-              </a:rPr>
-              <a:t>  </a:t>
-            </a:r>
-            <a:r>
-              <a:rPr lang="en-US" sz="2200" dirty="0">
-                <a:cs typeface="Courier"/>
-              </a:rPr>
-              <a:t>to bottom of file</a:t>
-            </a:r>
-          </a:p>
-          <a:p>
-            <a:pPr marL="1200150" lvl="1" indent="-282575">
-              <a:spcAft>
-                <a:spcPts val="400"/>
-              </a:spcAft>
-              <a:buFont typeface="Arial"/>
-              <a:buChar char="•"/>
-            </a:pPr>
-            <a:r>
-              <a:rPr lang="en-US" sz="2200" dirty="0">
-                <a:solidFill>
-                  <a:srgbClr val="FF0000"/>
-                </a:solidFill>
-                <a:latin typeface="Courier"/>
-                <a:ea typeface="Wingdings"/>
-                <a:cs typeface="Courier"/>
-                <a:sym typeface="Wingdings"/>
-              </a:rPr>
-              <a:t>q</a:t>
-            </a:r>
-            <a:r>
-              <a:rPr lang="en-US" sz="2200" dirty="0">
-                <a:solidFill>
-                  <a:srgbClr val="FF0000"/>
-                </a:solidFill>
-                <a:ea typeface="Wingdings"/>
-                <a:cs typeface="Courier"/>
-                <a:sym typeface="Wingdings"/>
-              </a:rPr>
-              <a:t>  </a:t>
+              <a:t></a:t>
             </a:r>
             <a:r>
               <a:rPr lang="en-US" sz="2200" dirty="0">
@@ -15941,173 +15573,83 @@
                 <a:cs typeface="Courier"/>
                 <a:sym typeface="Wingdings"/>
               </a:rPr>
-              <a:t>to exit</a:t>
-            </a:r>
-          </a:p>
-          <a:p>
-            <a:pPr marL="1200150" lvl="1" indent="-282575">
-              <a:spcAft>
-                <a:spcPts val="400"/>
-              </a:spcAft>
-              <a:buFont typeface="Arial"/>
-              <a:buChar char="•"/>
-            </a:pPr>
+              <a:t>,  </a:t>
+            </a:r>
+            <a:r>
+              <a:rPr lang="en-US" sz="2200" dirty="0">
+                <a:solidFill>
+                  <a:srgbClr val="FF0000"/>
+                </a:solidFill>
+                <a:latin typeface="Wingdings"/>
+                <a:ea typeface="Wingdings"/>
+                <a:cs typeface="Wingdings"/>
+                <a:sym typeface="Wingdings"/>
+              </a:rPr>
+              <a:t></a:t>
+            </a:r>
             <a:r>
               <a:rPr lang="en-US" sz="2200" dirty="0">
                 <a:ea typeface="Wingdings"/>
                 <a:cs typeface="Courier"/>
                 <a:sym typeface="Wingdings"/>
               </a:rPr>
-              <a:t>Lots of options</a:t>
-            </a:r>
-          </a:p>
-          <a:p>
-            <a:pPr marL="225425" lvl="1">
-              <a:spcAft>
-                <a:spcPts val="400"/>
-              </a:spcAft>
-            </a:pPr>
-            <a:r>
-              <a:rPr lang="en-US" sz="2000" dirty="0">
-                <a:solidFill>
-                  <a:srgbClr val="3366FF"/>
-                </a:solidFill>
-                <a:latin typeface="Courier"/>
-                <a:cs typeface="Courier"/>
-              </a:rPr>
-              <a:t>				</a:t>
-            </a:r>
-            <a:r>
-              <a:rPr lang="en-US" sz="2000" dirty="0">
-                <a:solidFill>
-                  <a:srgbClr val="0000FF"/>
-                </a:solidFill>
-                <a:latin typeface="Courier"/>
-                <a:cs typeface="Courier"/>
-              </a:rPr>
-              <a:t>-</a:t>
-            </a:r>
-            <a:r>
-              <a:rPr lang="en-US" sz="2000" dirty="0" err="1">
-                <a:solidFill>
-                  <a:srgbClr val="0000FF"/>
-                </a:solidFill>
-                <a:latin typeface="Courier"/>
-                <a:cs typeface="Courier"/>
-              </a:rPr>
-              <a:t>i</a:t>
-            </a:r>
-            <a:r>
-              <a:rPr lang="en-US" sz="2000" dirty="0">
-                <a:solidFill>
-                  <a:srgbClr val="3366FF"/>
-                </a:solidFill>
-                <a:latin typeface="Courier"/>
-                <a:cs typeface="Courier"/>
+              <a:t>,  </a:t>
+            </a:r>
+            <a:r>
+              <a:rPr lang="en-US" sz="2200" dirty="0">
+                <a:solidFill>
+                  <a:srgbClr val="FF0000"/>
+                </a:solidFill>
+                <a:latin typeface="Wingdings"/>
+                <a:ea typeface="Wingdings"/>
+                <a:cs typeface="Wingdings"/>
+                <a:sym typeface="Wingdings"/>
+              </a:rPr>
+              <a:t></a:t>
+            </a:r>
+            <a:r>
+              <a:rPr lang="en-US" sz="2200" dirty="0">
+                <a:ea typeface="Wingdings"/>
+                <a:cs typeface="Courier"/>
+                <a:sym typeface="Wingdings"/>
+              </a:rPr>
+              <a:t>, </a:t>
+            </a:r>
+            <a:r>
+              <a:rPr lang="en-US" sz="2200" dirty="0">
+                <a:solidFill>
+                  <a:srgbClr val="FF0000"/>
+                </a:solidFill>
+                <a:latin typeface="Wingdings"/>
+                <a:ea typeface="Wingdings"/>
+                <a:cs typeface="Wingdings"/>
+                <a:sym typeface="Wingdings"/>
+              </a:rPr>
+              <a:t></a:t>
+            </a:r>
+            <a:r>
+              <a:rPr lang="en-US" sz="2200" dirty="0">
+                <a:ea typeface="Wingdings"/>
+                <a:cs typeface="Wingdings"/>
+                <a:sym typeface="Wingdings"/>
               </a:rPr>
               <a:t> </a:t>
             </a:r>
             <a:r>
-              <a:rPr lang="en-US" sz="2000" dirty="0">
-                <a:cs typeface="Courier"/>
-              </a:rPr>
-              <a:t>: </a:t>
-            </a:r>
-            <a:r>
-              <a:rPr lang="en-US" sz="2000" u="sng" dirty="0">
-                <a:cs typeface="Courier"/>
-              </a:rPr>
-              <a:t>i</a:t>
-            </a:r>
-            <a:r>
-              <a:rPr lang="en-US" sz="2000" dirty="0">
-                <a:cs typeface="Courier"/>
-              </a:rPr>
-              <a:t>gnore case when searching</a:t>
-            </a:r>
-          </a:p>
-          <a:p>
-            <a:pPr marL="225425" lvl="1">
-              <a:spcAft>
-                <a:spcPts val="400"/>
-              </a:spcAft>
-            </a:pPr>
-            <a:r>
-              <a:rPr lang="en-US" sz="2000" dirty="0">
-                <a:solidFill>
-                  <a:srgbClr val="0000FF"/>
-                </a:solidFill>
-                <a:latin typeface="Courier"/>
-                <a:cs typeface="Courier"/>
-              </a:rPr>
-              <a:t>				-S</a:t>
-            </a:r>
-            <a:r>
-              <a:rPr lang="en-US" sz="2000" dirty="0">
-                <a:solidFill>
-                  <a:srgbClr val="3366FF"/>
-                </a:solidFill>
-                <a:latin typeface="Courier"/>
-                <a:cs typeface="Courier"/>
-              </a:rPr>
-              <a:t> </a:t>
-            </a:r>
-            <a:r>
-              <a:rPr lang="en-US" sz="2000" dirty="0">
-                <a:cs typeface="Courier"/>
-              </a:rPr>
-              <a:t>: do NOT fold long lines</a:t>
-            </a:r>
-          </a:p>
-          <a:p>
-            <a:pPr marL="225425" lvl="1">
-              <a:spcAft>
-                <a:spcPts val="400"/>
-              </a:spcAft>
-            </a:pPr>
-            <a:r>
-              <a:rPr lang="en-US" sz="2000" dirty="0">
-                <a:solidFill>
-                  <a:srgbClr val="0000FF"/>
-                </a:solidFill>
-                <a:latin typeface="Courier"/>
-                <a:cs typeface="Courier"/>
-              </a:rPr>
-              <a:t>				-N</a:t>
-            </a:r>
-            <a:r>
-              <a:rPr lang="en-US" sz="2000" dirty="0">
-                <a:solidFill>
-                  <a:srgbClr val="3366FF"/>
-                </a:solidFill>
-                <a:latin typeface="Courier"/>
-                <a:cs typeface="Courier"/>
-              </a:rPr>
-              <a:t> </a:t>
-            </a:r>
-            <a:r>
-              <a:rPr lang="en-US" sz="2000" dirty="0">
-                <a:cs typeface="Courier"/>
-              </a:rPr>
-              <a:t>: show line numbers</a:t>
-            </a:r>
-          </a:p>
-          <a:p>
-            <a:pPr marL="225425" lvl="1">
-              <a:spcAft>
-                <a:spcPts val="400"/>
-              </a:spcAft>
-            </a:pPr>
-            <a:endParaRPr lang="en-US" sz="2000" dirty="0">
-              <a:cs typeface="Courier"/>
-            </a:endParaRPr>
+              <a:rPr lang="en-US" sz="2200" dirty="0">
+                <a:ea typeface="Wingdings"/>
+                <a:cs typeface="Courier"/>
+                <a:sym typeface="Wingdings"/>
+              </a:rPr>
+              <a:t>to navigate</a:t>
+            </a:r>
           </a:p>
         </p:txBody>
       </p:sp>
     </p:spTree>
     <p:extLst>
       <p:ext uri="{BB962C8B-B14F-4D97-AF65-F5344CB8AC3E}">
-        <p14:creationId xmlns:p14="http://schemas.microsoft.com/office/powerpoint/2010/main" val="1750925381"/>
+        <p14:creationId xmlns:p14="http://schemas.microsoft.com/office/powerpoint/2010/main" val="2217441898"/>
       </p:ext>
     </p:extLst>
   </p:cSld>
@@ -16212,27 +15754,7 @@
                 <a:latin typeface="Courier"/>
                 <a:cs typeface="Courier"/>
               </a:rPr>
-              <a:t>less -</a:t>
-            </a:r>
-            <a:r>
-              <a:rPr lang="en-US" sz="2200" dirty="0" err="1">
-                <a:solidFill>
-                  <a:srgbClr val="0000FF"/>
-                </a:solidFill>
-                <a:latin typeface="Courier"/>
-                <a:cs typeface="Courier"/>
-              </a:rPr>
-              <a:t>iSN</a:t>
-            </a:r>
-            <a:r>
-              <a:rPr lang="en-US" sz="2200" dirty="0">
-                <a:solidFill>
-                  <a:srgbClr val="0000FF"/>
-                </a:solidFill>
-                <a:latin typeface="Courier"/>
-                <a:cs typeface="Courier"/>
-              </a:rPr>
-              <a:t> </a:t>
+              <a:t>less </a:t>
             </a:r>
             <a:r>
               <a:rPr lang="en-US" sz="2200" dirty="0" err="1">
@@ -16686,7 +16208,7 @@
     </p:spTree>
     <p:extLst>
       <p:ext uri="{BB962C8B-B14F-4D97-AF65-F5344CB8AC3E}">
-        <p14:creationId xmlns:p14="http://schemas.microsoft.com/office/powerpoint/2010/main" val="2436858173"/>
+        <p14:creationId xmlns:p14="http://schemas.microsoft.com/office/powerpoint/2010/main" val="1750925381"/>
       </p:ext>
     </p:extLst>
   </p:cSld>
@@ -16736,15 +16258,15 @@
           <a:lstStyle/>
           <a:p>
             <a:r>
-              <a:rPr lang="en-US" sz="3600" u="sng" dirty="0">
-                <a:latin typeface="Courier"/>
-                <a:cs typeface="Courier"/>
-              </a:rPr>
-              <a:t>Man</a:t>
-            </a:r>
-            <a:r>
               <a:rPr lang="en-US" sz="3600" dirty="0"/>
-              <a:t>ual pages</a:t>
+              <a:t>More on </a:t>
+            </a:r>
+            <a:r>
+              <a:rPr lang="en-US" sz="3600" dirty="0">
+                <a:latin typeface="Courier"/>
+                <a:cs typeface="Courier"/>
+              </a:rPr>
+              <a:t>less</a:t>
             </a:r>
           </a:p>
         </p:txBody>
@@ -16757,8 +16279,8 @@
         </p:nvSpPr>
         <p:spPr>
           <a:xfrm>
-            <a:off x="229623" y="1423650"/>
-            <a:ext cx="8723875" cy="3252172"/>
+            <a:off x="229623" y="1148451"/>
+            <a:ext cx="8723875" cy="4985980"/>
           </a:xfrm>
           <a:prstGeom prst="rect">
             <a:avLst/>
@@ -16777,86 +16299,61 @@
               </a:spcAft>
             </a:pPr>
             <a:r>
-              <a:rPr lang="en-US" sz="2800" u="sng" dirty="0">
-                <a:cs typeface="Calibri"/>
-              </a:rPr>
-              <a:t>Two main ways to find help</a:t>
-            </a:r>
-            <a:r>
-              <a:rPr lang="en-US" sz="2800" dirty="0">
-                <a:cs typeface="Calibri"/>
-              </a:rPr>
-              <a:t>:</a:t>
-            </a:r>
-          </a:p>
-          <a:p>
-            <a:pPr marL="225425" lvl="1">
-              <a:spcAft>
-                <a:spcPts val="400"/>
-              </a:spcAft>
-            </a:pPr>
-            <a:endParaRPr lang="en-US" sz="1400" dirty="0">
-              <a:cs typeface="Calibri"/>
-            </a:endParaRPr>
-          </a:p>
-          <a:p>
-            <a:pPr marL="682625" lvl="1" indent="-457200">
-              <a:spcAft>
-                <a:spcPts val="400"/>
-              </a:spcAft>
-              <a:buFont typeface="+mj-lt"/>
-              <a:buAutoNum type="arabicPeriod"/>
-            </a:pPr>
-            <a:r>
-              <a:rPr lang="en-US" sz="2400" dirty="0">
-                <a:cs typeface="Courier"/>
-              </a:rPr>
-              <a:t>Man pages contain comprehensive program usage and options</a:t>
-            </a:r>
-          </a:p>
-          <a:p>
-            <a:pPr marL="225425" lvl="1">
-              <a:spcAft>
-                <a:spcPts val="400"/>
-              </a:spcAft>
-            </a:pPr>
-            <a:r>
-              <a:rPr lang="en-US" sz="2400" dirty="0">
-                <a:latin typeface="Courier"/>
-                <a:cs typeface="Courier"/>
-              </a:rPr>
-              <a:t>		$ </a:t>
-            </a:r>
-            <a:r>
-              <a:rPr lang="en-US" sz="2400" dirty="0">
-                <a:solidFill>
-                  <a:srgbClr val="0000FF"/>
-                </a:solidFill>
-                <a:latin typeface="Courier"/>
-                <a:cs typeface="Courier"/>
-              </a:rPr>
-              <a:t>man </a:t>
-            </a:r>
-            <a:r>
-              <a:rPr lang="en-US" sz="2400" u="sng" dirty="0">
-                <a:solidFill>
-                  <a:srgbClr val="0000FF"/>
-                </a:solidFill>
-                <a:latin typeface="Courier"/>
-                <a:cs typeface="Courier"/>
-              </a:rPr>
-              <a:t>program</a:t>
-            </a:r>
-            <a:endParaRPr lang="en-US" sz="2400" u="sng" dirty="0">
+              <a:rPr lang="en-US" sz="2200" dirty="0">
+                <a:latin typeface="Courier"/>
+                <a:cs typeface="Courier"/>
+              </a:rPr>
+              <a:t>$ </a:t>
+            </a:r>
+            <a:r>
+              <a:rPr lang="en-US" sz="2200" dirty="0">
+                <a:solidFill>
+                  <a:srgbClr val="0000FF"/>
+                </a:solidFill>
+                <a:latin typeface="Courier"/>
+                <a:cs typeface="Courier"/>
+              </a:rPr>
+              <a:t>less -</a:t>
+            </a:r>
+            <a:r>
+              <a:rPr lang="en-US" sz="2200" dirty="0" err="1">
+                <a:solidFill>
+                  <a:srgbClr val="0000FF"/>
+                </a:solidFill>
+                <a:latin typeface="Courier"/>
+                <a:cs typeface="Courier"/>
+              </a:rPr>
+              <a:t>iSN</a:t>
+            </a:r>
+            <a:r>
+              <a:rPr lang="en-US" sz="2200" dirty="0">
+                <a:solidFill>
+                  <a:srgbClr val="0000FF"/>
+                </a:solidFill>
+                <a:latin typeface="Courier"/>
+                <a:cs typeface="Courier"/>
+              </a:rPr>
+              <a:t> </a:t>
+            </a:r>
+            <a:r>
+              <a:rPr lang="en-US" sz="2200" dirty="0" err="1">
+                <a:solidFill>
+                  <a:srgbClr val="0000FF"/>
+                </a:solidFill>
+                <a:latin typeface="Courier"/>
+                <a:cs typeface="Courier"/>
+              </a:rPr>
+              <a:t>watermelon.fsa</a:t>
+            </a:r>
+            <a:endParaRPr lang="en-US" sz="2200" dirty="0">
               <a:solidFill>
                 <a:srgbClr val="0000FF"/>
               </a:solidFill>
-              <a:latin typeface="Calibri"/>
-              <a:cs typeface="Calibri"/>
+              <a:cs typeface="Courier"/>
             </a:endParaRPr>
           </a:p>
           <a:p>
-            <a:pPr marL="1657350" lvl="2" indent="-282575">
+            <a:pPr marL="1200150" lvl="1" indent="-282575">
               <a:spcAft>
                 <a:spcPts val="400"/>
               </a:spcAft>
@@ -16865,25 +16362,25 @@
             </a:pPr>
             <a:r>
               <a:rPr lang="en-US" sz="2200" dirty="0">
-                <a:cs typeface="Courier"/>
-              </a:rPr>
-              <a:t>navigate and search as you would with </a:t>
+                <a:solidFill>
+                  <a:srgbClr val="FF0000"/>
+                </a:solidFill>
+                <a:latin typeface="Courier"/>
+                <a:ea typeface="Wingdings"/>
+                <a:cs typeface="Courier"/>
+                <a:sym typeface="Wingdings"/>
+              </a:rPr>
+              <a:t>/search-term </a:t>
             </a:r>
             <a:r>
               <a:rPr lang="en-US" sz="2200" dirty="0">
-                <a:latin typeface="Courier"/>
-                <a:cs typeface="Courier"/>
-              </a:rPr>
-              <a:t>less</a:t>
-            </a:r>
-            <a:endParaRPr lang="en-US" sz="2200" dirty="0">
-              <a:ea typeface="Wingdings"/>
-              <a:cs typeface="Courier"/>
-              <a:sym typeface="Wingdings"/>
-            </a:endParaRPr>
-          </a:p>
-          <a:p>
-            <a:pPr marL="1657350" lvl="2" indent="-282575">
+                <a:cs typeface="Courier"/>
+              </a:rPr>
+              <a:t>to search</a:t>
+            </a:r>
+          </a:p>
+          <a:p>
+            <a:pPr marL="2114550" lvl="3" indent="-282575">
               <a:spcAft>
                 <a:spcPts val="400"/>
               </a:spcAft>
@@ -16900,19 +16397,32 @@
                 <a:cs typeface="Courier"/>
                 <a:sym typeface="Wingdings"/>
               </a:rPr>
-              <a:t>q </a:t>
+              <a:t>n</a:t>
             </a:r>
             <a:r>
               <a:rPr lang="en-US" sz="2200" dirty="0">
-                <a:ea typeface="Wingdings"/>
-                <a:cs typeface="Courier"/>
-                <a:sym typeface="Wingdings"/>
-              </a:rPr>
-              <a:t>to exit</a:t>
-            </a:r>
-          </a:p>
-          <a:p>
-            <a:pPr marL="1657350" lvl="2" indent="-282575">
+                <a:solidFill>
+                  <a:srgbClr val="FF0000"/>
+                </a:solidFill>
+                <a:cs typeface="Courier"/>
+              </a:rPr>
+              <a:t> </a:t>
+            </a:r>
+            <a:r>
+              <a:rPr lang="en-US" sz="2200" dirty="0">
+                <a:cs typeface="Courier"/>
+              </a:rPr>
+              <a:t> for next occurrence</a:t>
+            </a:r>
+            <a:endParaRPr lang="en-US" sz="2200" dirty="0">
+              <a:latin typeface="Courier"/>
+              <a:ea typeface="Wingdings"/>
+              <a:cs typeface="Courier"/>
+              <a:sym typeface="Wingdings"/>
+            </a:endParaRPr>
+          </a:p>
+          <a:p>
+            <a:pPr marL="2114550" lvl="3" indent="-282575">
               <a:spcAft>
                 <a:spcPts val="400"/>
               </a:spcAft>
@@ -16921,32 +16431,355 @@
             </a:pPr>
             <a:r>
               <a:rPr lang="en-US" sz="2200" dirty="0">
+                <a:solidFill>
+                  <a:srgbClr val="FF0000"/>
+                </a:solidFill>
+                <a:latin typeface="Courier"/>
                 <a:ea typeface="Wingdings"/>
                 <a:cs typeface="Courier"/>
                 <a:sym typeface="Wingdings"/>
               </a:rPr>
-              <a:t>generally straightforward, but not always</a:t>
-            </a:r>
-          </a:p>
-          <a:p>
-            <a:pPr marL="684213" lvl="2" indent="-458788">
+              <a:t>N</a:t>
+            </a:r>
+            <a:r>
+              <a:rPr lang="en-US" sz="2200" dirty="0">
+                <a:solidFill>
+                  <a:srgbClr val="FF0000"/>
+                </a:solidFill>
+                <a:cs typeface="Courier"/>
+              </a:rPr>
+              <a:t>  </a:t>
+            </a:r>
+            <a:r>
+              <a:rPr lang="en-US" sz="2200" dirty="0">
+                <a:cs typeface="Courier"/>
+              </a:rPr>
+              <a:t>for previous occurrence</a:t>
+            </a:r>
+          </a:p>
+          <a:p>
+            <a:pPr marL="2114550" lvl="3" indent="-282575">
               <a:spcAft>
                 <a:spcPts val="400"/>
               </a:spcAft>
-              <a:buFont typeface="+mj-lt"/>
-              <a:buAutoNum type="arabicPeriod" startAt="2"/>
-            </a:pPr>
-            <a:r>
-              <a:rPr lang="en-US" sz="2400" dirty="0">
+              <a:buFont typeface="Arial"/>
+              <a:buChar char="•"/>
+            </a:pPr>
+            <a:r>
+              <a:rPr lang="en-US" sz="2200" dirty="0">
+                <a:solidFill>
+                  <a:srgbClr val="FF0000"/>
+                </a:solidFill>
+                <a:latin typeface="Wingdings"/>
                 <a:ea typeface="Wingdings"/>
-                <a:cs typeface="Courier"/>
+                <a:cs typeface="Wingdings"/>
                 <a:sym typeface="Wingdings"/>
               </a:rPr>
-              <a:t>Google</a:t>
-            </a:r>
-            <a:endParaRPr lang="en-US" sz="2400" dirty="0">
+              <a:t></a:t>
+            </a:r>
+            <a:r>
+              <a:rPr lang="en-US" sz="2200" dirty="0">
+                <a:solidFill>
+                  <a:srgbClr val="FF0000"/>
+                </a:solidFill>
+                <a:ea typeface="Wingdings"/>
+                <a:cs typeface="Courier"/>
+                <a:sym typeface="Wingdings"/>
+              </a:rPr>
+              <a:t>  </a:t>
+            </a:r>
+            <a:r>
+              <a:rPr lang="en-US" sz="2200" dirty="0">
+                <a:ea typeface="Wingdings"/>
+                <a:cs typeface="Courier"/>
+                <a:sym typeface="Wingdings"/>
+              </a:rPr>
+              <a:t>and  </a:t>
+            </a:r>
+            <a:r>
+              <a:rPr lang="en-US" sz="2200" dirty="0">
+                <a:solidFill>
+                  <a:srgbClr val="FF0000"/>
+                </a:solidFill>
+                <a:latin typeface="Wingdings"/>
+                <a:ea typeface="Wingdings"/>
+                <a:cs typeface="Wingdings"/>
+                <a:sym typeface="Wingdings"/>
+              </a:rPr>
+              <a:t></a:t>
+            </a:r>
+            <a:endParaRPr lang="en-US" sz="2200" dirty="0">
+              <a:solidFill>
+                <a:srgbClr val="FF0000"/>
+              </a:solidFill>
+              <a:latin typeface="Courier"/>
+              <a:ea typeface="Wingdings"/>
               <a:cs typeface="Courier"/>
               <a:sym typeface="Wingdings"/>
+            </a:endParaRPr>
+          </a:p>
+          <a:p>
+            <a:pPr marL="1200150" lvl="1" indent="-282575">
+              <a:spcAft>
+                <a:spcPts val="400"/>
+              </a:spcAft>
+              <a:buFont typeface="Arial"/>
+              <a:buChar char="•"/>
+            </a:pPr>
+            <a:r>
+              <a:rPr lang="en-US" sz="2200" dirty="0">
+                <a:solidFill>
+                  <a:srgbClr val="FF0000"/>
+                </a:solidFill>
+                <a:cs typeface="Courier"/>
+              </a:rPr>
+              <a:t>g  </a:t>
+            </a:r>
+            <a:r>
+              <a:rPr lang="en-US" sz="2200" dirty="0">
+                <a:cs typeface="Courier"/>
+              </a:rPr>
+              <a:t>to top of file</a:t>
+            </a:r>
+            <a:endParaRPr lang="en-US" sz="2200" dirty="0">
+              <a:latin typeface="Courier"/>
+              <a:ea typeface="Wingdings"/>
+              <a:cs typeface="Courier"/>
+              <a:sym typeface="Wingdings"/>
+            </a:endParaRPr>
+          </a:p>
+          <a:p>
+            <a:pPr marL="1200150" lvl="1" indent="-282575">
+              <a:spcAft>
+                <a:spcPts val="400"/>
+              </a:spcAft>
+              <a:buFont typeface="Arial"/>
+              <a:buChar char="•"/>
+            </a:pPr>
+            <a:r>
+              <a:rPr lang="en-US" sz="2200" dirty="0">
+                <a:solidFill>
+                  <a:srgbClr val="FF0000"/>
+                </a:solidFill>
+                <a:latin typeface="Courier"/>
+                <a:ea typeface="Wingdings"/>
+                <a:cs typeface="Courier"/>
+                <a:sym typeface="Wingdings"/>
+              </a:rPr>
+              <a:t>G</a:t>
+            </a:r>
+            <a:r>
+              <a:rPr lang="en-US" sz="2200" dirty="0">
+                <a:solidFill>
+                  <a:srgbClr val="FF0000"/>
+                </a:solidFill>
+                <a:cs typeface="Courier"/>
+              </a:rPr>
+              <a:t>  </a:t>
+            </a:r>
+            <a:r>
+              <a:rPr lang="en-US" sz="2200" dirty="0">
+                <a:cs typeface="Courier"/>
+              </a:rPr>
+              <a:t>to bottom of file</a:t>
+            </a:r>
+          </a:p>
+          <a:p>
+            <a:pPr marL="1200150" lvl="1" indent="-282575">
+              <a:spcAft>
+                <a:spcPts val="400"/>
+              </a:spcAft>
+              <a:buFont typeface="Arial"/>
+              <a:buChar char="•"/>
+            </a:pPr>
+            <a:r>
+              <a:rPr lang="en-US" sz="2200" dirty="0">
+                <a:solidFill>
+                  <a:srgbClr val="FF0000"/>
+                </a:solidFill>
+                <a:latin typeface="Courier"/>
+                <a:ea typeface="Wingdings"/>
+                <a:cs typeface="Courier"/>
+                <a:sym typeface="Wingdings"/>
+              </a:rPr>
+              <a:t>q</a:t>
+            </a:r>
+            <a:r>
+              <a:rPr lang="en-US" sz="2200" dirty="0">
+                <a:solidFill>
+                  <a:srgbClr val="FF0000"/>
+                </a:solidFill>
+                <a:ea typeface="Wingdings"/>
+                <a:cs typeface="Courier"/>
+                <a:sym typeface="Wingdings"/>
+              </a:rPr>
+              <a:t>  </a:t>
+            </a:r>
+            <a:r>
+              <a:rPr lang="en-US" sz="2200" dirty="0">
+                <a:ea typeface="Wingdings"/>
+                <a:cs typeface="Courier"/>
+                <a:sym typeface="Wingdings"/>
+              </a:rPr>
+              <a:t>to exit</a:t>
+            </a:r>
+          </a:p>
+          <a:p>
+            <a:pPr marL="1200150" lvl="1" indent="-282575">
+              <a:spcAft>
+                <a:spcPts val="400"/>
+              </a:spcAft>
+              <a:buFont typeface="Arial"/>
+              <a:buChar char="•"/>
+            </a:pPr>
+            <a:r>
+              <a:rPr lang="en-US" sz="2200" dirty="0">
+                <a:ea typeface="Wingdings"/>
+                <a:cs typeface="Courier"/>
+                <a:sym typeface="Wingdings"/>
+              </a:rPr>
+              <a:t>Lots of options</a:t>
+            </a:r>
+          </a:p>
+          <a:p>
+            <a:pPr marL="225425" lvl="1">
+              <a:spcAft>
+                <a:spcPts val="400"/>
+              </a:spcAft>
+            </a:pPr>
+            <a:r>
+              <a:rPr lang="en-US" sz="2000" dirty="0">
+                <a:solidFill>
+                  <a:srgbClr val="3366FF"/>
+                </a:solidFill>
+                <a:latin typeface="Courier"/>
+                <a:cs typeface="Courier"/>
+              </a:rPr>
+              <a:t>				</a:t>
+            </a:r>
+            <a:r>
+              <a:rPr lang="en-US" sz="2000" dirty="0">
+                <a:solidFill>
+                  <a:srgbClr val="0000FF"/>
+                </a:solidFill>
+                <a:latin typeface="Courier"/>
+                <a:cs typeface="Courier"/>
+              </a:rPr>
+              <a:t>-</a:t>
+            </a:r>
+            <a:r>
+              <a:rPr lang="en-US" sz="2000" dirty="0" err="1">
+                <a:solidFill>
+                  <a:srgbClr val="0000FF"/>
+                </a:solidFill>
+                <a:latin typeface="Courier"/>
+                <a:cs typeface="Courier"/>
+              </a:rPr>
+              <a:t>i</a:t>
+            </a:r>
+            <a:r>
+              <a:rPr lang="en-US" sz="2000" dirty="0">
+                <a:solidFill>
+                  <a:srgbClr val="3366FF"/>
+                </a:solidFill>
+                <a:latin typeface="Courier"/>
+                <a:cs typeface="Courier"/>
+              </a:rPr>
+              <a:t> </a:t>
+            </a:r>
+            <a:r>
+              <a:rPr lang="en-US" sz="2000" dirty="0">
+                <a:cs typeface="Courier"/>
+              </a:rPr>
+              <a:t>: </a:t>
+            </a:r>
+            <a:r>
+              <a:rPr lang="en-US" sz="2000" u="sng" dirty="0">
+                <a:cs typeface="Courier"/>
+              </a:rPr>
+              <a:t>i</a:t>
+            </a:r>
+            <a:r>
+              <a:rPr lang="en-US" sz="2000" dirty="0">
+                <a:cs typeface="Courier"/>
+              </a:rPr>
+              <a:t>gnore case when searching</a:t>
+            </a:r>
+          </a:p>
+          <a:p>
+            <a:pPr marL="225425" lvl="1">
+              <a:spcAft>
+                <a:spcPts val="400"/>
+              </a:spcAft>
+            </a:pPr>
+            <a:r>
+              <a:rPr lang="en-US" sz="2000" dirty="0">
+                <a:solidFill>
+                  <a:srgbClr val="0000FF"/>
+                </a:solidFill>
+                <a:latin typeface="Courier"/>
+                <a:cs typeface="Courier"/>
+              </a:rPr>
+              <a:t>				-S</a:t>
+            </a:r>
+            <a:r>
+              <a:rPr lang="en-US" sz="2000" dirty="0">
+                <a:solidFill>
+                  <a:srgbClr val="3366FF"/>
+                </a:solidFill>
+                <a:latin typeface="Courier"/>
+                <a:cs typeface="Courier"/>
+              </a:rPr>
+              <a:t> </a:t>
+            </a:r>
+            <a:r>
+              <a:rPr lang="en-US" sz="2000" dirty="0">
+                <a:cs typeface="Courier"/>
+              </a:rPr>
+              <a:t>: do NOT fold long lines</a:t>
+            </a:r>
+          </a:p>
+          <a:p>
+            <a:pPr marL="225425" lvl="1">
+              <a:spcAft>
+                <a:spcPts val="400"/>
+              </a:spcAft>
+            </a:pPr>
+            <a:r>
+              <a:rPr lang="en-US" sz="2000" dirty="0">
+                <a:solidFill>
+                  <a:srgbClr val="0000FF"/>
+                </a:solidFill>
+                <a:latin typeface="Courier"/>
+                <a:cs typeface="Courier"/>
+              </a:rPr>
+              <a:t>				-N</a:t>
+            </a:r>
+            <a:r>
+              <a:rPr lang="en-US" sz="2000" dirty="0">
+                <a:solidFill>
+                  <a:srgbClr val="3366FF"/>
+                </a:solidFill>
+                <a:latin typeface="Courier"/>
+                <a:cs typeface="Courier"/>
+              </a:rPr>
+              <a:t> </a:t>
+            </a:r>
+            <a:r>
+              <a:rPr lang="en-US" sz="2000" dirty="0">
+                <a:cs typeface="Courier"/>
+              </a:rPr>
+              <a:t>: show line numbers</a:t>
+            </a:r>
+          </a:p>
+          <a:p>
+            <a:pPr marL="225425" lvl="1">
+              <a:spcAft>
+                <a:spcPts val="400"/>
+              </a:spcAft>
+            </a:pPr>
+            <a:endParaRPr lang="en-US" sz="2000" dirty="0">
+              <a:cs typeface="Courier"/>
             </a:endParaRPr>
           </a:p>
         </p:txBody>
@@ -16954,7 +16787,7 @@
     </p:spTree>
     <p:extLst>
       <p:ext uri="{BB962C8B-B14F-4D97-AF65-F5344CB8AC3E}">
-        <p14:creationId xmlns:p14="http://schemas.microsoft.com/office/powerpoint/2010/main" val="837098897"/>
+        <p14:creationId xmlns:p14="http://schemas.microsoft.com/office/powerpoint/2010/main" val="2436858173"/>
       </p:ext>
     </p:extLst>
   </p:cSld>
@@ -17218,6 +17051,274 @@
     <p:extLst>
       <p:ext uri="{BB962C8B-B14F-4D97-AF65-F5344CB8AC3E}">
         <p14:creationId xmlns:p14="http://schemas.microsoft.com/office/powerpoint/2010/main" val="1769475514"/>
+      </p:ext>
+    </p:extLst>
+  </p:cSld>
+  <p:clrMapOvr>
+    <a:masterClrMapping/>
+  </p:clrMapOvr>
+</p:sld>
+</file>
+
+<file path=ppt/slides/slide40.xml><?xml version="1.0" encoding="utf-8"?>
+<p:sld xmlns:a="http://schemas.openxmlformats.org/drawingml/2006/main" xmlns:r="http://schemas.openxmlformats.org/officeDocument/2006/relationships" xmlns:p="http://schemas.openxmlformats.org/presentationml/2006/main">
+  <p:cSld>
+    <p:spTree>
+      <p:nvGrpSpPr>
+        <p:cNvPr id="1" name=""/>
+        <p:cNvGrpSpPr/>
+        <p:nvPr/>
+      </p:nvGrpSpPr>
+      <p:grpSpPr>
+        <a:xfrm>
+          <a:off x="0" y="0"/>
+          <a:ext cx="0" cy="0"/>
+          <a:chOff x="0" y="0"/>
+          <a:chExt cx="0" cy="0"/>
+        </a:xfrm>
+      </p:grpSpPr>
+      <p:sp>
+        <p:nvSpPr>
+          <p:cNvPr id="2" name="Title 1"/>
+          <p:cNvSpPr>
+            <a:spLocks noGrp="1"/>
+          </p:cNvSpPr>
+          <p:nvPr>
+            <p:ph type="ctrTitle"/>
+          </p:nvPr>
+        </p:nvSpPr>
+        <p:spPr>
+          <a:xfrm>
+            <a:off x="364627" y="176523"/>
+            <a:ext cx="8436747" cy="862385"/>
+          </a:xfrm>
+        </p:spPr>
+        <p:txBody>
+          <a:bodyPr>
+            <a:normAutofit/>
+          </a:bodyPr>
+          <a:lstStyle/>
+          <a:p>
+            <a:r>
+              <a:rPr lang="en-US" sz="3600" u="sng" dirty="0">
+                <a:latin typeface="Courier"/>
+                <a:cs typeface="Courier"/>
+              </a:rPr>
+              <a:t>Man</a:t>
+            </a:r>
+            <a:r>
+              <a:rPr lang="en-US" sz="3600" dirty="0"/>
+              <a:t>ual pages</a:t>
+            </a:r>
+          </a:p>
+        </p:txBody>
+      </p:sp>
+      <p:sp>
+        <p:nvSpPr>
+          <p:cNvPr id="4" name="TextBox 3"/>
+          <p:cNvSpPr txBox="1"/>
+          <p:nvPr/>
+        </p:nvSpPr>
+        <p:spPr>
+          <a:xfrm>
+            <a:off x="229623" y="1423650"/>
+            <a:ext cx="8723875" cy="3252172"/>
+          </a:xfrm>
+          <a:prstGeom prst="rect">
+            <a:avLst/>
+          </a:prstGeom>
+          <a:noFill/>
+        </p:spPr>
+        <p:txBody>
+          <a:bodyPr wrap="square" rtlCol="0">
+            <a:spAutoFit/>
+          </a:bodyPr>
+          <a:lstStyle/>
+          <a:p>
+            <a:pPr marL="225425" lvl="1">
+              <a:spcAft>
+                <a:spcPts val="400"/>
+              </a:spcAft>
+            </a:pPr>
+            <a:r>
+              <a:rPr lang="en-US" sz="2800" u="sng" dirty="0">
+                <a:cs typeface="Calibri"/>
+              </a:rPr>
+              <a:t>Two main ways to find help</a:t>
+            </a:r>
+            <a:r>
+              <a:rPr lang="en-US" sz="2800" dirty="0">
+                <a:cs typeface="Calibri"/>
+              </a:rPr>
+              <a:t>:</a:t>
+            </a:r>
+          </a:p>
+          <a:p>
+            <a:pPr marL="225425" lvl="1">
+              <a:spcAft>
+                <a:spcPts val="400"/>
+              </a:spcAft>
+            </a:pPr>
+            <a:endParaRPr lang="en-US" sz="1400" dirty="0">
+              <a:cs typeface="Calibri"/>
+            </a:endParaRPr>
+          </a:p>
+          <a:p>
+            <a:pPr marL="682625" lvl="1" indent="-457200">
+              <a:spcAft>
+                <a:spcPts val="400"/>
+              </a:spcAft>
+              <a:buFont typeface="+mj-lt"/>
+              <a:buAutoNum type="arabicPeriod"/>
+            </a:pPr>
+            <a:r>
+              <a:rPr lang="en-US" sz="2400" dirty="0">
+                <a:cs typeface="Courier"/>
+              </a:rPr>
+              <a:t>Man pages contain comprehensive program usage and options</a:t>
+            </a:r>
+          </a:p>
+          <a:p>
+            <a:pPr marL="225425" lvl="1">
+              <a:spcAft>
+                <a:spcPts val="400"/>
+              </a:spcAft>
+            </a:pPr>
+            <a:r>
+              <a:rPr lang="en-US" sz="2400" dirty="0">
+                <a:latin typeface="Courier"/>
+                <a:cs typeface="Courier"/>
+              </a:rPr>
+              <a:t>		$ </a:t>
+            </a:r>
+            <a:r>
+              <a:rPr lang="en-US" sz="2400" dirty="0">
+                <a:solidFill>
+                  <a:srgbClr val="0000FF"/>
+                </a:solidFill>
+                <a:latin typeface="Courier"/>
+                <a:cs typeface="Courier"/>
+              </a:rPr>
+              <a:t>man </a:t>
+            </a:r>
+            <a:r>
+              <a:rPr lang="en-US" sz="2400" u="sng" dirty="0">
+                <a:solidFill>
+                  <a:srgbClr val="0000FF"/>
+                </a:solidFill>
+                <a:latin typeface="Courier"/>
+                <a:cs typeface="Courier"/>
+              </a:rPr>
+              <a:t>program</a:t>
+            </a:r>
+            <a:endParaRPr lang="en-US" sz="2400" u="sng" dirty="0">
+              <a:solidFill>
+                <a:srgbClr val="0000FF"/>
+              </a:solidFill>
+              <a:latin typeface="Calibri"/>
+              <a:cs typeface="Calibri"/>
+            </a:endParaRPr>
+          </a:p>
+          <a:p>
+            <a:pPr marL="1657350" lvl="2" indent="-282575">
+              <a:spcAft>
+                <a:spcPts val="400"/>
+              </a:spcAft>
+              <a:buFont typeface="Arial"/>
+              <a:buChar char="•"/>
+            </a:pPr>
+            <a:r>
+              <a:rPr lang="en-US" sz="2200" dirty="0">
+                <a:cs typeface="Courier"/>
+              </a:rPr>
+              <a:t>navigate and search as you would with </a:t>
+            </a:r>
+            <a:r>
+              <a:rPr lang="en-US" sz="2200" dirty="0">
+                <a:latin typeface="Courier"/>
+                <a:cs typeface="Courier"/>
+              </a:rPr>
+              <a:t>less</a:t>
+            </a:r>
+            <a:endParaRPr lang="en-US" sz="2200" dirty="0">
+              <a:ea typeface="Wingdings"/>
+              <a:cs typeface="Courier"/>
+              <a:sym typeface="Wingdings"/>
+            </a:endParaRPr>
+          </a:p>
+          <a:p>
+            <a:pPr marL="1657350" lvl="2" indent="-282575">
+              <a:spcAft>
+                <a:spcPts val="400"/>
+              </a:spcAft>
+              <a:buFont typeface="Arial"/>
+              <a:buChar char="•"/>
+            </a:pPr>
+            <a:r>
+              <a:rPr lang="en-US" sz="2200" dirty="0">
+                <a:solidFill>
+                  <a:srgbClr val="FF0000"/>
+                </a:solidFill>
+                <a:latin typeface="Courier"/>
+                <a:ea typeface="Wingdings"/>
+                <a:cs typeface="Courier"/>
+                <a:sym typeface="Wingdings"/>
+              </a:rPr>
+              <a:t>q </a:t>
+            </a:r>
+            <a:r>
+              <a:rPr lang="en-US" sz="2200" dirty="0">
+                <a:ea typeface="Wingdings"/>
+                <a:cs typeface="Courier"/>
+                <a:sym typeface="Wingdings"/>
+              </a:rPr>
+              <a:t>to exit</a:t>
+            </a:r>
+          </a:p>
+          <a:p>
+            <a:pPr marL="1657350" lvl="2" indent="-282575">
+              <a:spcAft>
+                <a:spcPts val="400"/>
+              </a:spcAft>
+              <a:buFont typeface="Arial"/>
+              <a:buChar char="•"/>
+            </a:pPr>
+            <a:r>
+              <a:rPr lang="en-US" sz="2200" dirty="0">
+                <a:ea typeface="Wingdings"/>
+                <a:cs typeface="Courier"/>
+                <a:sym typeface="Wingdings"/>
+              </a:rPr>
+              <a:t>generally straightforward, but not always</a:t>
+            </a:r>
+          </a:p>
+          <a:p>
+            <a:pPr marL="684213" lvl="2" indent="-458788">
+              <a:spcAft>
+                <a:spcPts val="400"/>
+              </a:spcAft>
+              <a:buFont typeface="+mj-lt"/>
+              <a:buAutoNum type="arabicPeriod" startAt="2"/>
+            </a:pPr>
+            <a:r>
+              <a:rPr lang="en-US" sz="2400" dirty="0">
+                <a:ea typeface="Wingdings"/>
+                <a:cs typeface="Courier"/>
+                <a:sym typeface="Wingdings"/>
+              </a:rPr>
+              <a:t>Google</a:t>
+            </a:r>
+            <a:endParaRPr lang="en-US" sz="2400" dirty="0">
+              <a:cs typeface="Courier"/>
+              <a:sym typeface="Wingdings"/>
+            </a:endParaRPr>
+          </a:p>
+        </p:txBody>
+      </p:sp>
+    </p:spTree>
+    <p:extLst>
+      <p:ext uri="{BB962C8B-B14F-4D97-AF65-F5344CB8AC3E}">
+        <p14:creationId xmlns:p14="http://schemas.microsoft.com/office/powerpoint/2010/main" val="837098897"/>
       </p:ext>
     </p:extLst>
   </p:cSld>

--- a/lectures/01_intro.pptx
+++ b/lectures/01_intro.pptx
@@ -5,7 +5,7 @@
     <p:sldMasterId id="2147483648" r:id="rId1"/>
   </p:sldMasterIdLst>
   <p:notesMasterIdLst>
-    <p:notesMasterId r:id="rId42"/>
+    <p:notesMasterId r:id="rId43"/>
   </p:notesMasterIdLst>
   <p:sldIdLst>
     <p:sldId id="257" r:id="rId2"/>
@@ -23,31 +23,32 @@
     <p:sldId id="274" r:id="rId14"/>
     <p:sldId id="319" r:id="rId15"/>
     <p:sldId id="309" r:id="rId16"/>
-    <p:sldId id="275" r:id="rId17"/>
-    <p:sldId id="352" r:id="rId18"/>
+    <p:sldId id="352" r:id="rId17"/>
+    <p:sldId id="275" r:id="rId18"/>
     <p:sldId id="267" r:id="rId19"/>
-    <p:sldId id="285" r:id="rId20"/>
-    <p:sldId id="292" r:id="rId21"/>
-    <p:sldId id="278" r:id="rId22"/>
-    <p:sldId id="295" r:id="rId23"/>
-    <p:sldId id="290" r:id="rId24"/>
-    <p:sldId id="300" r:id="rId25"/>
-    <p:sldId id="279" r:id="rId26"/>
-    <p:sldId id="280" r:id="rId27"/>
-    <p:sldId id="281" r:id="rId28"/>
-    <p:sldId id="294" r:id="rId29"/>
-    <p:sldId id="313" r:id="rId30"/>
-    <p:sldId id="335" r:id="rId31"/>
-    <p:sldId id="336" r:id="rId32"/>
-    <p:sldId id="337" r:id="rId33"/>
-    <p:sldId id="350" r:id="rId34"/>
-    <p:sldId id="338" r:id="rId35"/>
-    <p:sldId id="339" r:id="rId36"/>
-    <p:sldId id="351" r:id="rId37"/>
-    <p:sldId id="283" r:id="rId38"/>
-    <p:sldId id="284" r:id="rId39"/>
-    <p:sldId id="308" r:id="rId40"/>
-    <p:sldId id="282" r:id="rId41"/>
+    <p:sldId id="353" r:id="rId20"/>
+    <p:sldId id="285" r:id="rId21"/>
+    <p:sldId id="292" r:id="rId22"/>
+    <p:sldId id="278" r:id="rId23"/>
+    <p:sldId id="295" r:id="rId24"/>
+    <p:sldId id="290" r:id="rId25"/>
+    <p:sldId id="300" r:id="rId26"/>
+    <p:sldId id="279" r:id="rId27"/>
+    <p:sldId id="280" r:id="rId28"/>
+    <p:sldId id="281" r:id="rId29"/>
+    <p:sldId id="294" r:id="rId30"/>
+    <p:sldId id="313" r:id="rId31"/>
+    <p:sldId id="335" r:id="rId32"/>
+    <p:sldId id="336" r:id="rId33"/>
+    <p:sldId id="337" r:id="rId34"/>
+    <p:sldId id="350" r:id="rId35"/>
+    <p:sldId id="338" r:id="rId36"/>
+    <p:sldId id="339" r:id="rId37"/>
+    <p:sldId id="351" r:id="rId38"/>
+    <p:sldId id="283" r:id="rId39"/>
+    <p:sldId id="284" r:id="rId40"/>
+    <p:sldId id="308" r:id="rId41"/>
+    <p:sldId id="282" r:id="rId42"/>
   </p:sldIdLst>
   <p:sldSz cx="9144000" cy="6858000" type="screen4x3"/>
   <p:notesSz cx="6858000" cy="9144000"/>
@@ -247,7 +248,7 @@
           <a:p>
             <a:fld id="{8563B117-C548-C24D-B5EC-9EEE3D79DFC1}" type="datetimeFigureOut">
               <a:rPr lang="en-US" smtClean="0"/>
-              <a:t>1/8/26</a:t>
+              <a:t>1/20/26</a:t>
             </a:fld>
             <a:endParaRPr lang="en-US"/>
           </a:p>
@@ -747,7 +748,7 @@
           <a:p>
             <a:fld id="{E57CD0FA-6A7B-8444-A447-3B5AA0B24289}" type="slidenum">
               <a:rPr lang="en-US" smtClean="0"/>
-              <a:t>27</a:t>
+              <a:t>28</a:t>
             </a:fld>
             <a:endParaRPr lang="en-US"/>
           </a:p>
@@ -831,7 +832,7 @@
           <a:p>
             <a:fld id="{E57CD0FA-6A7B-8444-A447-3B5AA0B24289}" type="slidenum">
               <a:rPr lang="en-US" smtClean="0"/>
-              <a:t>28</a:t>
+              <a:t>29</a:t>
             </a:fld>
             <a:endParaRPr lang="en-US"/>
           </a:p>
@@ -915,7 +916,7 @@
           <a:p>
             <a:fld id="{E57CD0FA-6A7B-8444-A447-3B5AA0B24289}" type="slidenum">
               <a:rPr lang="en-US" smtClean="0"/>
-              <a:t>30</a:t>
+              <a:t>31</a:t>
             </a:fld>
             <a:endParaRPr lang="en-US"/>
           </a:p>
@@ -999,7 +1000,7 @@
           <a:p>
             <a:fld id="{E57CD0FA-6A7B-8444-A447-3B5AA0B24289}" type="slidenum">
               <a:rPr lang="en-US" smtClean="0"/>
-              <a:t>31</a:t>
+              <a:t>32</a:t>
             </a:fld>
             <a:endParaRPr lang="en-US"/>
           </a:p>
@@ -1083,7 +1084,7 @@
           <a:p>
             <a:fld id="{E57CD0FA-6A7B-8444-A447-3B5AA0B24289}" type="slidenum">
               <a:rPr lang="en-US" smtClean="0"/>
-              <a:t>32</a:t>
+              <a:t>33</a:t>
             </a:fld>
             <a:endParaRPr lang="en-US"/>
           </a:p>
@@ -1167,7 +1168,7 @@
           <a:p>
             <a:fld id="{E57CD0FA-6A7B-8444-A447-3B5AA0B24289}" type="slidenum">
               <a:rPr lang="en-US" smtClean="0"/>
-              <a:t>35</a:t>
+              <a:t>36</a:t>
             </a:fld>
             <a:endParaRPr lang="en-US"/>
           </a:p>
@@ -1251,7 +1252,7 @@
           <a:p>
             <a:fld id="{E57CD0FA-6A7B-8444-A447-3B5AA0B24289}" type="slidenum">
               <a:rPr lang="en-US" smtClean="0"/>
-              <a:t>40</a:t>
+              <a:t>41</a:t>
             </a:fld>
             <a:endParaRPr lang="en-US"/>
           </a:p>
@@ -1449,7 +1450,7 @@
           <a:p>
             <a:fld id="{60539F5D-AA60-3342-98DF-B6AF9FAAD332}" type="datetimeFigureOut">
               <a:rPr lang="en-US" smtClean="0"/>
-              <a:t>1/8/26</a:t>
+              <a:t>1/20/26</a:t>
             </a:fld>
             <a:endParaRPr lang="en-US"/>
           </a:p>
@@ -1617,7 +1618,7 @@
           <a:p>
             <a:fld id="{60539F5D-AA60-3342-98DF-B6AF9FAAD332}" type="datetimeFigureOut">
               <a:rPr lang="en-US" smtClean="0"/>
-              <a:t>1/8/26</a:t>
+              <a:t>1/20/26</a:t>
             </a:fld>
             <a:endParaRPr lang="en-US"/>
           </a:p>
@@ -1795,7 +1796,7 @@
           <a:p>
             <a:fld id="{60539F5D-AA60-3342-98DF-B6AF9FAAD332}" type="datetimeFigureOut">
               <a:rPr lang="en-US" smtClean="0"/>
-              <a:t>1/8/26</a:t>
+              <a:t>1/20/26</a:t>
             </a:fld>
             <a:endParaRPr lang="en-US"/>
           </a:p>
@@ -1963,7 +1964,7 @@
           <a:p>
             <a:fld id="{60539F5D-AA60-3342-98DF-B6AF9FAAD332}" type="datetimeFigureOut">
               <a:rPr lang="en-US" smtClean="0"/>
-              <a:t>1/8/26</a:t>
+              <a:t>1/20/26</a:t>
             </a:fld>
             <a:endParaRPr lang="en-US"/>
           </a:p>
@@ -2208,7 +2209,7 @@
           <a:p>
             <a:fld id="{60539F5D-AA60-3342-98DF-B6AF9FAAD332}" type="datetimeFigureOut">
               <a:rPr lang="en-US" smtClean="0"/>
-              <a:t>1/8/26</a:t>
+              <a:t>1/20/26</a:t>
             </a:fld>
             <a:endParaRPr lang="en-US"/>
           </a:p>
@@ -2493,7 +2494,7 @@
           <a:p>
             <a:fld id="{60539F5D-AA60-3342-98DF-B6AF9FAAD332}" type="datetimeFigureOut">
               <a:rPr lang="en-US" smtClean="0"/>
-              <a:t>1/8/26</a:t>
+              <a:t>1/20/26</a:t>
             </a:fld>
             <a:endParaRPr lang="en-US"/>
           </a:p>
@@ -2912,7 +2913,7 @@
           <a:p>
             <a:fld id="{60539F5D-AA60-3342-98DF-B6AF9FAAD332}" type="datetimeFigureOut">
               <a:rPr lang="en-US" smtClean="0"/>
-              <a:t>1/8/26</a:t>
+              <a:t>1/20/26</a:t>
             </a:fld>
             <a:endParaRPr lang="en-US"/>
           </a:p>
@@ -3029,7 +3030,7 @@
           <a:p>
             <a:fld id="{60539F5D-AA60-3342-98DF-B6AF9FAAD332}" type="datetimeFigureOut">
               <a:rPr lang="en-US" smtClean="0"/>
-              <a:t>1/8/26</a:t>
+              <a:t>1/20/26</a:t>
             </a:fld>
             <a:endParaRPr lang="en-US"/>
           </a:p>
@@ -3124,7 +3125,7 @@
           <a:p>
             <a:fld id="{60539F5D-AA60-3342-98DF-B6AF9FAAD332}" type="datetimeFigureOut">
               <a:rPr lang="en-US" smtClean="0"/>
-              <a:t>1/8/26</a:t>
+              <a:t>1/20/26</a:t>
             </a:fld>
             <a:endParaRPr lang="en-US"/>
           </a:p>
@@ -3399,7 +3400,7 @@
           <a:p>
             <a:fld id="{60539F5D-AA60-3342-98DF-B6AF9FAAD332}" type="datetimeFigureOut">
               <a:rPr lang="en-US" smtClean="0"/>
-              <a:t>1/8/26</a:t>
+              <a:t>1/20/26</a:t>
             </a:fld>
             <a:endParaRPr lang="en-US"/>
           </a:p>
@@ -3651,7 +3652,7 @@
           <a:p>
             <a:fld id="{60539F5D-AA60-3342-98DF-B6AF9FAAD332}" type="datetimeFigureOut">
               <a:rPr lang="en-US" smtClean="0"/>
-              <a:t>1/8/26</a:t>
+              <a:t>1/20/26</a:t>
             </a:fld>
             <a:endParaRPr lang="en-US"/>
           </a:p>
@@ -3862,7 +3863,7 @@
           <a:p>
             <a:fld id="{60539F5D-AA60-3342-98DF-B6AF9FAAD332}" type="datetimeFigureOut">
               <a:rPr lang="en-US" smtClean="0"/>
-              <a:t>1/8/26</a:t>
+              <a:t>1/20/26</a:t>
             </a:fld>
             <a:endParaRPr lang="en-US"/>
           </a:p>
@@ -5717,6 +5718,94 @@
   <p:cSld>
     <p:spTree>
       <p:nvGrpSpPr>
+        <p:cNvPr id="1" name="">
+          <a:extLst>
+            <a:ext uri="{FF2B5EF4-FFF2-40B4-BE49-F238E27FC236}">
+              <a16:creationId xmlns:a16="http://schemas.microsoft.com/office/drawing/2014/main" id="{A74FF2A7-FB29-9CE2-7016-2FCE562E891E}"/>
+            </a:ext>
+          </a:extLst>
+        </p:cNvPr>
+        <p:cNvGrpSpPr/>
+        <p:nvPr/>
+      </p:nvGrpSpPr>
+      <p:grpSpPr>
+        <a:xfrm>
+          <a:off x="0" y="0"/>
+          <a:ext cx="0" cy="0"/>
+          <a:chOff x="0" y="0"/>
+          <a:chExt cx="0" cy="0"/>
+        </a:xfrm>
+      </p:grpSpPr>
+      <p:sp>
+        <p:nvSpPr>
+          <p:cNvPr id="2" name="TextBox 1">
+            <a:extLst>
+              <a:ext uri="{FF2B5EF4-FFF2-40B4-BE49-F238E27FC236}">
+                <a16:creationId xmlns:a16="http://schemas.microsoft.com/office/drawing/2014/main" id="{B52C809B-F86D-EE71-1A77-851ADE91FDA7}"/>
+              </a:ext>
+            </a:extLst>
+          </p:cNvPr>
+          <p:cNvSpPr txBox="1"/>
+          <p:nvPr/>
+        </p:nvSpPr>
+        <p:spPr>
+          <a:xfrm>
+            <a:off x="1277815" y="1902041"/>
+            <a:ext cx="5632939" cy="769441"/>
+          </a:xfrm>
+          <a:prstGeom prst="rect">
+            <a:avLst/>
+          </a:prstGeom>
+          <a:noFill/>
+        </p:spPr>
+        <p:txBody>
+          <a:bodyPr wrap="square" rtlCol="0">
+            <a:spAutoFit/>
+          </a:bodyPr>
+          <a:lstStyle/>
+          <a:p>
+            <a:r>
+              <a:rPr lang="en-US" sz="2200" b="1" dirty="0">
+                <a:latin typeface="Courier" pitchFamily="2" charset="0"/>
+              </a:rPr>
+              <a:t>Reading</a:t>
+            </a:r>
+          </a:p>
+          <a:p>
+            <a:r>
+              <a:rPr lang="en-US" sz="2200" dirty="0">
+                <a:latin typeface="Courier" pitchFamily="2" charset="0"/>
+                <a:hlinkClick r:id="rId2"/>
+              </a:rPr>
+              <a:t>File not found</a:t>
+            </a:r>
+            <a:r>
+              <a:rPr lang="en-US" sz="2200" dirty="0">
+                <a:latin typeface="Courier" pitchFamily="2" charset="0"/>
+              </a:rPr>
+              <a:t> by Monica Chin</a:t>
+            </a:r>
+          </a:p>
+        </p:txBody>
+      </p:sp>
+    </p:spTree>
+    <p:extLst>
+      <p:ext uri="{BB962C8B-B14F-4D97-AF65-F5344CB8AC3E}">
+        <p14:creationId xmlns:p14="http://schemas.microsoft.com/office/powerpoint/2010/main" val="3860693008"/>
+      </p:ext>
+    </p:extLst>
+  </p:cSld>
+  <p:clrMapOvr>
+    <a:masterClrMapping/>
+  </p:clrMapOvr>
+</p:sld>
+</file>
+
+<file path=ppt/slides/slide17.xml><?xml version="1.0" encoding="utf-8"?>
+<p:sld xmlns:a="http://schemas.openxmlformats.org/drawingml/2006/main" xmlns:r="http://schemas.openxmlformats.org/officeDocument/2006/relationships" xmlns:p="http://schemas.openxmlformats.org/presentationml/2006/main">
+  <p:cSld>
+    <p:spTree>
+      <p:nvGrpSpPr>
         <p:cNvPr id="1" name=""/>
         <p:cNvGrpSpPr/>
         <p:nvPr/>
@@ -5891,94 +5980,6 @@
 </p:sld>
 </file>
 
-<file path=ppt/slides/slide17.xml><?xml version="1.0" encoding="utf-8"?>
-<p:sld xmlns:a="http://schemas.openxmlformats.org/drawingml/2006/main" xmlns:r="http://schemas.openxmlformats.org/officeDocument/2006/relationships" xmlns:p="http://schemas.openxmlformats.org/presentationml/2006/main">
-  <p:cSld>
-    <p:spTree>
-      <p:nvGrpSpPr>
-        <p:cNvPr id="1" name="">
-          <a:extLst>
-            <a:ext uri="{FF2B5EF4-FFF2-40B4-BE49-F238E27FC236}">
-              <a16:creationId xmlns:a16="http://schemas.microsoft.com/office/drawing/2014/main" id="{A74FF2A7-FB29-9CE2-7016-2FCE562E891E}"/>
-            </a:ext>
-          </a:extLst>
-        </p:cNvPr>
-        <p:cNvGrpSpPr/>
-        <p:nvPr/>
-      </p:nvGrpSpPr>
-      <p:grpSpPr>
-        <a:xfrm>
-          <a:off x="0" y="0"/>
-          <a:ext cx="0" cy="0"/>
-          <a:chOff x="0" y="0"/>
-          <a:chExt cx="0" cy="0"/>
-        </a:xfrm>
-      </p:grpSpPr>
-      <p:sp>
-        <p:nvSpPr>
-          <p:cNvPr id="2" name="TextBox 1">
-            <a:extLst>
-              <a:ext uri="{FF2B5EF4-FFF2-40B4-BE49-F238E27FC236}">
-                <a16:creationId xmlns:a16="http://schemas.microsoft.com/office/drawing/2014/main" id="{B52C809B-F86D-EE71-1A77-851ADE91FDA7}"/>
-              </a:ext>
-            </a:extLst>
-          </p:cNvPr>
-          <p:cNvSpPr txBox="1"/>
-          <p:nvPr/>
-        </p:nvSpPr>
-        <p:spPr>
-          <a:xfrm>
-            <a:off x="1277815" y="1902041"/>
-            <a:ext cx="5632939" cy="769441"/>
-          </a:xfrm>
-          <a:prstGeom prst="rect">
-            <a:avLst/>
-          </a:prstGeom>
-          <a:noFill/>
-        </p:spPr>
-        <p:txBody>
-          <a:bodyPr wrap="square" rtlCol="0">
-            <a:spAutoFit/>
-          </a:bodyPr>
-          <a:lstStyle/>
-          <a:p>
-            <a:r>
-              <a:rPr lang="en-US" sz="2200" b="1" dirty="0">
-                <a:latin typeface="Courier" pitchFamily="2" charset="0"/>
-              </a:rPr>
-              <a:t>Reading</a:t>
-            </a:r>
-          </a:p>
-          <a:p>
-            <a:r>
-              <a:rPr lang="en-US" sz="2200" dirty="0">
-                <a:latin typeface="Courier" pitchFamily="2" charset="0"/>
-                <a:hlinkClick r:id="rId2"/>
-              </a:rPr>
-              <a:t>File not found</a:t>
-            </a:r>
-            <a:r>
-              <a:rPr lang="en-US" sz="2200" dirty="0">
-                <a:latin typeface="Courier" pitchFamily="2" charset="0"/>
-              </a:rPr>
-              <a:t> by Monica Chin</a:t>
-            </a:r>
-          </a:p>
-        </p:txBody>
-      </p:sp>
-    </p:spTree>
-    <p:extLst>
-      <p:ext uri="{BB962C8B-B14F-4D97-AF65-F5344CB8AC3E}">
-        <p14:creationId xmlns:p14="http://schemas.microsoft.com/office/powerpoint/2010/main" val="3860693008"/>
-      </p:ext>
-    </p:extLst>
-  </p:cSld>
-  <p:clrMapOvr>
-    <a:masterClrMapping/>
-  </p:clrMapOvr>
-</p:sld>
-</file>
-
 <file path=ppt/slides/slide18.xml><?xml version="1.0" encoding="utf-8"?>
 <p:sld xmlns:a="http://schemas.openxmlformats.org/drawingml/2006/main" xmlns:r="http://schemas.openxmlformats.org/officeDocument/2006/relationships" xmlns:p="http://schemas.openxmlformats.org/presentationml/2006/main">
   <p:cSld>
@@ -6335,7 +6336,13 @@
   <p:cSld>
     <p:spTree>
       <p:nvGrpSpPr>
-        <p:cNvPr id="1" name=""/>
+        <p:cNvPr id="1" name="">
+          <a:extLst>
+            <a:ext uri="{FF2B5EF4-FFF2-40B4-BE49-F238E27FC236}">
+              <a16:creationId xmlns:a16="http://schemas.microsoft.com/office/drawing/2014/main" id="{55E2F239-0AA8-63D9-933F-C61CD80E8619}"/>
+            </a:ext>
+          </a:extLst>
+        </p:cNvPr>
         <p:cNvGrpSpPr/>
         <p:nvPr/>
       </p:nvGrpSpPr>
@@ -6349,73 +6356,20 @@
       </p:grpSpPr>
       <p:sp>
         <p:nvSpPr>
-          <p:cNvPr id="2" name="Title 1"/>
-          <p:cNvSpPr>
-            <a:spLocks noGrp="1"/>
-          </p:cNvSpPr>
-          <p:nvPr>
-            <p:ph type="ctrTitle"/>
-          </p:nvPr>
-        </p:nvSpPr>
-        <p:spPr>
-          <a:xfrm>
-            <a:off x="371056" y="1437708"/>
-            <a:ext cx="8436747" cy="862385"/>
-          </a:xfrm>
-        </p:spPr>
-        <p:txBody>
-          <a:bodyPr>
-            <a:normAutofit/>
-          </a:bodyPr>
-          <a:lstStyle/>
-          <a:p>
-            <a:r>
-              <a:rPr lang="en-US" sz="3600" b="1" dirty="0"/>
-              <a:t>*MAC SHORTCUT*</a:t>
-            </a:r>
-          </a:p>
-        </p:txBody>
-      </p:sp>
-      <p:sp>
-        <p:nvSpPr>
-          <p:cNvPr id="3" name="TextBox 2"/>
+          <p:cNvPr id="2" name="TextBox 1">
+            <a:extLst>
+              <a:ext uri="{FF2B5EF4-FFF2-40B4-BE49-F238E27FC236}">
+                <a16:creationId xmlns:a16="http://schemas.microsoft.com/office/drawing/2014/main" id="{28BB2E20-F6FA-2EAE-BA2F-AB07DB4A7168}"/>
+              </a:ext>
+            </a:extLst>
+          </p:cNvPr>
           <p:cNvSpPr txBox="1"/>
           <p:nvPr/>
         </p:nvSpPr>
         <p:spPr>
           <a:xfrm>
-            <a:off x="804123" y="2896924"/>
-            <a:ext cx="7570612" cy="830997"/>
-          </a:xfrm>
-          <a:prstGeom prst="rect">
-            <a:avLst/>
-          </a:prstGeom>
-          <a:noFill/>
-        </p:spPr>
-        <p:txBody>
-          <a:bodyPr wrap="square" rtlCol="0">
-            <a:spAutoFit/>
-          </a:bodyPr>
-          <a:lstStyle/>
-          <a:p>
-            <a:pPr algn="ctr"/>
-            <a:r>
-              <a:rPr lang="en-US" sz="2400" dirty="0"/>
-              <a:t>You can enter a long path to a file by dragging and dropping that file from Finder into the Terminal window.</a:t>
-            </a:r>
-          </a:p>
-        </p:txBody>
-      </p:sp>
-      <p:sp>
-        <p:nvSpPr>
-          <p:cNvPr id="4" name="TextBox 3"/>
-          <p:cNvSpPr txBox="1"/>
-          <p:nvPr/>
-        </p:nvSpPr>
-        <p:spPr>
-          <a:xfrm>
-            <a:off x="646733" y="4640109"/>
-            <a:ext cx="7885392" cy="738664"/>
+            <a:off x="2950403" y="3244334"/>
+            <a:ext cx="3243196" cy="430887"/>
           </a:xfrm>
           <a:prstGeom prst="rect">
             <a:avLst/>
@@ -6428,53 +6382,29 @@
           </a:bodyPr>
           <a:lstStyle/>
           <a:p>
-            <a:pPr marL="0" lvl="1"/>
-            <a:r>
-              <a:rPr lang="en-US" sz="2400" b="1" dirty="0">
-                <a:solidFill>
-                  <a:srgbClr val="FF0000"/>
-                </a:solidFill>
-              </a:rPr>
-              <a:t>Drag </a:t>
-            </a:r>
-            <a:r>
-              <a:rPr lang="en-US" sz="2400" b="1" dirty="0">
-                <a:solidFill>
-                  <a:srgbClr val="0000FF"/>
-                </a:solidFill>
-                <a:latin typeface="Courier"/>
-                <a:cs typeface="Courier"/>
-              </a:rPr>
-              <a:t>~/Desktop/Don't do </a:t>
-            </a:r>
-            <a:r>
-              <a:rPr lang="en-US" sz="2400" b="1" dirty="0" err="1">
-                <a:solidFill>
-                  <a:srgbClr val="0000FF"/>
-                </a:solidFill>
-                <a:latin typeface="Courier"/>
-                <a:cs typeface="Courier"/>
-              </a:rPr>
-              <a:t>this.txt</a:t>
-            </a:r>
-            <a:r>
-              <a:rPr lang="en-US" sz="2400" b="1" dirty="0">
-                <a:solidFill>
-                  <a:srgbClr val="FF0000"/>
-                </a:solidFill>
-              </a:rPr>
-              <a:t> to the Terminal</a:t>
-            </a:r>
-          </a:p>
-          <a:p>
-            <a:endParaRPr lang="en-US" dirty="0"/>
+            <a:pPr algn="ctr"/>
+            <a:r>
+              <a:rPr lang="en-US" sz="2200" dirty="0">
+                <a:latin typeface="Courier" pitchFamily="2" charset="0"/>
+              </a:rPr>
+              <a:t>Download </a:t>
+            </a:r>
+            <a:r>
+              <a:rPr lang="en-US" sz="2200" b="1" dirty="0" err="1">
+                <a:latin typeface="Courier" pitchFamily="2" charset="0"/>
+              </a:rPr>
+              <a:t>files.tgz</a:t>
+            </a:r>
+            <a:endParaRPr lang="en-US" sz="2200" b="1" dirty="0">
+              <a:latin typeface="Courier" pitchFamily="2" charset="0"/>
+            </a:endParaRPr>
           </a:p>
         </p:txBody>
       </p:sp>
     </p:spTree>
     <p:extLst>
       <p:ext uri="{BB962C8B-B14F-4D97-AF65-F5344CB8AC3E}">
-        <p14:creationId xmlns:p14="http://schemas.microsoft.com/office/powerpoint/2010/main" val="2153719196"/>
+        <p14:creationId xmlns:p14="http://schemas.microsoft.com/office/powerpoint/2010/main" val="3332128349"/>
       </p:ext>
     </p:extLst>
   </p:cSld>
@@ -6928,7 +6858,7 @@
         </p:nvSpPr>
         <p:spPr>
           <a:xfrm>
-            <a:off x="364627" y="356258"/>
+            <a:off x="371056" y="1437708"/>
             <a:ext cx="8436747" cy="862385"/>
           </a:xfrm>
         </p:spPr>
@@ -6940,7 +6870,7 @@
           <a:p>
             <a:r>
               <a:rPr lang="en-US" sz="3600" b="1" dirty="0"/>
-              <a:t>*NEW RULE*</a:t>
+              <a:t>*MAC SHORTCUT*</a:t>
             </a:r>
           </a:p>
         </p:txBody>
@@ -6953,8 +6883,8 @@
         </p:nvSpPr>
         <p:spPr>
           <a:xfrm>
-            <a:off x="1264380" y="2279789"/>
-            <a:ext cx="6615241" cy="2015936"/>
+            <a:off x="804123" y="2896924"/>
+            <a:ext cx="7570612" cy="830997"/>
           </a:xfrm>
           <a:prstGeom prst="rect">
             <a:avLst/>
@@ -6967,118 +6897,83 @@
           </a:bodyPr>
           <a:lstStyle/>
           <a:p>
-            <a:pPr>
-              <a:spcAft>
-                <a:spcPts val="600"/>
-              </a:spcAft>
-            </a:pPr>
+            <a:pPr algn="ctr"/>
             <a:r>
               <a:rPr lang="en-US" sz="2400" dirty="0"/>
-              <a:t>You will no longer include spaces in your file names.</a:t>
-            </a:r>
-          </a:p>
-          <a:p>
-            <a:pPr marL="968375" indent="-339725">
-              <a:buFont typeface="Arial"/>
-              <a:buChar char="•"/>
-            </a:pPr>
-            <a:r>
-              <a:rPr lang="en-US" sz="2400" dirty="0"/>
-              <a:t>use underscores or dashes – </a:t>
-            </a:r>
-            <a:r>
-              <a:rPr lang="en-US" sz="2400" dirty="0" err="1">
+              <a:t>You can enter a long path to a file by dragging and dropping that file from Finder into the Terminal window.</a:t>
+            </a:r>
+          </a:p>
+        </p:txBody>
+      </p:sp>
+      <p:sp>
+        <p:nvSpPr>
+          <p:cNvPr id="4" name="TextBox 3"/>
+          <p:cNvSpPr txBox="1"/>
+          <p:nvPr/>
+        </p:nvSpPr>
+        <p:spPr>
+          <a:xfrm>
+            <a:off x="646733" y="4640109"/>
+            <a:ext cx="7885392" cy="738664"/>
+          </a:xfrm>
+          <a:prstGeom prst="rect">
+            <a:avLst/>
+          </a:prstGeom>
+          <a:noFill/>
+        </p:spPr>
+        <p:txBody>
+          <a:bodyPr wrap="none" rtlCol="0">
+            <a:spAutoFit/>
+          </a:bodyPr>
+          <a:lstStyle/>
+          <a:p>
+            <a:pPr marL="0" lvl="1"/>
+            <a:r>
+              <a:rPr lang="en-US" sz="2400" b="1" dirty="0">
                 <a:solidFill>
                   <a:srgbClr val="FF0000"/>
                 </a:solidFill>
               </a:rPr>
-              <a:t>my_file.txt</a:t>
-            </a:r>
-            <a:endParaRPr lang="en-US" sz="2400" dirty="0">
-              <a:solidFill>
-                <a:srgbClr val="FF0000"/>
-              </a:solidFill>
-            </a:endParaRPr>
-          </a:p>
-          <a:p>
-            <a:pPr marL="968375" indent="-339725">
-              <a:buFont typeface="Arial"/>
-              <a:buChar char="•"/>
-            </a:pPr>
-            <a:r>
-              <a:rPr lang="en-US" sz="2400" dirty="0">
+              <a:t>Drag </a:t>
+            </a:r>
+            <a:r>
+              <a:rPr lang="en-US" sz="2400" b="1" dirty="0">
+                <a:solidFill>
+                  <a:srgbClr val="0000FF"/>
+                </a:solidFill>
+                <a:latin typeface="Courier"/>
+                <a:cs typeface="Courier"/>
+              </a:rPr>
+              <a:t>~/Desktop/Don't do </a:t>
+            </a:r>
+            <a:r>
+              <a:rPr lang="en-US" sz="2400" b="1" dirty="0" err="1">
+                <a:solidFill>
+                  <a:srgbClr val="0000FF"/>
+                </a:solidFill>
+                <a:latin typeface="Courier"/>
+                <a:cs typeface="Courier"/>
+              </a:rPr>
+              <a:t>this.txt</a:t>
+            </a:r>
+            <a:r>
+              <a:rPr lang="en-US" sz="2400" b="1" dirty="0">
                 <a:solidFill>
                   <a:srgbClr val="FF0000"/>
                 </a:solidFill>
               </a:rPr>
-              <a:t>my-</a:t>
-            </a:r>
-            <a:r>
-              <a:rPr lang="en-US" sz="2400" dirty="0" err="1">
-                <a:solidFill>
-                  <a:srgbClr val="FF0000"/>
-                </a:solidFill>
-              </a:rPr>
-              <a:t>file.txt</a:t>
-            </a:r>
-            <a:endParaRPr lang="en-US" sz="2400" dirty="0">
-              <a:solidFill>
-                <a:srgbClr val="FF0000"/>
-              </a:solidFill>
-            </a:endParaRPr>
-          </a:p>
-          <a:p>
-            <a:pPr marL="968375" indent="-339725">
-              <a:buFont typeface="Arial"/>
-              <a:buChar char="•"/>
-            </a:pPr>
-            <a:r>
-              <a:rPr lang="en-US" sz="2400" dirty="0"/>
-              <a:t>or, mixed upper/lowercase – </a:t>
-            </a:r>
-            <a:r>
-              <a:rPr lang="en-US" sz="2400" dirty="0" err="1">
-                <a:solidFill>
-                  <a:srgbClr val="FF0000"/>
-                </a:solidFill>
-              </a:rPr>
-              <a:t>myFile.txt</a:t>
-            </a:r>
-            <a:endParaRPr lang="en-US" sz="2400" dirty="0">
-              <a:solidFill>
-                <a:srgbClr val="FF0000"/>
-              </a:solidFill>
-            </a:endParaRPr>
-          </a:p>
-          <a:p>
-            <a:pPr marL="968375" indent="-339725">
-              <a:buFont typeface="Arial"/>
-              <a:buChar char="•"/>
-            </a:pPr>
-            <a:r>
-              <a:rPr lang="en-US" sz="2400" dirty="0"/>
-              <a:t>or, dots – </a:t>
-            </a:r>
-            <a:r>
-              <a:rPr lang="en-US" sz="2400" dirty="0" err="1">
-                <a:solidFill>
-                  <a:srgbClr val="FF0000"/>
-                </a:solidFill>
-              </a:rPr>
-              <a:t>my.file.txt</a:t>
-            </a:r>
-            <a:endParaRPr lang="en-US" sz="2400" dirty="0">
-              <a:solidFill>
-                <a:srgbClr val="FF0000"/>
-              </a:solidFill>
-            </a:endParaRPr>
+              <a:t> to the Terminal</a:t>
+            </a:r>
+          </a:p>
+          <a:p>
+            <a:endParaRPr lang="en-US" dirty="0"/>
           </a:p>
         </p:txBody>
       </p:sp>
     </p:spTree>
     <p:extLst>
       <p:ext uri="{BB962C8B-B14F-4D97-AF65-F5344CB8AC3E}">
-        <p14:creationId xmlns:p14="http://schemas.microsoft.com/office/powerpoint/2010/main" val="1443467416"/>
+        <p14:creationId xmlns:p14="http://schemas.microsoft.com/office/powerpoint/2010/main" val="2153719196"/>
       </p:ext>
     </p:extLst>
   </p:cSld>
@@ -7117,7 +7012,7 @@
         </p:nvSpPr>
         <p:spPr>
           <a:xfrm>
-            <a:off x="364627" y="176523"/>
+            <a:off x="364627" y="356258"/>
             <a:ext cx="8436747" cy="862385"/>
           </a:xfrm>
         </p:spPr>
@@ -7128,22 +7023,22 @@
           <a:lstStyle/>
           <a:p>
             <a:r>
-              <a:rPr lang="en-US" sz="3600" dirty="0"/>
-              <a:t>Common Unix commands</a:t>
+              <a:rPr lang="en-US" sz="3600" b="1" dirty="0"/>
+              <a:t>*NEW RULE*</a:t>
             </a:r>
           </a:p>
         </p:txBody>
       </p:sp>
       <p:sp>
         <p:nvSpPr>
-          <p:cNvPr id="4" name="TextBox 3"/>
+          <p:cNvPr id="3" name="TextBox 2"/>
           <p:cNvSpPr txBox="1"/>
           <p:nvPr/>
         </p:nvSpPr>
         <p:spPr>
           <a:xfrm>
-            <a:off x="264903" y="1042626"/>
-            <a:ext cx="8663865" cy="5560496"/>
+            <a:off x="1264380" y="2279789"/>
+            <a:ext cx="6615241" cy="2015936"/>
           </a:xfrm>
           <a:prstGeom prst="rect">
             <a:avLst/>
@@ -7156,658 +7051,118 @@
           </a:bodyPr>
           <a:lstStyle/>
           <a:p>
-            <a:pPr marL="225425" lvl="1">
+            <a:pPr>
               <a:spcAft>
-                <a:spcPts val="400"/>
+                <a:spcPts val="600"/>
               </a:spcAft>
             </a:pPr>
             <a:r>
-              <a:rPr lang="en-US" sz="2400" dirty="0">
-                <a:latin typeface="Courier"/>
-                <a:cs typeface="Courier"/>
-              </a:rPr>
-              <a:t>$ </a:t>
+              <a:rPr lang="en-US" sz="2400" dirty="0"/>
+              <a:t>You will no longer include spaces in your file names.</a:t>
+            </a:r>
+          </a:p>
+          <a:p>
+            <a:pPr marL="968375" indent="-339725">
+              <a:buFont typeface="Arial"/>
+              <a:buChar char="•"/>
+            </a:pPr>
+            <a:r>
+              <a:rPr lang="en-US" sz="2400" dirty="0"/>
+              <a:t>use underscores or dashes – </a:t>
             </a:r>
             <a:r>
               <a:rPr lang="en-US" sz="2400" dirty="0" err="1">
                 <a:solidFill>
-                  <a:srgbClr val="0000FF"/>
-                </a:solidFill>
-                <a:latin typeface="Courier"/>
-                <a:cs typeface="Courier"/>
-              </a:rPr>
-              <a:t>pwd</a:t>
-            </a:r>
-            <a:r>
-              <a:rPr lang="en-US" sz="2400" dirty="0">
-                <a:solidFill>
-                  <a:srgbClr val="0000FF"/>
-                </a:solidFill>
-                <a:latin typeface="Courier"/>
-                <a:cs typeface="Courier"/>
-              </a:rPr>
-              <a:t> </a:t>
-            </a:r>
-            <a:r>
-              <a:rPr lang="en-US" sz="2400" dirty="0">
-                <a:latin typeface="Calibri"/>
-                <a:cs typeface="Calibri"/>
-              </a:rPr>
-              <a:t>–   </a:t>
-            </a:r>
-            <a:r>
-              <a:rPr lang="en-US" sz="2400" u="sng" dirty="0">
-                <a:cs typeface="Calibri"/>
-              </a:rPr>
-              <a:t>p</a:t>
-            </a:r>
-            <a:r>
-              <a:rPr lang="en-US" sz="2400" dirty="0">
-                <a:cs typeface="Calibri"/>
-              </a:rPr>
-              <a:t>rints path of </a:t>
-            </a:r>
-            <a:r>
-              <a:rPr lang="en-US" sz="2400" u="sng" dirty="0">
-                <a:latin typeface="Calibri"/>
-                <a:cs typeface="Calibri"/>
-              </a:rPr>
-              <a:t>w</a:t>
-            </a:r>
-            <a:r>
-              <a:rPr lang="en-US" sz="2400" dirty="0">
-                <a:latin typeface="Calibri"/>
-                <a:cs typeface="Calibri"/>
-              </a:rPr>
-              <a:t>orking </a:t>
-            </a:r>
-            <a:r>
-              <a:rPr lang="en-US" sz="2400" u="sng" dirty="0">
-                <a:latin typeface="Calibri"/>
-                <a:cs typeface="Calibri"/>
-              </a:rPr>
-              <a:t>d</a:t>
-            </a:r>
-            <a:r>
-              <a:rPr lang="en-US" sz="2400" dirty="0">
-                <a:latin typeface="Calibri"/>
-                <a:cs typeface="Calibri"/>
-              </a:rPr>
-              <a:t>irectory </a:t>
-            </a:r>
-            <a:r>
-              <a:rPr lang="en-US" sz="2400" dirty="0">
-                <a:cs typeface="Calibri"/>
-              </a:rPr>
-              <a:t>[absolute or relative?]</a:t>
-            </a:r>
-            <a:endParaRPr lang="en-US" sz="2400" dirty="0">
-              <a:latin typeface="Calibri"/>
-              <a:cs typeface="Calibri"/>
-            </a:endParaRPr>
-          </a:p>
-          <a:p>
-            <a:pPr marL="225425" lvl="1">
-              <a:spcAft>
-                <a:spcPts val="400"/>
-              </a:spcAft>
-            </a:pPr>
-            <a:endParaRPr lang="en-US" sz="1200" dirty="0">
-              <a:latin typeface="Courier"/>
-              <a:cs typeface="Courier"/>
-            </a:endParaRPr>
-          </a:p>
-          <a:p>
-            <a:pPr marL="225425" lvl="1">
-              <a:spcAft>
-                <a:spcPts val="400"/>
-              </a:spcAft>
-            </a:pPr>
-            <a:r>
-              <a:rPr lang="en-US" sz="2400" dirty="0">
-                <a:latin typeface="Courier"/>
-                <a:cs typeface="Courier"/>
-              </a:rPr>
-              <a:t>$ </a:t>
-            </a:r>
-            <a:r>
-              <a:rPr lang="en-US" sz="2400" dirty="0">
-                <a:solidFill>
-                  <a:srgbClr val="0000FF"/>
-                </a:solidFill>
-                <a:latin typeface="Courier"/>
-                <a:cs typeface="Courier"/>
-              </a:rPr>
-              <a:t>cd </a:t>
-            </a:r>
-            <a:r>
-              <a:rPr lang="en-US" sz="2400" dirty="0">
-                <a:cs typeface="Calibri"/>
-              </a:rPr>
-              <a:t>–   </a:t>
-            </a:r>
-            <a:r>
-              <a:rPr lang="en-US" sz="2400" u="sng" dirty="0">
-                <a:cs typeface="Calibri"/>
-              </a:rPr>
-              <a:t>c</a:t>
-            </a:r>
-            <a:r>
-              <a:rPr lang="en-US" sz="2400" dirty="0">
-                <a:cs typeface="Calibri"/>
-              </a:rPr>
-              <a:t>hange </a:t>
-            </a:r>
-            <a:r>
-              <a:rPr lang="en-US" sz="2400" u="sng" dirty="0">
-                <a:cs typeface="Calibri"/>
-              </a:rPr>
-              <a:t>d</a:t>
-            </a:r>
-            <a:r>
-              <a:rPr lang="en-US" sz="2400" dirty="0">
-                <a:cs typeface="Calibri"/>
-              </a:rPr>
-              <a:t>irectory</a:t>
-            </a:r>
-          </a:p>
-          <a:p>
-            <a:pPr marL="225425" lvl="1">
-              <a:spcAft>
-                <a:spcPts val="400"/>
-              </a:spcAft>
-            </a:pPr>
-            <a:r>
-              <a:rPr lang="en-US" sz="2400" dirty="0">
-                <a:solidFill>
-                  <a:srgbClr val="3366FF"/>
-                </a:solidFill>
-                <a:latin typeface="Courier"/>
-                <a:cs typeface="Calibri"/>
-              </a:rPr>
-              <a:t>		</a:t>
-            </a:r>
-            <a:r>
-              <a:rPr lang="en-US" sz="2400" dirty="0">
-                <a:latin typeface="Courier"/>
-                <a:cs typeface="Courier"/>
-              </a:rPr>
-              <a:t>$ </a:t>
-            </a:r>
-            <a:r>
-              <a:rPr lang="en-US" sz="2400" dirty="0">
-                <a:solidFill>
-                  <a:srgbClr val="0000FF"/>
-                </a:solidFill>
-                <a:latin typeface="Courier"/>
-                <a:cs typeface="Courier"/>
-              </a:rPr>
-              <a:t>cd .. </a:t>
-            </a:r>
-            <a:r>
-              <a:rPr lang="en-US" sz="2400" dirty="0">
-                <a:cs typeface="Courier"/>
-              </a:rPr>
-              <a:t>[move up one directory]</a:t>
-            </a:r>
-          </a:p>
-          <a:p>
-            <a:pPr marL="225425" lvl="1">
-              <a:spcAft>
-                <a:spcPts val="400"/>
-              </a:spcAft>
-            </a:pPr>
-            <a:r>
-              <a:rPr lang="en-US" sz="2400" dirty="0">
-                <a:solidFill>
-                  <a:srgbClr val="3366FF"/>
-                </a:solidFill>
-                <a:latin typeface="Courier"/>
-                <a:cs typeface="Calibri"/>
-              </a:rPr>
-              <a:t>		</a:t>
-            </a:r>
-            <a:r>
-              <a:rPr lang="en-US" sz="2400" dirty="0">
-                <a:latin typeface="Courier"/>
-                <a:cs typeface="Courier"/>
-              </a:rPr>
-              <a:t>$ </a:t>
-            </a:r>
-            <a:r>
-              <a:rPr lang="en-US" sz="2400" dirty="0">
-                <a:solidFill>
-                  <a:srgbClr val="0000FF"/>
-                </a:solidFill>
-                <a:latin typeface="Courier"/>
-                <a:cs typeface="Courier"/>
-              </a:rPr>
-              <a:t>cd ../../</a:t>
-            </a:r>
-            <a:r>
-              <a:rPr lang="en-US" sz="2400" dirty="0">
-                <a:solidFill>
-                  <a:srgbClr val="3366FF"/>
-                </a:solidFill>
-                <a:latin typeface="Courier"/>
-                <a:cs typeface="Courier"/>
-              </a:rPr>
-              <a:t> </a:t>
-            </a:r>
-            <a:r>
-              <a:rPr lang="en-US" sz="2400" dirty="0">
-                <a:cs typeface="Courier"/>
-              </a:rPr>
-              <a:t>[move up two directories]</a:t>
-            </a:r>
-          </a:p>
-          <a:p>
-            <a:pPr marL="225425" lvl="1">
-              <a:spcAft>
-                <a:spcPts val="400"/>
-              </a:spcAft>
-            </a:pPr>
-            <a:r>
-              <a:rPr lang="en-US" sz="2400" dirty="0">
-                <a:solidFill>
-                  <a:srgbClr val="3366FF"/>
-                </a:solidFill>
-                <a:latin typeface="Courier"/>
-                <a:cs typeface="Calibri"/>
-              </a:rPr>
-              <a:t>		</a:t>
-            </a:r>
-            <a:r>
-              <a:rPr lang="en-US" sz="2400" dirty="0">
-                <a:latin typeface="Courier"/>
-                <a:cs typeface="Courier"/>
-              </a:rPr>
-              <a:t>$ </a:t>
-            </a:r>
-            <a:r>
-              <a:rPr lang="en-US" sz="2400" dirty="0">
-                <a:solidFill>
-                  <a:srgbClr val="0000FF"/>
-                </a:solidFill>
-                <a:latin typeface="Courier"/>
-                <a:cs typeface="Courier"/>
-              </a:rPr>
-              <a:t>cd    </a:t>
-            </a:r>
-            <a:r>
-              <a:rPr lang="en-US" sz="2400" dirty="0">
-                <a:cs typeface="Courier"/>
-              </a:rPr>
-              <a:t>[go home]</a:t>
-            </a:r>
-          </a:p>
-          <a:p>
-            <a:pPr marL="225425" lvl="1">
-              <a:spcAft>
-                <a:spcPts val="400"/>
-              </a:spcAft>
-            </a:pPr>
-            <a:r>
-              <a:rPr lang="en-US" sz="2400" dirty="0">
-                <a:solidFill>
-                  <a:srgbClr val="3366FF"/>
-                </a:solidFill>
-                <a:latin typeface="Courier"/>
-                <a:cs typeface="Courier"/>
-              </a:rPr>
-              <a:t>		</a:t>
-            </a:r>
-            <a:r>
-              <a:rPr lang="en-US" sz="2400" dirty="0">
-                <a:latin typeface="Courier"/>
-                <a:cs typeface="Courier"/>
-              </a:rPr>
-              <a:t>$ </a:t>
-            </a:r>
-            <a:r>
-              <a:rPr lang="en-US" sz="2400" dirty="0">
-                <a:solidFill>
-                  <a:srgbClr val="0000FF"/>
-                </a:solidFill>
-                <a:latin typeface="Courier"/>
-                <a:cs typeface="Courier"/>
-              </a:rPr>
-              <a:t>cd ~  </a:t>
-            </a:r>
-            <a:r>
-              <a:rPr lang="en-US" sz="2400" dirty="0">
-                <a:cs typeface="Courier"/>
-              </a:rPr>
-              <a:t>[go home]</a:t>
-            </a:r>
-          </a:p>
-          <a:p>
-            <a:pPr marL="225425" lvl="1">
-              <a:spcAft>
-                <a:spcPts val="400"/>
-              </a:spcAft>
-            </a:pPr>
-            <a:r>
-              <a:rPr lang="en-US" sz="2400" dirty="0">
-                <a:solidFill>
-                  <a:srgbClr val="3366FF"/>
-                </a:solidFill>
-                <a:latin typeface="Courier"/>
-                <a:cs typeface="Courier"/>
-              </a:rPr>
-              <a:t>		</a:t>
-            </a:r>
-            <a:r>
-              <a:rPr lang="en-US" sz="2400" dirty="0">
-                <a:latin typeface="Courier"/>
-                <a:cs typeface="Courier"/>
-              </a:rPr>
-              <a:t>$ </a:t>
-            </a:r>
-            <a:r>
-              <a:rPr lang="en-US" sz="2400" dirty="0">
-                <a:solidFill>
-                  <a:srgbClr val="0000FF"/>
-                </a:solidFill>
-                <a:latin typeface="Courier"/>
-                <a:cs typeface="Courier"/>
-              </a:rPr>
-              <a:t>cd ~/Desktop/</a:t>
-            </a:r>
-            <a:r>
-              <a:rPr lang="en-US" sz="2400" dirty="0" err="1">
-                <a:solidFill>
-                  <a:srgbClr val="0000FF"/>
-                </a:solidFill>
-                <a:latin typeface="Courier"/>
-                <a:cs typeface="Courier"/>
-              </a:rPr>
-              <a:t>watermelon_files</a:t>
+                  <a:srgbClr val="FF0000"/>
+                </a:solidFill>
+              </a:rPr>
+              <a:t>my_file.txt</a:t>
             </a:r>
             <a:endParaRPr lang="en-US" sz="2400" dirty="0">
               <a:solidFill>
-                <a:srgbClr val="0000FF"/>
+                <a:srgbClr val="FF0000"/>
               </a:solidFill>
-              <a:latin typeface="Courier"/>
-              <a:cs typeface="Courier"/>
             </a:endParaRPr>
           </a:p>
           <a:p>
-            <a:pPr marL="225425" lvl="1">
-              <a:spcAft>
-                <a:spcPts val="400"/>
-              </a:spcAft>
+            <a:pPr marL="968375" indent="-339725">
+              <a:buFont typeface="Arial"/>
+              <a:buChar char="•"/>
             </a:pPr>
             <a:r>
               <a:rPr lang="en-US" sz="2400" dirty="0">
                 <a:solidFill>
-                  <a:srgbClr val="3366FF"/>
-                </a:solidFill>
-                <a:latin typeface="Courier"/>
-                <a:cs typeface="Courier"/>
-              </a:rPr>
-              <a:t>		</a:t>
-            </a:r>
-            <a:r>
-              <a:rPr lang="en-US" sz="2400" dirty="0">
-                <a:latin typeface="Courier"/>
-                <a:cs typeface="Courier"/>
-              </a:rPr>
-              <a:t>$ </a:t>
-            </a:r>
-            <a:r>
-              <a:rPr lang="en-US" sz="2400" dirty="0">
-                <a:solidFill>
-                  <a:srgbClr val="0000FF"/>
-                </a:solidFill>
-                <a:latin typeface="Courier"/>
-                <a:cs typeface="Courier"/>
-              </a:rPr>
-              <a:t>cd /Users/</a:t>
+                  <a:srgbClr val="FF0000"/>
+                </a:solidFill>
+              </a:rPr>
+              <a:t>my-</a:t>
             </a:r>
             <a:r>
               <a:rPr lang="en-US" sz="2400" dirty="0" err="1">
                 <a:solidFill>
-                  <a:srgbClr val="0000FF"/>
-                </a:solidFill>
-                <a:latin typeface="Courier"/>
-                <a:cs typeface="Courier"/>
-              </a:rPr>
-              <a:t>aja</a:t>
-            </a:r>
-            <a:r>
-              <a:rPr lang="en-US" sz="2400" dirty="0">
-                <a:solidFill>
-                  <a:srgbClr val="0000FF"/>
-                </a:solidFill>
-                <a:latin typeface="Courier"/>
-                <a:cs typeface="Courier"/>
-              </a:rPr>
-              <a:t>/Desktop/</a:t>
-            </a:r>
-            <a:r>
-              <a:rPr lang="en-US" sz="2400" dirty="0" err="1">
-                <a:solidFill>
-                  <a:srgbClr val="0000FF"/>
-                </a:solidFill>
-                <a:latin typeface="Courier"/>
-                <a:cs typeface="Courier"/>
-              </a:rPr>
-              <a:t>watermelon_files</a:t>
+                  <a:srgbClr val="FF0000"/>
+                </a:solidFill>
+              </a:rPr>
+              <a:t>file.txt</a:t>
             </a:r>
             <a:endParaRPr lang="en-US" sz="2400" dirty="0">
               <a:solidFill>
-                <a:srgbClr val="0000FF"/>
+                <a:srgbClr val="FF0000"/>
               </a:solidFill>
-              <a:latin typeface="Courier"/>
-              <a:cs typeface="Courier"/>
             </a:endParaRPr>
           </a:p>
           <a:p>
-            <a:pPr marL="225425" lvl="1">
-              <a:spcAft>
-                <a:spcPts val="400"/>
-              </a:spcAft>
-            </a:pPr>
-            <a:endParaRPr lang="en-US" sz="1200" dirty="0">
-              <a:latin typeface="Courier"/>
-              <a:cs typeface="Courier"/>
+            <a:pPr marL="968375" indent="-339725">
+              <a:buFont typeface="Arial"/>
+              <a:buChar char="•"/>
+            </a:pPr>
+            <a:r>
+              <a:rPr lang="en-US" sz="2400" dirty="0"/>
+              <a:t>or, mixed upper/lowercase – </a:t>
+            </a:r>
+            <a:r>
+              <a:rPr lang="en-US" sz="2400" dirty="0" err="1">
+                <a:solidFill>
+                  <a:srgbClr val="FF0000"/>
+                </a:solidFill>
+              </a:rPr>
+              <a:t>myFile.txt</a:t>
+            </a:r>
+            <a:endParaRPr lang="en-US" sz="2400" dirty="0">
+              <a:solidFill>
+                <a:srgbClr val="FF0000"/>
+              </a:solidFill>
             </a:endParaRPr>
           </a:p>
           <a:p>
-            <a:pPr marL="225425" lvl="1">
-              <a:spcAft>
-                <a:spcPts val="400"/>
-              </a:spcAft>
-            </a:pPr>
-            <a:r>
-              <a:rPr lang="en-US" sz="2400" dirty="0">
-                <a:latin typeface="Courier"/>
-                <a:cs typeface="Courier"/>
-              </a:rPr>
-              <a:t>$ </a:t>
-            </a:r>
-            <a:r>
-              <a:rPr lang="en-US" sz="2400" dirty="0">
-                <a:solidFill>
-                  <a:srgbClr val="0000FF"/>
-                </a:solidFill>
-                <a:latin typeface="Courier"/>
-                <a:cs typeface="Courier"/>
-              </a:rPr>
-              <a:t>echo </a:t>
-            </a:r>
-            <a:r>
-              <a:rPr lang="en-US" sz="2400" u="sng" dirty="0">
-                <a:solidFill>
-                  <a:srgbClr val="0000FF"/>
-                </a:solidFill>
-                <a:latin typeface="Courier"/>
-                <a:cs typeface="Courier"/>
-              </a:rPr>
-              <a:t>argument</a:t>
-            </a:r>
-            <a:r>
-              <a:rPr lang="en-US" sz="2400" dirty="0">
-                <a:solidFill>
-                  <a:srgbClr val="0000FF"/>
-                </a:solidFill>
-                <a:latin typeface="Courier"/>
-                <a:cs typeface="Courier"/>
-              </a:rPr>
-              <a:t> </a:t>
-            </a:r>
-            <a:r>
-              <a:rPr lang="en-US" dirty="0">
-                <a:solidFill>
-                  <a:srgbClr val="0000FF"/>
-                </a:solidFill>
-                <a:latin typeface="Courier"/>
-                <a:cs typeface="Courier"/>
-              </a:rPr>
-              <a:t>. . .</a:t>
-            </a:r>
-            <a:r>
-              <a:rPr lang="en-US" sz="2400" dirty="0">
-                <a:solidFill>
-                  <a:srgbClr val="0000FF"/>
-                </a:solidFill>
-                <a:latin typeface="Courier"/>
-                <a:cs typeface="Courier"/>
-              </a:rPr>
-              <a:t> </a:t>
-            </a:r>
-            <a:r>
-              <a:rPr lang="en-US" sz="2400" dirty="0">
-                <a:cs typeface="Calibri"/>
-              </a:rPr>
-              <a:t>–   write arguments to STDOUT</a:t>
-            </a:r>
-          </a:p>
-          <a:p>
-            <a:pPr marL="225425" lvl="1">
-              <a:spcAft>
-                <a:spcPts val="400"/>
-              </a:spcAft>
-            </a:pPr>
-            <a:r>
-              <a:rPr lang="en-US" sz="2400" dirty="0">
-                <a:solidFill>
-                  <a:srgbClr val="3366FF"/>
-                </a:solidFill>
-                <a:latin typeface="Courier"/>
-                <a:cs typeface="Calibri"/>
-              </a:rPr>
-              <a:t>		</a:t>
-            </a:r>
-            <a:r>
-              <a:rPr lang="en-US" sz="2400" dirty="0">
-                <a:latin typeface="Courier"/>
-                <a:cs typeface="Courier"/>
-              </a:rPr>
-              <a:t>$ </a:t>
-            </a:r>
-            <a:r>
-              <a:rPr lang="en-US" sz="2400" dirty="0">
-                <a:solidFill>
-                  <a:srgbClr val="0000FF"/>
-                </a:solidFill>
-                <a:latin typeface="Courier"/>
-                <a:cs typeface="Calibri"/>
-              </a:rPr>
-              <a:t>echo $HOME </a:t>
-            </a:r>
-            <a:r>
-              <a:rPr lang="en-US" sz="2400" dirty="0">
-                <a:cs typeface="Courier"/>
-              </a:rPr>
-              <a:t>[where's my home directory?]</a:t>
-            </a:r>
-          </a:p>
-          <a:p>
-            <a:pPr marL="225425" lvl="1">
-              <a:spcAft>
-                <a:spcPts val="400"/>
-              </a:spcAft>
-            </a:pPr>
-            <a:r>
-              <a:rPr lang="en-US" sz="2400" dirty="0">
-                <a:solidFill>
-                  <a:srgbClr val="3366FF"/>
-                </a:solidFill>
-                <a:latin typeface="Courier"/>
-                <a:cs typeface="Calibri"/>
-              </a:rPr>
-              <a:t>		</a:t>
-            </a:r>
-            <a:r>
-              <a:rPr lang="en-US" sz="2400" dirty="0">
-                <a:latin typeface="Courier"/>
-                <a:cs typeface="Courier"/>
-              </a:rPr>
-              <a:t>$ </a:t>
-            </a:r>
-            <a:r>
-              <a:rPr lang="en-US" sz="2400" dirty="0">
-                <a:solidFill>
-                  <a:srgbClr val="0000FF"/>
-                </a:solidFill>
-                <a:latin typeface="Courier"/>
-                <a:cs typeface="Calibri"/>
-              </a:rPr>
-              <a:t>echo </a:t>
-            </a:r>
-            <a:r>
-              <a:rPr lang="en-US" sz="2400" dirty="0">
-                <a:solidFill>
-                  <a:srgbClr val="0000FF"/>
-                </a:solidFill>
-                <a:latin typeface="Courier"/>
-                <a:cs typeface="Courier"/>
-              </a:rPr>
-              <a:t>crazy</a:t>
-            </a:r>
-          </a:p>
-          <a:p>
-            <a:pPr marL="225425" lvl="1">
-              <a:spcAft>
-                <a:spcPts val="400"/>
-              </a:spcAft>
-            </a:pPr>
-            <a:r>
-              <a:rPr lang="en-US" sz="2400" dirty="0">
-                <a:solidFill>
-                  <a:srgbClr val="3366FF"/>
-                </a:solidFill>
-                <a:latin typeface="Courier"/>
-                <a:cs typeface="Courier"/>
-              </a:rPr>
-              <a:t>		</a:t>
-            </a:r>
-            <a:r>
-              <a:rPr lang="en-US" sz="2400" dirty="0">
-                <a:latin typeface="Courier"/>
-                <a:cs typeface="Courier"/>
-              </a:rPr>
-              <a:t>$ </a:t>
-            </a:r>
-            <a:r>
-              <a:rPr lang="en-US" sz="2400" dirty="0">
-                <a:solidFill>
-                  <a:srgbClr val="0000FF"/>
-                </a:solidFill>
-                <a:latin typeface="Courier"/>
-                <a:cs typeface="Courier"/>
-              </a:rPr>
-              <a:t>echo crazy horse</a:t>
-            </a:r>
+            <a:pPr marL="968375" indent="-339725">
+              <a:buFont typeface="Arial"/>
+              <a:buChar char="•"/>
+            </a:pPr>
+            <a:r>
+              <a:rPr lang="en-US" sz="2400" dirty="0"/>
+              <a:t>or, dots – </a:t>
+            </a:r>
+            <a:r>
+              <a:rPr lang="en-US" sz="2400" dirty="0" err="1">
+                <a:solidFill>
+                  <a:srgbClr val="FF0000"/>
+                </a:solidFill>
+              </a:rPr>
+              <a:t>my.file.txt</a:t>
+            </a:r>
+            <a:endParaRPr lang="en-US" sz="2400" dirty="0">
+              <a:solidFill>
+                <a:srgbClr val="FF0000"/>
+              </a:solidFill>
+            </a:endParaRPr>
           </a:p>
         </p:txBody>
       </p:sp>
     </p:spTree>
     <p:extLst>
       <p:ext uri="{BB962C8B-B14F-4D97-AF65-F5344CB8AC3E}">
-        <p14:creationId xmlns:p14="http://schemas.microsoft.com/office/powerpoint/2010/main" val="1944105896"/>
+        <p14:creationId xmlns:p14="http://schemas.microsoft.com/office/powerpoint/2010/main" val="1443467416"/>
       </p:ext>
     </p:extLst>
   </p:cSld>
@@ -7871,8 +7226,8 @@
         </p:nvSpPr>
         <p:spPr>
           <a:xfrm>
-            <a:off x="229623" y="1240194"/>
-            <a:ext cx="8723875" cy="4267835"/>
+            <a:off x="264903" y="1042626"/>
+            <a:ext cx="8663865" cy="5560496"/>
           </a:xfrm>
           <a:prstGeom prst="rect">
             <a:avLst/>
@@ -7891,64 +7246,89 @@
               </a:spcAft>
             </a:pPr>
             <a:r>
-              <a:rPr lang="en-US" sz="2800" dirty="0">
+              <a:rPr lang="en-US" sz="2400" dirty="0">
                 <a:latin typeface="Courier"/>
                 <a:cs typeface="Courier"/>
               </a:rPr>
               <a:t>$ </a:t>
             </a:r>
             <a:r>
-              <a:rPr lang="en-US" sz="2800" dirty="0">
-                <a:solidFill>
-                  <a:srgbClr val="0000FF"/>
-                </a:solidFill>
-                <a:latin typeface="Courier"/>
-                <a:cs typeface="Courier"/>
-              </a:rPr>
-              <a:t>clear </a:t>
-            </a:r>
-            <a:r>
-              <a:rPr lang="en-US" sz="2800" dirty="0">
+              <a:rPr lang="en-US" sz="2400" dirty="0" err="1">
+                <a:solidFill>
+                  <a:srgbClr val="0000FF"/>
+                </a:solidFill>
+                <a:latin typeface="Courier"/>
+                <a:cs typeface="Courier"/>
+              </a:rPr>
+              <a:t>pwd</a:t>
+            </a:r>
+            <a:r>
+              <a:rPr lang="en-US" sz="2400" dirty="0">
+                <a:solidFill>
+                  <a:srgbClr val="0000FF"/>
+                </a:solidFill>
+                <a:latin typeface="Courier"/>
+                <a:cs typeface="Courier"/>
+              </a:rPr>
+              <a:t> </a:t>
+            </a:r>
+            <a:r>
+              <a:rPr lang="en-US" sz="2400" dirty="0">
+                <a:latin typeface="Calibri"/>
                 <a:cs typeface="Calibri"/>
               </a:rPr>
               <a:t>–   </a:t>
             </a:r>
             <a:r>
-              <a:rPr lang="en-US" sz="2800" u="sng" dirty="0">
+              <a:rPr lang="en-US" sz="2400" u="sng" dirty="0">
                 <a:cs typeface="Calibri"/>
               </a:rPr>
-              <a:t>cl</a:t>
-            </a:r>
-            <a:r>
-              <a:rPr lang="en-US" sz="2800" dirty="0">
+              <a:t>p</a:t>
+            </a:r>
+            <a:r>
+              <a:rPr lang="en-US" sz="2400" dirty="0">
                 <a:cs typeface="Calibri"/>
               </a:rPr>
-              <a:t>ear the Terminal screen</a:t>
-            </a:r>
-          </a:p>
-          <a:p>
-            <a:pPr marL="225425" lvl="1" indent="346075">
-              <a:spcAft>
-                <a:spcPts val="400"/>
-              </a:spcAft>
-            </a:pPr>
+              <a:t>rints path of </a:t>
+            </a:r>
+            <a:r>
+              <a:rPr lang="en-US" sz="2400" u="sng" dirty="0">
+                <a:latin typeface="Calibri"/>
+                <a:cs typeface="Calibri"/>
+              </a:rPr>
+              <a:t>w</a:t>
+            </a:r>
             <a:r>
               <a:rPr lang="en-US" sz="2400" dirty="0">
-                <a:latin typeface="Courier"/>
-                <a:cs typeface="Courier"/>
-              </a:rPr>
-              <a:t>$ </a:t>
+                <a:latin typeface="Calibri"/>
+                <a:cs typeface="Calibri"/>
+              </a:rPr>
+              <a:t>orking </a:t>
+            </a:r>
+            <a:r>
+              <a:rPr lang="en-US" sz="2400" u="sng" dirty="0">
+                <a:latin typeface="Calibri"/>
+                <a:cs typeface="Calibri"/>
+              </a:rPr>
+              <a:t>d</a:t>
             </a:r>
             <a:r>
               <a:rPr lang="en-US" sz="2400" dirty="0">
-                <a:solidFill>
-                  <a:srgbClr val="0000FF"/>
-                </a:solidFill>
-                <a:latin typeface="Courier"/>
-                <a:cs typeface="Courier"/>
-              </a:rPr>
-              <a:t>clear</a:t>
-            </a:r>
+                <a:latin typeface="Calibri"/>
+                <a:cs typeface="Calibri"/>
+              </a:rPr>
+              <a:t>irectory </a:t>
+            </a:r>
+            <a:r>
+              <a:rPr lang="en-US" sz="2400" dirty="0">
+                <a:cs typeface="Calibri"/>
+              </a:rPr>
+              <a:t>[absolute or relative?]</a:t>
+            </a:r>
+            <a:endParaRPr lang="en-US" sz="2400" dirty="0">
+              <a:latin typeface="Calibri"/>
+              <a:cs typeface="Calibri"/>
+            </a:endParaRPr>
           </a:p>
           <a:p>
             <a:pPr marL="225425" lvl="1">
@@ -7956,7 +7336,7 @@
                 <a:spcPts val="400"/>
               </a:spcAft>
             </a:pPr>
-            <a:endParaRPr lang="en-US" sz="2400" dirty="0">
+            <a:endParaRPr lang="en-US" sz="1200" dirty="0">
               <a:latin typeface="Courier"/>
               <a:cs typeface="Courier"/>
             </a:endParaRPr>
@@ -7967,10 +7347,53 @@
                 <a:spcPts val="400"/>
               </a:spcAft>
             </a:pPr>
-            <a:endParaRPr lang="en-US" sz="2400" dirty="0">
-              <a:latin typeface="Courier"/>
-              <a:cs typeface="Courier"/>
-            </a:endParaRPr>
+            <a:r>
+              <a:rPr lang="en-US" sz="2400" dirty="0">
+                <a:latin typeface="Courier"/>
+                <a:cs typeface="Courier"/>
+              </a:rPr>
+              <a:t>$ </a:t>
+            </a:r>
+            <a:r>
+              <a:rPr lang="en-US" sz="2400" dirty="0">
+                <a:solidFill>
+                  <a:srgbClr val="0000FF"/>
+                </a:solidFill>
+                <a:latin typeface="Courier"/>
+                <a:cs typeface="Courier"/>
+              </a:rPr>
+              <a:t>cd </a:t>
+            </a:r>
+            <a:r>
+              <a:rPr lang="en-US" sz="2400" dirty="0">
+                <a:cs typeface="Calibri"/>
+              </a:rPr>
+              <a:t>–   </a:t>
+            </a:r>
+            <a:r>
+              <a:rPr lang="en-US" sz="2400" u="sng" dirty="0">
+                <a:cs typeface="Calibri"/>
+              </a:rPr>
+              <a:t>c</a:t>
+            </a:r>
+            <a:r>
+              <a:rPr lang="en-US" sz="2400" dirty="0">
+                <a:cs typeface="Calibri"/>
+              </a:rPr>
+              <a:t>hange </a:t>
+            </a:r>
+            <a:r>
+              <a:rPr lang="en-US" sz="2400" u="sng" dirty="0">
+                <a:cs typeface="Calibri"/>
+              </a:rPr>
+              <a:t>d</a:t>
+            </a:r>
+            <a:r>
+              <a:rPr lang="en-US" sz="2400" dirty="0">
+                <a:cs typeface="Calibri"/>
+              </a:rPr>
+              <a:t>irectory</a:t>
+            </a:r>
           </a:p>
           <a:p>
             <a:pPr marL="225425" lvl="1">
@@ -7979,108 +7402,496 @@
               </a:spcAft>
             </a:pPr>
             <a:r>
-              <a:rPr lang="en-US" sz="2800" dirty="0">
+              <a:rPr lang="en-US" sz="2400" dirty="0">
+                <a:solidFill>
+                  <a:srgbClr val="3366FF"/>
+                </a:solidFill>
+                <a:latin typeface="Courier"/>
+                <a:cs typeface="Calibri"/>
+              </a:rPr>
+              <a:t>		</a:t>
+            </a:r>
+            <a:r>
+              <a:rPr lang="en-US" sz="2400" dirty="0">
                 <a:latin typeface="Courier"/>
                 <a:cs typeface="Courier"/>
               </a:rPr>
               <a:t>$ </a:t>
             </a:r>
             <a:r>
-              <a:rPr lang="en-US" sz="2800" dirty="0">
-                <a:solidFill>
-                  <a:srgbClr val="0000FF"/>
-                </a:solidFill>
-                <a:latin typeface="Courier"/>
-                <a:cs typeface="Courier"/>
-              </a:rPr>
-              <a:t>exit </a:t>
-            </a:r>
-            <a:r>
-              <a:rPr lang="en-US" sz="2800" dirty="0">
+              <a:rPr lang="en-US" sz="2400" dirty="0">
+                <a:solidFill>
+                  <a:srgbClr val="0000FF"/>
+                </a:solidFill>
+                <a:latin typeface="Courier"/>
+                <a:cs typeface="Courier"/>
+              </a:rPr>
+              <a:t>cd .. </a:t>
+            </a:r>
+            <a:r>
+              <a:rPr lang="en-US" sz="2400" dirty="0">
+                <a:cs typeface="Courier"/>
+              </a:rPr>
+              <a:t>[move up one directory]</a:t>
+            </a:r>
+          </a:p>
+          <a:p>
+            <a:pPr marL="225425" lvl="1">
+              <a:spcAft>
+                <a:spcPts val="400"/>
+              </a:spcAft>
+            </a:pPr>
+            <a:r>
+              <a:rPr lang="en-US" sz="2400" dirty="0">
+                <a:solidFill>
+                  <a:srgbClr val="3366FF"/>
+                </a:solidFill>
+                <a:latin typeface="Courier"/>
                 <a:cs typeface="Calibri"/>
               </a:rPr>
-              <a:t>–   exit the session</a:t>
-            </a:r>
-            <a:endParaRPr lang="en-US" sz="2800" dirty="0">
+              <a:t>		</a:t>
+            </a:r>
+            <a:r>
+              <a:rPr lang="en-US" sz="2400" dirty="0">
+                <a:latin typeface="Courier"/>
+                <a:cs typeface="Courier"/>
+              </a:rPr>
+              <a:t>$ </a:t>
+            </a:r>
+            <a:r>
+              <a:rPr lang="en-US" sz="2400" dirty="0">
+                <a:solidFill>
+                  <a:srgbClr val="0000FF"/>
+                </a:solidFill>
+                <a:latin typeface="Courier"/>
+                <a:cs typeface="Courier"/>
+              </a:rPr>
+              <a:t>cd ../../</a:t>
+            </a:r>
+            <a:r>
+              <a:rPr lang="en-US" sz="2400" dirty="0">
+                <a:solidFill>
+                  <a:srgbClr val="3366FF"/>
+                </a:solidFill>
+                <a:latin typeface="Courier"/>
+                <a:cs typeface="Courier"/>
+              </a:rPr>
+              <a:t> </a:t>
+            </a:r>
+            <a:r>
+              <a:rPr lang="en-US" sz="2400" dirty="0">
+                <a:cs typeface="Courier"/>
+              </a:rPr>
+              <a:t>[move up two directories]</a:t>
+            </a:r>
+          </a:p>
+          <a:p>
+            <a:pPr marL="225425" lvl="1">
+              <a:spcAft>
+                <a:spcPts val="400"/>
+              </a:spcAft>
+            </a:pPr>
+            <a:r>
+              <a:rPr lang="en-US" sz="2400" dirty="0">
+                <a:solidFill>
+                  <a:srgbClr val="3366FF"/>
+                </a:solidFill>
+                <a:latin typeface="Courier"/>
+                <a:cs typeface="Calibri"/>
+              </a:rPr>
+              <a:t>		</a:t>
+            </a:r>
+            <a:r>
+              <a:rPr lang="en-US" sz="2400" dirty="0">
+                <a:latin typeface="Courier"/>
+                <a:cs typeface="Courier"/>
+              </a:rPr>
+              <a:t>$ </a:t>
+            </a:r>
+            <a:r>
+              <a:rPr lang="en-US" sz="2400" dirty="0">
+                <a:solidFill>
+                  <a:srgbClr val="0000FF"/>
+                </a:solidFill>
+                <a:latin typeface="Courier"/>
+                <a:cs typeface="Courier"/>
+              </a:rPr>
+              <a:t>cd    </a:t>
+            </a:r>
+            <a:r>
+              <a:rPr lang="en-US" sz="2400" dirty="0">
+                <a:cs typeface="Courier"/>
+              </a:rPr>
+              <a:t>[go home]</a:t>
+            </a:r>
+          </a:p>
+          <a:p>
+            <a:pPr marL="225425" lvl="1">
+              <a:spcAft>
+                <a:spcPts val="400"/>
+              </a:spcAft>
+            </a:pPr>
+            <a:r>
+              <a:rPr lang="en-US" sz="2400" dirty="0">
+                <a:solidFill>
+                  <a:srgbClr val="3366FF"/>
+                </a:solidFill>
+                <a:latin typeface="Courier"/>
+                <a:cs typeface="Courier"/>
+              </a:rPr>
+              <a:t>		</a:t>
+            </a:r>
+            <a:r>
+              <a:rPr lang="en-US" sz="2400" dirty="0">
+                <a:latin typeface="Courier"/>
+                <a:cs typeface="Courier"/>
+              </a:rPr>
+              <a:t>$ </a:t>
+            </a:r>
+            <a:r>
+              <a:rPr lang="en-US" sz="2400" dirty="0">
+                <a:solidFill>
+                  <a:srgbClr val="0000FF"/>
+                </a:solidFill>
+                <a:latin typeface="Courier"/>
+                <a:cs typeface="Courier"/>
+              </a:rPr>
+              <a:t>cd ~  </a:t>
+            </a:r>
+            <a:r>
+              <a:rPr lang="en-US" sz="2400" dirty="0">
+                <a:cs typeface="Courier"/>
+              </a:rPr>
+              <a:t>[go home]</a:t>
+            </a:r>
+          </a:p>
+          <a:p>
+            <a:pPr marL="225425" lvl="1">
+              <a:spcAft>
+                <a:spcPts val="400"/>
+              </a:spcAft>
+            </a:pPr>
+            <a:r>
+              <a:rPr lang="en-US" sz="2400" dirty="0">
+                <a:solidFill>
+                  <a:srgbClr val="3366FF"/>
+                </a:solidFill>
+                <a:latin typeface="Courier"/>
+                <a:cs typeface="Courier"/>
+              </a:rPr>
+              <a:t>		</a:t>
+            </a:r>
+            <a:r>
+              <a:rPr lang="en-US" sz="2400" dirty="0">
+                <a:latin typeface="Courier"/>
+                <a:cs typeface="Courier"/>
+              </a:rPr>
+              <a:t>$ </a:t>
+            </a:r>
+            <a:r>
+              <a:rPr lang="en-US" sz="2400" dirty="0">
+                <a:solidFill>
+                  <a:srgbClr val="0000FF"/>
+                </a:solidFill>
+                <a:latin typeface="Courier"/>
+                <a:cs typeface="Courier"/>
+              </a:rPr>
+              <a:t>cd ~/Desktop/</a:t>
+            </a:r>
+            <a:r>
+              <a:rPr lang="en-US" sz="2400" dirty="0" err="1">
+                <a:solidFill>
+                  <a:srgbClr val="0000FF"/>
+                </a:solidFill>
+                <a:latin typeface="Courier"/>
+                <a:cs typeface="Courier"/>
+              </a:rPr>
+              <a:t>watermelon_files</a:t>
+            </a:r>
+            <a:endParaRPr lang="en-US" sz="2400" dirty="0">
               <a:solidFill>
-                <a:srgbClr val="3366FF"/>
+                <a:srgbClr val="0000FF"/>
               </a:solidFill>
               <a:latin typeface="Courier"/>
               <a:cs typeface="Courier"/>
             </a:endParaRPr>
           </a:p>
           <a:p>
-            <a:pPr marL="1193800" lvl="1" indent="-276225">
+            <a:pPr marL="225425" lvl="1">
               <a:spcAft>
                 <a:spcPts val="400"/>
               </a:spcAft>
-              <a:buFont typeface="Arial"/>
-              <a:buChar char="•"/>
             </a:pPr>
             <a:r>
               <a:rPr lang="en-US" sz="2400" dirty="0">
-                <a:cs typeface="Courier"/>
-              </a:rPr>
-              <a:t>always exit your session before closing the Terminal window and quitting Terminal</a:t>
-            </a:r>
-          </a:p>
-          <a:p>
-            <a:pPr marL="1193800" lvl="1" indent="-276225">
+                <a:solidFill>
+                  <a:srgbClr val="3366FF"/>
+                </a:solidFill>
+                <a:latin typeface="Courier"/>
+                <a:cs typeface="Courier"/>
+              </a:rPr>
+              <a:t>		</a:t>
+            </a:r>
+            <a:r>
+              <a:rPr lang="en-US" sz="2400" dirty="0">
+                <a:latin typeface="Courier"/>
+                <a:cs typeface="Courier"/>
+              </a:rPr>
+              <a:t>$ </a:t>
+            </a:r>
+            <a:r>
+              <a:rPr lang="en-US" sz="2400" dirty="0">
+                <a:solidFill>
+                  <a:srgbClr val="0000FF"/>
+                </a:solidFill>
+                <a:latin typeface="Courier"/>
+                <a:cs typeface="Courier"/>
+              </a:rPr>
+              <a:t>cd /Users/</a:t>
+            </a:r>
+            <a:r>
+              <a:rPr lang="en-US" sz="2400" dirty="0" err="1">
+                <a:solidFill>
+                  <a:srgbClr val="0000FF"/>
+                </a:solidFill>
+                <a:latin typeface="Courier"/>
+                <a:cs typeface="Courier"/>
+              </a:rPr>
+              <a:t>aja</a:t>
+            </a:r>
+            <a:r>
+              <a:rPr lang="en-US" sz="2400" dirty="0">
+                <a:solidFill>
+                  <a:srgbClr val="0000FF"/>
+                </a:solidFill>
+                <a:latin typeface="Courier"/>
+                <a:cs typeface="Courier"/>
+              </a:rPr>
+              <a:t>/Desktop/</a:t>
+            </a:r>
+            <a:r>
+              <a:rPr lang="en-US" sz="2400" dirty="0" err="1">
+                <a:solidFill>
+                  <a:srgbClr val="0000FF"/>
+                </a:solidFill>
+                <a:latin typeface="Courier"/>
+                <a:cs typeface="Courier"/>
+              </a:rPr>
+              <a:t>watermelon_files</a:t>
+            </a:r>
+            <a:endParaRPr lang="en-US" sz="2400" dirty="0">
+              <a:solidFill>
+                <a:srgbClr val="0000FF"/>
+              </a:solidFill>
+              <a:latin typeface="Courier"/>
+              <a:cs typeface="Courier"/>
+            </a:endParaRPr>
+          </a:p>
+          <a:p>
+            <a:pPr marL="225425" lvl="1">
               <a:spcAft>
                 <a:spcPts val="400"/>
               </a:spcAft>
-              <a:buFont typeface="Arial"/>
-              <a:buChar char="•"/>
-            </a:pPr>
-            <a:r>
-              <a:rPr lang="en-US" sz="2400" dirty="0">
-                <a:cs typeface="Courier"/>
-              </a:rPr>
-              <a:t>not doing so is </a:t>
-            </a:r>
-            <a:r>
-              <a:rPr lang="en-US" sz="2400" dirty="0" err="1">
-                <a:cs typeface="Courier"/>
-              </a:rPr>
-              <a:t>analagous</a:t>
-            </a:r>
-            <a:r>
-              <a:rPr lang="en-US" sz="2400" dirty="0">
-                <a:cs typeface="Courier"/>
-              </a:rPr>
-              <a:t> to </a:t>
-            </a:r>
-            <a:r>
-              <a:rPr lang="en-US" sz="2400" dirty="0" err="1">
-                <a:cs typeface="Courier"/>
-              </a:rPr>
-              <a:t>uplugging</a:t>
-            </a:r>
-            <a:r>
-              <a:rPr lang="en-US" sz="2400" dirty="0">
-                <a:cs typeface="Courier"/>
-              </a:rPr>
-              <a:t> your computer – unceremonious end to all your programs and processes</a:t>
-            </a:r>
-          </a:p>
-          <a:p>
-            <a:pPr marL="1193800" lvl="1" indent="-276225">
+            </a:pPr>
+            <a:endParaRPr lang="en-US" sz="1200" dirty="0">
+              <a:latin typeface="Courier"/>
+              <a:cs typeface="Courier"/>
+            </a:endParaRPr>
+          </a:p>
+          <a:p>
+            <a:pPr marL="225425" lvl="1">
               <a:spcAft>
                 <a:spcPts val="400"/>
               </a:spcAft>
-              <a:buFont typeface="Arial"/>
-              <a:buChar char="•"/>
-            </a:pPr>
-            <a:endParaRPr lang="en-US" sz="2400" dirty="0">
-              <a:cs typeface="Courier"/>
-            </a:endParaRPr>
+            </a:pPr>
+            <a:r>
+              <a:rPr lang="en-US" sz="2400" dirty="0">
+                <a:latin typeface="Courier"/>
+                <a:cs typeface="Courier"/>
+              </a:rPr>
+              <a:t>$ </a:t>
+            </a:r>
+            <a:r>
+              <a:rPr lang="en-US" sz="2400" dirty="0">
+                <a:solidFill>
+                  <a:srgbClr val="0000FF"/>
+                </a:solidFill>
+                <a:latin typeface="Courier"/>
+                <a:cs typeface="Courier"/>
+              </a:rPr>
+              <a:t>echo </a:t>
+            </a:r>
+            <a:r>
+              <a:rPr lang="en-US" sz="2400" u="sng" dirty="0">
+                <a:solidFill>
+                  <a:srgbClr val="0000FF"/>
+                </a:solidFill>
+                <a:latin typeface="Courier"/>
+                <a:cs typeface="Courier"/>
+              </a:rPr>
+              <a:t>argument</a:t>
+            </a:r>
+            <a:r>
+              <a:rPr lang="en-US" sz="2400" dirty="0">
+                <a:solidFill>
+                  <a:srgbClr val="0000FF"/>
+                </a:solidFill>
+                <a:latin typeface="Courier"/>
+                <a:cs typeface="Courier"/>
+              </a:rPr>
+              <a:t> </a:t>
+            </a:r>
+            <a:r>
+              <a:rPr lang="en-US" dirty="0">
+                <a:solidFill>
+                  <a:srgbClr val="0000FF"/>
+                </a:solidFill>
+                <a:latin typeface="Courier"/>
+                <a:cs typeface="Courier"/>
+              </a:rPr>
+              <a:t>. . .</a:t>
+            </a:r>
+            <a:r>
+              <a:rPr lang="en-US" sz="2400" dirty="0">
+                <a:solidFill>
+                  <a:srgbClr val="0000FF"/>
+                </a:solidFill>
+                <a:latin typeface="Courier"/>
+                <a:cs typeface="Courier"/>
+              </a:rPr>
+              <a:t> </a:t>
+            </a:r>
+            <a:r>
+              <a:rPr lang="en-US" sz="2400" dirty="0">
+                <a:cs typeface="Calibri"/>
+              </a:rPr>
+              <a:t>–   write arguments to STDOUT</a:t>
+            </a:r>
+          </a:p>
+          <a:p>
+            <a:pPr marL="225425" lvl="1">
+              <a:spcAft>
+                <a:spcPts val="400"/>
+              </a:spcAft>
+            </a:pPr>
+            <a:r>
+              <a:rPr lang="en-US" sz="2400" dirty="0">
+                <a:solidFill>
+                  <a:srgbClr val="3366FF"/>
+                </a:solidFill>
+                <a:latin typeface="Courier"/>
+                <a:cs typeface="Calibri"/>
+              </a:rPr>
+              <a:t>		</a:t>
+            </a:r>
+            <a:r>
+              <a:rPr lang="en-US" sz="2400" dirty="0">
+                <a:latin typeface="Courier"/>
+                <a:cs typeface="Courier"/>
+              </a:rPr>
+              <a:t>$ </a:t>
+            </a:r>
+            <a:r>
+              <a:rPr lang="en-US" sz="2400" dirty="0">
+                <a:solidFill>
+                  <a:srgbClr val="0000FF"/>
+                </a:solidFill>
+                <a:latin typeface="Courier"/>
+                <a:cs typeface="Calibri"/>
+              </a:rPr>
+              <a:t>echo $HOME </a:t>
+            </a:r>
+            <a:r>
+              <a:rPr lang="en-US" sz="2400" dirty="0">
+                <a:cs typeface="Courier"/>
+              </a:rPr>
+              <a:t>[where's my home directory?]</a:t>
+            </a:r>
+          </a:p>
+          <a:p>
+            <a:pPr marL="225425" lvl="1">
+              <a:spcAft>
+                <a:spcPts val="400"/>
+              </a:spcAft>
+            </a:pPr>
+            <a:r>
+              <a:rPr lang="en-US" sz="2400" dirty="0">
+                <a:solidFill>
+                  <a:srgbClr val="3366FF"/>
+                </a:solidFill>
+                <a:latin typeface="Courier"/>
+                <a:cs typeface="Calibri"/>
+              </a:rPr>
+              <a:t>		</a:t>
+            </a:r>
+            <a:r>
+              <a:rPr lang="en-US" sz="2400" dirty="0">
+                <a:latin typeface="Courier"/>
+                <a:cs typeface="Courier"/>
+              </a:rPr>
+              <a:t>$ </a:t>
+            </a:r>
+            <a:r>
+              <a:rPr lang="en-US" sz="2400" dirty="0">
+                <a:solidFill>
+                  <a:srgbClr val="0000FF"/>
+                </a:solidFill>
+                <a:latin typeface="Courier"/>
+                <a:cs typeface="Calibri"/>
+              </a:rPr>
+              <a:t>echo </a:t>
+            </a:r>
+            <a:r>
+              <a:rPr lang="en-US" sz="2400" dirty="0">
+                <a:solidFill>
+                  <a:srgbClr val="0000FF"/>
+                </a:solidFill>
+                <a:latin typeface="Courier"/>
+                <a:cs typeface="Courier"/>
+              </a:rPr>
+              <a:t>crazy</a:t>
+            </a:r>
+          </a:p>
+          <a:p>
+            <a:pPr marL="225425" lvl="1">
+              <a:spcAft>
+                <a:spcPts val="400"/>
+              </a:spcAft>
+            </a:pPr>
+            <a:r>
+              <a:rPr lang="en-US" sz="2400" dirty="0">
+                <a:solidFill>
+                  <a:srgbClr val="3366FF"/>
+                </a:solidFill>
+                <a:latin typeface="Courier"/>
+                <a:cs typeface="Courier"/>
+              </a:rPr>
+              <a:t>		</a:t>
+            </a:r>
+            <a:r>
+              <a:rPr lang="en-US" sz="2400" dirty="0">
+                <a:latin typeface="Courier"/>
+                <a:cs typeface="Courier"/>
+              </a:rPr>
+              <a:t>$ </a:t>
+            </a:r>
+            <a:r>
+              <a:rPr lang="en-US" sz="2400" dirty="0">
+                <a:solidFill>
+                  <a:srgbClr val="0000FF"/>
+                </a:solidFill>
+                <a:latin typeface="Courier"/>
+                <a:cs typeface="Courier"/>
+              </a:rPr>
+              <a:t>echo crazy horse</a:t>
+            </a:r>
           </a:p>
         </p:txBody>
       </p:sp>
     </p:spTree>
     <p:extLst>
       <p:ext uri="{BB962C8B-B14F-4D97-AF65-F5344CB8AC3E}">
-        <p14:creationId xmlns:p14="http://schemas.microsoft.com/office/powerpoint/2010/main" val="3055901973"/>
+        <p14:creationId xmlns:p14="http://schemas.microsoft.com/office/powerpoint/2010/main" val="1944105896"/>
       </p:ext>
     </p:extLst>
   </p:cSld>
@@ -8119,7 +7930,7 @@
         </p:nvSpPr>
         <p:spPr>
           <a:xfrm>
-            <a:off x="364627" y="1827533"/>
+            <a:off x="364627" y="176523"/>
             <a:ext cx="8436747" cy="862385"/>
           </a:xfrm>
         </p:spPr>
@@ -8130,22 +7941,22 @@
           <a:lstStyle/>
           <a:p>
             <a:r>
-              <a:rPr lang="en-US" sz="3600" b="1" dirty="0"/>
-              <a:t>*AWESOME SHORTCUTS*</a:t>
+              <a:rPr lang="en-US" sz="3600" dirty="0"/>
+              <a:t>Common Unix commands</a:t>
             </a:r>
           </a:p>
         </p:txBody>
       </p:sp>
       <p:sp>
         <p:nvSpPr>
-          <p:cNvPr id="3" name="TextBox 2"/>
+          <p:cNvPr id="4" name="TextBox 3"/>
           <p:cNvSpPr txBox="1"/>
           <p:nvPr/>
         </p:nvSpPr>
         <p:spPr>
           <a:xfrm>
-            <a:off x="662893" y="3060607"/>
-            <a:ext cx="7840214" cy="1938992"/>
+            <a:off x="229623" y="1240194"/>
+            <a:ext cx="8723875" cy="4267835"/>
           </a:xfrm>
           <a:prstGeom prst="rect">
             <a:avLst/>
@@ -8158,134 +7969,202 @@
           </a:bodyPr>
           <a:lstStyle/>
           <a:p>
-            <a:pPr marL="457200" indent="-457200">
-              <a:buFont typeface="+mj-lt"/>
-              <a:buAutoNum type="arabicPeriod"/>
+            <a:pPr marL="225425" lvl="1">
+              <a:spcAft>
+                <a:spcPts val="400"/>
+              </a:spcAft>
+            </a:pPr>
+            <a:r>
+              <a:rPr lang="en-US" sz="2800" dirty="0">
+                <a:latin typeface="Courier"/>
+                <a:cs typeface="Courier"/>
+              </a:rPr>
+              <a:t>$ </a:t>
+            </a:r>
+            <a:r>
+              <a:rPr lang="en-US" sz="2800" dirty="0">
+                <a:solidFill>
+                  <a:srgbClr val="0000FF"/>
+                </a:solidFill>
+                <a:latin typeface="Courier"/>
+                <a:cs typeface="Courier"/>
+              </a:rPr>
+              <a:t>clear </a:t>
+            </a:r>
+            <a:r>
+              <a:rPr lang="en-US" sz="2800" dirty="0">
+                <a:cs typeface="Calibri"/>
+              </a:rPr>
+              <a:t>–   </a:t>
+            </a:r>
+            <a:r>
+              <a:rPr lang="en-US" sz="2800" u="sng" dirty="0">
+                <a:cs typeface="Calibri"/>
+              </a:rPr>
+              <a:t>cl</a:t>
+            </a:r>
+            <a:r>
+              <a:rPr lang="en-US" sz="2800" dirty="0">
+                <a:cs typeface="Calibri"/>
+              </a:rPr>
+              <a:t>ear the Terminal screen</a:t>
+            </a:r>
+          </a:p>
+          <a:p>
+            <a:pPr marL="225425" lvl="1" indent="346075">
+              <a:spcAft>
+                <a:spcPts val="400"/>
+              </a:spcAft>
             </a:pPr>
             <a:r>
               <a:rPr lang="en-US" sz="2400" dirty="0">
+                <a:latin typeface="Courier"/>
+                <a:cs typeface="Courier"/>
+              </a:rPr>
+              <a:t>$ </a:t>
+            </a:r>
+            <a:r>
+              <a:rPr lang="en-US" sz="2400" dirty="0">
+                <a:solidFill>
+                  <a:srgbClr val="0000FF"/>
+                </a:solidFill>
+                <a:latin typeface="Courier"/>
+                <a:cs typeface="Courier"/>
+              </a:rPr>
+              <a:t>clear</a:t>
+            </a:r>
+          </a:p>
+          <a:p>
+            <a:pPr marL="225425" lvl="1">
+              <a:spcAft>
+                <a:spcPts val="400"/>
+              </a:spcAft>
+            </a:pPr>
+            <a:endParaRPr lang="en-US" sz="2400" dirty="0">
+              <a:latin typeface="Courier"/>
+              <a:cs typeface="Courier"/>
+            </a:endParaRPr>
+          </a:p>
+          <a:p>
+            <a:pPr marL="225425" lvl="1">
+              <a:spcAft>
+                <a:spcPts val="400"/>
+              </a:spcAft>
+            </a:pPr>
+            <a:endParaRPr lang="en-US" sz="2400" dirty="0">
+              <a:latin typeface="Courier"/>
+              <a:cs typeface="Courier"/>
+            </a:endParaRPr>
+          </a:p>
+          <a:p>
+            <a:pPr marL="225425" lvl="1">
+              <a:spcAft>
+                <a:spcPts val="400"/>
+              </a:spcAft>
+            </a:pPr>
+            <a:r>
+              <a:rPr lang="en-US" sz="2800" dirty="0">
+                <a:latin typeface="Courier"/>
+                <a:cs typeface="Courier"/>
+              </a:rPr>
+              <a:t>$ </a:t>
+            </a:r>
+            <a:r>
+              <a:rPr lang="en-US" sz="2800" dirty="0">
+                <a:solidFill>
+                  <a:srgbClr val="0000FF"/>
+                </a:solidFill>
+                <a:latin typeface="Courier"/>
+                <a:cs typeface="Courier"/>
+              </a:rPr>
+              <a:t>exit </a:t>
+            </a:r>
+            <a:r>
+              <a:rPr lang="en-US" sz="2800" dirty="0">
                 <a:cs typeface="Calibri"/>
               </a:rPr>
-              <a:t>Auto</a:t>
-            </a:r>
+              <a:t>–   exit the session</a:t>
+            </a:r>
+            <a:endParaRPr lang="en-US" sz="2800" dirty="0">
+              <a:solidFill>
+                <a:srgbClr val="3366FF"/>
+              </a:solidFill>
+              <a:latin typeface="Courier"/>
+              <a:cs typeface="Courier"/>
+            </a:endParaRPr>
+          </a:p>
+          <a:p>
+            <a:pPr marL="1193800" lvl="1" indent="-276225">
+              <a:spcAft>
+                <a:spcPts val="400"/>
+              </a:spcAft>
+              <a:buFont typeface="Arial"/>
+              <a:buChar char="•"/>
+            </a:pPr>
             <a:r>
               <a:rPr lang="en-US" sz="2400" dirty="0">
-                <a:latin typeface="Calibri"/>
-                <a:cs typeface="Calibri"/>
-              </a:rPr>
-              <a:t>-complete with </a:t>
-            </a:r>
-            <a:r>
-              <a:rPr lang="en-US" sz="2400" u="sng" dirty="0">
-                <a:latin typeface="Calibri"/>
-                <a:cs typeface="Calibri"/>
-              </a:rPr>
-              <a:t>tab</a:t>
-            </a:r>
-          </a:p>
-          <a:p>
-            <a:pPr marL="457200" indent="-457200">
-              <a:buFont typeface="+mj-lt"/>
-              <a:buAutoNum type="arabicPeriod"/>
+                <a:cs typeface="Courier"/>
+              </a:rPr>
+              <a:t>always exit your session before closing the Terminal window and quitting Terminal</a:t>
+            </a:r>
+          </a:p>
+          <a:p>
+            <a:pPr marL="1193800" lvl="1" indent="-276225">
+              <a:spcAft>
+                <a:spcPts val="400"/>
+              </a:spcAft>
+              <a:buFont typeface="Arial"/>
+              <a:buChar char="•"/>
             </a:pPr>
             <a:r>
               <a:rPr lang="en-US" sz="2400" dirty="0">
-                <a:latin typeface="Calibri"/>
-                <a:cs typeface="Calibri"/>
-              </a:rPr>
-              <a:t>Re-run a previous command with </a:t>
-            </a:r>
-            <a:r>
-              <a:rPr lang="en-US" sz="2400" u="sng" dirty="0">
-                <a:latin typeface="Calibri"/>
-                <a:cs typeface="Calibri"/>
-              </a:rPr>
-              <a:t>Up [and down] arrow</a:t>
-            </a:r>
-          </a:p>
-          <a:p>
-            <a:pPr marL="457200" indent="-457200">
-              <a:buFont typeface="+mj-lt"/>
-              <a:buAutoNum type="arabicPeriod"/>
-            </a:pPr>
+                <a:cs typeface="Courier"/>
+              </a:rPr>
+              <a:t>not doing so is </a:t>
+            </a:r>
+            <a:r>
+              <a:rPr lang="en-US" sz="2400" dirty="0" err="1">
+                <a:cs typeface="Courier"/>
+              </a:rPr>
+              <a:t>analagous</a:t>
+            </a:r>
             <a:r>
               <a:rPr lang="en-US" sz="2400" dirty="0">
-                <a:latin typeface="Calibri"/>
-                <a:cs typeface="Calibri"/>
-              </a:rPr>
-              <a:t>Find an old command with </a:t>
+                <a:cs typeface="Courier"/>
+              </a:rPr>
+              <a:t> to </a:t>
             </a:r>
             <a:r>
               <a:rPr lang="en-US" sz="2400" dirty="0" err="1">
-                <a:solidFill>
-                  <a:srgbClr val="0432FF"/>
-                </a:solidFill>
-                <a:latin typeface="Courier" charset="0"/>
-                <a:ea typeface="Courier" charset="0"/>
-                <a:cs typeface="Courier" charset="0"/>
-              </a:rPr>
-              <a:t>Ctrl+r</a:t>
-            </a:r>
+                <a:cs typeface="Courier"/>
+              </a:rPr>
+              <a:t>uplugging</a:t>
+            </a:r>
+            <a:r>
+              <a:rPr lang="en-US" sz="2400" dirty="0">
+                <a:cs typeface="Courier"/>
+              </a:rPr>
+              <a:t> your computer – unceremonious end to all your programs and processes</a:t>
+            </a:r>
+          </a:p>
+          <a:p>
+            <a:pPr marL="1193800" lvl="1" indent="-276225">
+              <a:spcAft>
+                <a:spcPts val="400"/>
+              </a:spcAft>
+              <a:buFont typeface="Arial"/>
+              <a:buChar char="•"/>
+            </a:pPr>
             <a:endParaRPr lang="en-US" sz="2400" dirty="0">
-              <a:solidFill>
-                <a:srgbClr val="0432FF"/>
-              </a:solidFill>
-              <a:latin typeface="Courier" charset="0"/>
-              <a:ea typeface="Courier" charset="0"/>
-              <a:cs typeface="Courier" charset="0"/>
+              <a:cs typeface="Courier"/>
             </a:endParaRPr>
-          </a:p>
-          <a:p>
-            <a:pPr marL="457200" indent="-457200">
-              <a:buFont typeface="+mj-lt"/>
-              <a:buAutoNum type="arabicPeriod"/>
-            </a:pPr>
-            <a:r>
-              <a:rPr lang="en-US" sz="2400" dirty="0">
-                <a:cs typeface="Calibri"/>
-              </a:rPr>
-              <a:t>Find an old command with  </a:t>
-            </a:r>
-            <a:r>
-              <a:rPr lang="en-US" sz="2400" dirty="0">
-                <a:solidFill>
-                  <a:srgbClr val="0000FF"/>
-                </a:solidFill>
-                <a:latin typeface="Courier"/>
-                <a:cs typeface="Courier"/>
-              </a:rPr>
-              <a:t>history</a:t>
-            </a:r>
-          </a:p>
-          <a:p>
-            <a:pPr marL="457200" indent="-457200">
-              <a:buFont typeface="+mj-lt"/>
-              <a:buAutoNum type="arabicPeriod"/>
-            </a:pPr>
-            <a:r>
-              <a:rPr lang="en-US" sz="2400" dirty="0">
-                <a:latin typeface="Calibri"/>
-                <a:cs typeface="Calibri"/>
-              </a:rPr>
-              <a:t>Mac OS: open working directory in Finder with  </a:t>
-            </a:r>
-            <a:r>
-              <a:rPr lang="en-US" sz="2400" dirty="0">
-                <a:solidFill>
-                  <a:srgbClr val="0000FF"/>
-                </a:solidFill>
-                <a:latin typeface="Courier"/>
-                <a:cs typeface="Courier"/>
-              </a:rPr>
-              <a:t>open .</a:t>
-            </a:r>
           </a:p>
         </p:txBody>
       </p:sp>
     </p:spTree>
     <p:extLst>
       <p:ext uri="{BB962C8B-B14F-4D97-AF65-F5344CB8AC3E}">
-        <p14:creationId xmlns:p14="http://schemas.microsoft.com/office/powerpoint/2010/main" val="2076066060"/>
+        <p14:creationId xmlns:p14="http://schemas.microsoft.com/office/powerpoint/2010/main" val="3055901973"/>
       </p:ext>
     </p:extLst>
   </p:cSld>
@@ -8336,7 +8215,7 @@
           <a:p>
             <a:r>
               <a:rPr lang="en-US" sz="3600" b="1" dirty="0"/>
-              <a:t>*MORE SHORTCUTS*</a:t>
+              <a:t>*AWESOME SHORTCUTS*</a:t>
             </a:r>
           </a:p>
         </p:txBody>
@@ -8349,8 +8228,8 @@
         </p:nvSpPr>
         <p:spPr>
           <a:xfrm>
-            <a:off x="601964" y="3060607"/>
-            <a:ext cx="7940072" cy="1569660"/>
+            <a:off x="662893" y="3060607"/>
+            <a:ext cx="7840214" cy="1938992"/>
           </a:xfrm>
           <a:prstGeom prst="rect">
             <a:avLst/>
@@ -8368,30 +8247,24 @@
               <a:buAutoNum type="arabicPeriod"/>
             </a:pPr>
             <a:r>
-              <a:rPr lang="en-US" sz="2400" dirty="0" err="1">
-                <a:solidFill>
-                  <a:srgbClr val="0000FF"/>
-                </a:solidFill>
-                <a:latin typeface="Courier"/>
-                <a:cs typeface="Courier"/>
-              </a:rPr>
-              <a:t>Ctrl+a</a:t>
-            </a:r>
-            <a:r>
-              <a:rPr lang="en-US" sz="2400" dirty="0">
-                <a:solidFill>
-                  <a:srgbClr val="0000FF"/>
-                </a:solidFill>
-                <a:latin typeface="Courier"/>
-                <a:cs typeface="Courier"/>
-              </a:rPr>
-              <a:t> </a:t>
-            </a:r>
-            <a:r>
               <a:rPr lang="en-US" sz="2400" dirty="0">
                 <a:cs typeface="Calibri"/>
               </a:rPr>
-              <a:t>–  go to beginning of command</a:t>
+              <a:t>Auto</a:t>
+            </a:r>
+            <a:r>
+              <a:rPr lang="en-US" sz="2400" dirty="0">
+                <a:latin typeface="Calibri"/>
+                <a:cs typeface="Calibri"/>
+              </a:rPr>
+              <a:t>-complete with </a:t>
+            </a:r>
+            <a:r>
+              <a:rPr lang="en-US" sz="2400" u="sng" dirty="0">
+                <a:latin typeface="Calibri"/>
+                <a:cs typeface="Calibri"/>
+              </a:rPr>
+              <a:t>tab</a:t>
             </a:r>
           </a:p>
           <a:p>
@@ -8400,30 +8273,18 @@
               <a:buAutoNum type="arabicPeriod"/>
             </a:pPr>
             <a:r>
-              <a:rPr lang="en-US" sz="2400" dirty="0" err="1">
-                <a:solidFill>
-                  <a:srgbClr val="0000FF"/>
-                </a:solidFill>
-                <a:latin typeface="Courier"/>
-                <a:cs typeface="Courier"/>
-              </a:rPr>
-              <a:t>Ctrl+e</a:t>
-            </a:r>
-            <a:r>
               <a:rPr lang="en-US" sz="2400" dirty="0">
-                <a:solidFill>
-                  <a:srgbClr val="0000FF"/>
-                </a:solidFill>
-                <a:latin typeface="Courier"/>
-                <a:cs typeface="Courier"/>
-              </a:rPr>
-              <a:t> </a:t>
-            </a:r>
-            <a:r>
-              <a:rPr lang="en-US" sz="2400" dirty="0">
+                <a:latin typeface="Calibri"/>
                 <a:cs typeface="Calibri"/>
               </a:rPr>
-              <a:t>–  go to end of command</a:t>
+              <a:t>Re-run a previous command with </a:t>
+            </a:r>
+            <a:r>
+              <a:rPr lang="en-US" sz="2400" u="sng" dirty="0">
+                <a:latin typeface="Calibri"/>
+                <a:cs typeface="Calibri"/>
+              </a:rPr>
+              <a:t>Up [and down] arrow</a:t>
             </a:r>
           </a:p>
           <a:p>
@@ -8432,31 +8293,31 @@
               <a:buAutoNum type="arabicPeriod"/>
             </a:pPr>
             <a:r>
+              <a:rPr lang="en-US" sz="2400" dirty="0">
+                <a:latin typeface="Calibri"/>
+                <a:cs typeface="Calibri"/>
+              </a:rPr>
+              <a:t>Find an old command with </a:t>
+            </a:r>
+            <a:r>
               <a:rPr lang="en-US" sz="2400" dirty="0" err="1">
                 <a:solidFill>
-                  <a:srgbClr val="0000FF"/>
-                </a:solidFill>
-                <a:latin typeface="Courier"/>
-                <a:cs typeface="Courier"/>
-              </a:rPr>
-              <a:t>Ctrl+u</a:t>
-            </a:r>
-            <a:r>
-              <a:rPr lang="en-US" sz="2400" dirty="0">
-                <a:solidFill>
-                  <a:srgbClr val="0000FF"/>
-                </a:solidFill>
-                <a:latin typeface="Courier"/>
-                <a:cs typeface="Courier"/>
-              </a:rPr>
-              <a:t> </a:t>
-            </a:r>
-            <a:r>
-              <a:rPr lang="en-US" sz="2400" dirty="0">
-                <a:cs typeface="Calibri"/>
-              </a:rPr>
-              <a:t>–  erase command from cursor to start</a:t>
-            </a:r>
+                  <a:srgbClr val="0432FF"/>
+                </a:solidFill>
+                <a:latin typeface="Courier" charset="0"/>
+                <a:ea typeface="Courier" charset="0"/>
+                <a:cs typeface="Courier" charset="0"/>
+              </a:rPr>
+              <a:t>Ctrl+r</a:t>
+            </a:r>
+            <a:endParaRPr lang="en-US" sz="2400" dirty="0">
+              <a:solidFill>
+                <a:srgbClr val="0432FF"/>
+              </a:solidFill>
+              <a:latin typeface="Courier" charset="0"/>
+              <a:ea typeface="Courier" charset="0"/>
+              <a:cs typeface="Courier" charset="0"/>
+            </a:endParaRPr>
           </a:p>
           <a:p>
             <a:pPr marL="457200" indent="-457200">
@@ -8464,47 +8325,43 @@
               <a:buAutoNum type="arabicPeriod"/>
             </a:pPr>
             <a:r>
-              <a:rPr lang="en-US" sz="2400" dirty="0" err="1">
-                <a:solidFill>
-                  <a:srgbClr val="0000FF"/>
-                </a:solidFill>
-                <a:latin typeface="Courier"/>
-                <a:cs typeface="Courier"/>
-              </a:rPr>
-              <a:t>Ctrl+l</a:t>
-            </a:r>
-            <a:r>
-              <a:rPr lang="en-US" sz="2400" dirty="0">
-                <a:solidFill>
-                  <a:srgbClr val="0000FF"/>
-                </a:solidFill>
-                <a:latin typeface="Courier"/>
-                <a:cs typeface="Courier"/>
-              </a:rPr>
-              <a:t> </a:t>
-            </a:r>
-            <a:r>
               <a:rPr lang="en-US" sz="2400" dirty="0">
                 <a:cs typeface="Calibri"/>
               </a:rPr>
-              <a:t>–  clear the screen (executes </a:t>
+              <a:t>Find an old command with  </a:t>
             </a:r>
             <a:r>
               <a:rPr lang="en-US" sz="2400" dirty="0">
                 <a:solidFill>
-                  <a:srgbClr val="0432FF"/>
-                </a:solidFill>
-                <a:latin typeface="Courier" charset="0"/>
-                <a:ea typeface="Courier" charset="0"/>
-                <a:cs typeface="Courier" charset="0"/>
-              </a:rPr>
-              <a:t>clear</a:t>
-            </a:r>
+                  <a:srgbClr val="0000FF"/>
+                </a:solidFill>
+                <a:latin typeface="Courier"/>
+                <a:cs typeface="Courier"/>
+              </a:rPr>
+              <a:t>history</a:t>
+            </a:r>
+          </a:p>
+          <a:p>
+            <a:pPr marL="457200" indent="-457200">
+              <a:buFont typeface="+mj-lt"/>
+              <a:buAutoNum type="arabicPeriod"/>
+            </a:pPr>
             <a:r>
               <a:rPr lang="en-US" sz="2400" dirty="0">
+                <a:latin typeface="Calibri"/>
                 <a:cs typeface="Calibri"/>
               </a:rPr>
-              <a:t> command)</a:t>
+              <a:t>Mac OS: open working directory in Finder with  </a:t>
+            </a:r>
+            <a:r>
+              <a:rPr lang="en-US" sz="2400" dirty="0">
+                <a:solidFill>
+                  <a:srgbClr val="0000FF"/>
+                </a:solidFill>
+                <a:latin typeface="Courier"/>
+                <a:cs typeface="Courier"/>
+              </a:rPr>
+              <a:t>open .</a:t>
             </a:r>
           </a:p>
         </p:txBody>
@@ -8512,7 +8369,7 @@
     </p:spTree>
     <p:extLst>
       <p:ext uri="{BB962C8B-B14F-4D97-AF65-F5344CB8AC3E}">
-        <p14:creationId xmlns:p14="http://schemas.microsoft.com/office/powerpoint/2010/main" val="3761394893"/>
+        <p14:creationId xmlns:p14="http://schemas.microsoft.com/office/powerpoint/2010/main" val="2076066060"/>
       </p:ext>
     </p:extLst>
   </p:cSld>
@@ -8551,7 +8408,7 @@
         </p:nvSpPr>
         <p:spPr>
           <a:xfrm>
-            <a:off x="364627" y="176523"/>
+            <a:off x="364627" y="1827533"/>
             <a:ext cx="8436747" cy="862385"/>
           </a:xfrm>
         </p:spPr>
@@ -8562,22 +8419,22 @@
           <a:lstStyle/>
           <a:p>
             <a:r>
-              <a:rPr lang="en-US" sz="3600" dirty="0"/>
-              <a:t>Common Unix commands</a:t>
+              <a:rPr lang="en-US" sz="3600" b="1" dirty="0"/>
+              <a:t>*MORE SHORTCUTS*</a:t>
             </a:r>
           </a:p>
         </p:txBody>
       </p:sp>
       <p:sp>
         <p:nvSpPr>
-          <p:cNvPr id="4" name="TextBox 3"/>
+          <p:cNvPr id="3" name="TextBox 2"/>
           <p:cNvSpPr txBox="1"/>
           <p:nvPr/>
         </p:nvSpPr>
         <p:spPr>
           <a:xfrm>
-            <a:off x="264903" y="1243826"/>
-            <a:ext cx="8723875" cy="4421723"/>
+            <a:off x="601964" y="3060607"/>
+            <a:ext cx="7940072" cy="1569660"/>
           </a:xfrm>
           <a:prstGeom prst="rect">
             <a:avLst/>
@@ -8590,40 +8447,22 @@
           </a:bodyPr>
           <a:lstStyle/>
           <a:p>
-            <a:pPr marL="225425" lvl="1">
-              <a:spcAft>
-                <a:spcPts val="400"/>
-              </a:spcAft>
-            </a:pPr>
+            <a:pPr marL="457200" indent="-457200">
+              <a:buFont typeface="+mj-lt"/>
+              <a:buAutoNum type="arabicPeriod"/>
+            </a:pPr>
+            <a:r>
+              <a:rPr lang="en-US" sz="2400" dirty="0" err="1">
+                <a:solidFill>
+                  <a:srgbClr val="0000FF"/>
+                </a:solidFill>
+                <a:latin typeface="Courier"/>
+                <a:cs typeface="Courier"/>
+              </a:rPr>
+              <a:t>Ctrl+a</a:t>
+            </a:r>
             <a:r>
               <a:rPr lang="en-US" sz="2400" dirty="0">
-                <a:latin typeface="Courier"/>
-                <a:cs typeface="Courier"/>
-              </a:rPr>
-              <a:t>$ </a:t>
-            </a:r>
-            <a:r>
-              <a:rPr lang="en-US" sz="2400" dirty="0">
-                <a:solidFill>
-                  <a:srgbClr val="0000FF"/>
-                </a:solidFill>
-                <a:latin typeface="Courier"/>
-                <a:cs typeface="Courier"/>
-              </a:rPr>
-              <a:t>which </a:t>
-            </a:r>
-            <a:r>
-              <a:rPr lang="en-US" sz="2400" u="sng" dirty="0">
-                <a:solidFill>
-                  <a:srgbClr val="0000FF"/>
-                </a:solidFill>
-                <a:latin typeface="Courier"/>
-                <a:cs typeface="Courier"/>
-              </a:rPr>
-              <a:t>argument</a:t>
-            </a:r>
-            <a:r>
-              <a:rPr lang="en-US" sz="2400" dirty="0">
                 <a:solidFill>
                   <a:srgbClr val="0000FF"/>
                 </a:solidFill>
@@ -8631,143 +8470,19 @@
                 <a:cs typeface="Courier"/>
               </a:rPr>
               <a:t> </a:t>
-            </a:r>
-            <a:r>
-              <a:rPr lang="en-US" sz="2400" dirty="0">
-                <a:latin typeface="Calibri"/>
-                <a:cs typeface="Calibri"/>
-              </a:rPr>
-              <a:t>–   </a:t>
             </a:r>
             <a:r>
               <a:rPr lang="en-US" sz="2400" dirty="0">
                 <a:cs typeface="Calibri"/>
               </a:rPr>
-              <a:t>locate a command</a:t>
-            </a:r>
-            <a:endParaRPr lang="en-US" sz="2400" dirty="0">
-              <a:latin typeface="Calibri"/>
-              <a:cs typeface="Calibri"/>
-            </a:endParaRPr>
-          </a:p>
-          <a:p>
-            <a:pPr marL="225425" lvl="1">
-              <a:spcAft>
-                <a:spcPts val="400"/>
-              </a:spcAft>
-            </a:pPr>
-            <a:r>
-              <a:rPr lang="en-US" sz="2200" dirty="0">
-                <a:latin typeface="Courier"/>
-                <a:cs typeface="Courier"/>
-              </a:rPr>
-              <a:t>  $ </a:t>
-            </a:r>
-            <a:r>
-              <a:rPr lang="en-US" sz="2200" dirty="0">
-                <a:solidFill>
-                  <a:srgbClr val="0000FF"/>
-                </a:solidFill>
-                <a:latin typeface="Courier"/>
-                <a:cs typeface="Courier"/>
-              </a:rPr>
-              <a:t>which </a:t>
-            </a:r>
-            <a:r>
-              <a:rPr lang="en-US" sz="2200" dirty="0" err="1">
-                <a:solidFill>
-                  <a:srgbClr val="0000FF"/>
-                </a:solidFill>
-                <a:latin typeface="Courier"/>
-                <a:cs typeface="Courier"/>
-              </a:rPr>
-              <a:t>pwd</a:t>
-            </a:r>
-            <a:endParaRPr lang="en-US" sz="2200" dirty="0">
-              <a:solidFill>
-                <a:srgbClr val="0000FF"/>
-              </a:solidFill>
-              <a:cs typeface="Courier"/>
-            </a:endParaRPr>
-          </a:p>
-          <a:p>
-            <a:pPr marL="225425" lvl="1">
-              <a:spcAft>
-                <a:spcPts val="400"/>
-              </a:spcAft>
-            </a:pPr>
-            <a:r>
-              <a:rPr lang="en-US" sz="2200" dirty="0">
-                <a:latin typeface="Courier"/>
-                <a:cs typeface="Courier"/>
-              </a:rPr>
-              <a:t>  $ </a:t>
-            </a:r>
-            <a:r>
-              <a:rPr lang="en-US" sz="2200" dirty="0">
-                <a:solidFill>
-                  <a:srgbClr val="0000FF"/>
-                </a:solidFill>
-                <a:latin typeface="Courier"/>
-                <a:cs typeface="Courier"/>
-              </a:rPr>
-              <a:t>which cd</a:t>
-            </a:r>
-          </a:p>
-          <a:p>
-            <a:pPr marL="225425" lvl="1">
-              <a:spcAft>
-                <a:spcPts val="400"/>
-              </a:spcAft>
-            </a:pPr>
-            <a:r>
-              <a:rPr lang="en-US" sz="2200" dirty="0">
-                <a:latin typeface="Courier"/>
-                <a:cs typeface="Courier"/>
-              </a:rPr>
-              <a:t>  $ </a:t>
-            </a:r>
-            <a:r>
-              <a:rPr lang="en-US" sz="2200" dirty="0">
-                <a:solidFill>
-                  <a:srgbClr val="0000FF"/>
-                </a:solidFill>
-                <a:latin typeface="Courier"/>
-                <a:cs typeface="Courier"/>
-              </a:rPr>
-              <a:t>which python3</a:t>
-            </a:r>
-            <a:endParaRPr lang="en-US" sz="2200" dirty="0">
-              <a:solidFill>
-                <a:srgbClr val="0000FF"/>
-              </a:solidFill>
-              <a:cs typeface="Courier"/>
-            </a:endParaRPr>
-          </a:p>
-          <a:p>
-            <a:pPr marL="225425" lvl="1">
-              <a:spcAft>
-                <a:spcPts val="400"/>
-              </a:spcAft>
-            </a:pPr>
-            <a:endParaRPr lang="en-US" sz="2400" dirty="0">
-              <a:latin typeface="Courier"/>
-              <a:cs typeface="Courier"/>
-            </a:endParaRPr>
-          </a:p>
-          <a:p>
-            <a:pPr marL="225425" lvl="1">
-              <a:spcAft>
-                <a:spcPts val="400"/>
-              </a:spcAft>
-            </a:pPr>
-            <a:r>
-              <a:rPr lang="en-US" sz="2400" dirty="0">
-                <a:latin typeface="Courier"/>
-                <a:cs typeface="Courier"/>
-              </a:rPr>
-              <a:t>$ </a:t>
-            </a:r>
+              <a:t>–  go to beginning of command</a:t>
+            </a:r>
+          </a:p>
+          <a:p>
+            <a:pPr marL="457200" indent="-457200">
+              <a:buFont typeface="+mj-lt"/>
+              <a:buAutoNum type="arabicPeriod"/>
+            </a:pPr>
             <a:r>
               <a:rPr lang="en-US" sz="2400" dirty="0" err="1">
                 <a:solidFill>
@@ -8776,7 +8491,7 @@
                 <a:latin typeface="Courier"/>
                 <a:cs typeface="Courier"/>
               </a:rPr>
-              <a:t>ls</a:t>
+              <a:t>Ctrl+e</a:t>
             </a:r>
             <a:r>
               <a:rPr lang="en-US" sz="2400" dirty="0">
@@ -8792,371 +8507,96 @@
               <a:rPr lang="en-US" sz="2400" dirty="0">
                 <a:cs typeface="Calibri"/>
               </a:rPr>
-              <a:t>–  </a:t>
-            </a:r>
-            <a:r>
-              <a:rPr lang="en-US" sz="2400" u="sng" dirty="0">
-                <a:cs typeface="Calibri"/>
-              </a:rPr>
-              <a:t>l</a:t>
+              <a:t>–  go to end of command</a:t>
+            </a:r>
+          </a:p>
+          <a:p>
+            <a:pPr marL="457200" indent="-457200">
+              <a:buFont typeface="+mj-lt"/>
+              <a:buAutoNum type="arabicPeriod"/>
+            </a:pPr>
+            <a:r>
+              <a:rPr lang="en-US" sz="2400" dirty="0" err="1">
+                <a:solidFill>
+                  <a:srgbClr val="0000FF"/>
+                </a:solidFill>
+                <a:latin typeface="Courier"/>
+                <a:cs typeface="Courier"/>
+              </a:rPr>
+              <a:t>Ctrl+u</a:t>
+            </a:r>
+            <a:r>
+              <a:rPr lang="en-US" sz="2400" dirty="0">
+                <a:solidFill>
+                  <a:srgbClr val="0000FF"/>
+                </a:solidFill>
+                <a:latin typeface="Courier"/>
+                <a:cs typeface="Courier"/>
+              </a:rPr>
+              <a:t> </a:t>
             </a:r>
             <a:r>
               <a:rPr lang="en-US" sz="2400" dirty="0">
                 <a:cs typeface="Calibri"/>
               </a:rPr>
-              <a:t>i</a:t>
-            </a:r>
-            <a:r>
-              <a:rPr lang="en-US" sz="2400" u="sng" dirty="0">
-                <a:cs typeface="Calibri"/>
-              </a:rPr>
-              <a:t>s</a:t>
+              <a:t>–  erase command from cursor to start</a:t>
+            </a:r>
+          </a:p>
+          <a:p>
+            <a:pPr marL="457200" indent="-457200">
+              <a:buFont typeface="+mj-lt"/>
+              <a:buAutoNum type="arabicPeriod"/>
+            </a:pPr>
+            <a:r>
+              <a:rPr lang="en-US" sz="2400" dirty="0" err="1">
+                <a:solidFill>
+                  <a:srgbClr val="0000FF"/>
+                </a:solidFill>
+                <a:latin typeface="Courier"/>
+                <a:cs typeface="Courier"/>
+              </a:rPr>
+              <a:t>Ctrl+l</a:t>
+            </a:r>
+            <a:r>
+              <a:rPr lang="en-US" sz="2400" dirty="0">
+                <a:solidFill>
+                  <a:srgbClr val="0000FF"/>
+                </a:solidFill>
+                <a:latin typeface="Courier"/>
+                <a:cs typeface="Courier"/>
+              </a:rPr>
+              <a:t> </a:t>
             </a:r>
             <a:r>
               <a:rPr lang="en-US" sz="2400" dirty="0">
                 <a:cs typeface="Calibri"/>
               </a:rPr>
-              <a:t>t directory contents</a:t>
-            </a:r>
-          </a:p>
-          <a:p>
-            <a:pPr marL="225425" lvl="1">
-              <a:spcAft>
-                <a:spcPts val="400"/>
-              </a:spcAft>
-            </a:pPr>
+              <a:t>–  clear the screen (executes </a:t>
+            </a:r>
             <a:r>
               <a:rPr lang="en-US" sz="2400" dirty="0">
-                <a:latin typeface="Courier"/>
+                <a:solidFill>
+                  <a:srgbClr val="0432FF"/>
+                </a:solidFill>
+                <a:latin typeface="Courier" charset="0"/>
+                <a:ea typeface="Courier" charset="0"/>
+                <a:cs typeface="Courier" charset="0"/>
+              </a:rPr>
+              <a:t>clear</a:t>
+            </a:r>
+            <a:r>
+              <a:rPr lang="en-US" sz="2400" dirty="0">
                 <a:cs typeface="Calibri"/>
               </a:rPr>
-              <a:t>  </a:t>
-            </a:r>
-            <a:r>
-              <a:rPr lang="en-US" sz="2200" dirty="0">
-                <a:latin typeface="Courier"/>
-                <a:cs typeface="Courier"/>
-              </a:rPr>
-              <a:t>$ </a:t>
-            </a:r>
-            <a:r>
-              <a:rPr lang="en-US" sz="2200" dirty="0" err="1">
-                <a:solidFill>
-                  <a:srgbClr val="0000FF"/>
-                </a:solidFill>
-                <a:latin typeface="Courier"/>
-                <a:cs typeface="Courier"/>
-              </a:rPr>
-              <a:t>ls</a:t>
-            </a:r>
-            <a:r>
-              <a:rPr lang="en-US" sz="2200" dirty="0">
-                <a:solidFill>
-                  <a:srgbClr val="0000FF"/>
-                </a:solidFill>
-                <a:latin typeface="Courier"/>
-                <a:cs typeface="Courier"/>
-              </a:rPr>
-              <a:t> </a:t>
-            </a:r>
-            <a:r>
-              <a:rPr lang="en-US" sz="2200" dirty="0">
-                <a:cs typeface="Courier"/>
-              </a:rPr>
-              <a:t>[list contents of working directory]</a:t>
-            </a:r>
-          </a:p>
-          <a:p>
-            <a:pPr marL="225425" lvl="1">
-              <a:spcAft>
-                <a:spcPts val="400"/>
-              </a:spcAft>
-            </a:pPr>
-            <a:r>
-              <a:rPr lang="en-US" sz="2200" dirty="0">
-                <a:solidFill>
-                  <a:srgbClr val="3366FF"/>
-                </a:solidFill>
-                <a:latin typeface="Courier"/>
-                <a:cs typeface="Courier"/>
-              </a:rPr>
-              <a:t>  </a:t>
-            </a:r>
-            <a:r>
-              <a:rPr lang="en-US" sz="2200" dirty="0">
-                <a:latin typeface="Courier"/>
-                <a:cs typeface="Courier"/>
-              </a:rPr>
-              <a:t>$ </a:t>
-            </a:r>
-            <a:r>
-              <a:rPr lang="en-US" sz="2200" dirty="0" err="1">
-                <a:solidFill>
-                  <a:srgbClr val="0000FF"/>
-                </a:solidFill>
-                <a:latin typeface="Courier"/>
-                <a:cs typeface="Courier"/>
-              </a:rPr>
-              <a:t>ls</a:t>
-            </a:r>
-            <a:r>
-              <a:rPr lang="en-US" sz="2200" dirty="0">
-                <a:solidFill>
-                  <a:srgbClr val="0000FF"/>
-                </a:solidFill>
-                <a:latin typeface="Courier"/>
-                <a:cs typeface="Courier"/>
-              </a:rPr>
-              <a:t> ~/Desktop </a:t>
-            </a:r>
-            <a:r>
-              <a:rPr lang="en-US" sz="2200" dirty="0">
-                <a:cs typeface="Courier"/>
-              </a:rPr>
-              <a:t>[list Desktop contents]</a:t>
-            </a:r>
-          </a:p>
-          <a:p>
-            <a:pPr marL="225425" lvl="1">
-              <a:spcAft>
-                <a:spcPts val="400"/>
-              </a:spcAft>
-            </a:pPr>
-            <a:r>
-              <a:rPr lang="en-US" sz="2200" dirty="0">
-                <a:solidFill>
-                  <a:srgbClr val="3366FF"/>
-                </a:solidFill>
-                <a:latin typeface="Courier"/>
-                <a:cs typeface="Courier"/>
-              </a:rPr>
-              <a:t>  </a:t>
-            </a:r>
-            <a:r>
-              <a:rPr lang="en-US" sz="2200" dirty="0">
-                <a:latin typeface="Courier"/>
-                <a:cs typeface="Courier"/>
-              </a:rPr>
-              <a:t>$ </a:t>
-            </a:r>
-            <a:r>
-              <a:rPr lang="en-US" sz="2200" dirty="0" err="1">
-                <a:solidFill>
-                  <a:srgbClr val="0000FF"/>
-                </a:solidFill>
-                <a:latin typeface="Courier"/>
-                <a:cs typeface="Courier"/>
-              </a:rPr>
-              <a:t>ls</a:t>
-            </a:r>
-            <a:r>
-              <a:rPr lang="en-US" sz="2200" dirty="0">
-                <a:solidFill>
-                  <a:srgbClr val="0000FF"/>
-                </a:solidFill>
-                <a:latin typeface="Courier"/>
-                <a:cs typeface="Courier"/>
-              </a:rPr>
-              <a:t> ~/Desktop/</a:t>
-            </a:r>
-            <a:r>
-              <a:rPr lang="en-US" sz="2200" dirty="0" err="1">
-                <a:solidFill>
-                  <a:srgbClr val="0000FF"/>
-                </a:solidFill>
-                <a:latin typeface="Courier"/>
-                <a:cs typeface="Courier"/>
-              </a:rPr>
-              <a:t>watermelon_files</a:t>
-            </a:r>
-            <a:r>
-              <a:rPr lang="en-US" sz="2200" dirty="0">
-                <a:solidFill>
-                  <a:srgbClr val="0000FF"/>
-                </a:solidFill>
-                <a:latin typeface="Courier"/>
-                <a:cs typeface="Courier"/>
-              </a:rPr>
-              <a:t>/</a:t>
-            </a:r>
-          </a:p>
-          <a:p>
-            <a:pPr marL="225425" lvl="1">
-              <a:spcAft>
-                <a:spcPts val="400"/>
-              </a:spcAft>
-            </a:pPr>
-            <a:r>
-              <a:rPr lang="en-US" sz="2200" dirty="0">
-                <a:solidFill>
-                  <a:srgbClr val="3366FF"/>
-                </a:solidFill>
-                <a:latin typeface="Courier"/>
-                <a:cs typeface="Courier"/>
-              </a:rPr>
-              <a:t>  </a:t>
-            </a:r>
-            <a:r>
-              <a:rPr lang="en-US" sz="2200" dirty="0">
-                <a:latin typeface="Courier"/>
-                <a:cs typeface="Courier"/>
-              </a:rPr>
-              <a:t>$ </a:t>
-            </a:r>
-            <a:r>
-              <a:rPr lang="en-US" sz="2200" dirty="0" err="1">
-                <a:solidFill>
-                  <a:srgbClr val="0000FF"/>
-                </a:solidFill>
-                <a:latin typeface="Courier"/>
-                <a:cs typeface="Courier"/>
-              </a:rPr>
-              <a:t>ls</a:t>
-            </a:r>
-            <a:r>
-              <a:rPr lang="en-US" sz="2200" dirty="0">
-                <a:solidFill>
-                  <a:srgbClr val="0000FF"/>
-                </a:solidFill>
-                <a:latin typeface="Courier"/>
-                <a:cs typeface="Courier"/>
-              </a:rPr>
-              <a:t> /Users/</a:t>
-            </a:r>
-            <a:r>
-              <a:rPr lang="en-US" sz="2200" dirty="0" err="1">
-                <a:solidFill>
-                  <a:srgbClr val="0000FF"/>
-                </a:solidFill>
-                <a:latin typeface="Courier"/>
-                <a:cs typeface="Courier"/>
-              </a:rPr>
-              <a:t>aja</a:t>
-            </a:r>
-            <a:r>
-              <a:rPr lang="en-US" sz="2200" dirty="0">
-                <a:solidFill>
-                  <a:srgbClr val="0000FF"/>
-                </a:solidFill>
-                <a:latin typeface="Courier"/>
-                <a:cs typeface="Courier"/>
-              </a:rPr>
-              <a:t>/Desktop/</a:t>
-            </a:r>
-            <a:r>
-              <a:rPr lang="en-US" sz="2200" dirty="0" err="1">
-                <a:solidFill>
-                  <a:srgbClr val="0000FF"/>
-                </a:solidFill>
-                <a:latin typeface="Courier"/>
-                <a:cs typeface="Courier"/>
-              </a:rPr>
-              <a:t>watermelon_files</a:t>
-            </a:r>
-            <a:r>
-              <a:rPr lang="en-US" sz="2200" dirty="0">
-                <a:solidFill>
-                  <a:srgbClr val="0000FF"/>
-                </a:solidFill>
-                <a:latin typeface="Courier"/>
-                <a:cs typeface="Courier"/>
-              </a:rPr>
-              <a:t>/</a:t>
-            </a:r>
-          </a:p>
-          <a:p>
-            <a:pPr marL="225425" lvl="1">
-              <a:spcAft>
-                <a:spcPts val="400"/>
-              </a:spcAft>
-            </a:pPr>
-            <a:r>
-              <a:rPr lang="en-US" sz="2200" dirty="0">
-                <a:solidFill>
-                  <a:srgbClr val="3366FF"/>
-                </a:solidFill>
-                <a:latin typeface="Courier"/>
-                <a:cs typeface="Courier"/>
-              </a:rPr>
-              <a:t>  </a:t>
-            </a:r>
-            <a:r>
-              <a:rPr lang="en-US" sz="2200" dirty="0">
-                <a:latin typeface="Courier"/>
-                <a:cs typeface="Courier"/>
-              </a:rPr>
-              <a:t>$</a:t>
-            </a:r>
-            <a:r>
-              <a:rPr lang="en-US" sz="2200" dirty="0">
-                <a:cs typeface="Courier"/>
-              </a:rPr>
-              <a:t>	</a:t>
-            </a:r>
-            <a:r>
-              <a:rPr lang="en-US" sz="2200" dirty="0" err="1">
-                <a:solidFill>
-                  <a:srgbClr val="0000FF"/>
-                </a:solidFill>
-                <a:latin typeface="Courier"/>
-                <a:cs typeface="Courier"/>
-              </a:rPr>
-              <a:t>ls</a:t>
-            </a:r>
-            <a:r>
-              <a:rPr lang="en-US" sz="2200" dirty="0">
-                <a:solidFill>
-                  <a:srgbClr val="0000FF"/>
-                </a:solidFill>
-                <a:latin typeface="Courier"/>
-                <a:cs typeface="Courier"/>
-              </a:rPr>
-              <a:t> ~/Desktop/</a:t>
-            </a:r>
-            <a:r>
-              <a:rPr lang="en-US" sz="2200" dirty="0" err="1">
-                <a:solidFill>
-                  <a:srgbClr val="0000FF"/>
-                </a:solidFill>
-                <a:latin typeface="Courier"/>
-                <a:cs typeface="Courier"/>
-              </a:rPr>
-              <a:t>watermelon_files</a:t>
-            </a:r>
-            <a:r>
-              <a:rPr lang="en-US" sz="2200" dirty="0">
-                <a:solidFill>
-                  <a:srgbClr val="0000FF"/>
-                </a:solidFill>
-                <a:latin typeface="Courier"/>
-                <a:cs typeface="Courier"/>
-              </a:rPr>
-              <a:t>/</a:t>
-            </a:r>
-            <a:r>
-              <a:rPr lang="en-US" sz="2200" dirty="0" err="1">
-                <a:solidFill>
-                  <a:srgbClr val="0000FF"/>
-                </a:solidFill>
-                <a:latin typeface="Courier"/>
-                <a:cs typeface="Courier"/>
-              </a:rPr>
-              <a:t>watermelon.fsa</a:t>
-            </a:r>
-            <a:endParaRPr lang="en-US" sz="2200" dirty="0">
-              <a:solidFill>
-                <a:srgbClr val="0000FF"/>
-              </a:solidFill>
-              <a:latin typeface="Courier"/>
-              <a:cs typeface="Courier"/>
-            </a:endParaRPr>
+              <a:t> command)</a:t>
+            </a:r>
           </a:p>
         </p:txBody>
       </p:sp>
     </p:spTree>
     <p:extLst>
       <p:ext uri="{BB962C8B-B14F-4D97-AF65-F5344CB8AC3E}">
-        <p14:creationId xmlns:p14="http://schemas.microsoft.com/office/powerpoint/2010/main" val="169477189"/>
+        <p14:creationId xmlns:p14="http://schemas.microsoft.com/office/powerpoint/2010/main" val="3761394893"/>
       </p:ext>
     </p:extLst>
   </p:cSld>
@@ -9206,6 +8646,650 @@
           <a:lstStyle/>
           <a:p>
             <a:r>
+              <a:rPr lang="en-US" sz="3600" dirty="0"/>
+              <a:t>Common Unix commands</a:t>
+            </a:r>
+          </a:p>
+        </p:txBody>
+      </p:sp>
+      <p:sp>
+        <p:nvSpPr>
+          <p:cNvPr id="4" name="TextBox 3"/>
+          <p:cNvSpPr txBox="1"/>
+          <p:nvPr/>
+        </p:nvSpPr>
+        <p:spPr>
+          <a:xfrm>
+            <a:off x="264903" y="1243826"/>
+            <a:ext cx="8723875" cy="4421723"/>
+          </a:xfrm>
+          <a:prstGeom prst="rect">
+            <a:avLst/>
+          </a:prstGeom>
+          <a:noFill/>
+        </p:spPr>
+        <p:txBody>
+          <a:bodyPr wrap="square" rtlCol="0">
+            <a:spAutoFit/>
+          </a:bodyPr>
+          <a:lstStyle/>
+          <a:p>
+            <a:pPr marL="225425" lvl="1">
+              <a:spcAft>
+                <a:spcPts val="400"/>
+              </a:spcAft>
+            </a:pPr>
+            <a:r>
+              <a:rPr lang="en-US" sz="2400" dirty="0">
+                <a:latin typeface="Courier"/>
+                <a:cs typeface="Courier"/>
+              </a:rPr>
+              <a:t>$ </a:t>
+            </a:r>
+            <a:r>
+              <a:rPr lang="en-US" sz="2400" dirty="0">
+                <a:solidFill>
+                  <a:srgbClr val="0000FF"/>
+                </a:solidFill>
+                <a:latin typeface="Courier"/>
+                <a:cs typeface="Courier"/>
+              </a:rPr>
+              <a:t>which </a:t>
+            </a:r>
+            <a:r>
+              <a:rPr lang="en-US" sz="2400" u="sng" dirty="0">
+                <a:solidFill>
+                  <a:srgbClr val="0000FF"/>
+                </a:solidFill>
+                <a:latin typeface="Courier"/>
+                <a:cs typeface="Courier"/>
+              </a:rPr>
+              <a:t>argument</a:t>
+            </a:r>
+            <a:r>
+              <a:rPr lang="en-US" sz="2400" dirty="0">
+                <a:solidFill>
+                  <a:srgbClr val="0000FF"/>
+                </a:solidFill>
+                <a:latin typeface="Courier"/>
+                <a:cs typeface="Courier"/>
+              </a:rPr>
+              <a:t> </a:t>
+            </a:r>
+            <a:r>
+              <a:rPr lang="en-US" sz="2400" dirty="0">
+                <a:latin typeface="Calibri"/>
+                <a:cs typeface="Calibri"/>
+              </a:rPr>
+              <a:t>–   </a:t>
+            </a:r>
+            <a:r>
+              <a:rPr lang="en-US" sz="2400" dirty="0">
+                <a:cs typeface="Calibri"/>
+              </a:rPr>
+              <a:t>locate a command</a:t>
+            </a:r>
+            <a:endParaRPr lang="en-US" sz="2400" dirty="0">
+              <a:latin typeface="Calibri"/>
+              <a:cs typeface="Calibri"/>
+            </a:endParaRPr>
+          </a:p>
+          <a:p>
+            <a:pPr marL="225425" lvl="1">
+              <a:spcAft>
+                <a:spcPts val="400"/>
+              </a:spcAft>
+            </a:pPr>
+            <a:r>
+              <a:rPr lang="en-US" sz="2200" dirty="0">
+                <a:latin typeface="Courier"/>
+                <a:cs typeface="Courier"/>
+              </a:rPr>
+              <a:t>  $ </a:t>
+            </a:r>
+            <a:r>
+              <a:rPr lang="en-US" sz="2200" dirty="0">
+                <a:solidFill>
+                  <a:srgbClr val="0000FF"/>
+                </a:solidFill>
+                <a:latin typeface="Courier"/>
+                <a:cs typeface="Courier"/>
+              </a:rPr>
+              <a:t>which </a:t>
+            </a:r>
+            <a:r>
+              <a:rPr lang="en-US" sz="2200" dirty="0" err="1">
+                <a:solidFill>
+                  <a:srgbClr val="0000FF"/>
+                </a:solidFill>
+                <a:latin typeface="Courier"/>
+                <a:cs typeface="Courier"/>
+              </a:rPr>
+              <a:t>pwd</a:t>
+            </a:r>
+            <a:endParaRPr lang="en-US" sz="2200" dirty="0">
+              <a:solidFill>
+                <a:srgbClr val="0000FF"/>
+              </a:solidFill>
+              <a:cs typeface="Courier"/>
+            </a:endParaRPr>
+          </a:p>
+          <a:p>
+            <a:pPr marL="225425" lvl="1">
+              <a:spcAft>
+                <a:spcPts val="400"/>
+              </a:spcAft>
+            </a:pPr>
+            <a:r>
+              <a:rPr lang="en-US" sz="2200" dirty="0">
+                <a:latin typeface="Courier"/>
+                <a:cs typeface="Courier"/>
+              </a:rPr>
+              <a:t>  $ </a:t>
+            </a:r>
+            <a:r>
+              <a:rPr lang="en-US" sz="2200" dirty="0">
+                <a:solidFill>
+                  <a:srgbClr val="0000FF"/>
+                </a:solidFill>
+                <a:latin typeface="Courier"/>
+                <a:cs typeface="Courier"/>
+              </a:rPr>
+              <a:t>which cd</a:t>
+            </a:r>
+          </a:p>
+          <a:p>
+            <a:pPr marL="225425" lvl="1">
+              <a:spcAft>
+                <a:spcPts val="400"/>
+              </a:spcAft>
+            </a:pPr>
+            <a:r>
+              <a:rPr lang="en-US" sz="2200" dirty="0">
+                <a:latin typeface="Courier"/>
+                <a:cs typeface="Courier"/>
+              </a:rPr>
+              <a:t>  $ </a:t>
+            </a:r>
+            <a:r>
+              <a:rPr lang="en-US" sz="2200" dirty="0">
+                <a:solidFill>
+                  <a:srgbClr val="0000FF"/>
+                </a:solidFill>
+                <a:latin typeface="Courier"/>
+                <a:cs typeface="Courier"/>
+              </a:rPr>
+              <a:t>which python3</a:t>
+            </a:r>
+            <a:endParaRPr lang="en-US" sz="2200" dirty="0">
+              <a:solidFill>
+                <a:srgbClr val="0000FF"/>
+              </a:solidFill>
+              <a:cs typeface="Courier"/>
+            </a:endParaRPr>
+          </a:p>
+          <a:p>
+            <a:pPr marL="225425" lvl="1">
+              <a:spcAft>
+                <a:spcPts val="400"/>
+              </a:spcAft>
+            </a:pPr>
+            <a:endParaRPr lang="en-US" sz="2400" dirty="0">
+              <a:latin typeface="Courier"/>
+              <a:cs typeface="Courier"/>
+            </a:endParaRPr>
+          </a:p>
+          <a:p>
+            <a:pPr marL="225425" lvl="1">
+              <a:spcAft>
+                <a:spcPts val="400"/>
+              </a:spcAft>
+            </a:pPr>
+            <a:r>
+              <a:rPr lang="en-US" sz="2400" dirty="0">
+                <a:latin typeface="Courier"/>
+                <a:cs typeface="Courier"/>
+              </a:rPr>
+              <a:t>$ </a:t>
+            </a:r>
+            <a:r>
+              <a:rPr lang="en-US" sz="2400" dirty="0" err="1">
+                <a:solidFill>
+                  <a:srgbClr val="0000FF"/>
+                </a:solidFill>
+                <a:latin typeface="Courier"/>
+                <a:cs typeface="Courier"/>
+              </a:rPr>
+              <a:t>ls</a:t>
+            </a:r>
+            <a:r>
+              <a:rPr lang="en-US" sz="2400" dirty="0">
+                <a:solidFill>
+                  <a:srgbClr val="0000FF"/>
+                </a:solidFill>
+                <a:latin typeface="Courier"/>
+                <a:cs typeface="Courier"/>
+              </a:rPr>
+              <a:t> </a:t>
+            </a:r>
+            <a:r>
+              <a:rPr lang="en-US" sz="2400" dirty="0">
+                <a:cs typeface="Calibri"/>
+              </a:rPr>
+              <a:t>–  </a:t>
+            </a:r>
+            <a:r>
+              <a:rPr lang="en-US" sz="2400" u="sng" dirty="0">
+                <a:cs typeface="Calibri"/>
+              </a:rPr>
+              <a:t>l</a:t>
+            </a:r>
+            <a:r>
+              <a:rPr lang="en-US" sz="2400" dirty="0">
+                <a:cs typeface="Calibri"/>
+              </a:rPr>
+              <a:t>i</a:t>
+            </a:r>
+            <a:r>
+              <a:rPr lang="en-US" sz="2400" u="sng" dirty="0">
+                <a:cs typeface="Calibri"/>
+              </a:rPr>
+              <a:t>s</a:t>
+            </a:r>
+            <a:r>
+              <a:rPr lang="en-US" sz="2400" dirty="0">
+                <a:cs typeface="Calibri"/>
+              </a:rPr>
+              <a:t>t directory contents</a:t>
+            </a:r>
+          </a:p>
+          <a:p>
+            <a:pPr marL="225425" lvl="1">
+              <a:spcAft>
+                <a:spcPts val="400"/>
+              </a:spcAft>
+            </a:pPr>
+            <a:r>
+              <a:rPr lang="en-US" sz="2400" dirty="0">
+                <a:latin typeface="Courier"/>
+                <a:cs typeface="Calibri"/>
+              </a:rPr>
+              <a:t>  </a:t>
+            </a:r>
+            <a:r>
+              <a:rPr lang="en-US" sz="2200" dirty="0">
+                <a:latin typeface="Courier"/>
+                <a:cs typeface="Courier"/>
+              </a:rPr>
+              <a:t>$ </a:t>
+            </a:r>
+            <a:r>
+              <a:rPr lang="en-US" sz="2200" dirty="0" err="1">
+                <a:solidFill>
+                  <a:srgbClr val="0000FF"/>
+                </a:solidFill>
+                <a:latin typeface="Courier"/>
+                <a:cs typeface="Courier"/>
+              </a:rPr>
+              <a:t>ls</a:t>
+            </a:r>
+            <a:r>
+              <a:rPr lang="en-US" sz="2200" dirty="0">
+                <a:solidFill>
+                  <a:srgbClr val="0000FF"/>
+                </a:solidFill>
+                <a:latin typeface="Courier"/>
+                <a:cs typeface="Courier"/>
+              </a:rPr>
+              <a:t> </a:t>
+            </a:r>
+            <a:r>
+              <a:rPr lang="en-US" sz="2200" dirty="0">
+                <a:cs typeface="Courier"/>
+              </a:rPr>
+              <a:t>[list contents of working directory]</a:t>
+            </a:r>
+          </a:p>
+          <a:p>
+            <a:pPr marL="225425" lvl="1">
+              <a:spcAft>
+                <a:spcPts val="400"/>
+              </a:spcAft>
+            </a:pPr>
+            <a:r>
+              <a:rPr lang="en-US" sz="2200" dirty="0">
+                <a:solidFill>
+                  <a:srgbClr val="3366FF"/>
+                </a:solidFill>
+                <a:latin typeface="Courier"/>
+                <a:cs typeface="Courier"/>
+              </a:rPr>
+              <a:t>  </a:t>
+            </a:r>
+            <a:r>
+              <a:rPr lang="en-US" sz="2200" dirty="0">
+                <a:latin typeface="Courier"/>
+                <a:cs typeface="Courier"/>
+              </a:rPr>
+              <a:t>$ </a:t>
+            </a:r>
+            <a:r>
+              <a:rPr lang="en-US" sz="2200" dirty="0" err="1">
+                <a:solidFill>
+                  <a:srgbClr val="0000FF"/>
+                </a:solidFill>
+                <a:latin typeface="Courier"/>
+                <a:cs typeface="Courier"/>
+              </a:rPr>
+              <a:t>ls</a:t>
+            </a:r>
+            <a:r>
+              <a:rPr lang="en-US" sz="2200" dirty="0">
+                <a:solidFill>
+                  <a:srgbClr val="0000FF"/>
+                </a:solidFill>
+                <a:latin typeface="Courier"/>
+                <a:cs typeface="Courier"/>
+              </a:rPr>
+              <a:t> ~/Desktop </a:t>
+            </a:r>
+            <a:r>
+              <a:rPr lang="en-US" sz="2200" dirty="0">
+                <a:cs typeface="Courier"/>
+              </a:rPr>
+              <a:t>[list Desktop contents]</a:t>
+            </a:r>
+          </a:p>
+          <a:p>
+            <a:pPr marL="225425" lvl="1">
+              <a:spcAft>
+                <a:spcPts val="400"/>
+              </a:spcAft>
+            </a:pPr>
+            <a:r>
+              <a:rPr lang="en-US" sz="2200" dirty="0">
+                <a:solidFill>
+                  <a:srgbClr val="3366FF"/>
+                </a:solidFill>
+                <a:latin typeface="Courier"/>
+                <a:cs typeface="Courier"/>
+              </a:rPr>
+              <a:t>  </a:t>
+            </a:r>
+            <a:r>
+              <a:rPr lang="en-US" sz="2200" dirty="0">
+                <a:latin typeface="Courier"/>
+                <a:cs typeface="Courier"/>
+              </a:rPr>
+              <a:t>$ </a:t>
+            </a:r>
+            <a:r>
+              <a:rPr lang="en-US" sz="2200" dirty="0" err="1">
+                <a:solidFill>
+                  <a:srgbClr val="0000FF"/>
+                </a:solidFill>
+                <a:latin typeface="Courier"/>
+                <a:cs typeface="Courier"/>
+              </a:rPr>
+              <a:t>ls</a:t>
+            </a:r>
+            <a:r>
+              <a:rPr lang="en-US" sz="2200" dirty="0">
+                <a:solidFill>
+                  <a:srgbClr val="0000FF"/>
+                </a:solidFill>
+                <a:latin typeface="Courier"/>
+                <a:cs typeface="Courier"/>
+              </a:rPr>
+              <a:t> ~/Desktop/</a:t>
+            </a:r>
+            <a:r>
+              <a:rPr lang="en-US" sz="2200" dirty="0" err="1">
+                <a:solidFill>
+                  <a:srgbClr val="0000FF"/>
+                </a:solidFill>
+                <a:latin typeface="Courier"/>
+                <a:cs typeface="Courier"/>
+              </a:rPr>
+              <a:t>watermelon_files</a:t>
+            </a:r>
+            <a:r>
+              <a:rPr lang="en-US" sz="2200" dirty="0">
+                <a:solidFill>
+                  <a:srgbClr val="0000FF"/>
+                </a:solidFill>
+                <a:latin typeface="Courier"/>
+                <a:cs typeface="Courier"/>
+              </a:rPr>
+              <a:t>/</a:t>
+            </a:r>
+          </a:p>
+          <a:p>
+            <a:pPr marL="225425" lvl="1">
+              <a:spcAft>
+                <a:spcPts val="400"/>
+              </a:spcAft>
+            </a:pPr>
+            <a:r>
+              <a:rPr lang="en-US" sz="2200" dirty="0">
+                <a:solidFill>
+                  <a:srgbClr val="3366FF"/>
+                </a:solidFill>
+                <a:latin typeface="Courier"/>
+                <a:cs typeface="Courier"/>
+              </a:rPr>
+              <a:t>  </a:t>
+            </a:r>
+            <a:r>
+              <a:rPr lang="en-US" sz="2200" dirty="0">
+                <a:latin typeface="Courier"/>
+                <a:cs typeface="Courier"/>
+              </a:rPr>
+              <a:t>$ </a:t>
+            </a:r>
+            <a:r>
+              <a:rPr lang="en-US" sz="2200" dirty="0" err="1">
+                <a:solidFill>
+                  <a:srgbClr val="0000FF"/>
+                </a:solidFill>
+                <a:latin typeface="Courier"/>
+                <a:cs typeface="Courier"/>
+              </a:rPr>
+              <a:t>ls</a:t>
+            </a:r>
+            <a:r>
+              <a:rPr lang="en-US" sz="2200" dirty="0">
+                <a:solidFill>
+                  <a:srgbClr val="0000FF"/>
+                </a:solidFill>
+                <a:latin typeface="Courier"/>
+                <a:cs typeface="Courier"/>
+              </a:rPr>
+              <a:t> /Users/</a:t>
+            </a:r>
+            <a:r>
+              <a:rPr lang="en-US" sz="2200" dirty="0" err="1">
+                <a:solidFill>
+                  <a:srgbClr val="0000FF"/>
+                </a:solidFill>
+                <a:latin typeface="Courier"/>
+                <a:cs typeface="Courier"/>
+              </a:rPr>
+              <a:t>aja</a:t>
+            </a:r>
+            <a:r>
+              <a:rPr lang="en-US" sz="2200" dirty="0">
+                <a:solidFill>
+                  <a:srgbClr val="0000FF"/>
+                </a:solidFill>
+                <a:latin typeface="Courier"/>
+                <a:cs typeface="Courier"/>
+              </a:rPr>
+              <a:t>/Desktop/</a:t>
+            </a:r>
+            <a:r>
+              <a:rPr lang="en-US" sz="2200" dirty="0" err="1">
+                <a:solidFill>
+                  <a:srgbClr val="0000FF"/>
+                </a:solidFill>
+                <a:latin typeface="Courier"/>
+                <a:cs typeface="Courier"/>
+              </a:rPr>
+              <a:t>watermelon_files</a:t>
+            </a:r>
+            <a:r>
+              <a:rPr lang="en-US" sz="2200" dirty="0">
+                <a:solidFill>
+                  <a:srgbClr val="0000FF"/>
+                </a:solidFill>
+                <a:latin typeface="Courier"/>
+                <a:cs typeface="Courier"/>
+              </a:rPr>
+              <a:t>/</a:t>
+            </a:r>
+          </a:p>
+          <a:p>
+            <a:pPr marL="225425" lvl="1">
+              <a:spcAft>
+                <a:spcPts val="400"/>
+              </a:spcAft>
+            </a:pPr>
+            <a:r>
+              <a:rPr lang="en-US" sz="2200" dirty="0">
+                <a:solidFill>
+                  <a:srgbClr val="3366FF"/>
+                </a:solidFill>
+                <a:latin typeface="Courier"/>
+                <a:cs typeface="Courier"/>
+              </a:rPr>
+              <a:t>  </a:t>
+            </a:r>
+            <a:r>
+              <a:rPr lang="en-US" sz="2200" dirty="0">
+                <a:latin typeface="Courier"/>
+                <a:cs typeface="Courier"/>
+              </a:rPr>
+              <a:t>$</a:t>
+            </a:r>
+            <a:r>
+              <a:rPr lang="en-US" sz="2200" dirty="0">
+                <a:cs typeface="Courier"/>
+              </a:rPr>
+              <a:t>	</a:t>
+            </a:r>
+            <a:r>
+              <a:rPr lang="en-US" sz="2200" dirty="0" err="1">
+                <a:solidFill>
+                  <a:srgbClr val="0000FF"/>
+                </a:solidFill>
+                <a:latin typeface="Courier"/>
+                <a:cs typeface="Courier"/>
+              </a:rPr>
+              <a:t>ls</a:t>
+            </a:r>
+            <a:r>
+              <a:rPr lang="en-US" sz="2200" dirty="0">
+                <a:solidFill>
+                  <a:srgbClr val="0000FF"/>
+                </a:solidFill>
+                <a:latin typeface="Courier"/>
+                <a:cs typeface="Courier"/>
+              </a:rPr>
+              <a:t> ~/Desktop/</a:t>
+            </a:r>
+            <a:r>
+              <a:rPr lang="en-US" sz="2200" dirty="0" err="1">
+                <a:solidFill>
+                  <a:srgbClr val="0000FF"/>
+                </a:solidFill>
+                <a:latin typeface="Courier"/>
+                <a:cs typeface="Courier"/>
+              </a:rPr>
+              <a:t>watermelon_files</a:t>
+            </a:r>
+            <a:r>
+              <a:rPr lang="en-US" sz="2200" dirty="0">
+                <a:solidFill>
+                  <a:srgbClr val="0000FF"/>
+                </a:solidFill>
+                <a:latin typeface="Courier"/>
+                <a:cs typeface="Courier"/>
+              </a:rPr>
+              <a:t>/</a:t>
+            </a:r>
+            <a:r>
+              <a:rPr lang="en-US" sz="2200" dirty="0" err="1">
+                <a:solidFill>
+                  <a:srgbClr val="0000FF"/>
+                </a:solidFill>
+                <a:latin typeface="Courier"/>
+                <a:cs typeface="Courier"/>
+              </a:rPr>
+              <a:t>watermelon.fsa</a:t>
+            </a:r>
+            <a:endParaRPr lang="en-US" sz="2200" dirty="0">
+              <a:solidFill>
+                <a:srgbClr val="0000FF"/>
+              </a:solidFill>
+              <a:latin typeface="Courier"/>
+              <a:cs typeface="Courier"/>
+            </a:endParaRPr>
+          </a:p>
+        </p:txBody>
+      </p:sp>
+    </p:spTree>
+    <p:extLst>
+      <p:ext uri="{BB962C8B-B14F-4D97-AF65-F5344CB8AC3E}">
+        <p14:creationId xmlns:p14="http://schemas.microsoft.com/office/powerpoint/2010/main" val="169477189"/>
+      </p:ext>
+    </p:extLst>
+  </p:cSld>
+  <p:clrMapOvr>
+    <a:masterClrMapping/>
+  </p:clrMapOvr>
+</p:sld>
+</file>
+
+<file path=ppt/slides/slide27.xml><?xml version="1.0" encoding="utf-8"?>
+<p:sld xmlns:a="http://schemas.openxmlformats.org/drawingml/2006/main" xmlns:r="http://schemas.openxmlformats.org/officeDocument/2006/relationships" xmlns:p="http://schemas.openxmlformats.org/presentationml/2006/main">
+  <p:cSld>
+    <p:spTree>
+      <p:nvGrpSpPr>
+        <p:cNvPr id="1" name=""/>
+        <p:cNvGrpSpPr/>
+        <p:nvPr/>
+      </p:nvGrpSpPr>
+      <p:grpSpPr>
+        <a:xfrm>
+          <a:off x="0" y="0"/>
+          <a:ext cx="0" cy="0"/>
+          <a:chOff x="0" y="0"/>
+          <a:chExt cx="0" cy="0"/>
+        </a:xfrm>
+      </p:grpSpPr>
+      <p:sp>
+        <p:nvSpPr>
+          <p:cNvPr id="2" name="Title 1"/>
+          <p:cNvSpPr>
+            <a:spLocks noGrp="1"/>
+          </p:cNvSpPr>
+          <p:nvPr>
+            <p:ph type="ctrTitle"/>
+          </p:nvPr>
+        </p:nvSpPr>
+        <p:spPr>
+          <a:xfrm>
+            <a:off x="364627" y="176523"/>
+            <a:ext cx="8436747" cy="862385"/>
+          </a:xfrm>
+        </p:spPr>
+        <p:txBody>
+          <a:bodyPr>
+            <a:normAutofit/>
+          </a:bodyPr>
+          <a:lstStyle/>
+          <a:p>
+            <a:r>
               <a:rPr lang="en-US" sz="3600" dirty="0" err="1">
                 <a:latin typeface="Courier"/>
                 <a:cs typeface="Courier"/>
@@ -9701,7 +9785,7 @@
 </p:sld>
 </file>
 
-<file path=ppt/slides/slide27.xml><?xml version="1.0" encoding="utf-8"?>
+<file path=ppt/slides/slide28.xml><?xml version="1.0" encoding="utf-8"?>
 <p:sld xmlns:a="http://schemas.openxmlformats.org/drawingml/2006/main" xmlns:r="http://schemas.openxmlformats.org/officeDocument/2006/relationships" xmlns:p="http://schemas.openxmlformats.org/presentationml/2006/main">
   <p:cSld>
     <p:spTree>
@@ -11929,7 +12013,7 @@
 </p:sld>
 </file>
 
-<file path=ppt/slides/slide28.xml><?xml version="1.0" encoding="utf-8"?>
+<file path=ppt/slides/slide29.xml><?xml version="1.0" encoding="utf-8"?>
 <p:sld xmlns:a="http://schemas.openxmlformats.org/drawingml/2006/main" xmlns:r="http://schemas.openxmlformats.org/officeDocument/2006/relationships" xmlns:p="http://schemas.openxmlformats.org/presentationml/2006/main">
   <p:cSld>
     <p:spTree>
@@ -12278,249 +12362,6 @@
     <p:extLst>
       <p:ext uri="{BB962C8B-B14F-4D97-AF65-F5344CB8AC3E}">
         <p14:creationId xmlns:p14="http://schemas.microsoft.com/office/powerpoint/2010/main" val="3797454864"/>
-      </p:ext>
-    </p:extLst>
-  </p:cSld>
-  <p:clrMapOvr>
-    <a:masterClrMapping/>
-  </p:clrMapOvr>
-</p:sld>
-</file>
-
-<file path=ppt/slides/slide29.xml><?xml version="1.0" encoding="utf-8"?>
-<p:sld xmlns:a="http://schemas.openxmlformats.org/drawingml/2006/main" xmlns:r="http://schemas.openxmlformats.org/officeDocument/2006/relationships" xmlns:p="http://schemas.openxmlformats.org/presentationml/2006/main">
-  <p:cSld>
-    <p:spTree>
-      <p:nvGrpSpPr>
-        <p:cNvPr id="1" name=""/>
-        <p:cNvGrpSpPr/>
-        <p:nvPr/>
-      </p:nvGrpSpPr>
-      <p:grpSpPr>
-        <a:xfrm>
-          <a:off x="0" y="0"/>
-          <a:ext cx="0" cy="0"/>
-          <a:chOff x="0" y="0"/>
-          <a:chExt cx="0" cy="0"/>
-        </a:xfrm>
-      </p:grpSpPr>
-      <p:sp>
-        <p:nvSpPr>
-          <p:cNvPr id="2" name="Title 1"/>
-          <p:cNvSpPr>
-            <a:spLocks noGrp="1"/>
-          </p:cNvSpPr>
-          <p:nvPr>
-            <p:ph type="title"/>
-          </p:nvPr>
-        </p:nvSpPr>
-        <p:spPr/>
-        <p:txBody>
-          <a:bodyPr/>
-          <a:lstStyle/>
-          <a:p>
-            <a:r>
-              <a:rPr lang="en-US" dirty="0">
-                <a:latin typeface="Calibri Light" panose="020F0302020204030204" pitchFamily="34" charset="0"/>
-                <a:cs typeface="Calibri Light" panose="020F0302020204030204" pitchFamily="34" charset="0"/>
-              </a:rPr>
-              <a:t>Try it</a:t>
-            </a:r>
-          </a:p>
-        </p:txBody>
-      </p:sp>
-      <p:sp>
-        <p:nvSpPr>
-          <p:cNvPr id="3" name="Content Placeholder 2"/>
-          <p:cNvSpPr>
-            <a:spLocks noGrp="1"/>
-          </p:cNvSpPr>
-          <p:nvPr>
-            <p:ph idx="1"/>
-          </p:nvPr>
-        </p:nvSpPr>
-        <p:spPr/>
-        <p:txBody>
-          <a:bodyPr>
-            <a:normAutofit fontScale="70000" lnSpcReduction="20000"/>
-          </a:bodyPr>
-          <a:lstStyle/>
-          <a:p>
-            <a:r>
-              <a:rPr lang="en-US" dirty="0">
-                <a:latin typeface="Calibri Light" panose="020F0302020204030204" pitchFamily="34" charset="0"/>
-                <a:cs typeface="Calibri Light" panose="020F0302020204030204" pitchFamily="34" charset="0"/>
-              </a:rPr>
-              <a:t>Show a long listing of all the </a:t>
-            </a:r>
-            <a:r>
-              <a:rPr lang="en-US" dirty="0" err="1">
-                <a:latin typeface="Calibri Light" panose="020F0302020204030204" pitchFamily="34" charset="0"/>
-                <a:cs typeface="Calibri Light" panose="020F0302020204030204" pitchFamily="34" charset="0"/>
-              </a:rPr>
-              <a:t>atp</a:t>
-            </a:r>
-            <a:r>
-              <a:rPr lang="en-US" dirty="0">
-                <a:latin typeface="Calibri Light" panose="020F0302020204030204" pitchFamily="34" charset="0"/>
-                <a:cs typeface="Calibri Light" panose="020F0302020204030204" pitchFamily="34" charset="0"/>
-              </a:rPr>
-              <a:t> genes in </a:t>
-            </a:r>
-            <a:r>
-              <a:rPr lang="en-US" dirty="0" err="1">
-                <a:latin typeface="Calibri Light" panose="020F0302020204030204" pitchFamily="34" charset="0"/>
-                <a:cs typeface="Calibri Light" panose="020F0302020204030204" pitchFamily="34" charset="0"/>
-              </a:rPr>
-              <a:t>watermelon_files</a:t>
-            </a:r>
-            <a:r>
-              <a:rPr lang="en-US" dirty="0">
-                <a:latin typeface="Calibri Light" panose="020F0302020204030204" pitchFamily="34" charset="0"/>
-                <a:cs typeface="Calibri Light" panose="020F0302020204030204" pitchFamily="34" charset="0"/>
-              </a:rPr>
-              <a:t>/aa</a:t>
-            </a:r>
-          </a:p>
-          <a:p>
-            <a:pPr marL="0" indent="0">
-              <a:buNone/>
-            </a:pPr>
-            <a:endParaRPr lang="en-US" dirty="0">
-              <a:latin typeface="Calibri Light" panose="020F0302020204030204" pitchFamily="34" charset="0"/>
-              <a:cs typeface="Calibri Light" panose="020F0302020204030204" pitchFamily="34" charset="0"/>
-            </a:endParaRPr>
-          </a:p>
-          <a:p>
-            <a:r>
-              <a:rPr lang="en-US" dirty="0">
-                <a:latin typeface="Calibri Light" panose="020F0302020204030204" pitchFamily="34" charset="0"/>
-                <a:cs typeface="Calibri Light" panose="020F0302020204030204" pitchFamily="34" charset="0"/>
-              </a:rPr>
-              <a:t>How would you show the file sizes of </a:t>
-            </a:r>
-            <a:r>
-              <a:rPr lang="en-US" dirty="0" err="1">
-                <a:latin typeface="Calibri Light" panose="020F0302020204030204" pitchFamily="34" charset="0"/>
-                <a:cs typeface="Calibri Light" panose="020F0302020204030204" pitchFamily="34" charset="0"/>
-              </a:rPr>
-              <a:t>atp</a:t>
-            </a:r>
-            <a:r>
-              <a:rPr lang="en-US" dirty="0">
-                <a:latin typeface="Calibri Light" panose="020F0302020204030204" pitchFamily="34" charset="0"/>
-                <a:cs typeface="Calibri Light" panose="020F0302020204030204" pitchFamily="34" charset="0"/>
-              </a:rPr>
-              <a:t> genes in bytes? In kilobytes?</a:t>
-            </a:r>
-          </a:p>
-          <a:p>
-            <a:pPr marL="0" indent="0">
-              <a:buNone/>
-            </a:pPr>
-            <a:endParaRPr lang="en-US" dirty="0">
-              <a:latin typeface="Calibri Light" panose="020F0302020204030204" pitchFamily="34" charset="0"/>
-              <a:cs typeface="Calibri Light" panose="020F0302020204030204" pitchFamily="34" charset="0"/>
-            </a:endParaRPr>
-          </a:p>
-          <a:p>
-            <a:r>
-              <a:rPr lang="en-US" dirty="0">
-                <a:latin typeface="Calibri Light" panose="020F0302020204030204" pitchFamily="34" charset="0"/>
-                <a:cs typeface="Calibri Light" panose="020F0302020204030204" pitchFamily="34" charset="0"/>
-              </a:rPr>
-              <a:t>List all the ribosomal protein (</a:t>
-            </a:r>
-            <a:r>
-              <a:rPr lang="en-US" dirty="0" err="1">
-                <a:latin typeface="Calibri Light" panose="020F0302020204030204" pitchFamily="34" charset="0"/>
-                <a:cs typeface="Calibri Light" panose="020F0302020204030204" pitchFamily="34" charset="0"/>
-              </a:rPr>
-              <a:t>rps</a:t>
-            </a:r>
-            <a:r>
-              <a:rPr lang="en-US" dirty="0">
-                <a:latin typeface="Calibri Light" panose="020F0302020204030204" pitchFamily="34" charset="0"/>
-                <a:cs typeface="Calibri Light" panose="020F0302020204030204" pitchFamily="34" charset="0"/>
-              </a:rPr>
-              <a:t> and </a:t>
-            </a:r>
-            <a:r>
-              <a:rPr lang="en-US" dirty="0" err="1">
-                <a:latin typeface="Calibri Light" panose="020F0302020204030204" pitchFamily="34" charset="0"/>
-                <a:cs typeface="Calibri Light" panose="020F0302020204030204" pitchFamily="34" charset="0"/>
-              </a:rPr>
-              <a:t>rpl</a:t>
-            </a:r>
-            <a:r>
-              <a:rPr lang="en-US" dirty="0">
-                <a:latin typeface="Calibri Light" panose="020F0302020204030204" pitchFamily="34" charset="0"/>
-                <a:cs typeface="Calibri Light" panose="020F0302020204030204" pitchFamily="34" charset="0"/>
-              </a:rPr>
-              <a:t>) genes in </a:t>
-            </a:r>
-            <a:r>
-              <a:rPr lang="en-US" dirty="0" err="1">
-                <a:latin typeface="Calibri Light" panose="020F0302020204030204" pitchFamily="34" charset="0"/>
-                <a:cs typeface="Calibri Light" panose="020F0302020204030204" pitchFamily="34" charset="0"/>
-              </a:rPr>
-              <a:t>watermelon_nt</a:t>
-            </a:r>
-            <a:endParaRPr lang="en-US" dirty="0">
-              <a:latin typeface="Calibri Light" panose="020F0302020204030204" pitchFamily="34" charset="0"/>
-              <a:cs typeface="Calibri Light" panose="020F0302020204030204" pitchFamily="34" charset="0"/>
-            </a:endParaRPr>
-          </a:p>
-          <a:p>
-            <a:endParaRPr lang="en-US" dirty="0">
-              <a:latin typeface="Calibri Light" panose="020F0302020204030204" pitchFamily="34" charset="0"/>
-              <a:cs typeface="Calibri Light" panose="020F0302020204030204" pitchFamily="34" charset="0"/>
-            </a:endParaRPr>
-          </a:p>
-          <a:p>
-            <a:r>
-              <a:rPr lang="en-US" dirty="0">
-                <a:latin typeface="Calibri Light" panose="020F0302020204030204" pitchFamily="34" charset="0"/>
-                <a:cs typeface="Calibri Light" panose="020F0302020204030204" pitchFamily="34" charset="0"/>
-              </a:rPr>
-              <a:t>List all the genomes in `genomes` that contain a ‘u’ in the filename</a:t>
-            </a:r>
-          </a:p>
-          <a:p>
-            <a:endParaRPr lang="en-US" dirty="0">
-              <a:latin typeface="Calibri Light" panose="020F0302020204030204" pitchFamily="34" charset="0"/>
-              <a:cs typeface="Calibri Light" panose="020F0302020204030204" pitchFamily="34" charset="0"/>
-            </a:endParaRPr>
-          </a:p>
-          <a:p>
-            <a:r>
-              <a:rPr lang="en-US" dirty="0">
-                <a:latin typeface="Calibri Light" panose="020F0302020204030204" pitchFamily="34" charset="0"/>
-                <a:cs typeface="Calibri Light" panose="020F0302020204030204" pitchFamily="34" charset="0"/>
-              </a:rPr>
-              <a:t>Based on file size, which is the largest genome in the </a:t>
-            </a:r>
-            <a:r>
-              <a:rPr lang="en-US" dirty="0" err="1">
-                <a:latin typeface="Calibri Light" panose="020F0302020204030204" pitchFamily="34" charset="0"/>
-                <a:cs typeface="Calibri Light" panose="020F0302020204030204" pitchFamily="34" charset="0"/>
-              </a:rPr>
-              <a:t>mt_genomes</a:t>
-            </a:r>
-            <a:r>
-              <a:rPr lang="en-US" dirty="0">
-                <a:latin typeface="Calibri Light" panose="020F0302020204030204" pitchFamily="34" charset="0"/>
-                <a:cs typeface="Calibri Light" panose="020F0302020204030204" pitchFamily="34" charset="0"/>
-              </a:rPr>
-              <a:t> directory?</a:t>
-            </a:r>
-          </a:p>
-        </p:txBody>
-      </p:sp>
-    </p:spTree>
-    <p:extLst>
-      <p:ext uri="{BB962C8B-B14F-4D97-AF65-F5344CB8AC3E}">
-        <p14:creationId xmlns:p14="http://schemas.microsoft.com/office/powerpoint/2010/main" val="1920273473"/>
       </p:ext>
     </p:extLst>
   </p:cSld>
@@ -12589,7 +12430,7 @@
         <p:spPr>
           <a:xfrm>
             <a:off x="527054" y="1373402"/>
-            <a:ext cx="8312963" cy="3031599"/>
+            <a:ext cx="8312963" cy="2708434"/>
           </a:xfrm>
           <a:prstGeom prst="rect">
             <a:avLst/>
@@ -12614,7 +12455,7 @@
                 <a:latin typeface="Calibri Light" panose="020F0302020204030204" pitchFamily="34" charset="0"/>
                 <a:cs typeface="Calibri Light" panose="020F0302020204030204" pitchFamily="34" charset="0"/>
               </a:rPr>
-              <a:t>Enroll in the </a:t>
+              <a:t>Find and bookmark the class </a:t>
             </a:r>
             <a:r>
               <a:rPr lang="en-US" sz="2600" dirty="0">
@@ -12622,7 +12463,7 @@
                 <a:cs typeface="Calibri Light" panose="020F0302020204030204" pitchFamily="34" charset="0"/>
                 <a:hlinkClick r:id="rId2"/>
               </a:rPr>
-              <a:t>DataCamp class</a:t>
+              <a:t>GitHub page</a:t>
             </a:r>
             <a:endParaRPr lang="en-US" sz="2600" dirty="0">
               <a:latin typeface="Calibri Light" panose="020F0302020204030204" pitchFamily="34" charset="0"/>
@@ -12642,13 +12483,41 @@
                 <a:latin typeface="Calibri Light" panose="020F0302020204030204" pitchFamily="34" charset="0"/>
                 <a:cs typeface="Calibri Light" panose="020F0302020204030204" pitchFamily="34" charset="0"/>
               </a:rPr>
-              <a:t>Register for an AHPCC user account (</a:t>
+              <a:t>Enroll in the </a:t>
             </a:r>
             <a:r>
               <a:rPr lang="en-US" sz="2600" dirty="0">
                 <a:latin typeface="Calibri Light" panose="020F0302020204030204" pitchFamily="34" charset="0"/>
                 <a:cs typeface="Calibri Light" panose="020F0302020204030204" pitchFamily="34" charset="0"/>
                 <a:hlinkClick r:id="rId3"/>
+              </a:rPr>
+              <a:t>DataCamp class</a:t>
+            </a:r>
+            <a:endParaRPr lang="en-US" sz="2600" dirty="0">
+              <a:latin typeface="Calibri Light" panose="020F0302020204030204" pitchFamily="34" charset="0"/>
+              <a:cs typeface="Calibri Light" panose="020F0302020204030204" pitchFamily="34" charset="0"/>
+            </a:endParaRPr>
+          </a:p>
+          <a:p>
+            <a:pPr marL="346075" indent="-346075">
+              <a:spcAft>
+                <a:spcPts val="1200"/>
+              </a:spcAft>
+              <a:buFont typeface="Arial"/>
+              <a:buAutoNum type="arabicPeriod"/>
+            </a:pPr>
+            <a:r>
+              <a:rPr lang="en-US" sz="2600" dirty="0">
+                <a:latin typeface="Calibri Light" panose="020F0302020204030204" pitchFamily="34" charset="0"/>
+                <a:cs typeface="Calibri Light" panose="020F0302020204030204" pitchFamily="34" charset="0"/>
+              </a:rPr>
+              <a:t>Register for an AHPCC user account (</a:t>
+            </a:r>
+            <a:r>
+              <a:rPr lang="en-US" sz="2600" dirty="0">
+                <a:latin typeface="Calibri Light" panose="020F0302020204030204" pitchFamily="34" charset="0"/>
+                <a:cs typeface="Calibri Light" panose="020F0302020204030204" pitchFamily="34" charset="0"/>
+                <a:hlinkClick r:id="rId4"/>
               </a:rPr>
               <a:t>link</a:t>
             </a:r>
@@ -12678,9 +12547,6 @@
           </a:p>
           <a:p>
             <a:pPr marL="349250" indent="-349250">
-              <a:spcAft>
-                <a:spcPts val="600"/>
-              </a:spcAft>
               <a:buFont typeface="+mj-lt"/>
               <a:buAutoNum type="arabicPeriod"/>
             </a:pPr>
@@ -12689,35 +12555,10 @@
                 <a:latin typeface="Calibri Light" panose="020F0302020204030204" pitchFamily="34" charset="0"/>
                 <a:cs typeface="Calibri Light" panose="020F0302020204030204" pitchFamily="34" charset="0"/>
               </a:rPr>
-              <a:t>Find and bookmark the class </a:t>
-            </a:r>
-            <a:r>
-              <a:rPr lang="en-US" sz="2600" dirty="0">
-                <a:latin typeface="Calibri Light" panose="020F0302020204030204" pitchFamily="34" charset="0"/>
-                <a:cs typeface="Calibri Light" panose="020F0302020204030204" pitchFamily="34" charset="0"/>
-                <a:hlinkClick r:id="rId4"/>
-              </a:rPr>
-              <a:t>GitHub page</a:t>
-            </a:r>
-            <a:endParaRPr lang="en-US" sz="2600" dirty="0">
-              <a:latin typeface="Calibri Light" panose="020F0302020204030204" pitchFamily="34" charset="0"/>
-              <a:cs typeface="Calibri Light" panose="020F0302020204030204" pitchFamily="34" charset="0"/>
-            </a:endParaRPr>
-          </a:p>
-          <a:p>
-            <a:pPr marL="349250" indent="-349250">
-              <a:buFont typeface="+mj-lt"/>
-              <a:buAutoNum type="arabicPeriod"/>
-            </a:pPr>
-            <a:r>
-              <a:rPr lang="en-US" sz="2600" dirty="0">
-                <a:latin typeface="Calibri Light" panose="020F0302020204030204" pitchFamily="34" charset="0"/>
-                <a:cs typeface="Calibri Light" panose="020F0302020204030204" pitchFamily="34" charset="0"/>
-              </a:rPr>
               <a:t>Download </a:t>
             </a:r>
             <a:r>
-              <a:rPr lang="en-US" sz="2600" dirty="0">
+              <a:rPr lang="en-US" sz="2600" dirty="0" err="1">
                 <a:solidFill>
                   <a:srgbClr val="0432FF"/>
                 </a:solidFill>
@@ -12725,18 +12566,15 @@
                 <a:ea typeface="Courier" charset="0"/>
                 <a:cs typeface="Courier" charset="0"/>
               </a:rPr>
-              <a:t>biol51573.tgz</a:t>
-            </a:r>
-          </a:p>
-          <a:p>
-            <a:pPr>
-              <a:spcAft>
-                <a:spcPts val="1200"/>
-              </a:spcAft>
-            </a:pPr>
-            <a:endParaRPr lang="en-US" sz="2600" b="1" dirty="0">
-              <a:latin typeface="Calibri Light" panose="020F0302020204030204" pitchFamily="34" charset="0"/>
-              <a:cs typeface="Calibri Light" panose="020F0302020204030204" pitchFamily="34" charset="0"/>
+              <a:t>files.tgz</a:t>
+            </a:r>
+            <a:endParaRPr lang="en-US" sz="2600" dirty="0">
+              <a:solidFill>
+                <a:srgbClr val="0432FF"/>
+              </a:solidFill>
+              <a:latin typeface="Courier" charset="0"/>
+              <a:ea typeface="Courier" charset="0"/>
+              <a:cs typeface="Courier" charset="0"/>
             </a:endParaRPr>
           </a:p>
         </p:txBody>
@@ -12755,6 +12593,256 @@
 </file>
 
 <file path=ppt/slides/slide30.xml><?xml version="1.0" encoding="utf-8"?>
+<p:sld xmlns:a="http://schemas.openxmlformats.org/drawingml/2006/main" xmlns:r="http://schemas.openxmlformats.org/officeDocument/2006/relationships" xmlns:p="http://schemas.openxmlformats.org/presentationml/2006/main">
+  <p:cSld>
+    <p:spTree>
+      <p:nvGrpSpPr>
+        <p:cNvPr id="1" name=""/>
+        <p:cNvGrpSpPr/>
+        <p:nvPr/>
+      </p:nvGrpSpPr>
+      <p:grpSpPr>
+        <a:xfrm>
+          <a:off x="0" y="0"/>
+          <a:ext cx="0" cy="0"/>
+          <a:chOff x="0" y="0"/>
+          <a:chExt cx="0" cy="0"/>
+        </a:xfrm>
+      </p:grpSpPr>
+      <p:sp>
+        <p:nvSpPr>
+          <p:cNvPr id="2" name="Title 1"/>
+          <p:cNvSpPr>
+            <a:spLocks noGrp="1"/>
+          </p:cNvSpPr>
+          <p:nvPr>
+            <p:ph type="title"/>
+          </p:nvPr>
+        </p:nvSpPr>
+        <p:spPr/>
+        <p:txBody>
+          <a:bodyPr/>
+          <a:lstStyle/>
+          <a:p>
+            <a:r>
+              <a:rPr lang="en-US" dirty="0">
+                <a:latin typeface="Calibri Light" panose="020F0302020204030204" pitchFamily="34" charset="0"/>
+                <a:cs typeface="Calibri Light" panose="020F0302020204030204" pitchFamily="34" charset="0"/>
+              </a:rPr>
+              <a:t>Try it</a:t>
+            </a:r>
+          </a:p>
+        </p:txBody>
+      </p:sp>
+      <p:sp>
+        <p:nvSpPr>
+          <p:cNvPr id="3" name="Content Placeholder 2"/>
+          <p:cNvSpPr>
+            <a:spLocks noGrp="1"/>
+          </p:cNvSpPr>
+          <p:nvPr>
+            <p:ph idx="1"/>
+          </p:nvPr>
+        </p:nvSpPr>
+        <p:spPr/>
+        <p:txBody>
+          <a:bodyPr>
+            <a:normAutofit fontScale="70000" lnSpcReduction="20000"/>
+          </a:bodyPr>
+          <a:lstStyle/>
+          <a:p>
+            <a:r>
+              <a:rPr lang="en-US" dirty="0">
+                <a:latin typeface="Calibri Light" panose="020F0302020204030204" pitchFamily="34" charset="0"/>
+                <a:cs typeface="Calibri Light" panose="020F0302020204030204" pitchFamily="34" charset="0"/>
+              </a:rPr>
+              <a:t>Show a long listing of all the </a:t>
+            </a:r>
+            <a:r>
+              <a:rPr lang="en-US" dirty="0" err="1">
+                <a:latin typeface="Calibri Light" panose="020F0302020204030204" pitchFamily="34" charset="0"/>
+                <a:cs typeface="Calibri Light" panose="020F0302020204030204" pitchFamily="34" charset="0"/>
+              </a:rPr>
+              <a:t>atp</a:t>
+            </a:r>
+            <a:r>
+              <a:rPr lang="en-US" dirty="0">
+                <a:latin typeface="Calibri Light" panose="020F0302020204030204" pitchFamily="34" charset="0"/>
+                <a:cs typeface="Calibri Light" panose="020F0302020204030204" pitchFamily="34" charset="0"/>
+              </a:rPr>
+              <a:t> genes in </a:t>
+            </a:r>
+            <a:r>
+              <a:rPr lang="en-US" err="1">
+                <a:latin typeface="Calibri Light" panose="020F0302020204030204" pitchFamily="34" charset="0"/>
+                <a:cs typeface="Calibri Light" panose="020F0302020204030204" pitchFamily="34" charset="0"/>
+              </a:rPr>
+              <a:t>watermelon</a:t>
+            </a:r>
+            <a:r>
+              <a:rPr lang="en-US">
+                <a:latin typeface="Calibri Light" panose="020F0302020204030204" pitchFamily="34" charset="0"/>
+                <a:cs typeface="Calibri Light" panose="020F0302020204030204" pitchFamily="34" charset="0"/>
+              </a:rPr>
+              <a:t>_genome/</a:t>
+            </a:r>
+            <a:r>
+              <a:rPr lang="en-US" dirty="0">
+                <a:latin typeface="Calibri Light" panose="020F0302020204030204" pitchFamily="34" charset="0"/>
+                <a:cs typeface="Calibri Light" panose="020F0302020204030204" pitchFamily="34" charset="0"/>
+              </a:rPr>
+              <a:t>aa</a:t>
+            </a:r>
+          </a:p>
+          <a:p>
+            <a:pPr marL="0" indent="0">
+              <a:buNone/>
+            </a:pPr>
+            <a:endParaRPr lang="en-US" dirty="0">
+              <a:latin typeface="Calibri Light" panose="020F0302020204030204" pitchFamily="34" charset="0"/>
+              <a:cs typeface="Calibri Light" panose="020F0302020204030204" pitchFamily="34" charset="0"/>
+            </a:endParaRPr>
+          </a:p>
+          <a:p>
+            <a:r>
+              <a:rPr lang="en-US" dirty="0">
+                <a:latin typeface="Calibri Light" panose="020F0302020204030204" pitchFamily="34" charset="0"/>
+                <a:cs typeface="Calibri Light" panose="020F0302020204030204" pitchFamily="34" charset="0"/>
+              </a:rPr>
+              <a:t>How would you show the file sizes of </a:t>
+            </a:r>
+            <a:r>
+              <a:rPr lang="en-US" dirty="0" err="1">
+                <a:latin typeface="Calibri Light" panose="020F0302020204030204" pitchFamily="34" charset="0"/>
+                <a:cs typeface="Calibri Light" panose="020F0302020204030204" pitchFamily="34" charset="0"/>
+              </a:rPr>
+              <a:t>atp</a:t>
+            </a:r>
+            <a:r>
+              <a:rPr lang="en-US" dirty="0">
+                <a:latin typeface="Calibri Light" panose="020F0302020204030204" pitchFamily="34" charset="0"/>
+                <a:cs typeface="Calibri Light" panose="020F0302020204030204" pitchFamily="34" charset="0"/>
+              </a:rPr>
+              <a:t> genes in bytes? In kilobytes?</a:t>
+            </a:r>
+          </a:p>
+          <a:p>
+            <a:pPr marL="0" indent="0">
+              <a:buNone/>
+            </a:pPr>
+            <a:endParaRPr lang="en-US" dirty="0">
+              <a:latin typeface="Calibri Light" panose="020F0302020204030204" pitchFamily="34" charset="0"/>
+              <a:cs typeface="Calibri Light" panose="020F0302020204030204" pitchFamily="34" charset="0"/>
+            </a:endParaRPr>
+          </a:p>
+          <a:p>
+            <a:r>
+              <a:rPr lang="en-US" dirty="0">
+                <a:latin typeface="Calibri Light" panose="020F0302020204030204" pitchFamily="34" charset="0"/>
+                <a:cs typeface="Calibri Light" panose="020F0302020204030204" pitchFamily="34" charset="0"/>
+              </a:rPr>
+              <a:t>List all the ribosomal protein (</a:t>
+            </a:r>
+            <a:r>
+              <a:rPr lang="en-US" dirty="0" err="1">
+                <a:latin typeface="Calibri Light" panose="020F0302020204030204" pitchFamily="34" charset="0"/>
+                <a:cs typeface="Calibri Light" panose="020F0302020204030204" pitchFamily="34" charset="0"/>
+              </a:rPr>
+              <a:t>rps</a:t>
+            </a:r>
+            <a:r>
+              <a:rPr lang="en-US" dirty="0">
+                <a:latin typeface="Calibri Light" panose="020F0302020204030204" pitchFamily="34" charset="0"/>
+                <a:cs typeface="Calibri Light" panose="020F0302020204030204" pitchFamily="34" charset="0"/>
+              </a:rPr>
+              <a:t> and </a:t>
+            </a:r>
+            <a:r>
+              <a:rPr lang="en-US" dirty="0" err="1">
+                <a:latin typeface="Calibri Light" panose="020F0302020204030204" pitchFamily="34" charset="0"/>
+                <a:cs typeface="Calibri Light" panose="020F0302020204030204" pitchFamily="34" charset="0"/>
+              </a:rPr>
+              <a:t>rpl</a:t>
+            </a:r>
+            <a:r>
+              <a:rPr lang="en-US" dirty="0">
+                <a:latin typeface="Calibri Light" panose="020F0302020204030204" pitchFamily="34" charset="0"/>
+                <a:cs typeface="Calibri Light" panose="020F0302020204030204" pitchFamily="34" charset="0"/>
+              </a:rPr>
+              <a:t>) genes in </a:t>
+            </a:r>
+            <a:r>
+              <a:rPr lang="en-US" dirty="0" err="1">
+                <a:latin typeface="Calibri Light" panose="020F0302020204030204" pitchFamily="34" charset="0"/>
+                <a:cs typeface="Calibri Light" panose="020F0302020204030204" pitchFamily="34" charset="0"/>
+              </a:rPr>
+              <a:t>watermelon_nt</a:t>
+            </a:r>
+            <a:endParaRPr lang="en-US" dirty="0">
+              <a:latin typeface="Calibri Light" panose="020F0302020204030204" pitchFamily="34" charset="0"/>
+              <a:cs typeface="Calibri Light" panose="020F0302020204030204" pitchFamily="34" charset="0"/>
+            </a:endParaRPr>
+          </a:p>
+          <a:p>
+            <a:endParaRPr lang="en-US" dirty="0">
+              <a:latin typeface="Calibri Light" panose="020F0302020204030204" pitchFamily="34" charset="0"/>
+              <a:cs typeface="Calibri Light" panose="020F0302020204030204" pitchFamily="34" charset="0"/>
+            </a:endParaRPr>
+          </a:p>
+          <a:p>
+            <a:r>
+              <a:rPr lang="en-US" dirty="0">
+                <a:latin typeface="Calibri Light" panose="020F0302020204030204" pitchFamily="34" charset="0"/>
+                <a:cs typeface="Calibri Light" panose="020F0302020204030204" pitchFamily="34" charset="0"/>
+              </a:rPr>
+              <a:t>List all the genomes in `genomes` that contain a ‘u’ in the filename</a:t>
+            </a:r>
+          </a:p>
+          <a:p>
+            <a:endParaRPr lang="en-US" dirty="0">
+              <a:latin typeface="Calibri Light" panose="020F0302020204030204" pitchFamily="34" charset="0"/>
+              <a:cs typeface="Calibri Light" panose="020F0302020204030204" pitchFamily="34" charset="0"/>
+            </a:endParaRPr>
+          </a:p>
+          <a:p>
+            <a:r>
+              <a:rPr lang="en-US" dirty="0">
+                <a:latin typeface="Calibri Light" panose="020F0302020204030204" pitchFamily="34" charset="0"/>
+                <a:cs typeface="Calibri Light" panose="020F0302020204030204" pitchFamily="34" charset="0"/>
+              </a:rPr>
+              <a:t>Based on file size, which is the largest genome in the </a:t>
+            </a:r>
+            <a:r>
+              <a:rPr lang="en-US" dirty="0" err="1">
+                <a:latin typeface="Calibri Light" panose="020F0302020204030204" pitchFamily="34" charset="0"/>
+                <a:cs typeface="Calibri Light" panose="020F0302020204030204" pitchFamily="34" charset="0"/>
+              </a:rPr>
+              <a:t>mt_genomes</a:t>
+            </a:r>
+            <a:r>
+              <a:rPr lang="en-US" dirty="0">
+                <a:latin typeface="Calibri Light" panose="020F0302020204030204" pitchFamily="34" charset="0"/>
+                <a:cs typeface="Calibri Light" panose="020F0302020204030204" pitchFamily="34" charset="0"/>
+              </a:rPr>
+              <a:t> directory?</a:t>
+            </a:r>
+          </a:p>
+        </p:txBody>
+      </p:sp>
+    </p:spTree>
+    <p:extLst>
+      <p:ext uri="{BB962C8B-B14F-4D97-AF65-F5344CB8AC3E}">
+        <p14:creationId xmlns:p14="http://schemas.microsoft.com/office/powerpoint/2010/main" val="1920273473"/>
+      </p:ext>
+    </p:extLst>
+  </p:cSld>
+  <p:clrMapOvr>
+    <a:masterClrMapping/>
+  </p:clrMapOvr>
+</p:sld>
+</file>
+
+<file path=ppt/slides/slide31.xml><?xml version="1.0" encoding="utf-8"?>
 <p:sld xmlns:a="http://schemas.openxmlformats.org/drawingml/2006/main" xmlns:r="http://schemas.openxmlformats.org/officeDocument/2006/relationships" xmlns:p="http://schemas.openxmlformats.org/presentationml/2006/main">
   <p:cSld>
     <p:spTree>
@@ -13176,7 +13264,7 @@
 </p:sld>
 </file>
 
-<file path=ppt/slides/slide31.xml><?xml version="1.0" encoding="utf-8"?>
+<file path=ppt/slides/slide32.xml><?xml version="1.0" encoding="utf-8"?>
 <p:sld xmlns:a="http://schemas.openxmlformats.org/drawingml/2006/main" xmlns:r="http://schemas.openxmlformats.org/officeDocument/2006/relationships" xmlns:p="http://schemas.openxmlformats.org/presentationml/2006/main">
   <p:cSld>
     <p:spTree>
@@ -13423,7 +13511,7 @@
 </p:sld>
 </file>
 
-<file path=ppt/slides/slide32.xml><?xml version="1.0" encoding="utf-8"?>
+<file path=ppt/slides/slide33.xml><?xml version="1.0" encoding="utf-8"?>
 <p:sld xmlns:a="http://schemas.openxmlformats.org/drawingml/2006/main" xmlns:r="http://schemas.openxmlformats.org/officeDocument/2006/relationships" xmlns:p="http://schemas.openxmlformats.org/presentationml/2006/main">
   <p:cSld>
     <p:spTree>
@@ -14071,7 +14159,7 @@
 </p:sld>
 </file>
 
-<file path=ppt/slides/slide33.xml><?xml version="1.0" encoding="utf-8"?>
+<file path=ppt/slides/slide34.xml><?xml version="1.0" encoding="utf-8"?>
 <p:sld xmlns:a="http://schemas.openxmlformats.org/drawingml/2006/main" xmlns:r="http://schemas.openxmlformats.org/officeDocument/2006/relationships" xmlns:p="http://schemas.openxmlformats.org/presentationml/2006/main">
   <p:cSld>
     <p:spTree>
@@ -14268,7 +14356,7 @@
 </p:sld>
 </file>
 
-<file path=ppt/slides/slide34.xml><?xml version="1.0" encoding="utf-8"?>
+<file path=ppt/slides/slide35.xml><?xml version="1.0" encoding="utf-8"?>
 <p:sld xmlns:a="http://schemas.openxmlformats.org/drawingml/2006/main" xmlns:r="http://schemas.openxmlformats.org/officeDocument/2006/relationships" xmlns:p="http://schemas.openxmlformats.org/presentationml/2006/main">
   <p:cSld>
     <p:spTree>
@@ -14453,7 +14541,7 @@
 </p:sld>
 </file>
 
-<file path=ppt/slides/slide35.xml><?xml version="1.0" encoding="utf-8"?>
+<file path=ppt/slides/slide36.xml><?xml version="1.0" encoding="utf-8"?>
 <p:sld xmlns:a="http://schemas.openxmlformats.org/drawingml/2006/main" xmlns:r="http://schemas.openxmlformats.org/officeDocument/2006/relationships" xmlns:p="http://schemas.openxmlformats.org/presentationml/2006/main">
   <p:cSld>
     <p:spTree>
@@ -15120,7 +15208,7 @@
 </p:sld>
 </file>
 
-<file path=ppt/slides/slide36.xml><?xml version="1.0" encoding="utf-8"?>
+<file path=ppt/slides/slide37.xml><?xml version="1.0" encoding="utf-8"?>
 <p:sld xmlns:a="http://schemas.openxmlformats.org/drawingml/2006/main" xmlns:r="http://schemas.openxmlformats.org/officeDocument/2006/relationships" xmlns:p="http://schemas.openxmlformats.org/presentationml/2006/main">
   <p:cSld>
     <p:spTree>
@@ -15330,326 +15418,6 @@
     <p:extLst>
       <p:ext uri="{BB962C8B-B14F-4D97-AF65-F5344CB8AC3E}">
         <p14:creationId xmlns:p14="http://schemas.microsoft.com/office/powerpoint/2010/main" val="456364013"/>
-      </p:ext>
-    </p:extLst>
-  </p:cSld>
-  <p:clrMapOvr>
-    <a:masterClrMapping/>
-  </p:clrMapOvr>
-</p:sld>
-</file>
-
-<file path=ppt/slides/slide37.xml><?xml version="1.0" encoding="utf-8"?>
-<p:sld xmlns:a="http://schemas.openxmlformats.org/drawingml/2006/main" xmlns:r="http://schemas.openxmlformats.org/officeDocument/2006/relationships" xmlns:p="http://schemas.openxmlformats.org/presentationml/2006/main">
-  <p:cSld>
-    <p:spTree>
-      <p:nvGrpSpPr>
-        <p:cNvPr id="1" name=""/>
-        <p:cNvGrpSpPr/>
-        <p:nvPr/>
-      </p:nvGrpSpPr>
-      <p:grpSpPr>
-        <a:xfrm>
-          <a:off x="0" y="0"/>
-          <a:ext cx="0" cy="0"/>
-          <a:chOff x="0" y="0"/>
-          <a:chExt cx="0" cy="0"/>
-        </a:xfrm>
-      </p:grpSpPr>
-      <p:sp>
-        <p:nvSpPr>
-          <p:cNvPr id="2" name="Title 1"/>
-          <p:cNvSpPr>
-            <a:spLocks noGrp="1"/>
-          </p:cNvSpPr>
-          <p:nvPr>
-            <p:ph type="ctrTitle"/>
-          </p:nvPr>
-        </p:nvSpPr>
-        <p:spPr>
-          <a:xfrm>
-            <a:off x="364627" y="176523"/>
-            <a:ext cx="8436747" cy="862385"/>
-          </a:xfrm>
-        </p:spPr>
-        <p:txBody>
-          <a:bodyPr>
-            <a:normAutofit/>
-          </a:bodyPr>
-          <a:lstStyle/>
-          <a:p>
-            <a:r>
-              <a:rPr lang="en-US" sz="3600" dirty="0"/>
-              <a:t>Common Unix commands: Viewing files</a:t>
-            </a:r>
-          </a:p>
-        </p:txBody>
-      </p:sp>
-      <p:sp>
-        <p:nvSpPr>
-          <p:cNvPr id="4" name="TextBox 3"/>
-          <p:cNvSpPr txBox="1"/>
-          <p:nvPr/>
-        </p:nvSpPr>
-        <p:spPr>
-          <a:xfrm>
-            <a:off x="229623" y="1524529"/>
-            <a:ext cx="8723875" cy="1661993"/>
-          </a:xfrm>
-          <a:prstGeom prst="rect">
-            <a:avLst/>
-          </a:prstGeom>
-          <a:noFill/>
-        </p:spPr>
-        <p:txBody>
-          <a:bodyPr wrap="square" rtlCol="0">
-            <a:spAutoFit/>
-          </a:bodyPr>
-          <a:lstStyle/>
-          <a:p>
-            <a:pPr marL="225425" lvl="1">
-              <a:spcAft>
-                <a:spcPts val="400"/>
-              </a:spcAft>
-            </a:pPr>
-            <a:r>
-              <a:rPr lang="en-US" sz="2400" dirty="0">
-                <a:latin typeface="Courier"/>
-                <a:cs typeface="Courier"/>
-              </a:rPr>
-              <a:t>$ </a:t>
-            </a:r>
-            <a:r>
-              <a:rPr lang="en-US" sz="2400" dirty="0">
-                <a:solidFill>
-                  <a:srgbClr val="0000FF"/>
-                </a:solidFill>
-                <a:latin typeface="Courier"/>
-                <a:cs typeface="Courier"/>
-              </a:rPr>
-              <a:t>less </a:t>
-            </a:r>
-            <a:r>
-              <a:rPr lang="en-US" sz="2400" u="sng" dirty="0">
-                <a:solidFill>
-                  <a:srgbClr val="0000FF"/>
-                </a:solidFill>
-                <a:latin typeface="Courier"/>
-                <a:cs typeface="Courier"/>
-              </a:rPr>
-              <a:t>filename</a:t>
-            </a:r>
-            <a:r>
-              <a:rPr lang="en-US" sz="2400" dirty="0">
-                <a:solidFill>
-                  <a:srgbClr val="3366FF"/>
-                </a:solidFill>
-                <a:latin typeface="Courier"/>
-                <a:cs typeface="Courier"/>
-              </a:rPr>
-              <a:t> </a:t>
-            </a:r>
-            <a:r>
-              <a:rPr lang="en-US" sz="2400" dirty="0">
-                <a:cs typeface="Calibri"/>
-              </a:rPr>
-              <a:t>–  view a file</a:t>
-            </a:r>
-          </a:p>
-          <a:p>
-            <a:pPr marL="225425" lvl="1">
-              <a:spcAft>
-                <a:spcPts val="400"/>
-              </a:spcAft>
-            </a:pPr>
-            <a:r>
-              <a:rPr lang="en-US" sz="2400" dirty="0">
-                <a:latin typeface="Courier"/>
-                <a:cs typeface="Calibri"/>
-              </a:rPr>
-              <a:t>  </a:t>
-            </a:r>
-            <a:r>
-              <a:rPr lang="en-US" sz="2200" dirty="0">
-                <a:latin typeface="Courier"/>
-                <a:cs typeface="Courier"/>
-              </a:rPr>
-              <a:t>$ </a:t>
-            </a:r>
-            <a:r>
-              <a:rPr lang="en-US" sz="2200" dirty="0">
-                <a:solidFill>
-                  <a:srgbClr val="0000FF"/>
-                </a:solidFill>
-                <a:latin typeface="Courier"/>
-                <a:cs typeface="Courier"/>
-              </a:rPr>
-              <a:t>less </a:t>
-            </a:r>
-            <a:r>
-              <a:rPr lang="en-US" sz="2200" dirty="0" err="1">
-                <a:solidFill>
-                  <a:srgbClr val="0000FF"/>
-                </a:solidFill>
-                <a:latin typeface="Courier"/>
-                <a:cs typeface="Courier"/>
-              </a:rPr>
-              <a:t>watermelon.fsa</a:t>
-            </a:r>
-            <a:endParaRPr lang="en-US" sz="2200" dirty="0">
-              <a:solidFill>
-                <a:srgbClr val="0000FF"/>
-              </a:solidFill>
-              <a:cs typeface="Courier"/>
-            </a:endParaRPr>
-          </a:p>
-          <a:p>
-            <a:pPr marL="1200150" lvl="1" indent="-282575">
-              <a:spcAft>
-                <a:spcPts val="400"/>
-              </a:spcAft>
-              <a:buFont typeface="Arial"/>
-              <a:buChar char="•"/>
-            </a:pPr>
-            <a:r>
-              <a:rPr lang="en-US" sz="2200" dirty="0">
-                <a:cs typeface="Courier"/>
-              </a:rPr>
-              <a:t>enhanced functionality compared to </a:t>
-            </a:r>
-            <a:r>
-              <a:rPr lang="en-US" sz="2200" dirty="0">
-                <a:latin typeface="Courier"/>
-                <a:cs typeface="Courier"/>
-              </a:rPr>
-              <a:t>more</a:t>
-            </a:r>
-            <a:r>
-              <a:rPr lang="en-US" sz="2200" dirty="0">
-                <a:cs typeface="Courier"/>
-              </a:rPr>
-              <a:t>  (less is more!)</a:t>
-            </a:r>
-          </a:p>
-          <a:p>
-            <a:pPr marL="1200150" lvl="1" indent="-282575">
-              <a:spcAft>
-                <a:spcPts val="400"/>
-              </a:spcAft>
-              <a:buFont typeface="Arial"/>
-              <a:buChar char="•"/>
-            </a:pPr>
-            <a:r>
-              <a:rPr lang="en-US" sz="2200" dirty="0">
-                <a:solidFill>
-                  <a:srgbClr val="FF0000"/>
-                </a:solidFill>
-                <a:latin typeface="Courier"/>
-                <a:cs typeface="Courier"/>
-              </a:rPr>
-              <a:t>space bar</a:t>
-            </a:r>
-            <a:r>
-              <a:rPr lang="en-US" sz="2200" dirty="0">
-                <a:cs typeface="Courier"/>
-              </a:rPr>
-              <a:t>,  </a:t>
-            </a:r>
-            <a:r>
-              <a:rPr lang="en-US" sz="2200" dirty="0">
-                <a:solidFill>
-                  <a:srgbClr val="FF0000"/>
-                </a:solidFill>
-                <a:latin typeface="Wingdings"/>
-                <a:ea typeface="Wingdings"/>
-                <a:cs typeface="Wingdings"/>
-                <a:sym typeface="Wingdings"/>
-              </a:rPr>
-              <a:t></a:t>
-            </a:r>
-            <a:r>
-              <a:rPr lang="en-US" sz="2200" dirty="0">
-                <a:ea typeface="Wingdings"/>
-                <a:cs typeface="Courier"/>
-                <a:sym typeface="Wingdings"/>
-              </a:rPr>
-              <a:t>,  </a:t>
-            </a:r>
-            <a:r>
-              <a:rPr lang="en-US" sz="2200" dirty="0">
-                <a:solidFill>
-                  <a:srgbClr val="FF0000"/>
-                </a:solidFill>
-                <a:latin typeface="Wingdings"/>
-                <a:ea typeface="Wingdings"/>
-                <a:cs typeface="Wingdings"/>
-                <a:sym typeface="Wingdings"/>
-              </a:rPr>
-              <a:t></a:t>
-            </a:r>
-            <a:r>
-              <a:rPr lang="en-US" sz="2200" dirty="0">
-                <a:ea typeface="Wingdings"/>
-                <a:cs typeface="Courier"/>
-                <a:sym typeface="Wingdings"/>
-              </a:rPr>
-              <a:t>,  </a:t>
-            </a:r>
-            <a:r>
-              <a:rPr lang="en-US" sz="2200" dirty="0">
-                <a:solidFill>
-                  <a:srgbClr val="FF0000"/>
-                </a:solidFill>
-                <a:latin typeface="Wingdings"/>
-                <a:ea typeface="Wingdings"/>
-                <a:cs typeface="Wingdings"/>
-                <a:sym typeface="Wingdings"/>
-              </a:rPr>
-              <a:t></a:t>
-            </a:r>
-            <a:r>
-              <a:rPr lang="en-US" sz="2200" dirty="0">
-                <a:ea typeface="Wingdings"/>
-                <a:cs typeface="Courier"/>
-                <a:sym typeface="Wingdings"/>
-              </a:rPr>
-              <a:t>, </a:t>
-            </a:r>
-            <a:r>
-              <a:rPr lang="en-US" sz="2200" dirty="0">
-                <a:solidFill>
-                  <a:srgbClr val="FF0000"/>
-                </a:solidFill>
-                <a:latin typeface="Wingdings"/>
-                <a:ea typeface="Wingdings"/>
-                <a:cs typeface="Wingdings"/>
-                <a:sym typeface="Wingdings"/>
-              </a:rPr>
-              <a:t></a:t>
-            </a:r>
-            <a:r>
-              <a:rPr lang="en-US" sz="2200" dirty="0">
-                <a:ea typeface="Wingdings"/>
-                <a:cs typeface="Wingdings"/>
-                <a:sym typeface="Wingdings"/>
-              </a:rPr>
-              <a:t> </a:t>
-            </a:r>
-            <a:r>
-              <a:rPr lang="en-US" sz="2200" dirty="0">
-                <a:ea typeface="Wingdings"/>
-                <a:cs typeface="Courier"/>
-                <a:sym typeface="Wingdings"/>
-              </a:rPr>
-              <a:t>to navigate</a:t>
-            </a:r>
-          </a:p>
-        </p:txBody>
-      </p:sp>
-    </p:spTree>
-    <p:extLst>
-      <p:ext uri="{BB962C8B-B14F-4D97-AF65-F5344CB8AC3E}">
-        <p14:creationId xmlns:p14="http://schemas.microsoft.com/office/powerpoint/2010/main" val="2217441898"/>
       </p:ext>
     </p:extLst>
   </p:cSld>
@@ -15700,14 +15468,7 @@
           <a:p>
             <a:r>
               <a:rPr lang="en-US" sz="3600" dirty="0"/>
-              <a:t>More on </a:t>
-            </a:r>
-            <a:r>
-              <a:rPr lang="en-US" sz="3600" dirty="0">
-                <a:latin typeface="Courier"/>
-                <a:cs typeface="Courier"/>
-              </a:rPr>
-              <a:t>less</a:t>
+              <a:t>Common Unix commands: Viewing files</a:t>
             </a:r>
           </a:p>
         </p:txBody>
@@ -15720,8 +15481,8 @@
         </p:nvSpPr>
         <p:spPr>
           <a:xfrm>
-            <a:off x="229623" y="1148451"/>
-            <a:ext cx="8723875" cy="4985980"/>
+            <a:off x="229623" y="1524529"/>
+            <a:ext cx="8723875" cy="1661993"/>
           </a:xfrm>
           <a:prstGeom prst="rect">
             <a:avLst/>
@@ -15740,6 +15501,63 @@
               </a:spcAft>
             </a:pPr>
             <a:r>
+              <a:rPr lang="en-US" sz="2400" dirty="0">
+                <a:latin typeface="Courier"/>
+                <a:cs typeface="Courier"/>
+              </a:rPr>
+              <a:t>$ </a:t>
+            </a:r>
+            <a:r>
+              <a:rPr lang="en-US" sz="2400" dirty="0">
+                <a:solidFill>
+                  <a:srgbClr val="0000FF"/>
+                </a:solidFill>
+                <a:latin typeface="Courier"/>
+                <a:cs typeface="Courier"/>
+              </a:rPr>
+              <a:t>less </a:t>
+            </a:r>
+            <a:r>
+              <a:rPr lang="en-US" sz="2400" u="sng" dirty="0">
+                <a:solidFill>
+                  <a:srgbClr val="0000FF"/>
+                </a:solidFill>
+                <a:latin typeface="Courier"/>
+                <a:cs typeface="Courier"/>
+              </a:rPr>
+              <a:t>filename</a:t>
+            </a:r>
+            <a:r>
+              <a:rPr lang="en-US" sz="2400" dirty="0">
+                <a:solidFill>
+                  <a:srgbClr val="3366FF"/>
+                </a:solidFill>
+                <a:latin typeface="Courier"/>
+                <a:cs typeface="Courier"/>
+              </a:rPr>
+              <a:t> </a:t>
+            </a:r>
+            <a:r>
+              <a:rPr lang="en-US" sz="2400" dirty="0">
+                <a:cs typeface="Calibri"/>
+              </a:rPr>
+              <a:t>–  view a file</a:t>
+            </a:r>
+          </a:p>
+          <a:p>
+            <a:pPr marL="225425" lvl="1">
+              <a:spcAft>
+                <a:spcPts val="400"/>
+              </a:spcAft>
+            </a:pPr>
+            <a:r>
+              <a:rPr lang="en-US" sz="2400" dirty="0">
+                <a:latin typeface="Courier"/>
+                <a:cs typeface="Calibri"/>
+              </a:rPr>
+              <a:t>  </a:t>
+            </a:r>
+            <a:r>
               <a:rPr lang="en-US" sz="2200" dirty="0">
                 <a:latin typeface="Courier"/>
                 <a:cs typeface="Courier"/>
@@ -15783,161 +15601,23 @@
             </a:pPr>
             <a:r>
               <a:rPr lang="en-US" sz="2200" dirty="0">
-                <a:solidFill>
-                  <a:srgbClr val="FF0000"/>
-                </a:solidFill>
-                <a:latin typeface="Courier"/>
-                <a:ea typeface="Wingdings"/>
-                <a:cs typeface="Courier"/>
-                <a:sym typeface="Wingdings"/>
-              </a:rPr>
-              <a:t>/search-term </a:t>
+                <a:cs typeface="Courier"/>
+              </a:rPr>
+              <a:t>enhanced functionality compared to </a:t>
             </a:r>
             <a:r>
               <a:rPr lang="en-US" sz="2200" dirty="0">
-                <a:cs typeface="Courier"/>
-              </a:rPr>
-              <a:t>to search</a:t>
-            </a:r>
-          </a:p>
-          <a:p>
-            <a:pPr marL="2114550" lvl="3" indent="-282575">
-              <a:spcAft>
-                <a:spcPts val="400"/>
-              </a:spcAft>
-              <a:buFont typeface="Arial"/>
-              <a:buChar char="•"/>
-            </a:pPr>
+                <a:latin typeface="Courier"/>
+                <a:cs typeface="Courier"/>
+              </a:rPr>
+              <a:t>more</a:t>
+            </a:r>
             <a:r>
               <a:rPr lang="en-US" sz="2200" dirty="0">
-                <a:solidFill>
-                  <a:srgbClr val="FF0000"/>
-                </a:solidFill>
-                <a:latin typeface="Courier"/>
-                <a:ea typeface="Wingdings"/>
-                <a:cs typeface="Courier"/>
-                <a:sym typeface="Wingdings"/>
-              </a:rPr>
-              <a:t>n</a:t>
-            </a:r>
-            <a:r>
-              <a:rPr lang="en-US" sz="2200" dirty="0">
-                <a:solidFill>
-                  <a:srgbClr val="FF0000"/>
-                </a:solidFill>
-                <a:cs typeface="Courier"/>
-              </a:rPr>
-              <a:t> </a:t>
-            </a:r>
-            <a:r>
-              <a:rPr lang="en-US" sz="2200" dirty="0">
-                <a:cs typeface="Courier"/>
-              </a:rPr>
-              <a:t> for next occurrence</a:t>
-            </a:r>
-            <a:endParaRPr lang="en-US" sz="2200" dirty="0">
-              <a:latin typeface="Courier"/>
-              <a:ea typeface="Wingdings"/>
-              <a:cs typeface="Courier"/>
-              <a:sym typeface="Wingdings"/>
-            </a:endParaRPr>
-          </a:p>
-          <a:p>
-            <a:pPr marL="2114550" lvl="3" indent="-282575">
-              <a:spcAft>
-                <a:spcPts val="400"/>
-              </a:spcAft>
-              <a:buFont typeface="Arial"/>
-              <a:buChar char="•"/>
-            </a:pPr>
-            <a:r>
-              <a:rPr lang="en-US" sz="2200" dirty="0">
-                <a:solidFill>
-                  <a:srgbClr val="FF0000"/>
-                </a:solidFill>
-                <a:latin typeface="Courier"/>
-                <a:ea typeface="Wingdings"/>
-                <a:cs typeface="Courier"/>
-                <a:sym typeface="Wingdings"/>
-              </a:rPr>
-              <a:t>N</a:t>
-            </a:r>
-            <a:r>
-              <a:rPr lang="en-US" sz="2200" dirty="0">
-                <a:solidFill>
-                  <a:srgbClr val="FF0000"/>
-                </a:solidFill>
-                <a:cs typeface="Courier"/>
-              </a:rPr>
-              <a:t>  </a:t>
-            </a:r>
-            <a:r>
-              <a:rPr lang="en-US" sz="2200" dirty="0">
-                <a:cs typeface="Courier"/>
-              </a:rPr>
-              <a:t>for previous occurrence</a:t>
-            </a:r>
-          </a:p>
-          <a:p>
-            <a:pPr marL="2114550" lvl="3" indent="-282575">
-              <a:spcAft>
-                <a:spcPts val="400"/>
-              </a:spcAft>
-              <a:buFont typeface="Arial"/>
-              <a:buChar char="•"/>
-            </a:pPr>
-            <a:r>
-              <a:rPr lang="en-US" sz="2200" dirty="0">
-                <a:solidFill>
-                  <a:srgbClr val="FF0000"/>
-                </a:solidFill>
-                <a:latin typeface="Wingdings"/>
-                <a:ea typeface="Wingdings"/>
-                <a:cs typeface="Wingdings"/>
-                <a:sym typeface="Wingdings"/>
-              </a:rPr>
-              <a:t></a:t>
-            </a:r>
-            <a:r>
-              <a:rPr lang="en-US" sz="2200" dirty="0">
-                <a:solidFill>
-                  <a:srgbClr val="FF0000"/>
-                </a:solidFill>
-                <a:ea typeface="Wingdings"/>
-                <a:cs typeface="Courier"/>
-                <a:sym typeface="Wingdings"/>
-              </a:rPr>
-              <a:t>  </a:t>
-            </a:r>
-            <a:r>
-              <a:rPr lang="en-US" sz="2200" dirty="0">
-                <a:ea typeface="Wingdings"/>
-                <a:cs typeface="Courier"/>
-                <a:sym typeface="Wingdings"/>
-              </a:rPr>
-              <a:t>and  </a:t>
-            </a:r>
-            <a:r>
-              <a:rPr lang="en-US" sz="2200" dirty="0">
-                <a:solidFill>
-                  <a:srgbClr val="FF0000"/>
-                </a:solidFill>
-                <a:latin typeface="Wingdings"/>
-                <a:ea typeface="Wingdings"/>
-                <a:cs typeface="Wingdings"/>
-                <a:sym typeface="Wingdings"/>
-              </a:rPr>
-              <a:t></a:t>
-            </a:r>
-            <a:endParaRPr lang="en-US" sz="2200" dirty="0">
-              <a:solidFill>
-                <a:srgbClr val="FF0000"/>
-              </a:solidFill>
-              <a:latin typeface="Courier"/>
-              <a:ea typeface="Wingdings"/>
-              <a:cs typeface="Courier"/>
-              <a:sym typeface="Wingdings"/>
-            </a:endParaRPr>
+                <a:cs typeface="Courier"/>
+              </a:rPr>
+              <a:t>  (less is more!)</a:t>
+            </a:r>
           </a:p>
           <a:p>
             <a:pPr marL="1200150" lvl="1" indent="-282575">
@@ -15952,89 +15632,28 @@
                 <a:solidFill>
                   <a:srgbClr val="FF0000"/>
                 </a:solidFill>
-                <a:cs typeface="Courier"/>
-              </a:rPr>
-              <a:t>g  </a:t>
+                <a:latin typeface="Courier"/>
+                <a:cs typeface="Courier"/>
+              </a:rPr>
+              <a:t>space bar</a:t>
             </a:r>
             <a:r>
               <a:rPr lang="en-US" sz="2200" dirty="0">
                 <a:cs typeface="Courier"/>
               </a:rPr>
-              <a:t>to top of file</a:t>
-            </a:r>
-            <a:endParaRPr lang="en-US" sz="2200" dirty="0">
-              <a:latin typeface="Courier"/>
-              <a:ea typeface="Wingdings"/>
-              <a:cs typeface="Courier"/>
-              <a:sym typeface="Wingdings"/>
-            </a:endParaRPr>
-          </a:p>
-          <a:p>
-            <a:pPr marL="1200150" lvl="1" indent="-282575">
-              <a:spcAft>
-                <a:spcPts val="400"/>
-              </a:spcAft>
-              <a:buFont typeface="Arial"/>
-              <a:buChar char="•"/>
-            </a:pPr>
+              <a:t>,  </a:t>
+            </a:r>
             <a:r>
               <a:rPr lang="en-US" sz="2200" dirty="0">
                 <a:solidFill>
                   <a:srgbClr val="FF0000"/>
                 </a:solidFill>
-                <a:latin typeface="Courier"/>
+                <a:latin typeface="Wingdings"/>
                 <a:ea typeface="Wingdings"/>
-                <a:cs typeface="Courier"/>
+                <a:cs typeface="Wingdings"/>
                 <a:sym typeface="Wingdings"/>
               </a:rPr>
-              <a:t>G</a:t>
-            </a:r>
-            <a:r>
-              <a:rPr lang="en-US" sz="2200" dirty="0">
-                <a:solidFill>
-                  <a:srgbClr val="FF0000"/>
-                </a:solidFill>
-                <a:cs typeface="Courier"/>
-              </a:rPr>
-              <a:t>  </a:t>
-            </a:r>
-            <a:r>
-              <a:rPr lang="en-US" sz="2200" dirty="0">
-                <a:cs typeface="Courier"/>
-              </a:rPr>
-              <a:t>to bottom of file</a:t>
-            </a:r>
-          </a:p>
-          <a:p>
-            <a:pPr marL="1200150" lvl="1" indent="-282575">
-              <a:spcAft>
-                <a:spcPts val="400"/>
-              </a:spcAft>
-              <a:buFont typeface="Arial"/>
-              <a:buChar char="•"/>
-            </a:pPr>
-            <a:r>
-              <a:rPr lang="en-US" sz="2200" dirty="0">
-                <a:solidFill>
-                  <a:srgbClr val="FF0000"/>
-                </a:solidFill>
-                <a:latin typeface="Courier"/>
-                <a:ea typeface="Wingdings"/>
-                <a:cs typeface="Courier"/>
-                <a:sym typeface="Wingdings"/>
-              </a:rPr>
-              <a:t>q</a:t>
-            </a:r>
-            <a:r>
-              <a:rPr lang="en-US" sz="2200" dirty="0">
-                <a:solidFill>
-                  <a:srgbClr val="FF0000"/>
-                </a:solidFill>
-                <a:ea typeface="Wingdings"/>
-                <a:cs typeface="Courier"/>
-                <a:sym typeface="Wingdings"/>
-              </a:rPr>
-              <a:t>  </a:t>
+              <a:t></a:t>
             </a:r>
             <a:r>
               <a:rPr lang="en-US" sz="2200" dirty="0">
@@ -16042,173 +15661,83 @@
                 <a:cs typeface="Courier"/>
                 <a:sym typeface="Wingdings"/>
               </a:rPr>
-              <a:t>to exit</a:t>
-            </a:r>
-          </a:p>
-          <a:p>
-            <a:pPr marL="1200150" lvl="1" indent="-282575">
-              <a:spcAft>
-                <a:spcPts val="400"/>
-              </a:spcAft>
-              <a:buFont typeface="Arial"/>
-              <a:buChar char="•"/>
-            </a:pPr>
+              <a:t>,  </a:t>
+            </a:r>
+            <a:r>
+              <a:rPr lang="en-US" sz="2200" dirty="0">
+                <a:solidFill>
+                  <a:srgbClr val="FF0000"/>
+                </a:solidFill>
+                <a:latin typeface="Wingdings"/>
+                <a:ea typeface="Wingdings"/>
+                <a:cs typeface="Wingdings"/>
+                <a:sym typeface="Wingdings"/>
+              </a:rPr>
+              <a:t></a:t>
+            </a:r>
             <a:r>
               <a:rPr lang="en-US" sz="2200" dirty="0">
                 <a:ea typeface="Wingdings"/>
                 <a:cs typeface="Courier"/>
                 <a:sym typeface="Wingdings"/>
               </a:rPr>
-              <a:t>Lots of options</a:t>
-            </a:r>
-          </a:p>
-          <a:p>
-            <a:pPr marL="225425" lvl="1">
-              <a:spcAft>
-                <a:spcPts val="400"/>
-              </a:spcAft>
-            </a:pPr>
-            <a:r>
-              <a:rPr lang="en-US" sz="2000" dirty="0">
-                <a:solidFill>
-                  <a:srgbClr val="3366FF"/>
-                </a:solidFill>
-                <a:latin typeface="Courier"/>
-                <a:cs typeface="Courier"/>
-              </a:rPr>
-              <a:t>				</a:t>
-            </a:r>
-            <a:r>
-              <a:rPr lang="en-US" sz="2000" dirty="0">
-                <a:solidFill>
-                  <a:srgbClr val="0000FF"/>
-                </a:solidFill>
-                <a:latin typeface="Courier"/>
-                <a:cs typeface="Courier"/>
-              </a:rPr>
-              <a:t>-</a:t>
-            </a:r>
-            <a:r>
-              <a:rPr lang="en-US" sz="2000" dirty="0" err="1">
-                <a:solidFill>
-                  <a:srgbClr val="0000FF"/>
-                </a:solidFill>
-                <a:latin typeface="Courier"/>
-                <a:cs typeface="Courier"/>
-              </a:rPr>
-              <a:t>i</a:t>
-            </a:r>
-            <a:r>
-              <a:rPr lang="en-US" sz="2000" dirty="0">
-                <a:solidFill>
-                  <a:srgbClr val="3366FF"/>
-                </a:solidFill>
-                <a:latin typeface="Courier"/>
-                <a:cs typeface="Courier"/>
+              <a:t>,  </a:t>
+            </a:r>
+            <a:r>
+              <a:rPr lang="en-US" sz="2200" dirty="0">
+                <a:solidFill>
+                  <a:srgbClr val="FF0000"/>
+                </a:solidFill>
+                <a:latin typeface="Wingdings"/>
+                <a:ea typeface="Wingdings"/>
+                <a:cs typeface="Wingdings"/>
+                <a:sym typeface="Wingdings"/>
+              </a:rPr>
+              <a:t></a:t>
+            </a:r>
+            <a:r>
+              <a:rPr lang="en-US" sz="2200" dirty="0">
+                <a:ea typeface="Wingdings"/>
+                <a:cs typeface="Courier"/>
+                <a:sym typeface="Wingdings"/>
+              </a:rPr>
+              <a:t>, </a:t>
+            </a:r>
+            <a:r>
+              <a:rPr lang="en-US" sz="2200" dirty="0">
+                <a:solidFill>
+                  <a:srgbClr val="FF0000"/>
+                </a:solidFill>
+                <a:latin typeface="Wingdings"/>
+                <a:ea typeface="Wingdings"/>
+                <a:cs typeface="Wingdings"/>
+                <a:sym typeface="Wingdings"/>
+              </a:rPr>
+              <a:t></a:t>
+            </a:r>
+            <a:r>
+              <a:rPr lang="en-US" sz="2200" dirty="0">
+                <a:ea typeface="Wingdings"/>
+                <a:cs typeface="Wingdings"/>
+                <a:sym typeface="Wingdings"/>
               </a:rPr>
               <a:t> </a:t>
             </a:r>
             <a:r>
-              <a:rPr lang="en-US" sz="2000" dirty="0">
-                <a:cs typeface="Courier"/>
-              </a:rPr>
-              <a:t>: </a:t>
-            </a:r>
-            <a:r>
-              <a:rPr lang="en-US" sz="2000" u="sng" dirty="0">
-                <a:cs typeface="Courier"/>
-              </a:rPr>
-              <a:t>i</a:t>
-            </a:r>
-            <a:r>
-              <a:rPr lang="en-US" sz="2000" dirty="0">
-                <a:cs typeface="Courier"/>
-              </a:rPr>
-              <a:t>gnore case when searching</a:t>
-            </a:r>
-          </a:p>
-          <a:p>
-            <a:pPr marL="225425" lvl="1">
-              <a:spcAft>
-                <a:spcPts val="400"/>
-              </a:spcAft>
-            </a:pPr>
-            <a:r>
-              <a:rPr lang="en-US" sz="2000" dirty="0">
-                <a:solidFill>
-                  <a:srgbClr val="0000FF"/>
-                </a:solidFill>
-                <a:latin typeface="Courier"/>
-                <a:cs typeface="Courier"/>
-              </a:rPr>
-              <a:t>				-S</a:t>
-            </a:r>
-            <a:r>
-              <a:rPr lang="en-US" sz="2000" dirty="0">
-                <a:solidFill>
-                  <a:srgbClr val="3366FF"/>
-                </a:solidFill>
-                <a:latin typeface="Courier"/>
-                <a:cs typeface="Courier"/>
-              </a:rPr>
-              <a:t> </a:t>
-            </a:r>
-            <a:r>
-              <a:rPr lang="en-US" sz="2000" dirty="0">
-                <a:cs typeface="Courier"/>
-              </a:rPr>
-              <a:t>: do NOT fold long lines</a:t>
-            </a:r>
-          </a:p>
-          <a:p>
-            <a:pPr marL="225425" lvl="1">
-              <a:spcAft>
-                <a:spcPts val="400"/>
-              </a:spcAft>
-            </a:pPr>
-            <a:r>
-              <a:rPr lang="en-US" sz="2000" dirty="0">
-                <a:solidFill>
-                  <a:srgbClr val="0000FF"/>
-                </a:solidFill>
-                <a:latin typeface="Courier"/>
-                <a:cs typeface="Courier"/>
-              </a:rPr>
-              <a:t>				-N</a:t>
-            </a:r>
-            <a:r>
-              <a:rPr lang="en-US" sz="2000" dirty="0">
-                <a:solidFill>
-                  <a:srgbClr val="3366FF"/>
-                </a:solidFill>
-                <a:latin typeface="Courier"/>
-                <a:cs typeface="Courier"/>
-              </a:rPr>
-              <a:t> </a:t>
-            </a:r>
-            <a:r>
-              <a:rPr lang="en-US" sz="2000" dirty="0">
-                <a:cs typeface="Courier"/>
-              </a:rPr>
-              <a:t>: show line numbers</a:t>
-            </a:r>
-          </a:p>
-          <a:p>
-            <a:pPr marL="225425" lvl="1">
-              <a:spcAft>
-                <a:spcPts val="400"/>
-              </a:spcAft>
-            </a:pPr>
-            <a:endParaRPr lang="en-US" sz="2000" dirty="0">
-              <a:cs typeface="Courier"/>
-            </a:endParaRPr>
+              <a:rPr lang="en-US" sz="2200" dirty="0">
+                <a:ea typeface="Wingdings"/>
+                <a:cs typeface="Courier"/>
+                <a:sym typeface="Wingdings"/>
+              </a:rPr>
+              <a:t>to navigate</a:t>
+            </a:r>
           </a:p>
         </p:txBody>
       </p:sp>
     </p:spTree>
     <p:extLst>
       <p:ext uri="{BB962C8B-B14F-4D97-AF65-F5344CB8AC3E}">
-        <p14:creationId xmlns:p14="http://schemas.microsoft.com/office/powerpoint/2010/main" val="1750925381"/>
+        <p14:creationId xmlns:p14="http://schemas.microsoft.com/office/powerpoint/2010/main" val="2217441898"/>
       </p:ext>
     </p:extLst>
   </p:cSld>
@@ -16313,27 +15842,7 @@
                 <a:latin typeface="Courier"/>
                 <a:cs typeface="Courier"/>
               </a:rPr>
-              <a:t>less -</a:t>
-            </a:r>
-            <a:r>
-              <a:rPr lang="en-US" sz="2200" dirty="0" err="1">
-                <a:solidFill>
-                  <a:srgbClr val="0000FF"/>
-                </a:solidFill>
-                <a:latin typeface="Courier"/>
-                <a:cs typeface="Courier"/>
-              </a:rPr>
-              <a:t>iSN</a:t>
-            </a:r>
-            <a:r>
-              <a:rPr lang="en-US" sz="2200" dirty="0">
-                <a:solidFill>
-                  <a:srgbClr val="0000FF"/>
-                </a:solidFill>
-                <a:latin typeface="Courier"/>
-                <a:cs typeface="Courier"/>
-              </a:rPr>
-              <a:t> </a:t>
+              <a:t>less </a:t>
             </a:r>
             <a:r>
               <a:rPr lang="en-US" sz="2200" dirty="0" err="1">
@@ -16787,7 +16296,7 @@
     </p:spTree>
     <p:extLst>
       <p:ext uri="{BB962C8B-B14F-4D97-AF65-F5344CB8AC3E}">
-        <p14:creationId xmlns:p14="http://schemas.microsoft.com/office/powerpoint/2010/main" val="2436858173"/>
+        <p14:creationId xmlns:p14="http://schemas.microsoft.com/office/powerpoint/2010/main" val="1750925381"/>
       </p:ext>
     </p:extLst>
   </p:cSld>
@@ -17061,6 +16570,585 @@
 </file>
 
 <file path=ppt/slides/slide40.xml><?xml version="1.0" encoding="utf-8"?>
+<p:sld xmlns:a="http://schemas.openxmlformats.org/drawingml/2006/main" xmlns:r="http://schemas.openxmlformats.org/officeDocument/2006/relationships" xmlns:p="http://schemas.openxmlformats.org/presentationml/2006/main">
+  <p:cSld>
+    <p:spTree>
+      <p:nvGrpSpPr>
+        <p:cNvPr id="1" name=""/>
+        <p:cNvGrpSpPr/>
+        <p:nvPr/>
+      </p:nvGrpSpPr>
+      <p:grpSpPr>
+        <a:xfrm>
+          <a:off x="0" y="0"/>
+          <a:ext cx="0" cy="0"/>
+          <a:chOff x="0" y="0"/>
+          <a:chExt cx="0" cy="0"/>
+        </a:xfrm>
+      </p:grpSpPr>
+      <p:sp>
+        <p:nvSpPr>
+          <p:cNvPr id="2" name="Title 1"/>
+          <p:cNvSpPr>
+            <a:spLocks noGrp="1"/>
+          </p:cNvSpPr>
+          <p:nvPr>
+            <p:ph type="ctrTitle"/>
+          </p:nvPr>
+        </p:nvSpPr>
+        <p:spPr>
+          <a:xfrm>
+            <a:off x="364627" y="176523"/>
+            <a:ext cx="8436747" cy="862385"/>
+          </a:xfrm>
+        </p:spPr>
+        <p:txBody>
+          <a:bodyPr>
+            <a:normAutofit/>
+          </a:bodyPr>
+          <a:lstStyle/>
+          <a:p>
+            <a:r>
+              <a:rPr lang="en-US" sz="3600" dirty="0"/>
+              <a:t>More on </a:t>
+            </a:r>
+            <a:r>
+              <a:rPr lang="en-US" sz="3600" dirty="0">
+                <a:latin typeface="Courier"/>
+                <a:cs typeface="Courier"/>
+              </a:rPr>
+              <a:t>less</a:t>
+            </a:r>
+          </a:p>
+        </p:txBody>
+      </p:sp>
+      <p:sp>
+        <p:nvSpPr>
+          <p:cNvPr id="4" name="TextBox 3"/>
+          <p:cNvSpPr txBox="1"/>
+          <p:nvPr/>
+        </p:nvSpPr>
+        <p:spPr>
+          <a:xfrm>
+            <a:off x="229623" y="1148451"/>
+            <a:ext cx="8723875" cy="4985980"/>
+          </a:xfrm>
+          <a:prstGeom prst="rect">
+            <a:avLst/>
+          </a:prstGeom>
+          <a:noFill/>
+        </p:spPr>
+        <p:txBody>
+          <a:bodyPr wrap="square" rtlCol="0">
+            <a:spAutoFit/>
+          </a:bodyPr>
+          <a:lstStyle/>
+          <a:p>
+            <a:pPr marL="225425" lvl="1">
+              <a:spcAft>
+                <a:spcPts val="400"/>
+              </a:spcAft>
+            </a:pPr>
+            <a:r>
+              <a:rPr lang="en-US" sz="2200" dirty="0">
+                <a:latin typeface="Courier"/>
+                <a:cs typeface="Courier"/>
+              </a:rPr>
+              <a:t>$ </a:t>
+            </a:r>
+            <a:r>
+              <a:rPr lang="en-US" sz="2200" dirty="0">
+                <a:solidFill>
+                  <a:srgbClr val="0000FF"/>
+                </a:solidFill>
+                <a:latin typeface="Courier"/>
+                <a:cs typeface="Courier"/>
+              </a:rPr>
+              <a:t>less -</a:t>
+            </a:r>
+            <a:r>
+              <a:rPr lang="en-US" sz="2200" dirty="0" err="1">
+                <a:solidFill>
+                  <a:srgbClr val="0000FF"/>
+                </a:solidFill>
+                <a:latin typeface="Courier"/>
+                <a:cs typeface="Courier"/>
+              </a:rPr>
+              <a:t>iSN</a:t>
+            </a:r>
+            <a:r>
+              <a:rPr lang="en-US" sz="2200" dirty="0">
+                <a:solidFill>
+                  <a:srgbClr val="0000FF"/>
+                </a:solidFill>
+                <a:latin typeface="Courier"/>
+                <a:cs typeface="Courier"/>
+              </a:rPr>
+              <a:t> </a:t>
+            </a:r>
+            <a:r>
+              <a:rPr lang="en-US" sz="2200" dirty="0" err="1">
+                <a:solidFill>
+                  <a:srgbClr val="0000FF"/>
+                </a:solidFill>
+                <a:latin typeface="Courier"/>
+                <a:cs typeface="Courier"/>
+              </a:rPr>
+              <a:t>watermelon.fsa</a:t>
+            </a:r>
+            <a:endParaRPr lang="en-US" sz="2200" dirty="0">
+              <a:solidFill>
+                <a:srgbClr val="0000FF"/>
+              </a:solidFill>
+              <a:cs typeface="Courier"/>
+            </a:endParaRPr>
+          </a:p>
+          <a:p>
+            <a:pPr marL="1200150" lvl="1" indent="-282575">
+              <a:spcAft>
+                <a:spcPts val="400"/>
+              </a:spcAft>
+              <a:buFont typeface="Arial"/>
+              <a:buChar char="•"/>
+            </a:pPr>
+            <a:r>
+              <a:rPr lang="en-US" sz="2200" dirty="0">
+                <a:solidFill>
+                  <a:srgbClr val="FF0000"/>
+                </a:solidFill>
+                <a:latin typeface="Courier"/>
+                <a:ea typeface="Wingdings"/>
+                <a:cs typeface="Courier"/>
+                <a:sym typeface="Wingdings"/>
+              </a:rPr>
+              <a:t>/search-term </a:t>
+            </a:r>
+            <a:r>
+              <a:rPr lang="en-US" sz="2200" dirty="0">
+                <a:cs typeface="Courier"/>
+              </a:rPr>
+              <a:t>to search</a:t>
+            </a:r>
+          </a:p>
+          <a:p>
+            <a:pPr marL="2114550" lvl="3" indent="-282575">
+              <a:spcAft>
+                <a:spcPts val="400"/>
+              </a:spcAft>
+              <a:buFont typeface="Arial"/>
+              <a:buChar char="•"/>
+            </a:pPr>
+            <a:r>
+              <a:rPr lang="en-US" sz="2200" dirty="0">
+                <a:solidFill>
+                  <a:srgbClr val="FF0000"/>
+                </a:solidFill>
+                <a:latin typeface="Courier"/>
+                <a:ea typeface="Wingdings"/>
+                <a:cs typeface="Courier"/>
+                <a:sym typeface="Wingdings"/>
+              </a:rPr>
+              <a:t>n</a:t>
+            </a:r>
+            <a:r>
+              <a:rPr lang="en-US" sz="2200" dirty="0">
+                <a:solidFill>
+                  <a:srgbClr val="FF0000"/>
+                </a:solidFill>
+                <a:cs typeface="Courier"/>
+              </a:rPr>
+              <a:t> </a:t>
+            </a:r>
+            <a:r>
+              <a:rPr lang="en-US" sz="2200" dirty="0">
+                <a:cs typeface="Courier"/>
+              </a:rPr>
+              <a:t> for next occurrence</a:t>
+            </a:r>
+            <a:endParaRPr lang="en-US" sz="2200" dirty="0">
+              <a:latin typeface="Courier"/>
+              <a:ea typeface="Wingdings"/>
+              <a:cs typeface="Courier"/>
+              <a:sym typeface="Wingdings"/>
+            </a:endParaRPr>
+          </a:p>
+          <a:p>
+            <a:pPr marL="2114550" lvl="3" indent="-282575">
+              <a:spcAft>
+                <a:spcPts val="400"/>
+              </a:spcAft>
+              <a:buFont typeface="Arial"/>
+              <a:buChar char="•"/>
+            </a:pPr>
+            <a:r>
+              <a:rPr lang="en-US" sz="2200" dirty="0">
+                <a:solidFill>
+                  <a:srgbClr val="FF0000"/>
+                </a:solidFill>
+                <a:latin typeface="Courier"/>
+                <a:ea typeface="Wingdings"/>
+                <a:cs typeface="Courier"/>
+                <a:sym typeface="Wingdings"/>
+              </a:rPr>
+              <a:t>N</a:t>
+            </a:r>
+            <a:r>
+              <a:rPr lang="en-US" sz="2200" dirty="0">
+                <a:solidFill>
+                  <a:srgbClr val="FF0000"/>
+                </a:solidFill>
+                <a:cs typeface="Courier"/>
+              </a:rPr>
+              <a:t>  </a:t>
+            </a:r>
+            <a:r>
+              <a:rPr lang="en-US" sz="2200" dirty="0">
+                <a:cs typeface="Courier"/>
+              </a:rPr>
+              <a:t>for previous occurrence</a:t>
+            </a:r>
+          </a:p>
+          <a:p>
+            <a:pPr marL="2114550" lvl="3" indent="-282575">
+              <a:spcAft>
+                <a:spcPts val="400"/>
+              </a:spcAft>
+              <a:buFont typeface="Arial"/>
+              <a:buChar char="•"/>
+            </a:pPr>
+            <a:r>
+              <a:rPr lang="en-US" sz="2200" dirty="0">
+                <a:solidFill>
+                  <a:srgbClr val="FF0000"/>
+                </a:solidFill>
+                <a:latin typeface="Wingdings"/>
+                <a:ea typeface="Wingdings"/>
+                <a:cs typeface="Wingdings"/>
+                <a:sym typeface="Wingdings"/>
+              </a:rPr>
+              <a:t></a:t>
+            </a:r>
+            <a:r>
+              <a:rPr lang="en-US" sz="2200" dirty="0">
+                <a:solidFill>
+                  <a:srgbClr val="FF0000"/>
+                </a:solidFill>
+                <a:ea typeface="Wingdings"/>
+                <a:cs typeface="Courier"/>
+                <a:sym typeface="Wingdings"/>
+              </a:rPr>
+              <a:t>  </a:t>
+            </a:r>
+            <a:r>
+              <a:rPr lang="en-US" sz="2200" dirty="0">
+                <a:ea typeface="Wingdings"/>
+                <a:cs typeface="Courier"/>
+                <a:sym typeface="Wingdings"/>
+              </a:rPr>
+              <a:t>and  </a:t>
+            </a:r>
+            <a:r>
+              <a:rPr lang="en-US" sz="2200" dirty="0">
+                <a:solidFill>
+                  <a:srgbClr val="FF0000"/>
+                </a:solidFill>
+                <a:latin typeface="Wingdings"/>
+                <a:ea typeface="Wingdings"/>
+                <a:cs typeface="Wingdings"/>
+                <a:sym typeface="Wingdings"/>
+              </a:rPr>
+              <a:t></a:t>
+            </a:r>
+            <a:endParaRPr lang="en-US" sz="2200" dirty="0">
+              <a:solidFill>
+                <a:srgbClr val="FF0000"/>
+              </a:solidFill>
+              <a:latin typeface="Courier"/>
+              <a:ea typeface="Wingdings"/>
+              <a:cs typeface="Courier"/>
+              <a:sym typeface="Wingdings"/>
+            </a:endParaRPr>
+          </a:p>
+          <a:p>
+            <a:pPr marL="1200150" lvl="1" indent="-282575">
+              <a:spcAft>
+                <a:spcPts val="400"/>
+              </a:spcAft>
+              <a:buFont typeface="Arial"/>
+              <a:buChar char="•"/>
+            </a:pPr>
+            <a:r>
+              <a:rPr lang="en-US" sz="2200" dirty="0">
+                <a:solidFill>
+                  <a:srgbClr val="FF0000"/>
+                </a:solidFill>
+                <a:cs typeface="Courier"/>
+              </a:rPr>
+              <a:t>g  </a:t>
+            </a:r>
+            <a:r>
+              <a:rPr lang="en-US" sz="2200" dirty="0">
+                <a:cs typeface="Courier"/>
+              </a:rPr>
+              <a:t>to top of file</a:t>
+            </a:r>
+            <a:endParaRPr lang="en-US" sz="2200" dirty="0">
+              <a:latin typeface="Courier"/>
+              <a:ea typeface="Wingdings"/>
+              <a:cs typeface="Courier"/>
+              <a:sym typeface="Wingdings"/>
+            </a:endParaRPr>
+          </a:p>
+          <a:p>
+            <a:pPr marL="1200150" lvl="1" indent="-282575">
+              <a:spcAft>
+                <a:spcPts val="400"/>
+              </a:spcAft>
+              <a:buFont typeface="Arial"/>
+              <a:buChar char="•"/>
+            </a:pPr>
+            <a:r>
+              <a:rPr lang="en-US" sz="2200" dirty="0">
+                <a:solidFill>
+                  <a:srgbClr val="FF0000"/>
+                </a:solidFill>
+                <a:latin typeface="Courier"/>
+                <a:ea typeface="Wingdings"/>
+                <a:cs typeface="Courier"/>
+                <a:sym typeface="Wingdings"/>
+              </a:rPr>
+              <a:t>G</a:t>
+            </a:r>
+            <a:r>
+              <a:rPr lang="en-US" sz="2200" dirty="0">
+                <a:solidFill>
+                  <a:srgbClr val="FF0000"/>
+                </a:solidFill>
+                <a:cs typeface="Courier"/>
+              </a:rPr>
+              <a:t>  </a:t>
+            </a:r>
+            <a:r>
+              <a:rPr lang="en-US" sz="2200" dirty="0">
+                <a:cs typeface="Courier"/>
+              </a:rPr>
+              <a:t>to bottom of file</a:t>
+            </a:r>
+          </a:p>
+          <a:p>
+            <a:pPr marL="1200150" lvl="1" indent="-282575">
+              <a:spcAft>
+                <a:spcPts val="400"/>
+              </a:spcAft>
+              <a:buFont typeface="Arial"/>
+              <a:buChar char="•"/>
+            </a:pPr>
+            <a:r>
+              <a:rPr lang="en-US" sz="2200" dirty="0">
+                <a:solidFill>
+                  <a:srgbClr val="FF0000"/>
+                </a:solidFill>
+                <a:latin typeface="Courier"/>
+                <a:ea typeface="Wingdings"/>
+                <a:cs typeface="Courier"/>
+                <a:sym typeface="Wingdings"/>
+              </a:rPr>
+              <a:t>q</a:t>
+            </a:r>
+            <a:r>
+              <a:rPr lang="en-US" sz="2200" dirty="0">
+                <a:solidFill>
+                  <a:srgbClr val="FF0000"/>
+                </a:solidFill>
+                <a:ea typeface="Wingdings"/>
+                <a:cs typeface="Courier"/>
+                <a:sym typeface="Wingdings"/>
+              </a:rPr>
+              <a:t>  </a:t>
+            </a:r>
+            <a:r>
+              <a:rPr lang="en-US" sz="2200" dirty="0">
+                <a:ea typeface="Wingdings"/>
+                <a:cs typeface="Courier"/>
+                <a:sym typeface="Wingdings"/>
+              </a:rPr>
+              <a:t>to exit</a:t>
+            </a:r>
+          </a:p>
+          <a:p>
+            <a:pPr marL="1200150" lvl="1" indent="-282575">
+              <a:spcAft>
+                <a:spcPts val="400"/>
+              </a:spcAft>
+              <a:buFont typeface="Arial"/>
+              <a:buChar char="•"/>
+            </a:pPr>
+            <a:r>
+              <a:rPr lang="en-US" sz="2200" dirty="0">
+                <a:ea typeface="Wingdings"/>
+                <a:cs typeface="Courier"/>
+                <a:sym typeface="Wingdings"/>
+              </a:rPr>
+              <a:t>Lots of options</a:t>
+            </a:r>
+          </a:p>
+          <a:p>
+            <a:pPr marL="225425" lvl="1">
+              <a:spcAft>
+                <a:spcPts val="400"/>
+              </a:spcAft>
+            </a:pPr>
+            <a:r>
+              <a:rPr lang="en-US" sz="2000" dirty="0">
+                <a:solidFill>
+                  <a:srgbClr val="3366FF"/>
+                </a:solidFill>
+                <a:latin typeface="Courier"/>
+                <a:cs typeface="Courier"/>
+              </a:rPr>
+              <a:t>				</a:t>
+            </a:r>
+            <a:r>
+              <a:rPr lang="en-US" sz="2000" dirty="0">
+                <a:solidFill>
+                  <a:srgbClr val="0000FF"/>
+                </a:solidFill>
+                <a:latin typeface="Courier"/>
+                <a:cs typeface="Courier"/>
+              </a:rPr>
+              <a:t>-</a:t>
+            </a:r>
+            <a:r>
+              <a:rPr lang="en-US" sz="2000" dirty="0" err="1">
+                <a:solidFill>
+                  <a:srgbClr val="0000FF"/>
+                </a:solidFill>
+                <a:latin typeface="Courier"/>
+                <a:cs typeface="Courier"/>
+              </a:rPr>
+              <a:t>i</a:t>
+            </a:r>
+            <a:r>
+              <a:rPr lang="en-US" sz="2000" dirty="0">
+                <a:solidFill>
+                  <a:srgbClr val="3366FF"/>
+                </a:solidFill>
+                <a:latin typeface="Courier"/>
+                <a:cs typeface="Courier"/>
+              </a:rPr>
+              <a:t> </a:t>
+            </a:r>
+            <a:r>
+              <a:rPr lang="en-US" sz="2000" dirty="0">
+                <a:cs typeface="Courier"/>
+              </a:rPr>
+              <a:t>: </a:t>
+            </a:r>
+            <a:r>
+              <a:rPr lang="en-US" sz="2000" u="sng" dirty="0">
+                <a:cs typeface="Courier"/>
+              </a:rPr>
+              <a:t>i</a:t>
+            </a:r>
+            <a:r>
+              <a:rPr lang="en-US" sz="2000" dirty="0">
+                <a:cs typeface="Courier"/>
+              </a:rPr>
+              <a:t>gnore case when searching</a:t>
+            </a:r>
+          </a:p>
+          <a:p>
+            <a:pPr marL="225425" lvl="1">
+              <a:spcAft>
+                <a:spcPts val="400"/>
+              </a:spcAft>
+            </a:pPr>
+            <a:r>
+              <a:rPr lang="en-US" sz="2000" dirty="0">
+                <a:solidFill>
+                  <a:srgbClr val="0000FF"/>
+                </a:solidFill>
+                <a:latin typeface="Courier"/>
+                <a:cs typeface="Courier"/>
+              </a:rPr>
+              <a:t>				-S</a:t>
+            </a:r>
+            <a:r>
+              <a:rPr lang="en-US" sz="2000" dirty="0">
+                <a:solidFill>
+                  <a:srgbClr val="3366FF"/>
+                </a:solidFill>
+                <a:latin typeface="Courier"/>
+                <a:cs typeface="Courier"/>
+              </a:rPr>
+              <a:t> </a:t>
+            </a:r>
+            <a:r>
+              <a:rPr lang="en-US" sz="2000" dirty="0">
+                <a:cs typeface="Courier"/>
+              </a:rPr>
+              <a:t>: do NOT fold long lines</a:t>
+            </a:r>
+          </a:p>
+          <a:p>
+            <a:pPr marL="225425" lvl="1">
+              <a:spcAft>
+                <a:spcPts val="400"/>
+              </a:spcAft>
+            </a:pPr>
+            <a:r>
+              <a:rPr lang="en-US" sz="2000" dirty="0">
+                <a:solidFill>
+                  <a:srgbClr val="0000FF"/>
+                </a:solidFill>
+                <a:latin typeface="Courier"/>
+                <a:cs typeface="Courier"/>
+              </a:rPr>
+              <a:t>				-N</a:t>
+            </a:r>
+            <a:r>
+              <a:rPr lang="en-US" sz="2000" dirty="0">
+                <a:solidFill>
+                  <a:srgbClr val="3366FF"/>
+                </a:solidFill>
+                <a:latin typeface="Courier"/>
+                <a:cs typeface="Courier"/>
+              </a:rPr>
+              <a:t> </a:t>
+            </a:r>
+            <a:r>
+              <a:rPr lang="en-US" sz="2000" dirty="0">
+                <a:cs typeface="Courier"/>
+              </a:rPr>
+              <a:t>: show line numbers</a:t>
+            </a:r>
+          </a:p>
+          <a:p>
+            <a:pPr marL="225425" lvl="1">
+              <a:spcAft>
+                <a:spcPts val="400"/>
+              </a:spcAft>
+            </a:pPr>
+            <a:endParaRPr lang="en-US" sz="2000" dirty="0">
+              <a:cs typeface="Courier"/>
+            </a:endParaRPr>
+          </a:p>
+        </p:txBody>
+      </p:sp>
+    </p:spTree>
+    <p:extLst>
+      <p:ext uri="{BB962C8B-B14F-4D97-AF65-F5344CB8AC3E}">
+        <p14:creationId xmlns:p14="http://schemas.microsoft.com/office/powerpoint/2010/main" val="2436858173"/>
+      </p:ext>
+    </p:extLst>
+  </p:cSld>
+  <p:clrMapOvr>
+    <a:masterClrMapping/>
+  </p:clrMapOvr>
+</p:sld>
+</file>
+
+<file path=ppt/slides/slide41.xml><?xml version="1.0" encoding="utf-8"?>
 <p:sld xmlns:a="http://schemas.openxmlformats.org/drawingml/2006/main" xmlns:r="http://schemas.openxmlformats.org/officeDocument/2006/relationships" xmlns:p="http://schemas.openxmlformats.org/presentationml/2006/main">
   <p:cSld>
     <p:spTree>

--- a/lectures/01_intro.pptx
+++ b/lectures/01_intro.pptx
@@ -12673,25 +12673,18 @@
               <a:t> genes in </a:t>
             </a:r>
             <a:r>
-              <a:rPr lang="en-US" err="1">
+              <a:rPr lang="en-US" dirty="0" err="1">
                 <a:latin typeface="Calibri Light" panose="020F0302020204030204" pitchFamily="34" charset="0"/>
                 <a:cs typeface="Calibri Light" panose="020F0302020204030204" pitchFamily="34" charset="0"/>
               </a:rPr>
-              <a:t>watermelon</a:t>
-            </a:r>
-            <a:r>
-              <a:rPr lang="en-US">
-                <a:latin typeface="Calibri Light" panose="020F0302020204030204" pitchFamily="34" charset="0"/>
-                <a:cs typeface="Calibri Light" panose="020F0302020204030204" pitchFamily="34" charset="0"/>
-              </a:rPr>
-              <a:t>_genome/</a:t>
+              <a:t>watermelon_genome</a:t>
             </a:r>
             <a:r>
               <a:rPr lang="en-US" dirty="0">
                 <a:latin typeface="Calibri Light" panose="020F0302020204030204" pitchFamily="34" charset="0"/>
                 <a:cs typeface="Calibri Light" panose="020F0302020204030204" pitchFamily="34" charset="0"/>
               </a:rPr>
-              <a:t>aa</a:t>
+              <a:t>/aa</a:t>
             </a:r>
           </a:p>
           <a:p>
